--- a/module-1/01-11 Documenting your Web API with OpenAPI/01-11 Documenting your Web API with OpenAPI.pptx
+++ b/module-1/01-11 Documenting your Web API with OpenAPI/01-11 Documenting your Web API with OpenAPI.pptx
@@ -2,7 +2,7 @@
 <file path=ppt/presentation.xml><?xml version="1.0" encoding="utf-8"?>
 <p:presentation xmlns:a="http://schemas.openxmlformats.org/drawingml/2006/main" xmlns:r="http://schemas.openxmlformats.org/officeDocument/2006/relationships" xmlns:p="http://schemas.openxmlformats.org/presentationml/2006/main" saveSubsetFonts="1">
   <p:sldMasterIdLst>
-    <p:sldMasterId id="2147483672" r:id="rId1"/>
+    <p:sldMasterId id="2147483684" r:id="rId1"/>
   </p:sldMasterIdLst>
   <p:sldIdLst>
     <p:sldId id="256" r:id="rId2"/>
@@ -104,6 +104,11 @@
       </a:defRPr>
     </a:lvl9pPr>
   </p:defaultTextStyle>
+  <p:extLst>
+    <p:ext uri="{EFAFB233-063F-42B5-8137-9DF3F51BA10A}">
+      <p15:sldGuideLst xmlns:p15="http://schemas.microsoft.com/office/powerpoint/2012/main"/>
+    </p:ext>
+  </p:extLst>
 </p:presentation>
 </file>
 
@@ -139,7 +144,9 @@
             <a:avLst/>
           </a:prstGeom>
           <a:solidFill>
-            <a:schemeClr val="accent2"/>
+            <a:schemeClr val="accent1">
+              <a:lumMod val="75000"/>
+            </a:schemeClr>
           </a:solidFill>
           <a:ln>
             <a:noFill/>
@@ -333,7 +340,7 @@
           <a:p>
             <a:fld id="{D0D085E7-9E2C-420E-876E-E1FF698191B0}" type="datetimeFigureOut">
               <a:rPr lang="en-US" smtClean="0"/>
-              <a:t>8/30/2021</a:t>
+              <a:t>9/14/2021</a:t>
             </a:fld>
             <a:endParaRPr lang="en-US"/>
           </a:p>
@@ -422,7 +429,7 @@
     </p:spTree>
     <p:extLst>
       <p:ext uri="{BB962C8B-B14F-4D97-AF65-F5344CB8AC3E}">
-        <p14:creationId xmlns:p14="http://schemas.microsoft.com/office/powerpoint/2010/main" val="3960502124"/>
+        <p14:creationId xmlns:p14="http://schemas.microsoft.com/office/powerpoint/2010/main" val="2268865699"/>
       </p:ext>
     </p:extLst>
   </p:cSld>
@@ -541,7 +548,7 @@
           <a:p>
             <a:fld id="{D0D085E7-9E2C-420E-876E-E1FF698191B0}" type="datetimeFigureOut">
               <a:rPr lang="en-US" smtClean="0"/>
-              <a:t>8/30/2021</a:t>
+              <a:t>9/14/2021</a:t>
             </a:fld>
             <a:endParaRPr lang="en-US"/>
           </a:p>
@@ -592,7 +599,7 @@
     </p:spTree>
     <p:extLst>
       <p:ext uri="{BB962C8B-B14F-4D97-AF65-F5344CB8AC3E}">
-        <p14:creationId xmlns:p14="http://schemas.microsoft.com/office/powerpoint/2010/main" val="4100254682"/>
+        <p14:creationId xmlns:p14="http://schemas.microsoft.com/office/powerpoint/2010/main" val="3427150700"/>
       </p:ext>
     </p:extLst>
   </p:cSld>
@@ -634,7 +641,9 @@
             <a:avLst/>
           </a:prstGeom>
           <a:solidFill>
-            <a:schemeClr val="accent2"/>
+            <a:schemeClr val="accent1">
+              <a:lumMod val="75000"/>
+            </a:schemeClr>
           </a:solidFill>
           <a:ln>
             <a:noFill/>
@@ -797,7 +806,7 @@
           <a:p>
             <a:fld id="{D0D085E7-9E2C-420E-876E-E1FF698191B0}" type="datetimeFigureOut">
               <a:rPr lang="en-US" smtClean="0"/>
-              <a:t>8/30/2021</a:t>
+              <a:t>9/14/2021</a:t>
             </a:fld>
             <a:endParaRPr lang="en-US"/>
           </a:p>
@@ -848,7 +857,7 @@
     </p:spTree>
     <p:extLst>
       <p:ext uri="{BB962C8B-B14F-4D97-AF65-F5344CB8AC3E}">
-        <p14:creationId xmlns:p14="http://schemas.microsoft.com/office/powerpoint/2010/main" val="4021444399"/>
+        <p14:creationId xmlns:p14="http://schemas.microsoft.com/office/powerpoint/2010/main" val="3377509587"/>
       </p:ext>
     </p:extLst>
   </p:cSld>
@@ -967,7 +976,7 @@
           <a:p>
             <a:fld id="{D0D085E7-9E2C-420E-876E-E1FF698191B0}" type="datetimeFigureOut">
               <a:rPr lang="en-US" smtClean="0"/>
-              <a:t>8/30/2021</a:t>
+              <a:t>9/14/2021</a:t>
             </a:fld>
             <a:endParaRPr lang="en-US"/>
           </a:p>
@@ -1018,7 +1027,7 @@
     </p:spTree>
     <p:extLst>
       <p:ext uri="{BB962C8B-B14F-4D97-AF65-F5344CB8AC3E}">
-        <p14:creationId xmlns:p14="http://schemas.microsoft.com/office/powerpoint/2010/main" val="2381749513"/>
+        <p14:creationId xmlns:p14="http://schemas.microsoft.com/office/powerpoint/2010/main" val="1448676476"/>
       </p:ext>
     </p:extLst>
   </p:cSld>
@@ -1031,14 +1040,6 @@
 <file path=ppt/slideLayouts/slideLayout3.xml><?xml version="1.0" encoding="utf-8"?>
 <p:sldLayout xmlns:a="http://schemas.openxmlformats.org/drawingml/2006/main" xmlns:r="http://schemas.openxmlformats.org/officeDocument/2006/relationships" xmlns:p="http://schemas.openxmlformats.org/presentationml/2006/main" showMasterSp="0" type="secHead" preserve="1">
   <p:cSld name="Section Header">
-    <p:bg>
-      <p:bgPr>
-        <a:solidFill>
-          <a:schemeClr val="bg1"/>
-        </a:solidFill>
-        <a:effectLst/>
-      </p:bgPr>
-    </p:bg>
     <p:spTree>
       <p:nvGrpSpPr>
         <p:cNvPr id="1" name=""/>
@@ -1068,7 +1069,9 @@
             <a:avLst/>
           </a:prstGeom>
           <a:solidFill>
-            <a:schemeClr val="accent2"/>
+            <a:schemeClr val="accent1">
+              <a:lumMod val="75000"/>
+            </a:schemeClr>
           </a:solidFill>
           <a:ln>
             <a:noFill/>
@@ -1310,7 +1313,7 @@
           <a:p>
             <a:fld id="{D0D085E7-9E2C-420E-876E-E1FF698191B0}" type="datetimeFigureOut">
               <a:rPr lang="en-US" smtClean="0"/>
-              <a:t>8/30/2021</a:t>
+              <a:t>9/14/2021</a:t>
             </a:fld>
             <a:endParaRPr lang="en-US"/>
           </a:p>
@@ -1399,7 +1402,7 @@
     </p:spTree>
     <p:extLst>
       <p:ext uri="{BB962C8B-B14F-4D97-AF65-F5344CB8AC3E}">
-        <p14:creationId xmlns:p14="http://schemas.microsoft.com/office/powerpoint/2010/main" val="369596922"/>
+        <p14:creationId xmlns:p14="http://schemas.microsoft.com/office/powerpoint/2010/main" val="396740987"/>
       </p:ext>
     </p:extLst>
   </p:cSld>
@@ -1467,7 +1470,7 @@
         <p:spPr>
           <a:xfrm>
             <a:off x="1097278" y="1845734"/>
-            <a:ext cx="4937760" cy="4023360"/>
+            <a:ext cx="4937760" cy="4023359"/>
           </a:xfrm>
         </p:spPr>
         <p:txBody>
@@ -1585,7 +1588,7 @@
           <a:p>
             <a:fld id="{D0D085E7-9E2C-420E-876E-E1FF698191B0}" type="datetimeFigureOut">
               <a:rPr lang="en-US" smtClean="0"/>
-              <a:t>8/30/2021</a:t>
+              <a:t>9/14/2021</a:t>
             </a:fld>
             <a:endParaRPr lang="en-US"/>
           </a:p>
@@ -1636,7 +1639,7 @@
     </p:spTree>
     <p:extLst>
       <p:ext uri="{BB962C8B-B14F-4D97-AF65-F5344CB8AC3E}">
-        <p14:creationId xmlns:p14="http://schemas.microsoft.com/office/powerpoint/2010/main" val="2156307939"/>
+        <p14:creationId xmlns:p14="http://schemas.microsoft.com/office/powerpoint/2010/main" val="3864664516"/>
       </p:ext>
     </p:extLst>
   </p:cSld>
@@ -1716,7 +1719,9 @@
               <a:buNone/>
               <a:defRPr sz="2000" b="0" cap="all" baseline="0">
                 <a:solidFill>
-                  <a:schemeClr val="tx2"/>
+                  <a:schemeClr val="tx2">
+                    <a:lumMod val="90000"/>
+                  </a:schemeClr>
                 </a:solidFill>
               </a:defRPr>
             </a:lvl1pPr>
@@ -1844,7 +1849,9 @@
               <a:buNone/>
               <a:defRPr sz="2000" b="0" cap="all" baseline="0">
                 <a:solidFill>
-                  <a:schemeClr val="tx2"/>
+                  <a:schemeClr val="tx2">
+                    <a:lumMod val="90000"/>
+                  </a:schemeClr>
                 </a:solidFill>
               </a:defRPr>
             </a:lvl1pPr>
@@ -1964,7 +1971,7 @@
           <a:p>
             <a:fld id="{D0D085E7-9E2C-420E-876E-E1FF698191B0}" type="datetimeFigureOut">
               <a:rPr lang="en-US" smtClean="0"/>
-              <a:t>8/30/2021</a:t>
+              <a:t>9/14/2021</a:t>
             </a:fld>
             <a:endParaRPr lang="en-US"/>
           </a:p>
@@ -2015,7 +2022,7 @@
     </p:spTree>
     <p:extLst>
       <p:ext uri="{BB962C8B-B14F-4D97-AF65-F5344CB8AC3E}">
-        <p14:creationId xmlns:p14="http://schemas.microsoft.com/office/powerpoint/2010/main" val="3408091642"/>
+        <p14:creationId xmlns:p14="http://schemas.microsoft.com/office/powerpoint/2010/main" val="3086726267"/>
       </p:ext>
     </p:extLst>
   </p:cSld>
@@ -2082,7 +2089,7 @@
           <a:p>
             <a:fld id="{D0D085E7-9E2C-420E-876E-E1FF698191B0}" type="datetimeFigureOut">
               <a:rPr lang="en-US" smtClean="0"/>
-              <a:t>8/30/2021</a:t>
+              <a:t>9/14/2021</a:t>
             </a:fld>
             <a:endParaRPr lang="en-US"/>
           </a:p>
@@ -2133,7 +2140,7 @@
     </p:spTree>
     <p:extLst>
       <p:ext uri="{BB962C8B-B14F-4D97-AF65-F5344CB8AC3E}">
-        <p14:creationId xmlns:p14="http://schemas.microsoft.com/office/powerpoint/2010/main" val="1696045426"/>
+        <p14:creationId xmlns:p14="http://schemas.microsoft.com/office/powerpoint/2010/main" val="635011149"/>
       </p:ext>
     </p:extLst>
   </p:cSld>
@@ -2175,7 +2182,9 @@
             <a:avLst/>
           </a:prstGeom>
           <a:solidFill>
-            <a:schemeClr val="accent2"/>
+            <a:schemeClr val="accent1">
+              <a:lumMod val="75000"/>
+            </a:schemeClr>
           </a:solidFill>
           <a:ln>
             <a:noFill/>
@@ -2253,7 +2262,7 @@
           <a:p>
             <a:fld id="{D0D085E7-9E2C-420E-876E-E1FF698191B0}" type="datetimeFigureOut">
               <a:rPr lang="en-US" smtClean="0"/>
-              <a:t>8/30/2021</a:t>
+              <a:t>9/14/2021</a:t>
             </a:fld>
             <a:endParaRPr lang="en-US"/>
           </a:p>
@@ -2312,7 +2321,7 @@
     </p:spTree>
     <p:extLst>
       <p:ext uri="{BB962C8B-B14F-4D97-AF65-F5344CB8AC3E}">
-        <p14:creationId xmlns:p14="http://schemas.microsoft.com/office/powerpoint/2010/main" val="1469760870"/>
+        <p14:creationId xmlns:p14="http://schemas.microsoft.com/office/powerpoint/2010/main" val="1718995542"/>
       </p:ext>
     </p:extLst>
   </p:cSld>
@@ -2347,14 +2356,16 @@
         </p:nvSpPr>
         <p:spPr>
           <a:xfrm>
-            <a:off x="16" y="0"/>
+            <a:off x="0" y="0"/>
             <a:ext cx="4050791" cy="6858000"/>
           </a:xfrm>
           <a:prstGeom prst="rect">
             <a:avLst/>
           </a:prstGeom>
           <a:solidFill>
-            <a:schemeClr val="accent2"/>
+            <a:schemeClr val="accent1">
+              <a:lumMod val="75000"/>
+            </a:schemeClr>
           </a:solidFill>
           <a:ln>
             <a:noFill/>
@@ -2607,7 +2618,7 @@
           <a:p>
             <a:fld id="{D0D085E7-9E2C-420E-876E-E1FF698191B0}" type="datetimeFigureOut">
               <a:rPr lang="en-US" smtClean="0"/>
-              <a:t>8/30/2021</a:t>
+              <a:t>9/14/2021</a:t>
             </a:fld>
             <a:endParaRPr lang="en-US"/>
           </a:p>
@@ -2679,7 +2690,7 @@
     </p:spTree>
     <p:extLst>
       <p:ext uri="{BB962C8B-B14F-4D97-AF65-F5344CB8AC3E}">
-        <p14:creationId xmlns:p14="http://schemas.microsoft.com/office/powerpoint/2010/main" val="3432973389"/>
+        <p14:creationId xmlns:p14="http://schemas.microsoft.com/office/powerpoint/2010/main" val="1933031022"/>
       </p:ext>
     </p:extLst>
   </p:cSld>
@@ -2708,20 +2719,20 @@
       </p:grpSpPr>
       <p:sp>
         <p:nvSpPr>
-          <p:cNvPr id="8" name="Rectangle 7"/>
+          <p:cNvPr id="9" name="Rectangle 8"/>
           <p:cNvSpPr/>
           <p:nvPr/>
         </p:nvSpPr>
         <p:spPr>
           <a:xfrm>
-            <a:off x="0" y="4953000"/>
-            <a:ext cx="12188825" cy="1905000"/>
+            <a:off x="15" y="4915076"/>
+            <a:ext cx="12188825" cy="64008"/>
           </a:xfrm>
           <a:prstGeom prst="rect">
             <a:avLst/>
           </a:prstGeom>
           <a:solidFill>
-            <a:schemeClr val="accent2"/>
+            <a:schemeClr val="accent1"/>
           </a:solidFill>
           <a:ln>
             <a:noFill/>
@@ -2746,20 +2757,338 @@
       </p:sp>
       <p:sp>
         <p:nvSpPr>
-          <p:cNvPr id="9" name="Rectangle 8"/>
+          <p:cNvPr id="2" name="Title 1"/>
+          <p:cNvSpPr>
+            <a:spLocks noGrp="1"/>
+          </p:cNvSpPr>
+          <p:nvPr>
+            <p:ph type="title"/>
+          </p:nvPr>
+        </p:nvSpPr>
+        <p:spPr>
+          <a:xfrm>
+            <a:off x="1097280" y="5074920"/>
+            <a:ext cx="10113645" cy="822960"/>
+          </a:xfrm>
+        </p:spPr>
+        <p:txBody>
+          <a:bodyPr tIns="0" bIns="0" anchor="b">
+            <a:noAutofit/>
+          </a:bodyPr>
+          <a:lstStyle>
+            <a:lvl1pPr>
+              <a:defRPr sz="3600" b="0">
+                <a:solidFill>
+                  <a:schemeClr val="tx1"/>
+                </a:solidFill>
+              </a:defRPr>
+            </a:lvl1pPr>
+          </a:lstStyle>
+          <a:p>
+            <a:r>
+              <a:rPr lang="en-US"/>
+              <a:t>Click to edit Master title style</a:t>
+            </a:r>
+            <a:endParaRPr lang="en-US" dirty="0"/>
+          </a:p>
+        </p:txBody>
+      </p:sp>
+      <p:sp>
+        <p:nvSpPr>
+          <p:cNvPr id="3" name="Picture Placeholder 2"/>
+          <p:cNvSpPr>
+            <a:spLocks noGrp="1" noChangeAspect="1"/>
+          </p:cNvSpPr>
+          <p:nvPr>
+            <p:ph type="pic" idx="1"/>
+          </p:nvPr>
+        </p:nvSpPr>
+        <p:spPr>
+          <a:xfrm>
+            <a:off x="15" y="0"/>
+            <a:ext cx="12191985" cy="4915076"/>
+          </a:xfrm>
+          <a:solidFill>
+            <a:schemeClr val="bg1">
+              <a:lumMod val="50000"/>
+              <a:lumOff val="50000"/>
+            </a:schemeClr>
+          </a:solidFill>
+        </p:spPr>
+        <p:txBody>
+          <a:bodyPr lIns="457200" tIns="457200" anchor="t"/>
+          <a:lstStyle>
+            <a:lvl1pPr marL="0" indent="0">
+              <a:buNone/>
+              <a:defRPr sz="3200"/>
+            </a:lvl1pPr>
+            <a:lvl2pPr marL="457200" indent="0">
+              <a:buNone/>
+              <a:defRPr sz="2800"/>
+            </a:lvl2pPr>
+            <a:lvl3pPr marL="914400" indent="0">
+              <a:buNone/>
+              <a:defRPr sz="2400"/>
+            </a:lvl3pPr>
+            <a:lvl4pPr marL="1371600" indent="0">
+              <a:buNone/>
+              <a:defRPr sz="2000"/>
+            </a:lvl4pPr>
+            <a:lvl5pPr marL="1828800" indent="0">
+              <a:buNone/>
+              <a:defRPr sz="2000"/>
+            </a:lvl5pPr>
+            <a:lvl6pPr marL="2286000" indent="0">
+              <a:buNone/>
+              <a:defRPr sz="2000"/>
+            </a:lvl6pPr>
+            <a:lvl7pPr marL="2743200" indent="0">
+              <a:buNone/>
+              <a:defRPr sz="2000"/>
+            </a:lvl7pPr>
+            <a:lvl8pPr marL="3200400" indent="0">
+              <a:buNone/>
+              <a:defRPr sz="2000"/>
+            </a:lvl8pPr>
+            <a:lvl9pPr marL="3657600" indent="0">
+              <a:buNone/>
+              <a:defRPr sz="2000"/>
+            </a:lvl9pPr>
+          </a:lstStyle>
+          <a:p>
+            <a:r>
+              <a:rPr lang="en-US"/>
+              <a:t>Click icon to add picture</a:t>
+            </a:r>
+            <a:endParaRPr lang="en-US" dirty="0"/>
+          </a:p>
+        </p:txBody>
+      </p:sp>
+      <p:sp>
+        <p:nvSpPr>
+          <p:cNvPr id="4" name="Text Placeholder 3"/>
+          <p:cNvSpPr>
+            <a:spLocks noGrp="1"/>
+          </p:cNvSpPr>
+          <p:nvPr>
+            <p:ph type="body" sz="half" idx="2"/>
+          </p:nvPr>
+        </p:nvSpPr>
+        <p:spPr>
+          <a:xfrm>
+            <a:off x="1097280" y="5907024"/>
+            <a:ext cx="10113264" cy="594360"/>
+          </a:xfrm>
+        </p:spPr>
+        <p:txBody>
+          <a:bodyPr lIns="91440" tIns="0" rIns="91440" bIns="0">
+            <a:normAutofit/>
+          </a:bodyPr>
+          <a:lstStyle>
+            <a:lvl1pPr marL="0" indent="0">
+              <a:spcBef>
+                <a:spcPts val="0"/>
+              </a:spcBef>
+              <a:spcAft>
+                <a:spcPts val="600"/>
+              </a:spcAft>
+              <a:buNone/>
+              <a:defRPr sz="1500">
+                <a:solidFill>
+                  <a:schemeClr val="tx1"/>
+                </a:solidFill>
+              </a:defRPr>
+            </a:lvl1pPr>
+            <a:lvl2pPr marL="457200" indent="0">
+              <a:buNone/>
+              <a:defRPr sz="1200"/>
+            </a:lvl2pPr>
+            <a:lvl3pPr marL="914400" indent="0">
+              <a:buNone/>
+              <a:defRPr sz="1000"/>
+            </a:lvl3pPr>
+            <a:lvl4pPr marL="1371600" indent="0">
+              <a:buNone/>
+              <a:defRPr sz="900"/>
+            </a:lvl4pPr>
+            <a:lvl5pPr marL="1828800" indent="0">
+              <a:buNone/>
+              <a:defRPr sz="900"/>
+            </a:lvl5pPr>
+            <a:lvl6pPr marL="2286000" indent="0">
+              <a:buNone/>
+              <a:defRPr sz="900"/>
+            </a:lvl6pPr>
+            <a:lvl7pPr marL="2743200" indent="0">
+              <a:buNone/>
+              <a:defRPr sz="900"/>
+            </a:lvl7pPr>
+            <a:lvl8pPr marL="3200400" indent="0">
+              <a:buNone/>
+              <a:defRPr sz="900"/>
+            </a:lvl8pPr>
+            <a:lvl9pPr marL="3657600" indent="0">
+              <a:buNone/>
+              <a:defRPr sz="900"/>
+            </a:lvl9pPr>
+          </a:lstStyle>
+          <a:p>
+            <a:pPr lvl="0"/>
+            <a:r>
+              <a:rPr lang="en-US"/>
+              <a:t>Click to edit Master text styles</a:t>
+            </a:r>
+          </a:p>
+        </p:txBody>
+      </p:sp>
+      <p:sp>
+        <p:nvSpPr>
+          <p:cNvPr id="5" name="Date Placeholder 4"/>
+          <p:cNvSpPr>
+            <a:spLocks noGrp="1"/>
+          </p:cNvSpPr>
+          <p:nvPr>
+            <p:ph type="dt" sz="half" idx="10"/>
+          </p:nvPr>
+        </p:nvSpPr>
+        <p:spPr/>
+        <p:txBody>
+          <a:bodyPr/>
+          <a:lstStyle>
+            <a:lvl1pPr>
+              <a:defRPr>
+                <a:solidFill>
+                  <a:schemeClr val="tx2"/>
+                </a:solidFill>
+              </a:defRPr>
+            </a:lvl1pPr>
+          </a:lstStyle>
+          <a:p>
+            <a:fld id="{D0D085E7-9E2C-420E-876E-E1FF698191B0}" type="datetimeFigureOut">
+              <a:rPr lang="en-US" smtClean="0"/>
+              <a:t>9/14/2021</a:t>
+            </a:fld>
+            <a:endParaRPr lang="en-US"/>
+          </a:p>
+        </p:txBody>
+      </p:sp>
+      <p:sp>
+        <p:nvSpPr>
+          <p:cNvPr id="6" name="Footer Placeholder 5"/>
+          <p:cNvSpPr>
+            <a:spLocks noGrp="1"/>
+          </p:cNvSpPr>
+          <p:nvPr>
+            <p:ph type="ftr" sz="quarter" idx="11"/>
+          </p:nvPr>
+        </p:nvSpPr>
+        <p:spPr/>
+        <p:txBody>
+          <a:bodyPr/>
+          <a:lstStyle>
+            <a:lvl1pPr>
+              <a:defRPr>
+                <a:solidFill>
+                  <a:schemeClr val="tx2"/>
+                </a:solidFill>
+              </a:defRPr>
+            </a:lvl1pPr>
+          </a:lstStyle>
+          <a:p>
+            <a:endParaRPr lang="en-US"/>
+          </a:p>
+        </p:txBody>
+      </p:sp>
+      <p:sp>
+        <p:nvSpPr>
+          <p:cNvPr id="7" name="Slide Number Placeholder 6"/>
+          <p:cNvSpPr>
+            <a:spLocks noGrp="1"/>
+          </p:cNvSpPr>
+          <p:nvPr>
+            <p:ph type="sldNum" sz="quarter" idx="12"/>
+          </p:nvPr>
+        </p:nvSpPr>
+        <p:spPr/>
+        <p:txBody>
+          <a:bodyPr/>
+          <a:lstStyle>
+            <a:lvl1pPr>
+              <a:defRPr>
+                <a:solidFill>
+                  <a:schemeClr val="tx2"/>
+                </a:solidFill>
+              </a:defRPr>
+            </a:lvl1pPr>
+          </a:lstStyle>
+          <a:p>
+            <a:fld id="{5B4F5C3E-238E-454B-A1F0-DF79CC30D79A}" type="slidenum">
+              <a:rPr lang="en-US" smtClean="0"/>
+              <a:t>‹#›</a:t>
+            </a:fld>
+            <a:endParaRPr lang="en-US"/>
+          </a:p>
+        </p:txBody>
+      </p:sp>
+    </p:spTree>
+    <p:extLst>
+      <p:ext uri="{BB962C8B-B14F-4D97-AF65-F5344CB8AC3E}">
+        <p14:creationId xmlns:p14="http://schemas.microsoft.com/office/powerpoint/2010/main" val="3271430375"/>
+      </p:ext>
+    </p:extLst>
+  </p:cSld>
+  <p:clrMapOvr>
+    <a:masterClrMapping/>
+  </p:clrMapOvr>
+</p:sldLayout>
+</file>
+
+<file path=ppt/slideMasters/slideMaster1.xml><?xml version="1.0" encoding="utf-8"?>
+<p:sldMaster xmlns:a="http://schemas.openxmlformats.org/drawingml/2006/main" xmlns:r="http://schemas.openxmlformats.org/officeDocument/2006/relationships" xmlns:p="http://schemas.openxmlformats.org/presentationml/2006/main">
+  <p:cSld>
+    <p:bg>
+      <p:bgPr>
+        <a:solidFill>
+          <a:schemeClr val="bg1">
+            <a:lumMod val="75000"/>
+            <a:lumOff val="25000"/>
+          </a:schemeClr>
+        </a:solidFill>
+        <a:effectLst/>
+      </p:bgPr>
+    </p:bg>
+    <p:spTree>
+      <p:nvGrpSpPr>
+        <p:cNvPr id="1" name=""/>
+        <p:cNvGrpSpPr/>
+        <p:nvPr/>
+      </p:nvGrpSpPr>
+      <p:grpSpPr>
+        <a:xfrm>
+          <a:off x="0" y="0"/>
+          <a:ext cx="0" cy="0"/>
+          <a:chOff x="0" y="0"/>
+          <a:chExt cx="0" cy="0"/>
+        </a:xfrm>
+      </p:grpSpPr>
+      <p:sp>
+        <p:nvSpPr>
+          <p:cNvPr id="7" name="Rectangle 6"/>
           <p:cNvSpPr/>
           <p:nvPr/>
         </p:nvSpPr>
         <p:spPr>
           <a:xfrm>
-            <a:off x="15" y="4915076"/>
-            <a:ext cx="12188825" cy="64008"/>
+            <a:off x="1" y="6400800"/>
+            <a:ext cx="12192000" cy="457200"/>
           </a:xfrm>
           <a:prstGeom prst="rect">
             <a:avLst/>
           </a:prstGeom>
           <a:solidFill>
-            <a:schemeClr val="accent1"/>
+            <a:schemeClr val="accent1">
+              <a:lumMod val="75000"/>
+            </a:schemeClr>
           </a:solidFill>
           <a:ln>
             <a:noFill/>
@@ -2784,305 +3113,20 @@
       </p:sp>
       <p:sp>
         <p:nvSpPr>
-          <p:cNvPr id="2" name="Title 1"/>
-          <p:cNvSpPr>
-            <a:spLocks noGrp="1"/>
-          </p:cNvSpPr>
-          <p:nvPr>
-            <p:ph type="title"/>
-          </p:nvPr>
-        </p:nvSpPr>
-        <p:spPr>
-          <a:xfrm>
-            <a:off x="1097280" y="5074920"/>
-            <a:ext cx="10113645" cy="822960"/>
-          </a:xfrm>
-        </p:spPr>
-        <p:txBody>
-          <a:bodyPr lIns="91440" tIns="0" rIns="91440" bIns="0" anchor="b">
-            <a:noAutofit/>
-          </a:bodyPr>
-          <a:lstStyle>
-            <a:lvl1pPr>
-              <a:defRPr sz="3600" b="0">
-                <a:solidFill>
-                  <a:srgbClr val="FFFFFF"/>
-                </a:solidFill>
-              </a:defRPr>
-            </a:lvl1pPr>
-          </a:lstStyle>
-          <a:p>
-            <a:r>
-              <a:rPr lang="en-US"/>
-              <a:t>Click to edit Master title style</a:t>
-            </a:r>
-            <a:endParaRPr lang="en-US" dirty="0"/>
-          </a:p>
-        </p:txBody>
-      </p:sp>
-      <p:sp>
-        <p:nvSpPr>
-          <p:cNvPr id="3" name="Picture Placeholder 2"/>
-          <p:cNvSpPr>
-            <a:spLocks noGrp="1" noChangeAspect="1"/>
-          </p:cNvSpPr>
-          <p:nvPr>
-            <p:ph type="pic" idx="1"/>
-          </p:nvPr>
-        </p:nvSpPr>
-        <p:spPr>
-          <a:xfrm>
-            <a:off x="15" y="0"/>
-            <a:ext cx="12191985" cy="4915076"/>
-          </a:xfrm>
-          <a:solidFill>
-            <a:schemeClr val="bg2">
-              <a:lumMod val="90000"/>
-            </a:schemeClr>
-          </a:solidFill>
-        </p:spPr>
-        <p:txBody>
-          <a:bodyPr lIns="457200" tIns="457200" anchor="t"/>
-          <a:lstStyle>
-            <a:lvl1pPr marL="0" indent="0">
-              <a:buNone/>
-              <a:defRPr sz="3200"/>
-            </a:lvl1pPr>
-            <a:lvl2pPr marL="457200" indent="0">
-              <a:buNone/>
-              <a:defRPr sz="2800"/>
-            </a:lvl2pPr>
-            <a:lvl3pPr marL="914400" indent="0">
-              <a:buNone/>
-              <a:defRPr sz="2400"/>
-            </a:lvl3pPr>
-            <a:lvl4pPr marL="1371600" indent="0">
-              <a:buNone/>
-              <a:defRPr sz="2000"/>
-            </a:lvl4pPr>
-            <a:lvl5pPr marL="1828800" indent="0">
-              <a:buNone/>
-              <a:defRPr sz="2000"/>
-            </a:lvl5pPr>
-            <a:lvl6pPr marL="2286000" indent="0">
-              <a:buNone/>
-              <a:defRPr sz="2000"/>
-            </a:lvl6pPr>
-            <a:lvl7pPr marL="2743200" indent="0">
-              <a:buNone/>
-              <a:defRPr sz="2000"/>
-            </a:lvl7pPr>
-            <a:lvl8pPr marL="3200400" indent="0">
-              <a:buNone/>
-              <a:defRPr sz="2000"/>
-            </a:lvl8pPr>
-            <a:lvl9pPr marL="3657600" indent="0">
-              <a:buNone/>
-              <a:defRPr sz="2000"/>
-            </a:lvl9pPr>
-          </a:lstStyle>
-          <a:p>
-            <a:r>
-              <a:rPr lang="en-US"/>
-              <a:t>Click icon to add picture</a:t>
-            </a:r>
-            <a:endParaRPr lang="en-US" dirty="0"/>
-          </a:p>
-        </p:txBody>
-      </p:sp>
-      <p:sp>
-        <p:nvSpPr>
-          <p:cNvPr id="4" name="Text Placeholder 3"/>
-          <p:cNvSpPr>
-            <a:spLocks noGrp="1"/>
-          </p:cNvSpPr>
-          <p:nvPr>
-            <p:ph type="body" sz="half" idx="2"/>
-          </p:nvPr>
-        </p:nvSpPr>
-        <p:spPr>
-          <a:xfrm>
-            <a:off x="1097280" y="5907024"/>
-            <a:ext cx="10113264" cy="594360"/>
-          </a:xfrm>
-        </p:spPr>
-        <p:txBody>
-          <a:bodyPr lIns="91440" tIns="0" rIns="91440" bIns="0">
-            <a:normAutofit/>
-          </a:bodyPr>
-          <a:lstStyle>
-            <a:lvl1pPr marL="0" indent="0">
-              <a:spcBef>
-                <a:spcPts val="0"/>
-              </a:spcBef>
-              <a:spcAft>
-                <a:spcPts val="600"/>
-              </a:spcAft>
-              <a:buNone/>
-              <a:defRPr sz="1500">
-                <a:solidFill>
-                  <a:srgbClr val="FFFFFF"/>
-                </a:solidFill>
-              </a:defRPr>
-            </a:lvl1pPr>
-            <a:lvl2pPr marL="457200" indent="0">
-              <a:buNone/>
-              <a:defRPr sz="1200"/>
-            </a:lvl2pPr>
-            <a:lvl3pPr marL="914400" indent="0">
-              <a:buNone/>
-              <a:defRPr sz="1000"/>
-            </a:lvl3pPr>
-            <a:lvl4pPr marL="1371600" indent="0">
-              <a:buNone/>
-              <a:defRPr sz="900"/>
-            </a:lvl4pPr>
-            <a:lvl5pPr marL="1828800" indent="0">
-              <a:buNone/>
-              <a:defRPr sz="900"/>
-            </a:lvl5pPr>
-            <a:lvl6pPr marL="2286000" indent="0">
-              <a:buNone/>
-              <a:defRPr sz="900"/>
-            </a:lvl6pPr>
-            <a:lvl7pPr marL="2743200" indent="0">
-              <a:buNone/>
-              <a:defRPr sz="900"/>
-            </a:lvl7pPr>
-            <a:lvl8pPr marL="3200400" indent="0">
-              <a:buNone/>
-              <a:defRPr sz="900"/>
-            </a:lvl8pPr>
-            <a:lvl9pPr marL="3657600" indent="0">
-              <a:buNone/>
-              <a:defRPr sz="900"/>
-            </a:lvl9pPr>
-          </a:lstStyle>
-          <a:p>
-            <a:pPr lvl="0"/>
-            <a:r>
-              <a:rPr lang="en-US"/>
-              <a:t>Click to edit Master text styles</a:t>
-            </a:r>
-          </a:p>
-        </p:txBody>
-      </p:sp>
-      <p:sp>
-        <p:nvSpPr>
-          <p:cNvPr id="5" name="Date Placeholder 4"/>
-          <p:cNvSpPr>
-            <a:spLocks noGrp="1"/>
-          </p:cNvSpPr>
-          <p:nvPr>
-            <p:ph type="dt" sz="half" idx="10"/>
-          </p:nvPr>
-        </p:nvSpPr>
-        <p:spPr/>
-        <p:txBody>
-          <a:bodyPr/>
-          <a:lstStyle/>
-          <a:p>
-            <a:fld id="{D0D085E7-9E2C-420E-876E-E1FF698191B0}" type="datetimeFigureOut">
-              <a:rPr lang="en-US" smtClean="0"/>
-              <a:t>8/30/2021</a:t>
-            </a:fld>
-            <a:endParaRPr lang="en-US"/>
-          </a:p>
-        </p:txBody>
-      </p:sp>
-      <p:sp>
-        <p:nvSpPr>
-          <p:cNvPr id="6" name="Footer Placeholder 5"/>
-          <p:cNvSpPr>
-            <a:spLocks noGrp="1"/>
-          </p:cNvSpPr>
-          <p:nvPr>
-            <p:ph type="ftr" sz="quarter" idx="11"/>
-          </p:nvPr>
-        </p:nvSpPr>
-        <p:spPr/>
-        <p:txBody>
-          <a:bodyPr/>
-          <a:lstStyle/>
-          <a:p>
-            <a:endParaRPr lang="en-US"/>
-          </a:p>
-        </p:txBody>
-      </p:sp>
-      <p:sp>
-        <p:nvSpPr>
-          <p:cNvPr id="7" name="Slide Number Placeholder 6"/>
-          <p:cNvSpPr>
-            <a:spLocks noGrp="1"/>
-          </p:cNvSpPr>
-          <p:nvPr>
-            <p:ph type="sldNum" sz="quarter" idx="12"/>
-          </p:nvPr>
-        </p:nvSpPr>
-        <p:spPr/>
-        <p:txBody>
-          <a:bodyPr/>
-          <a:lstStyle/>
-          <a:p>
-            <a:fld id="{5B4F5C3E-238E-454B-A1F0-DF79CC30D79A}" type="slidenum">
-              <a:rPr lang="en-US" smtClean="0"/>
-              <a:t>‹#›</a:t>
-            </a:fld>
-            <a:endParaRPr lang="en-US"/>
-          </a:p>
-        </p:txBody>
-      </p:sp>
-    </p:spTree>
-    <p:extLst>
-      <p:ext uri="{BB962C8B-B14F-4D97-AF65-F5344CB8AC3E}">
-        <p14:creationId xmlns:p14="http://schemas.microsoft.com/office/powerpoint/2010/main" val="3908502790"/>
-      </p:ext>
-    </p:extLst>
-  </p:cSld>
-  <p:clrMapOvr>
-    <a:masterClrMapping/>
-  </p:clrMapOvr>
-</p:sldLayout>
-</file>
-
-<file path=ppt/slideMasters/slideMaster1.xml><?xml version="1.0" encoding="utf-8"?>
-<p:sldMaster xmlns:a="http://schemas.openxmlformats.org/drawingml/2006/main" xmlns:r="http://schemas.openxmlformats.org/officeDocument/2006/relationships" xmlns:p="http://schemas.openxmlformats.org/presentationml/2006/main">
-  <p:cSld>
-    <p:bg>
-      <p:bgRef idx="1001">
-        <a:schemeClr val="bg1"/>
-      </p:bgRef>
-    </p:bg>
-    <p:spTree>
-      <p:nvGrpSpPr>
-        <p:cNvPr id="1" name=""/>
-        <p:cNvGrpSpPr/>
-        <p:nvPr/>
-      </p:nvGrpSpPr>
-      <p:grpSpPr>
-        <a:xfrm>
-          <a:off x="0" y="0"/>
-          <a:ext cx="0" cy="0"/>
-          <a:chOff x="0" y="0"/>
-          <a:chExt cx="0" cy="0"/>
-        </a:xfrm>
-      </p:grpSpPr>
-      <p:sp>
-        <p:nvSpPr>
-          <p:cNvPr id="7" name="Rectangle 6"/>
+          <p:cNvPr id="9" name="Rectangle 8"/>
           <p:cNvSpPr/>
           <p:nvPr/>
         </p:nvSpPr>
         <p:spPr>
           <a:xfrm>
-            <a:off x="1" y="6400800"/>
-            <a:ext cx="12192000" cy="457200"/>
+            <a:off x="1" y="6334316"/>
+            <a:ext cx="12192000" cy="66484"/>
           </a:xfrm>
           <a:prstGeom prst="rect">
             <a:avLst/>
           </a:prstGeom>
           <a:solidFill>
-            <a:schemeClr val="accent2"/>
+            <a:schemeClr val="accent1"/>
           </a:solidFill>
           <a:ln>
             <a:noFill/>
@@ -3107,44 +3151,6 @@
       </p:sp>
       <p:sp>
         <p:nvSpPr>
-          <p:cNvPr id="9" name="Rectangle 8"/>
-          <p:cNvSpPr/>
-          <p:nvPr/>
-        </p:nvSpPr>
-        <p:spPr>
-          <a:xfrm>
-            <a:off x="15" y="6334316"/>
-            <a:ext cx="12191985" cy="66484"/>
-          </a:xfrm>
-          <a:prstGeom prst="rect">
-            <a:avLst/>
-          </a:prstGeom>
-          <a:solidFill>
-            <a:schemeClr val="accent1"/>
-          </a:solidFill>
-          <a:ln>
-            <a:noFill/>
-          </a:ln>
-        </p:spPr>
-        <p:style>
-          <a:lnRef idx="2">
-            <a:schemeClr val="accent1">
-              <a:shade val="50000"/>
-            </a:schemeClr>
-          </a:lnRef>
-          <a:fillRef idx="1">
-            <a:schemeClr val="accent1"/>
-          </a:fillRef>
-          <a:effectRef idx="0">
-            <a:schemeClr val="accent1"/>
-          </a:effectRef>
-          <a:fontRef idx="minor">
-            <a:schemeClr val="lt1"/>
-          </a:fontRef>
-        </p:style>
-      </p:sp>
-      <p:sp>
-        <p:nvSpPr>
           <p:cNvPr id="2" name="Title Placeholder 1"/>
           <p:cNvSpPr>
             <a:spLocks noGrp="1"/>
@@ -3271,7 +3277,7 @@
           <a:p>
             <a:fld id="{D0D085E7-9E2C-420E-876E-E1FF698191B0}" type="datetimeFigureOut">
               <a:rPr lang="en-US" smtClean="0"/>
-              <a:t>8/30/2021</a:t>
+              <a:t>9/14/2021</a:t>
             </a:fld>
             <a:endParaRPr lang="en-US"/>
           </a:p>
@@ -3392,23 +3398,23 @@
     </p:spTree>
     <p:extLst>
       <p:ext uri="{BB962C8B-B14F-4D97-AF65-F5344CB8AC3E}">
-        <p14:creationId xmlns:p14="http://schemas.microsoft.com/office/powerpoint/2010/main" val="3456127132"/>
+        <p14:creationId xmlns:p14="http://schemas.microsoft.com/office/powerpoint/2010/main" val="3875172403"/>
       </p:ext>
     </p:extLst>
   </p:cSld>
-  <p:clrMap bg1="lt1" tx1="dk1" bg2="lt2" tx2="dk2" accent1="accent1" accent2="accent2" accent3="accent3" accent4="accent4" accent5="accent5" accent6="accent6" hlink="hlink" folHlink="folHlink"/>
+  <p:clrMap bg1="dk1" tx1="lt1" bg2="dk2" tx2="lt2" accent1="accent1" accent2="accent2" accent3="accent3" accent4="accent4" accent5="accent5" accent6="accent6" hlink="hlink" folHlink="folHlink"/>
   <p:sldLayoutIdLst>
-    <p:sldLayoutId id="2147483673" r:id="rId1"/>
-    <p:sldLayoutId id="2147483674" r:id="rId2"/>
-    <p:sldLayoutId id="2147483675" r:id="rId3"/>
-    <p:sldLayoutId id="2147483676" r:id="rId4"/>
-    <p:sldLayoutId id="2147483677" r:id="rId5"/>
-    <p:sldLayoutId id="2147483678" r:id="rId6"/>
-    <p:sldLayoutId id="2147483679" r:id="rId7"/>
-    <p:sldLayoutId id="2147483680" r:id="rId8"/>
-    <p:sldLayoutId id="2147483681" r:id="rId9"/>
-    <p:sldLayoutId id="2147483682" r:id="rId10"/>
-    <p:sldLayoutId id="2147483683" r:id="rId11"/>
+    <p:sldLayoutId id="2147483685" r:id="rId1"/>
+    <p:sldLayoutId id="2147483686" r:id="rId2"/>
+    <p:sldLayoutId id="2147483687" r:id="rId3"/>
+    <p:sldLayoutId id="2147483688" r:id="rId4"/>
+    <p:sldLayoutId id="2147483689" r:id="rId5"/>
+    <p:sldLayoutId id="2147483690" r:id="rId6"/>
+    <p:sldLayoutId id="2147483691" r:id="rId7"/>
+    <p:sldLayoutId id="2147483692" r:id="rId8"/>
+    <p:sldLayoutId id="2147483693" r:id="rId9"/>
+    <p:sldLayoutId id="2147483694" r:id="rId10"/>
+    <p:sldLayoutId id="2147483695" r:id="rId11"/>
   </p:sldLayoutIdLst>
   <p:txStyles>
     <p:titleStyle>
@@ -3445,7 +3451,7 @@
           <a:spcPts val="200"/>
         </a:spcAft>
         <a:buClr>
-          <a:schemeClr val="accent1"/>
+          <a:schemeClr val="accent3"/>
         </a:buClr>
         <a:buSzPct val="100000"/>
         <a:buFont typeface="Calibri" panose="020F0502020204030204" pitchFamily="34" charset="0"/>
@@ -3473,7 +3479,7 @@
           <a:spcPts val="400"/>
         </a:spcAft>
         <a:buClr>
-          <a:schemeClr val="accent1"/>
+          <a:schemeClr val="accent3"/>
         </a:buClr>
         <a:buFont typeface="Calibri" pitchFamily="34" charset="0"/>
         <a:buChar char="◦"/>
@@ -3500,7 +3506,7 @@
           <a:spcPts val="400"/>
         </a:spcAft>
         <a:buClr>
-          <a:schemeClr val="accent1"/>
+          <a:schemeClr val="accent3"/>
         </a:buClr>
         <a:buFont typeface="Calibri" pitchFamily="34" charset="0"/>
         <a:buChar char="◦"/>
@@ -3527,7 +3533,7 @@
           <a:spcPts val="400"/>
         </a:spcAft>
         <a:buClr>
-          <a:schemeClr val="accent1"/>
+          <a:schemeClr val="accent3"/>
         </a:buClr>
         <a:buFont typeface="Calibri" pitchFamily="34" charset="0"/>
         <a:buChar char="◦"/>
@@ -3554,7 +3560,7 @@
           <a:spcPts val="400"/>
         </a:spcAft>
         <a:buClr>
-          <a:schemeClr val="accent1"/>
+          <a:schemeClr val="accent3"/>
         </a:buClr>
         <a:buFont typeface="Calibri" pitchFamily="34" charset="0"/>
         <a:buChar char="◦"/>
@@ -3581,7 +3587,7 @@
           <a:spcPts val="400"/>
         </a:spcAft>
         <a:buClr>
-          <a:schemeClr val="accent1"/>
+          <a:schemeClr val="accent3"/>
         </a:buClr>
         <a:buFont typeface="Calibri" pitchFamily="34" charset="0"/>
         <a:buChar char="◦"/>
@@ -3608,7 +3614,7 @@
           <a:spcPts val="400"/>
         </a:spcAft>
         <a:buClr>
-          <a:schemeClr val="accent1"/>
+          <a:schemeClr val="accent3"/>
         </a:buClr>
         <a:buFont typeface="Calibri" pitchFamily="34" charset="0"/>
         <a:buChar char="◦"/>
@@ -3635,7 +3641,7 @@
           <a:spcPts val="400"/>
         </a:spcAft>
         <a:buClr>
-          <a:schemeClr val="accent1"/>
+          <a:schemeClr val="accent3"/>
         </a:buClr>
         <a:buFont typeface="Calibri" pitchFamily="34" charset="0"/>
         <a:buChar char="◦"/>
@@ -3662,7 +3668,7 @@
           <a:spcPts val="400"/>
         </a:spcAft>
         <a:buClr>
-          <a:schemeClr val="accent1"/>
+          <a:schemeClr val="accent3"/>
         </a:buClr>
         <a:buFont typeface="Calibri" pitchFamily="34" charset="0"/>
         <a:buChar char="◦"/>
@@ -3856,7 +3862,10 @@
           </a:bodyPr>
           <a:lstStyle/>
           <a:p>
-            <a:endParaRPr lang="en-US"/>
+            <a:r>
+              <a:rPr lang="en-US" dirty="0"/>
+              <a:t>Documenting your API with OpenAPI</a:t>
+            </a:r>
           </a:p>
         </p:txBody>
       </p:sp>
@@ -3883,7 +3892,41 @@
           </a:bodyPr>
           <a:lstStyle/>
           <a:p>
-            <a:endParaRPr lang="en-US"/>
+            <a:r>
+              <a:rPr lang="en-US" b="0" i="0" dirty="0">
+                <a:solidFill>
+                  <a:schemeClr val="tx1"/>
+                </a:solidFill>
+                <a:effectLst/>
+                <a:latin typeface="Roboto" panose="02000000000000000000" pitchFamily="2" charset="0"/>
+              </a:rPr>
+              <a:t>Learn to Produce Effective</a:t>
+            </a:r>
+            <a:br>
+              <a:rPr lang="en-US" dirty="0">
+                <a:solidFill>
+                  <a:schemeClr val="tx1"/>
+                </a:solidFill>
+              </a:rPr>
+            </a:br>
+            <a:r>
+              <a:rPr lang="en-US" b="0" i="0" dirty="0">
+                <a:solidFill>
+                  <a:schemeClr val="tx1"/>
+                </a:solidFill>
+                <a:effectLst/>
+                <a:latin typeface="Roboto" panose="02000000000000000000" pitchFamily="2" charset="0"/>
+              </a:rPr>
+              <a:t>Web APIs with ASP.NET 5</a:t>
+            </a:r>
+            <a:endParaRPr lang="en-US" dirty="0">
+              <a:solidFill>
+                <a:schemeClr val="tx1"/>
+              </a:solidFill>
+            </a:endParaRPr>
+          </a:p>
+          <a:p>
+            <a:endParaRPr lang="en-US" dirty="0"/>
           </a:p>
         </p:txBody>
       </p:sp>
@@ -3911,34 +3954,34 @@
         <a:sysClr val="window" lastClr="FFFFFF"/>
       </a:lt1>
       <a:dk2>
-        <a:srgbClr val="455F51"/>
+        <a:srgbClr val="564B3C"/>
       </a:dk2>
       <a:lt2>
-        <a:srgbClr val="E2DFCC"/>
+        <a:srgbClr val="ECEDD1"/>
       </a:lt2>
       <a:accent1>
-        <a:srgbClr val="99CB38"/>
+        <a:srgbClr val="93A299"/>
       </a:accent1>
       <a:accent2>
-        <a:srgbClr val="63A537"/>
+        <a:srgbClr val="CF543F"/>
       </a:accent2>
       <a:accent3>
-        <a:srgbClr val="37A76F"/>
+        <a:srgbClr val="B5AE53"/>
       </a:accent3>
       <a:accent4>
-        <a:srgbClr val="44C1A3"/>
+        <a:srgbClr val="848058"/>
       </a:accent4>
       <a:accent5>
-        <a:srgbClr val="4EB3CF"/>
+        <a:srgbClr val="E8B54D"/>
       </a:accent5>
       <a:accent6>
-        <a:srgbClr val="51C3F9"/>
+        <a:srgbClr val="786C71"/>
       </a:accent6>
       <a:hlink>
-        <a:srgbClr val="6B9F25"/>
+        <a:srgbClr val="CCCC00"/>
       </a:hlink>
       <a:folHlink>
-        <a:srgbClr val="B26B02"/>
+        <a:srgbClr val="B2B2B2"/>
       </a:folHlink>
     </a:clrScheme>
     <a:fontScheme name="Retrospect">
@@ -4177,7 +4220,7 @@
   <a:extraClrSchemeLst/>
   <a:extLst>
     <a:ext uri="{05A4C25C-085E-4340-85A3-A5531E510DB2}">
-      <thm15:themeFamily xmlns:thm15="http://schemas.microsoft.com/office/thememl/2012/main" name="Retrospect" id="{5F128B03-DCCA-4EEB-AB3B-CF2899314A46}" vid="{D26EA377-59BD-4C9C-9D94-EE8416EE4C79}"/>
+      <thm15:themeFamily xmlns:thm15="http://schemas.microsoft.com/office/thememl/2012/main" name="Retrospect" id="{5F128B03-DCCA-4EEB-AB3B-CF2899314A46}" vid="{E3DA18C2-75F1-4980-A5F0-165F6F71DE6D}"/>
     </a:ext>
   </a:extLst>
 </a:theme>

--- a/module-1/01-11 Documenting your Web API with OpenAPI/01-11 Documenting your Web API with OpenAPI.pptx
+++ b/module-1/01-11 Documenting your Web API with OpenAPI/01-11 Documenting your Web API with OpenAPI.pptx
@@ -3,9 +3,14 @@
 <p:presentation xmlns:a="http://schemas.openxmlformats.org/drawingml/2006/main" xmlns:r="http://schemas.openxmlformats.org/officeDocument/2006/relationships" xmlns:p="http://schemas.openxmlformats.org/presentationml/2006/main" saveSubsetFonts="1">
   <p:sldMasterIdLst>
     <p:sldMasterId id="2147483684" r:id="rId1"/>
+    <p:sldMasterId id="2147483696" r:id="rId2"/>
   </p:sldMasterIdLst>
+  <p:notesMasterIdLst>
+    <p:notesMasterId r:id="rId5"/>
+  </p:notesMasterIdLst>
   <p:sldIdLst>
-    <p:sldId id="256" r:id="rId2"/>
+    <p:sldId id="261" r:id="rId3"/>
+    <p:sldId id="256" r:id="rId4"/>
   </p:sldIdLst>
   <p:sldSz cx="12192000" cy="6858000"/>
   <p:notesSz cx="6858000" cy="9144000"/>
@@ -112,6 +117,507 @@
 </p:presentation>
 </file>
 
+<file path=ppt/notesMasters/notesMaster1.xml><?xml version="1.0" encoding="utf-8"?>
+<p:notesMaster xmlns:a="http://schemas.openxmlformats.org/drawingml/2006/main" xmlns:r="http://schemas.openxmlformats.org/officeDocument/2006/relationships" xmlns:p="http://schemas.openxmlformats.org/presentationml/2006/main">
+  <p:cSld>
+    <p:bg>
+      <p:bgRef idx="1001">
+        <a:schemeClr val="bg1"/>
+      </p:bgRef>
+    </p:bg>
+    <p:spTree>
+      <p:nvGrpSpPr>
+        <p:cNvPr id="1" name=""/>
+        <p:cNvGrpSpPr/>
+        <p:nvPr/>
+      </p:nvGrpSpPr>
+      <p:grpSpPr>
+        <a:xfrm>
+          <a:off x="0" y="0"/>
+          <a:ext cx="0" cy="0"/>
+          <a:chOff x="0" y="0"/>
+          <a:chExt cx="0" cy="0"/>
+        </a:xfrm>
+      </p:grpSpPr>
+      <p:sp>
+        <p:nvSpPr>
+          <p:cNvPr id="2" name="Header Placeholder 1"/>
+          <p:cNvSpPr>
+            <a:spLocks noGrp="1"/>
+          </p:cNvSpPr>
+          <p:nvPr>
+            <p:ph type="hdr" sz="quarter"/>
+          </p:nvPr>
+        </p:nvSpPr>
+        <p:spPr>
+          <a:xfrm>
+            <a:off x="0" y="0"/>
+            <a:ext cx="2971800" cy="458788"/>
+          </a:xfrm>
+          <a:prstGeom prst="rect">
+            <a:avLst/>
+          </a:prstGeom>
+        </p:spPr>
+        <p:txBody>
+          <a:bodyPr vert="horz" lIns="91440" tIns="45720" rIns="91440" bIns="45720" rtlCol="0"/>
+          <a:lstStyle>
+            <a:lvl1pPr algn="l">
+              <a:defRPr sz="1200"/>
+            </a:lvl1pPr>
+          </a:lstStyle>
+          <a:p>
+            <a:endParaRPr lang="en-US"/>
+          </a:p>
+        </p:txBody>
+      </p:sp>
+      <p:sp>
+        <p:nvSpPr>
+          <p:cNvPr id="3" name="Date Placeholder 2"/>
+          <p:cNvSpPr>
+            <a:spLocks noGrp="1"/>
+          </p:cNvSpPr>
+          <p:nvPr>
+            <p:ph type="dt" idx="1"/>
+          </p:nvPr>
+        </p:nvSpPr>
+        <p:spPr>
+          <a:xfrm>
+            <a:off x="3884613" y="0"/>
+            <a:ext cx="2971800" cy="458788"/>
+          </a:xfrm>
+          <a:prstGeom prst="rect">
+            <a:avLst/>
+          </a:prstGeom>
+        </p:spPr>
+        <p:txBody>
+          <a:bodyPr vert="horz" lIns="91440" tIns="45720" rIns="91440" bIns="45720" rtlCol="0"/>
+          <a:lstStyle>
+            <a:lvl1pPr algn="r">
+              <a:defRPr sz="1200"/>
+            </a:lvl1pPr>
+          </a:lstStyle>
+          <a:p>
+            <a:fld id="{F6240EBC-9008-44D7-97AB-6B6A4638BB75}" type="datetimeFigureOut">
+              <a:rPr lang="en-US" smtClean="0"/>
+              <a:t>9/22/2021</a:t>
+            </a:fld>
+            <a:endParaRPr lang="en-US"/>
+          </a:p>
+        </p:txBody>
+      </p:sp>
+      <p:sp>
+        <p:nvSpPr>
+          <p:cNvPr id="4" name="Slide Image Placeholder 3"/>
+          <p:cNvSpPr>
+            <a:spLocks noGrp="1" noRot="1" noChangeAspect="1"/>
+          </p:cNvSpPr>
+          <p:nvPr>
+            <p:ph type="sldImg" idx="2"/>
+          </p:nvPr>
+        </p:nvSpPr>
+        <p:spPr>
+          <a:xfrm>
+            <a:off x="685800" y="1143000"/>
+            <a:ext cx="5486400" cy="3086100"/>
+          </a:xfrm>
+          <a:prstGeom prst="rect">
+            <a:avLst/>
+          </a:prstGeom>
+          <a:noFill/>
+          <a:ln w="12700">
+            <a:solidFill>
+              <a:prstClr val="black"/>
+            </a:solidFill>
+          </a:ln>
+        </p:spPr>
+        <p:txBody>
+          <a:bodyPr vert="horz" lIns="91440" tIns="45720" rIns="91440" bIns="45720" rtlCol="0" anchor="ctr"/>
+          <a:lstStyle/>
+          <a:p>
+            <a:endParaRPr lang="en-US"/>
+          </a:p>
+        </p:txBody>
+      </p:sp>
+      <p:sp>
+        <p:nvSpPr>
+          <p:cNvPr id="5" name="Notes Placeholder 4"/>
+          <p:cNvSpPr>
+            <a:spLocks noGrp="1"/>
+          </p:cNvSpPr>
+          <p:nvPr>
+            <p:ph type="body" sz="quarter" idx="3"/>
+          </p:nvPr>
+        </p:nvSpPr>
+        <p:spPr>
+          <a:xfrm>
+            <a:off x="685800" y="4400550"/>
+            <a:ext cx="5486400" cy="3600450"/>
+          </a:xfrm>
+          <a:prstGeom prst="rect">
+            <a:avLst/>
+          </a:prstGeom>
+        </p:spPr>
+        <p:txBody>
+          <a:bodyPr vert="horz" lIns="91440" tIns="45720" rIns="91440" bIns="45720" rtlCol="0"/>
+          <a:lstStyle/>
+          <a:p>
+            <a:pPr lvl="0"/>
+            <a:r>
+              <a:rPr lang="en-US"/>
+              <a:t>Click to edit Master text styles</a:t>
+            </a:r>
+          </a:p>
+          <a:p>
+            <a:pPr lvl="1"/>
+            <a:r>
+              <a:rPr lang="en-US"/>
+              <a:t>Second level</a:t>
+            </a:r>
+          </a:p>
+          <a:p>
+            <a:pPr lvl="2"/>
+            <a:r>
+              <a:rPr lang="en-US"/>
+              <a:t>Third level</a:t>
+            </a:r>
+          </a:p>
+          <a:p>
+            <a:pPr lvl="3"/>
+            <a:r>
+              <a:rPr lang="en-US"/>
+              <a:t>Fourth level</a:t>
+            </a:r>
+          </a:p>
+          <a:p>
+            <a:pPr lvl="4"/>
+            <a:r>
+              <a:rPr lang="en-US"/>
+              <a:t>Fifth level</a:t>
+            </a:r>
+          </a:p>
+        </p:txBody>
+      </p:sp>
+      <p:sp>
+        <p:nvSpPr>
+          <p:cNvPr id="6" name="Footer Placeholder 5"/>
+          <p:cNvSpPr>
+            <a:spLocks noGrp="1"/>
+          </p:cNvSpPr>
+          <p:nvPr>
+            <p:ph type="ftr" sz="quarter" idx="4"/>
+          </p:nvPr>
+        </p:nvSpPr>
+        <p:spPr>
+          <a:xfrm>
+            <a:off x="0" y="8685213"/>
+            <a:ext cx="2971800" cy="458787"/>
+          </a:xfrm>
+          <a:prstGeom prst="rect">
+            <a:avLst/>
+          </a:prstGeom>
+        </p:spPr>
+        <p:txBody>
+          <a:bodyPr vert="horz" lIns="91440" tIns="45720" rIns="91440" bIns="45720" rtlCol="0" anchor="b"/>
+          <a:lstStyle>
+            <a:lvl1pPr algn="l">
+              <a:defRPr sz="1200"/>
+            </a:lvl1pPr>
+          </a:lstStyle>
+          <a:p>
+            <a:endParaRPr lang="en-US"/>
+          </a:p>
+        </p:txBody>
+      </p:sp>
+      <p:sp>
+        <p:nvSpPr>
+          <p:cNvPr id="7" name="Slide Number Placeholder 6"/>
+          <p:cNvSpPr>
+            <a:spLocks noGrp="1"/>
+          </p:cNvSpPr>
+          <p:nvPr>
+            <p:ph type="sldNum" sz="quarter" idx="5"/>
+          </p:nvPr>
+        </p:nvSpPr>
+        <p:spPr>
+          <a:xfrm>
+            <a:off x="3884613" y="8685213"/>
+            <a:ext cx="2971800" cy="458787"/>
+          </a:xfrm>
+          <a:prstGeom prst="rect">
+            <a:avLst/>
+          </a:prstGeom>
+        </p:spPr>
+        <p:txBody>
+          <a:bodyPr vert="horz" lIns="91440" tIns="45720" rIns="91440" bIns="45720" rtlCol="0" anchor="b"/>
+          <a:lstStyle>
+            <a:lvl1pPr algn="r">
+              <a:defRPr sz="1200"/>
+            </a:lvl1pPr>
+          </a:lstStyle>
+          <a:p>
+            <a:fld id="{D4286E80-8C9F-4F44-8275-2EE6344B7690}" type="slidenum">
+              <a:rPr lang="en-US" smtClean="0"/>
+              <a:t>‹#›</a:t>
+            </a:fld>
+            <a:endParaRPr lang="en-US"/>
+          </a:p>
+        </p:txBody>
+      </p:sp>
+    </p:spTree>
+    <p:extLst>
+      <p:ext uri="{BB962C8B-B14F-4D97-AF65-F5344CB8AC3E}">
+        <p14:creationId xmlns:p14="http://schemas.microsoft.com/office/powerpoint/2010/main" val="3477476340"/>
+      </p:ext>
+    </p:extLst>
+  </p:cSld>
+  <p:clrMap bg1="lt1" tx1="dk1" bg2="lt2" tx2="dk2" accent1="accent1" accent2="accent2" accent3="accent3" accent4="accent4" accent5="accent5" accent6="accent6" hlink="hlink" folHlink="folHlink"/>
+  <p:notesStyle>
+    <a:lvl1pPr marL="0" algn="l" defTabSz="914400" rtl="0" eaLnBrk="1" latinLnBrk="0" hangingPunct="1">
+      <a:defRPr sz="1200" kern="1200">
+        <a:solidFill>
+          <a:schemeClr val="tx1"/>
+        </a:solidFill>
+        <a:latin typeface="+mn-lt"/>
+        <a:ea typeface="+mn-ea"/>
+        <a:cs typeface="+mn-cs"/>
+      </a:defRPr>
+    </a:lvl1pPr>
+    <a:lvl2pPr marL="457200" algn="l" defTabSz="914400" rtl="0" eaLnBrk="1" latinLnBrk="0" hangingPunct="1">
+      <a:defRPr sz="1200" kern="1200">
+        <a:solidFill>
+          <a:schemeClr val="tx1"/>
+        </a:solidFill>
+        <a:latin typeface="+mn-lt"/>
+        <a:ea typeface="+mn-ea"/>
+        <a:cs typeface="+mn-cs"/>
+      </a:defRPr>
+    </a:lvl2pPr>
+    <a:lvl3pPr marL="914400" algn="l" defTabSz="914400" rtl="0" eaLnBrk="1" latinLnBrk="0" hangingPunct="1">
+      <a:defRPr sz="1200" kern="1200">
+        <a:solidFill>
+          <a:schemeClr val="tx1"/>
+        </a:solidFill>
+        <a:latin typeface="+mn-lt"/>
+        <a:ea typeface="+mn-ea"/>
+        <a:cs typeface="+mn-cs"/>
+      </a:defRPr>
+    </a:lvl3pPr>
+    <a:lvl4pPr marL="1371600" algn="l" defTabSz="914400" rtl="0" eaLnBrk="1" latinLnBrk="0" hangingPunct="1">
+      <a:defRPr sz="1200" kern="1200">
+        <a:solidFill>
+          <a:schemeClr val="tx1"/>
+        </a:solidFill>
+        <a:latin typeface="+mn-lt"/>
+        <a:ea typeface="+mn-ea"/>
+        <a:cs typeface="+mn-cs"/>
+      </a:defRPr>
+    </a:lvl4pPr>
+    <a:lvl5pPr marL="1828800" algn="l" defTabSz="914400" rtl="0" eaLnBrk="1" latinLnBrk="0" hangingPunct="1">
+      <a:defRPr sz="1200" kern="1200">
+        <a:solidFill>
+          <a:schemeClr val="tx1"/>
+        </a:solidFill>
+        <a:latin typeface="+mn-lt"/>
+        <a:ea typeface="+mn-ea"/>
+        <a:cs typeface="+mn-cs"/>
+      </a:defRPr>
+    </a:lvl5pPr>
+    <a:lvl6pPr marL="2286000" algn="l" defTabSz="914400" rtl="0" eaLnBrk="1" latinLnBrk="0" hangingPunct="1">
+      <a:defRPr sz="1200" kern="1200">
+        <a:solidFill>
+          <a:schemeClr val="tx1"/>
+        </a:solidFill>
+        <a:latin typeface="+mn-lt"/>
+        <a:ea typeface="+mn-ea"/>
+        <a:cs typeface="+mn-cs"/>
+      </a:defRPr>
+    </a:lvl6pPr>
+    <a:lvl7pPr marL="2743200" algn="l" defTabSz="914400" rtl="0" eaLnBrk="1" latinLnBrk="0" hangingPunct="1">
+      <a:defRPr sz="1200" kern="1200">
+        <a:solidFill>
+          <a:schemeClr val="tx1"/>
+        </a:solidFill>
+        <a:latin typeface="+mn-lt"/>
+        <a:ea typeface="+mn-ea"/>
+        <a:cs typeface="+mn-cs"/>
+      </a:defRPr>
+    </a:lvl7pPr>
+    <a:lvl8pPr marL="3200400" algn="l" defTabSz="914400" rtl="0" eaLnBrk="1" latinLnBrk="0" hangingPunct="1">
+      <a:defRPr sz="1200" kern="1200">
+        <a:solidFill>
+          <a:schemeClr val="tx1"/>
+        </a:solidFill>
+        <a:latin typeface="+mn-lt"/>
+        <a:ea typeface="+mn-ea"/>
+        <a:cs typeface="+mn-cs"/>
+      </a:defRPr>
+    </a:lvl8pPr>
+    <a:lvl9pPr marL="3657600" algn="l" defTabSz="914400" rtl="0" eaLnBrk="1" latinLnBrk="0" hangingPunct="1">
+      <a:defRPr sz="1200" kern="1200">
+        <a:solidFill>
+          <a:schemeClr val="tx1"/>
+        </a:solidFill>
+        <a:latin typeface="+mn-lt"/>
+        <a:ea typeface="+mn-ea"/>
+        <a:cs typeface="+mn-cs"/>
+      </a:defRPr>
+    </a:lvl9pPr>
+  </p:notesStyle>
+</p:notesMaster>
+</file>
+
+<file path=ppt/notesSlides/notesSlide1.xml><?xml version="1.0" encoding="utf-8"?>
+<p:notes xmlns:a="http://schemas.openxmlformats.org/drawingml/2006/main" xmlns:r="http://schemas.openxmlformats.org/officeDocument/2006/relationships" xmlns:p="http://schemas.openxmlformats.org/presentationml/2006/main">
+  <p:cSld>
+    <p:spTree>
+      <p:nvGrpSpPr>
+        <p:cNvPr id="1" name=""/>
+        <p:cNvGrpSpPr/>
+        <p:nvPr/>
+      </p:nvGrpSpPr>
+      <p:grpSpPr>
+        <a:xfrm>
+          <a:off x="0" y="0"/>
+          <a:ext cx="0" cy="0"/>
+          <a:chOff x="0" y="0"/>
+          <a:chExt cx="0" cy="0"/>
+        </a:xfrm>
+      </p:grpSpPr>
+      <p:sp>
+        <p:nvSpPr>
+          <p:cNvPr id="2" name="Slide Image Placeholder 1"/>
+          <p:cNvSpPr>
+            <a:spLocks noGrp="1" noRot="1" noChangeAspect="1"/>
+          </p:cNvSpPr>
+          <p:nvPr>
+            <p:ph type="sldImg"/>
+          </p:nvPr>
+        </p:nvSpPr>
+        <p:spPr/>
+      </p:sp>
+      <p:sp>
+        <p:nvSpPr>
+          <p:cNvPr id="3" name="Notes Placeholder 2"/>
+          <p:cNvSpPr>
+            <a:spLocks noGrp="1"/>
+          </p:cNvSpPr>
+          <p:nvPr>
+            <p:ph type="body" idx="1"/>
+          </p:nvPr>
+        </p:nvSpPr>
+        <p:spPr/>
+        <p:txBody>
+          <a:bodyPr/>
+          <a:lstStyle/>
+          <a:p>
+            <a:endParaRPr lang="en-US" dirty="0"/>
+          </a:p>
+        </p:txBody>
+      </p:sp>
+      <p:sp>
+        <p:nvSpPr>
+          <p:cNvPr id="4" name="Slide Number Placeholder 3"/>
+          <p:cNvSpPr>
+            <a:spLocks noGrp="1"/>
+          </p:cNvSpPr>
+          <p:nvPr>
+            <p:ph type="sldNum" sz="quarter" idx="10"/>
+          </p:nvPr>
+        </p:nvSpPr>
+        <p:spPr>
+          <a:xfrm>
+            <a:off x="3884613" y="8685213"/>
+            <a:ext cx="2971800" cy="457200"/>
+          </a:xfrm>
+          <a:prstGeom prst="rect">
+            <a:avLst/>
+          </a:prstGeom>
+        </p:spPr>
+        <p:txBody>
+          <a:bodyPr/>
+          <a:lstStyle/>
+          <a:p>
+            <a:pPr marL="0" marR="0" lvl="0" indent="0" algn="l" defTabSz="914400" rtl="0" eaLnBrk="1" fontAlgn="auto" latinLnBrk="0" hangingPunct="1">
+              <a:lnSpc>
+                <a:spcPct val="100000"/>
+              </a:lnSpc>
+              <a:spcBef>
+                <a:spcPts val="0"/>
+              </a:spcBef>
+              <a:spcAft>
+                <a:spcPts val="0"/>
+              </a:spcAft>
+              <a:buClrTx/>
+              <a:buSzTx/>
+              <a:buFontTx/>
+              <a:buNone/>
+              <a:tabLst/>
+              <a:defRPr/>
+            </a:pPr>
+            <a:fld id="{DE326DE0-BACA-4EA0-B73F-CC7DC1D7F4A1}" type="slidenum">
+              <a:rPr kumimoji="0" lang="en-US" sz="1800" b="0" i="0" u="none" strike="noStrike" kern="1200" cap="none" spc="0" normalizeH="0" baseline="0" noProof="0" smtClean="0">
+                <a:ln>
+                  <a:noFill/>
+                </a:ln>
+                <a:solidFill>
+                  <a:prstClr val="black"/>
+                </a:solidFill>
+                <a:effectLst/>
+                <a:uLnTx/>
+                <a:uFillTx/>
+                <a:latin typeface="Calibri"/>
+                <a:ea typeface="+mn-ea"/>
+                <a:cs typeface="+mn-cs"/>
+              </a:rPr>
+              <a:pPr marL="0" marR="0" lvl="0" indent="0" algn="l" defTabSz="914400" rtl="0" eaLnBrk="1" fontAlgn="auto" latinLnBrk="0" hangingPunct="1">
+                <a:lnSpc>
+                  <a:spcPct val="100000"/>
+                </a:lnSpc>
+                <a:spcBef>
+                  <a:spcPts val="0"/>
+                </a:spcBef>
+                <a:spcAft>
+                  <a:spcPts val="0"/>
+                </a:spcAft>
+                <a:buClrTx/>
+                <a:buSzTx/>
+                <a:buFontTx/>
+                <a:buNone/>
+                <a:tabLst/>
+                <a:defRPr/>
+              </a:pPr>
+              <a:t>1</a:t>
+            </a:fld>
+            <a:endParaRPr kumimoji="0" lang="en-US" sz="1800" b="0" i="0" u="none" strike="noStrike" kern="1200" cap="none" spc="0" normalizeH="0" baseline="0" noProof="0">
+              <a:ln>
+                <a:noFill/>
+              </a:ln>
+              <a:solidFill>
+                <a:prstClr val="black"/>
+              </a:solidFill>
+              <a:effectLst/>
+              <a:uLnTx/>
+              <a:uFillTx/>
+              <a:latin typeface="Calibri"/>
+              <a:ea typeface="+mn-ea"/>
+              <a:cs typeface="+mn-cs"/>
+            </a:endParaRPr>
+          </a:p>
+        </p:txBody>
+      </p:sp>
+    </p:spTree>
+    <p:extLst>
+      <p:ext uri="{BB962C8B-B14F-4D97-AF65-F5344CB8AC3E}">
+        <p14:creationId xmlns:p14="http://schemas.microsoft.com/office/powerpoint/2010/main" val="4261198586"/>
+      </p:ext>
+    </p:extLst>
+  </p:cSld>
+  <p:clrMapOvr>
+    <a:masterClrMapping/>
+  </p:clrMapOvr>
+</p:notes>
+</file>
+
 <file path=ppt/slideLayouts/slideLayout1.xml><?xml version="1.0" encoding="utf-8"?>
 <p:sldLayout xmlns:a="http://schemas.openxmlformats.org/drawingml/2006/main" xmlns:r="http://schemas.openxmlformats.org/officeDocument/2006/relationships" xmlns:p="http://schemas.openxmlformats.org/presentationml/2006/main" showMasterSp="0" type="title" preserve="1">
   <p:cSld name="Title Slide">
@@ -340,7 +846,7 @@
           <a:p>
             <a:fld id="{D0D085E7-9E2C-420E-876E-E1FF698191B0}" type="datetimeFigureOut">
               <a:rPr lang="en-US" smtClean="0"/>
-              <a:t>9/14/2021</a:t>
+              <a:t>9/22/2021</a:t>
             </a:fld>
             <a:endParaRPr lang="en-US"/>
           </a:p>
@@ -548,7 +1054,7 @@
           <a:p>
             <a:fld id="{D0D085E7-9E2C-420E-876E-E1FF698191B0}" type="datetimeFigureOut">
               <a:rPr lang="en-US" smtClean="0"/>
-              <a:t>9/14/2021</a:t>
+              <a:t>9/22/2021</a:t>
             </a:fld>
             <a:endParaRPr lang="en-US"/>
           </a:p>
@@ -806,7 +1312,7 @@
           <a:p>
             <a:fld id="{D0D085E7-9E2C-420E-876E-E1FF698191B0}" type="datetimeFigureOut">
               <a:rPr lang="en-US" smtClean="0"/>
-              <a:t>9/14/2021</a:t>
+              <a:t>9/22/2021</a:t>
             </a:fld>
             <a:endParaRPr lang="en-US"/>
           </a:p>
@@ -858,6 +1364,1850 @@
     <p:extLst>
       <p:ext uri="{BB962C8B-B14F-4D97-AF65-F5344CB8AC3E}">
         <p14:creationId xmlns:p14="http://schemas.microsoft.com/office/powerpoint/2010/main" val="3377509587"/>
+      </p:ext>
+    </p:extLst>
+  </p:cSld>
+  <p:clrMapOvr>
+    <a:masterClrMapping/>
+  </p:clrMapOvr>
+</p:sldLayout>
+</file>
+
+<file path=ppt/slideLayouts/slideLayout12.xml><?xml version="1.0" encoding="utf-8"?>
+<p:sldLayout xmlns:a="http://schemas.openxmlformats.org/drawingml/2006/main" xmlns:r="http://schemas.openxmlformats.org/officeDocument/2006/relationships" xmlns:p="http://schemas.openxmlformats.org/presentationml/2006/main" type="title" preserve="1">
+  <p:cSld name="Title Slide">
+    <p:spTree>
+      <p:nvGrpSpPr>
+        <p:cNvPr id="1" name=""/>
+        <p:cNvGrpSpPr/>
+        <p:nvPr/>
+      </p:nvGrpSpPr>
+      <p:grpSpPr>
+        <a:xfrm>
+          <a:off x="0" y="0"/>
+          <a:ext cx="0" cy="0"/>
+          <a:chOff x="0" y="0"/>
+          <a:chExt cx="0" cy="0"/>
+        </a:xfrm>
+      </p:grpSpPr>
+      <p:sp>
+        <p:nvSpPr>
+          <p:cNvPr id="2" name="Title 1"/>
+          <p:cNvSpPr>
+            <a:spLocks noGrp="1"/>
+          </p:cNvSpPr>
+          <p:nvPr>
+            <p:ph type="ctrTitle"/>
+          </p:nvPr>
+        </p:nvSpPr>
+        <p:spPr>
+          <a:xfrm>
+            <a:off x="914400" y="2131485"/>
+            <a:ext cx="10363200" cy="1468967"/>
+          </a:xfrm>
+        </p:spPr>
+        <p:txBody>
+          <a:bodyPr/>
+          <a:lstStyle/>
+          <a:p>
+            <a:r>
+              <a:rPr lang="en-US"/>
+              <a:t>Click to edit Master title style</a:t>
+            </a:r>
+          </a:p>
+        </p:txBody>
+      </p:sp>
+      <p:sp>
+        <p:nvSpPr>
+          <p:cNvPr id="3" name="Subtitle 2"/>
+          <p:cNvSpPr>
+            <a:spLocks noGrp="1"/>
+          </p:cNvSpPr>
+          <p:nvPr>
+            <p:ph type="subTitle" idx="1"/>
+          </p:nvPr>
+        </p:nvSpPr>
+        <p:spPr>
+          <a:xfrm>
+            <a:off x="1828800" y="3886200"/>
+            <a:ext cx="8534400" cy="1752600"/>
+          </a:xfrm>
+        </p:spPr>
+        <p:txBody>
+          <a:bodyPr/>
+          <a:lstStyle>
+            <a:lvl1pPr marL="0" indent="0" algn="ctr">
+              <a:buNone/>
+              <a:defRPr>
+                <a:solidFill>
+                  <a:schemeClr val="tx1">
+                    <a:tint val="75000"/>
+                  </a:schemeClr>
+                </a:solidFill>
+              </a:defRPr>
+            </a:lvl1pPr>
+            <a:lvl2pPr marL="609585" indent="0" algn="ctr">
+              <a:buNone/>
+              <a:defRPr>
+                <a:solidFill>
+                  <a:schemeClr val="tx1">
+                    <a:tint val="75000"/>
+                  </a:schemeClr>
+                </a:solidFill>
+              </a:defRPr>
+            </a:lvl2pPr>
+            <a:lvl3pPr marL="1219170" indent="0" algn="ctr">
+              <a:buNone/>
+              <a:defRPr>
+                <a:solidFill>
+                  <a:schemeClr val="tx1">
+                    <a:tint val="75000"/>
+                  </a:schemeClr>
+                </a:solidFill>
+              </a:defRPr>
+            </a:lvl3pPr>
+            <a:lvl4pPr marL="1828754" indent="0" algn="ctr">
+              <a:buNone/>
+              <a:defRPr>
+                <a:solidFill>
+                  <a:schemeClr val="tx1">
+                    <a:tint val="75000"/>
+                  </a:schemeClr>
+                </a:solidFill>
+              </a:defRPr>
+            </a:lvl4pPr>
+            <a:lvl5pPr marL="2438339" indent="0" algn="ctr">
+              <a:buNone/>
+              <a:defRPr>
+                <a:solidFill>
+                  <a:schemeClr val="tx1">
+                    <a:tint val="75000"/>
+                  </a:schemeClr>
+                </a:solidFill>
+              </a:defRPr>
+            </a:lvl5pPr>
+            <a:lvl6pPr marL="3047924" indent="0" algn="ctr">
+              <a:buNone/>
+              <a:defRPr>
+                <a:solidFill>
+                  <a:schemeClr val="tx1">
+                    <a:tint val="75000"/>
+                  </a:schemeClr>
+                </a:solidFill>
+              </a:defRPr>
+            </a:lvl6pPr>
+            <a:lvl7pPr marL="3657509" indent="0" algn="ctr">
+              <a:buNone/>
+              <a:defRPr>
+                <a:solidFill>
+                  <a:schemeClr val="tx1">
+                    <a:tint val="75000"/>
+                  </a:schemeClr>
+                </a:solidFill>
+              </a:defRPr>
+            </a:lvl7pPr>
+            <a:lvl8pPr marL="4267093" indent="0" algn="ctr">
+              <a:buNone/>
+              <a:defRPr>
+                <a:solidFill>
+                  <a:schemeClr val="tx1">
+                    <a:tint val="75000"/>
+                  </a:schemeClr>
+                </a:solidFill>
+              </a:defRPr>
+            </a:lvl8pPr>
+            <a:lvl9pPr marL="4876678" indent="0" algn="ctr">
+              <a:buNone/>
+              <a:defRPr>
+                <a:solidFill>
+                  <a:schemeClr val="tx1">
+                    <a:tint val="75000"/>
+                  </a:schemeClr>
+                </a:solidFill>
+              </a:defRPr>
+            </a:lvl9pPr>
+          </a:lstStyle>
+          <a:p>
+            <a:r>
+              <a:rPr lang="en-US"/>
+              <a:t>Click to edit Master subtitle style</a:t>
+            </a:r>
+          </a:p>
+        </p:txBody>
+      </p:sp>
+      <p:sp>
+        <p:nvSpPr>
+          <p:cNvPr id="4" name="Date Placeholder 3"/>
+          <p:cNvSpPr>
+            <a:spLocks noGrp="1"/>
+          </p:cNvSpPr>
+          <p:nvPr>
+            <p:ph type="dt" sz="half" idx="10"/>
+          </p:nvPr>
+        </p:nvSpPr>
+        <p:spPr/>
+        <p:txBody>
+          <a:bodyPr/>
+          <a:lstStyle/>
+          <a:p>
+            <a:fld id="{D088F999-7A4E-6B4F-9FED-EF75B73AD044}" type="datetimeFigureOut">
+              <a:rPr lang="en-US" smtClean="0"/>
+              <a:t>9/22/2021</a:t>
+            </a:fld>
+            <a:endParaRPr lang="en-US"/>
+          </a:p>
+        </p:txBody>
+      </p:sp>
+      <p:sp>
+        <p:nvSpPr>
+          <p:cNvPr id="5" name="Footer Placeholder 4"/>
+          <p:cNvSpPr>
+            <a:spLocks noGrp="1"/>
+          </p:cNvSpPr>
+          <p:nvPr>
+            <p:ph type="ftr" sz="quarter" idx="11"/>
+          </p:nvPr>
+        </p:nvSpPr>
+        <p:spPr/>
+        <p:txBody>
+          <a:bodyPr/>
+          <a:lstStyle/>
+          <a:p>
+            <a:endParaRPr lang="en-US"/>
+          </a:p>
+        </p:txBody>
+      </p:sp>
+      <p:sp>
+        <p:nvSpPr>
+          <p:cNvPr id="6" name="Slide Number Placeholder 5"/>
+          <p:cNvSpPr>
+            <a:spLocks noGrp="1"/>
+          </p:cNvSpPr>
+          <p:nvPr>
+            <p:ph type="sldNum" sz="quarter" idx="12"/>
+          </p:nvPr>
+        </p:nvSpPr>
+        <p:spPr/>
+        <p:txBody>
+          <a:bodyPr/>
+          <a:lstStyle/>
+          <a:p>
+            <a:fld id="{5D024AAD-DF78-DE44-A1F3-EEB19EDC9165}" type="slidenum">
+              <a:rPr lang="en-US" smtClean="0"/>
+              <a:t>‹#›</a:t>
+            </a:fld>
+            <a:endParaRPr lang="en-US"/>
+          </a:p>
+        </p:txBody>
+      </p:sp>
+    </p:spTree>
+    <p:extLst>
+      <p:ext uri="{BB962C8B-B14F-4D97-AF65-F5344CB8AC3E}">
+        <p14:creationId xmlns:p14="http://schemas.microsoft.com/office/powerpoint/2010/main" val="3772603586"/>
+      </p:ext>
+    </p:extLst>
+  </p:cSld>
+  <p:clrMapOvr>
+    <a:masterClrMapping/>
+  </p:clrMapOvr>
+</p:sldLayout>
+</file>
+
+<file path=ppt/slideLayouts/slideLayout13.xml><?xml version="1.0" encoding="utf-8"?>
+<p:sldLayout xmlns:a="http://schemas.openxmlformats.org/drawingml/2006/main" xmlns:r="http://schemas.openxmlformats.org/officeDocument/2006/relationships" xmlns:p="http://schemas.openxmlformats.org/presentationml/2006/main" type="obj" preserve="1">
+  <p:cSld name="Title and Content">
+    <p:spTree>
+      <p:nvGrpSpPr>
+        <p:cNvPr id="1" name=""/>
+        <p:cNvGrpSpPr/>
+        <p:nvPr/>
+      </p:nvGrpSpPr>
+      <p:grpSpPr>
+        <a:xfrm>
+          <a:off x="0" y="0"/>
+          <a:ext cx="0" cy="0"/>
+          <a:chOff x="0" y="0"/>
+          <a:chExt cx="0" cy="0"/>
+        </a:xfrm>
+      </p:grpSpPr>
+      <p:sp>
+        <p:nvSpPr>
+          <p:cNvPr id="2" name="Title 1"/>
+          <p:cNvSpPr>
+            <a:spLocks noGrp="1"/>
+          </p:cNvSpPr>
+          <p:nvPr>
+            <p:ph type="title"/>
+          </p:nvPr>
+        </p:nvSpPr>
+        <p:spPr/>
+        <p:txBody>
+          <a:bodyPr/>
+          <a:lstStyle/>
+          <a:p>
+            <a:r>
+              <a:rPr lang="en-US"/>
+              <a:t>Click to edit Master title style</a:t>
+            </a:r>
+          </a:p>
+        </p:txBody>
+      </p:sp>
+      <p:sp>
+        <p:nvSpPr>
+          <p:cNvPr id="3" name="Content Placeholder 2"/>
+          <p:cNvSpPr>
+            <a:spLocks noGrp="1"/>
+          </p:cNvSpPr>
+          <p:nvPr>
+            <p:ph idx="1"/>
+          </p:nvPr>
+        </p:nvSpPr>
+        <p:spPr/>
+        <p:txBody>
+          <a:bodyPr/>
+          <a:lstStyle/>
+          <a:p>
+            <a:pPr lvl="0"/>
+            <a:r>
+              <a:rPr lang="en-US"/>
+              <a:t>Click to edit Master text styles</a:t>
+            </a:r>
+          </a:p>
+          <a:p>
+            <a:pPr lvl="1"/>
+            <a:r>
+              <a:rPr lang="en-US"/>
+              <a:t>Second level</a:t>
+            </a:r>
+          </a:p>
+          <a:p>
+            <a:pPr lvl="2"/>
+            <a:r>
+              <a:rPr lang="en-US"/>
+              <a:t>Third level</a:t>
+            </a:r>
+          </a:p>
+          <a:p>
+            <a:pPr lvl="3"/>
+            <a:r>
+              <a:rPr lang="en-US"/>
+              <a:t>Fourth level</a:t>
+            </a:r>
+          </a:p>
+          <a:p>
+            <a:pPr lvl="4"/>
+            <a:r>
+              <a:rPr lang="en-US"/>
+              <a:t>Fifth level</a:t>
+            </a:r>
+          </a:p>
+        </p:txBody>
+      </p:sp>
+      <p:sp>
+        <p:nvSpPr>
+          <p:cNvPr id="4" name="Date Placeholder 3"/>
+          <p:cNvSpPr>
+            <a:spLocks noGrp="1"/>
+          </p:cNvSpPr>
+          <p:nvPr>
+            <p:ph type="dt" sz="half" idx="10"/>
+          </p:nvPr>
+        </p:nvSpPr>
+        <p:spPr/>
+        <p:txBody>
+          <a:bodyPr/>
+          <a:lstStyle/>
+          <a:p>
+            <a:fld id="{D088F999-7A4E-6B4F-9FED-EF75B73AD044}" type="datetimeFigureOut">
+              <a:rPr lang="en-US" smtClean="0"/>
+              <a:t>9/22/2021</a:t>
+            </a:fld>
+            <a:endParaRPr lang="en-US"/>
+          </a:p>
+        </p:txBody>
+      </p:sp>
+      <p:sp>
+        <p:nvSpPr>
+          <p:cNvPr id="5" name="Footer Placeholder 4"/>
+          <p:cNvSpPr>
+            <a:spLocks noGrp="1"/>
+          </p:cNvSpPr>
+          <p:nvPr>
+            <p:ph type="ftr" sz="quarter" idx="11"/>
+          </p:nvPr>
+        </p:nvSpPr>
+        <p:spPr/>
+        <p:txBody>
+          <a:bodyPr/>
+          <a:lstStyle/>
+          <a:p>
+            <a:endParaRPr lang="en-US"/>
+          </a:p>
+        </p:txBody>
+      </p:sp>
+      <p:sp>
+        <p:nvSpPr>
+          <p:cNvPr id="6" name="Slide Number Placeholder 5"/>
+          <p:cNvSpPr>
+            <a:spLocks noGrp="1"/>
+          </p:cNvSpPr>
+          <p:nvPr>
+            <p:ph type="sldNum" sz="quarter" idx="12"/>
+          </p:nvPr>
+        </p:nvSpPr>
+        <p:spPr/>
+        <p:txBody>
+          <a:bodyPr/>
+          <a:lstStyle/>
+          <a:p>
+            <a:fld id="{5D024AAD-DF78-DE44-A1F3-EEB19EDC9165}" type="slidenum">
+              <a:rPr lang="en-US" smtClean="0"/>
+              <a:t>‹#›</a:t>
+            </a:fld>
+            <a:endParaRPr lang="en-US"/>
+          </a:p>
+        </p:txBody>
+      </p:sp>
+    </p:spTree>
+    <p:extLst>
+      <p:ext uri="{BB962C8B-B14F-4D97-AF65-F5344CB8AC3E}">
+        <p14:creationId xmlns:p14="http://schemas.microsoft.com/office/powerpoint/2010/main" val="1615539301"/>
+      </p:ext>
+    </p:extLst>
+  </p:cSld>
+  <p:clrMapOvr>
+    <a:masterClrMapping/>
+  </p:clrMapOvr>
+</p:sldLayout>
+</file>
+
+<file path=ppt/slideLayouts/slideLayout14.xml><?xml version="1.0" encoding="utf-8"?>
+<p:sldLayout xmlns:a="http://schemas.openxmlformats.org/drawingml/2006/main" xmlns:r="http://schemas.openxmlformats.org/officeDocument/2006/relationships" xmlns:p="http://schemas.openxmlformats.org/presentationml/2006/main" type="secHead" preserve="1">
+  <p:cSld name="Section Header">
+    <p:spTree>
+      <p:nvGrpSpPr>
+        <p:cNvPr id="1" name=""/>
+        <p:cNvGrpSpPr/>
+        <p:nvPr/>
+      </p:nvGrpSpPr>
+      <p:grpSpPr>
+        <a:xfrm>
+          <a:off x="0" y="0"/>
+          <a:ext cx="0" cy="0"/>
+          <a:chOff x="0" y="0"/>
+          <a:chExt cx="0" cy="0"/>
+        </a:xfrm>
+      </p:grpSpPr>
+      <p:sp>
+        <p:nvSpPr>
+          <p:cNvPr id="2" name="Title 1"/>
+          <p:cNvSpPr>
+            <a:spLocks noGrp="1"/>
+          </p:cNvSpPr>
+          <p:nvPr>
+            <p:ph type="title"/>
+          </p:nvPr>
+        </p:nvSpPr>
+        <p:spPr>
+          <a:xfrm>
+            <a:off x="963084" y="4406900"/>
+            <a:ext cx="10363200" cy="1363133"/>
+          </a:xfrm>
+        </p:spPr>
+        <p:txBody>
+          <a:bodyPr anchor="t"/>
+          <a:lstStyle>
+            <a:lvl1pPr algn="l">
+              <a:defRPr sz="5333" b="1" cap="all"/>
+            </a:lvl1pPr>
+          </a:lstStyle>
+          <a:p>
+            <a:r>
+              <a:rPr lang="en-US"/>
+              <a:t>Click to edit Master title style</a:t>
+            </a:r>
+          </a:p>
+        </p:txBody>
+      </p:sp>
+      <p:sp>
+        <p:nvSpPr>
+          <p:cNvPr id="3" name="Text Placeholder 2"/>
+          <p:cNvSpPr>
+            <a:spLocks noGrp="1"/>
+          </p:cNvSpPr>
+          <p:nvPr>
+            <p:ph type="body" idx="1"/>
+          </p:nvPr>
+        </p:nvSpPr>
+        <p:spPr>
+          <a:xfrm>
+            <a:off x="963084" y="2906185"/>
+            <a:ext cx="10363200" cy="1500716"/>
+          </a:xfrm>
+        </p:spPr>
+        <p:txBody>
+          <a:bodyPr anchor="b"/>
+          <a:lstStyle>
+            <a:lvl1pPr marL="0" indent="0">
+              <a:buNone/>
+              <a:defRPr sz="2667">
+                <a:solidFill>
+                  <a:schemeClr val="tx1">
+                    <a:tint val="75000"/>
+                  </a:schemeClr>
+                </a:solidFill>
+              </a:defRPr>
+            </a:lvl1pPr>
+            <a:lvl2pPr marL="609585" indent="0">
+              <a:buNone/>
+              <a:defRPr sz="2400">
+                <a:solidFill>
+                  <a:schemeClr val="tx1">
+                    <a:tint val="75000"/>
+                  </a:schemeClr>
+                </a:solidFill>
+              </a:defRPr>
+            </a:lvl2pPr>
+            <a:lvl3pPr marL="1219170" indent="0">
+              <a:buNone/>
+              <a:defRPr sz="2133">
+                <a:solidFill>
+                  <a:schemeClr val="tx1">
+                    <a:tint val="75000"/>
+                  </a:schemeClr>
+                </a:solidFill>
+              </a:defRPr>
+            </a:lvl3pPr>
+            <a:lvl4pPr marL="1828754" indent="0">
+              <a:buNone/>
+              <a:defRPr sz="1867">
+                <a:solidFill>
+                  <a:schemeClr val="tx1">
+                    <a:tint val="75000"/>
+                  </a:schemeClr>
+                </a:solidFill>
+              </a:defRPr>
+            </a:lvl4pPr>
+            <a:lvl5pPr marL="2438339" indent="0">
+              <a:buNone/>
+              <a:defRPr sz="1867">
+                <a:solidFill>
+                  <a:schemeClr val="tx1">
+                    <a:tint val="75000"/>
+                  </a:schemeClr>
+                </a:solidFill>
+              </a:defRPr>
+            </a:lvl5pPr>
+            <a:lvl6pPr marL="3047924" indent="0">
+              <a:buNone/>
+              <a:defRPr sz="1867">
+                <a:solidFill>
+                  <a:schemeClr val="tx1">
+                    <a:tint val="75000"/>
+                  </a:schemeClr>
+                </a:solidFill>
+              </a:defRPr>
+            </a:lvl6pPr>
+            <a:lvl7pPr marL="3657509" indent="0">
+              <a:buNone/>
+              <a:defRPr sz="1867">
+                <a:solidFill>
+                  <a:schemeClr val="tx1">
+                    <a:tint val="75000"/>
+                  </a:schemeClr>
+                </a:solidFill>
+              </a:defRPr>
+            </a:lvl7pPr>
+            <a:lvl8pPr marL="4267093" indent="0">
+              <a:buNone/>
+              <a:defRPr sz="1867">
+                <a:solidFill>
+                  <a:schemeClr val="tx1">
+                    <a:tint val="75000"/>
+                  </a:schemeClr>
+                </a:solidFill>
+              </a:defRPr>
+            </a:lvl8pPr>
+            <a:lvl9pPr marL="4876678" indent="0">
+              <a:buNone/>
+              <a:defRPr sz="1867">
+                <a:solidFill>
+                  <a:schemeClr val="tx1">
+                    <a:tint val="75000"/>
+                  </a:schemeClr>
+                </a:solidFill>
+              </a:defRPr>
+            </a:lvl9pPr>
+          </a:lstStyle>
+          <a:p>
+            <a:pPr lvl="0"/>
+            <a:r>
+              <a:rPr lang="en-US"/>
+              <a:t>Click to edit Master text styles</a:t>
+            </a:r>
+          </a:p>
+        </p:txBody>
+      </p:sp>
+      <p:sp>
+        <p:nvSpPr>
+          <p:cNvPr id="4" name="Date Placeholder 3"/>
+          <p:cNvSpPr>
+            <a:spLocks noGrp="1"/>
+          </p:cNvSpPr>
+          <p:nvPr>
+            <p:ph type="dt" sz="half" idx="10"/>
+          </p:nvPr>
+        </p:nvSpPr>
+        <p:spPr/>
+        <p:txBody>
+          <a:bodyPr/>
+          <a:lstStyle/>
+          <a:p>
+            <a:fld id="{D088F999-7A4E-6B4F-9FED-EF75B73AD044}" type="datetimeFigureOut">
+              <a:rPr lang="en-US" smtClean="0"/>
+              <a:t>9/22/2021</a:t>
+            </a:fld>
+            <a:endParaRPr lang="en-US"/>
+          </a:p>
+        </p:txBody>
+      </p:sp>
+      <p:sp>
+        <p:nvSpPr>
+          <p:cNvPr id="5" name="Footer Placeholder 4"/>
+          <p:cNvSpPr>
+            <a:spLocks noGrp="1"/>
+          </p:cNvSpPr>
+          <p:nvPr>
+            <p:ph type="ftr" sz="quarter" idx="11"/>
+          </p:nvPr>
+        </p:nvSpPr>
+        <p:spPr/>
+        <p:txBody>
+          <a:bodyPr/>
+          <a:lstStyle/>
+          <a:p>
+            <a:endParaRPr lang="en-US"/>
+          </a:p>
+        </p:txBody>
+      </p:sp>
+      <p:sp>
+        <p:nvSpPr>
+          <p:cNvPr id="6" name="Slide Number Placeholder 5"/>
+          <p:cNvSpPr>
+            <a:spLocks noGrp="1"/>
+          </p:cNvSpPr>
+          <p:nvPr>
+            <p:ph type="sldNum" sz="quarter" idx="12"/>
+          </p:nvPr>
+        </p:nvSpPr>
+        <p:spPr/>
+        <p:txBody>
+          <a:bodyPr/>
+          <a:lstStyle/>
+          <a:p>
+            <a:fld id="{5D024AAD-DF78-DE44-A1F3-EEB19EDC9165}" type="slidenum">
+              <a:rPr lang="en-US" smtClean="0"/>
+              <a:t>‹#›</a:t>
+            </a:fld>
+            <a:endParaRPr lang="en-US"/>
+          </a:p>
+        </p:txBody>
+      </p:sp>
+    </p:spTree>
+    <p:extLst>
+      <p:ext uri="{BB962C8B-B14F-4D97-AF65-F5344CB8AC3E}">
+        <p14:creationId xmlns:p14="http://schemas.microsoft.com/office/powerpoint/2010/main" val="1902592717"/>
+      </p:ext>
+    </p:extLst>
+  </p:cSld>
+  <p:clrMapOvr>
+    <a:masterClrMapping/>
+  </p:clrMapOvr>
+</p:sldLayout>
+</file>
+
+<file path=ppt/slideLayouts/slideLayout15.xml><?xml version="1.0" encoding="utf-8"?>
+<p:sldLayout xmlns:a="http://schemas.openxmlformats.org/drawingml/2006/main" xmlns:r="http://schemas.openxmlformats.org/officeDocument/2006/relationships" xmlns:p="http://schemas.openxmlformats.org/presentationml/2006/main" type="twoObj" preserve="1">
+  <p:cSld name="Two Content">
+    <p:spTree>
+      <p:nvGrpSpPr>
+        <p:cNvPr id="1" name=""/>
+        <p:cNvGrpSpPr/>
+        <p:nvPr/>
+      </p:nvGrpSpPr>
+      <p:grpSpPr>
+        <a:xfrm>
+          <a:off x="0" y="0"/>
+          <a:ext cx="0" cy="0"/>
+          <a:chOff x="0" y="0"/>
+          <a:chExt cx="0" cy="0"/>
+        </a:xfrm>
+      </p:grpSpPr>
+      <p:sp>
+        <p:nvSpPr>
+          <p:cNvPr id="2" name="Title 1"/>
+          <p:cNvSpPr>
+            <a:spLocks noGrp="1"/>
+          </p:cNvSpPr>
+          <p:nvPr>
+            <p:ph type="title"/>
+          </p:nvPr>
+        </p:nvSpPr>
+        <p:spPr/>
+        <p:txBody>
+          <a:bodyPr/>
+          <a:lstStyle/>
+          <a:p>
+            <a:r>
+              <a:rPr lang="en-US"/>
+              <a:t>Click to edit Master title style</a:t>
+            </a:r>
+          </a:p>
+        </p:txBody>
+      </p:sp>
+      <p:sp>
+        <p:nvSpPr>
+          <p:cNvPr id="3" name="Content Placeholder 2"/>
+          <p:cNvSpPr>
+            <a:spLocks noGrp="1"/>
+          </p:cNvSpPr>
+          <p:nvPr>
+            <p:ph sz="half" idx="1"/>
+          </p:nvPr>
+        </p:nvSpPr>
+        <p:spPr>
+          <a:xfrm>
+            <a:off x="609600" y="1600201"/>
+            <a:ext cx="5384800" cy="4525433"/>
+          </a:xfrm>
+        </p:spPr>
+        <p:txBody>
+          <a:bodyPr/>
+          <a:lstStyle>
+            <a:lvl1pPr>
+              <a:defRPr sz="3733"/>
+            </a:lvl1pPr>
+            <a:lvl2pPr>
+              <a:defRPr sz="3200"/>
+            </a:lvl2pPr>
+            <a:lvl3pPr>
+              <a:defRPr sz="2667"/>
+            </a:lvl3pPr>
+            <a:lvl4pPr>
+              <a:defRPr sz="2400"/>
+            </a:lvl4pPr>
+            <a:lvl5pPr>
+              <a:defRPr sz="2400"/>
+            </a:lvl5pPr>
+            <a:lvl6pPr>
+              <a:defRPr sz="2400"/>
+            </a:lvl6pPr>
+            <a:lvl7pPr>
+              <a:defRPr sz="2400"/>
+            </a:lvl7pPr>
+            <a:lvl8pPr>
+              <a:defRPr sz="2400"/>
+            </a:lvl8pPr>
+            <a:lvl9pPr>
+              <a:defRPr sz="2400"/>
+            </a:lvl9pPr>
+          </a:lstStyle>
+          <a:p>
+            <a:pPr lvl="0"/>
+            <a:r>
+              <a:rPr lang="en-US"/>
+              <a:t>Click to edit Master text styles</a:t>
+            </a:r>
+          </a:p>
+          <a:p>
+            <a:pPr lvl="1"/>
+            <a:r>
+              <a:rPr lang="en-US"/>
+              <a:t>Second level</a:t>
+            </a:r>
+          </a:p>
+          <a:p>
+            <a:pPr lvl="2"/>
+            <a:r>
+              <a:rPr lang="en-US"/>
+              <a:t>Third level</a:t>
+            </a:r>
+          </a:p>
+          <a:p>
+            <a:pPr lvl="3"/>
+            <a:r>
+              <a:rPr lang="en-US"/>
+              <a:t>Fourth level</a:t>
+            </a:r>
+          </a:p>
+          <a:p>
+            <a:pPr lvl="4"/>
+            <a:r>
+              <a:rPr lang="en-US"/>
+              <a:t>Fifth level</a:t>
+            </a:r>
+          </a:p>
+        </p:txBody>
+      </p:sp>
+      <p:sp>
+        <p:nvSpPr>
+          <p:cNvPr id="4" name="Content Placeholder 3"/>
+          <p:cNvSpPr>
+            <a:spLocks noGrp="1"/>
+          </p:cNvSpPr>
+          <p:nvPr>
+            <p:ph sz="half" idx="2"/>
+          </p:nvPr>
+        </p:nvSpPr>
+        <p:spPr>
+          <a:xfrm>
+            <a:off x="6197600" y="1600201"/>
+            <a:ext cx="5384800" cy="4525433"/>
+          </a:xfrm>
+        </p:spPr>
+        <p:txBody>
+          <a:bodyPr/>
+          <a:lstStyle>
+            <a:lvl1pPr>
+              <a:defRPr sz="3733"/>
+            </a:lvl1pPr>
+            <a:lvl2pPr>
+              <a:defRPr sz="3200"/>
+            </a:lvl2pPr>
+            <a:lvl3pPr>
+              <a:defRPr sz="2667"/>
+            </a:lvl3pPr>
+            <a:lvl4pPr>
+              <a:defRPr sz="2400"/>
+            </a:lvl4pPr>
+            <a:lvl5pPr>
+              <a:defRPr sz="2400"/>
+            </a:lvl5pPr>
+            <a:lvl6pPr>
+              <a:defRPr sz="2400"/>
+            </a:lvl6pPr>
+            <a:lvl7pPr>
+              <a:defRPr sz="2400"/>
+            </a:lvl7pPr>
+            <a:lvl8pPr>
+              <a:defRPr sz="2400"/>
+            </a:lvl8pPr>
+            <a:lvl9pPr>
+              <a:defRPr sz="2400"/>
+            </a:lvl9pPr>
+          </a:lstStyle>
+          <a:p>
+            <a:pPr lvl="0"/>
+            <a:r>
+              <a:rPr lang="en-US"/>
+              <a:t>Click to edit Master text styles</a:t>
+            </a:r>
+          </a:p>
+          <a:p>
+            <a:pPr lvl="1"/>
+            <a:r>
+              <a:rPr lang="en-US"/>
+              <a:t>Second level</a:t>
+            </a:r>
+          </a:p>
+          <a:p>
+            <a:pPr lvl="2"/>
+            <a:r>
+              <a:rPr lang="en-US"/>
+              <a:t>Third level</a:t>
+            </a:r>
+          </a:p>
+          <a:p>
+            <a:pPr lvl="3"/>
+            <a:r>
+              <a:rPr lang="en-US"/>
+              <a:t>Fourth level</a:t>
+            </a:r>
+          </a:p>
+          <a:p>
+            <a:pPr lvl="4"/>
+            <a:r>
+              <a:rPr lang="en-US"/>
+              <a:t>Fifth level</a:t>
+            </a:r>
+          </a:p>
+        </p:txBody>
+      </p:sp>
+      <p:sp>
+        <p:nvSpPr>
+          <p:cNvPr id="5" name="Date Placeholder 4"/>
+          <p:cNvSpPr>
+            <a:spLocks noGrp="1"/>
+          </p:cNvSpPr>
+          <p:nvPr>
+            <p:ph type="dt" sz="half" idx="10"/>
+          </p:nvPr>
+        </p:nvSpPr>
+        <p:spPr/>
+        <p:txBody>
+          <a:bodyPr/>
+          <a:lstStyle/>
+          <a:p>
+            <a:fld id="{D088F999-7A4E-6B4F-9FED-EF75B73AD044}" type="datetimeFigureOut">
+              <a:rPr lang="en-US" smtClean="0"/>
+              <a:t>9/22/2021</a:t>
+            </a:fld>
+            <a:endParaRPr lang="en-US"/>
+          </a:p>
+        </p:txBody>
+      </p:sp>
+      <p:sp>
+        <p:nvSpPr>
+          <p:cNvPr id="6" name="Footer Placeholder 5"/>
+          <p:cNvSpPr>
+            <a:spLocks noGrp="1"/>
+          </p:cNvSpPr>
+          <p:nvPr>
+            <p:ph type="ftr" sz="quarter" idx="11"/>
+          </p:nvPr>
+        </p:nvSpPr>
+        <p:spPr/>
+        <p:txBody>
+          <a:bodyPr/>
+          <a:lstStyle/>
+          <a:p>
+            <a:endParaRPr lang="en-US"/>
+          </a:p>
+        </p:txBody>
+      </p:sp>
+      <p:sp>
+        <p:nvSpPr>
+          <p:cNvPr id="7" name="Slide Number Placeholder 6"/>
+          <p:cNvSpPr>
+            <a:spLocks noGrp="1"/>
+          </p:cNvSpPr>
+          <p:nvPr>
+            <p:ph type="sldNum" sz="quarter" idx="12"/>
+          </p:nvPr>
+        </p:nvSpPr>
+        <p:spPr/>
+        <p:txBody>
+          <a:bodyPr/>
+          <a:lstStyle/>
+          <a:p>
+            <a:fld id="{5D024AAD-DF78-DE44-A1F3-EEB19EDC9165}" type="slidenum">
+              <a:rPr lang="en-US" smtClean="0"/>
+              <a:t>‹#›</a:t>
+            </a:fld>
+            <a:endParaRPr lang="en-US"/>
+          </a:p>
+        </p:txBody>
+      </p:sp>
+    </p:spTree>
+    <p:extLst>
+      <p:ext uri="{BB962C8B-B14F-4D97-AF65-F5344CB8AC3E}">
+        <p14:creationId xmlns:p14="http://schemas.microsoft.com/office/powerpoint/2010/main" val="508165743"/>
+      </p:ext>
+    </p:extLst>
+  </p:cSld>
+  <p:clrMapOvr>
+    <a:masterClrMapping/>
+  </p:clrMapOvr>
+</p:sldLayout>
+</file>
+
+<file path=ppt/slideLayouts/slideLayout16.xml><?xml version="1.0" encoding="utf-8"?>
+<p:sldLayout xmlns:a="http://schemas.openxmlformats.org/drawingml/2006/main" xmlns:r="http://schemas.openxmlformats.org/officeDocument/2006/relationships" xmlns:p="http://schemas.openxmlformats.org/presentationml/2006/main" type="twoTxTwoObj" preserve="1">
+  <p:cSld name="Comparison">
+    <p:spTree>
+      <p:nvGrpSpPr>
+        <p:cNvPr id="1" name=""/>
+        <p:cNvGrpSpPr/>
+        <p:nvPr/>
+      </p:nvGrpSpPr>
+      <p:grpSpPr>
+        <a:xfrm>
+          <a:off x="0" y="0"/>
+          <a:ext cx="0" cy="0"/>
+          <a:chOff x="0" y="0"/>
+          <a:chExt cx="0" cy="0"/>
+        </a:xfrm>
+      </p:grpSpPr>
+      <p:sp>
+        <p:nvSpPr>
+          <p:cNvPr id="2" name="Title 1"/>
+          <p:cNvSpPr>
+            <a:spLocks noGrp="1"/>
+          </p:cNvSpPr>
+          <p:nvPr>
+            <p:ph type="title"/>
+          </p:nvPr>
+        </p:nvSpPr>
+        <p:spPr/>
+        <p:txBody>
+          <a:bodyPr/>
+          <a:lstStyle>
+            <a:lvl1pPr>
+              <a:defRPr/>
+            </a:lvl1pPr>
+          </a:lstStyle>
+          <a:p>
+            <a:r>
+              <a:rPr lang="en-US"/>
+              <a:t>Click to edit Master title style</a:t>
+            </a:r>
+          </a:p>
+        </p:txBody>
+      </p:sp>
+      <p:sp>
+        <p:nvSpPr>
+          <p:cNvPr id="3" name="Text Placeholder 2"/>
+          <p:cNvSpPr>
+            <a:spLocks noGrp="1"/>
+          </p:cNvSpPr>
+          <p:nvPr>
+            <p:ph type="body" idx="1"/>
+          </p:nvPr>
+        </p:nvSpPr>
+        <p:spPr>
+          <a:xfrm>
+            <a:off x="609600" y="1534584"/>
+            <a:ext cx="5386917" cy="641349"/>
+          </a:xfrm>
+        </p:spPr>
+        <p:txBody>
+          <a:bodyPr anchor="b"/>
+          <a:lstStyle>
+            <a:lvl1pPr marL="0" indent="0">
+              <a:buNone/>
+              <a:defRPr sz="3200" b="1"/>
+            </a:lvl1pPr>
+            <a:lvl2pPr marL="609585" indent="0">
+              <a:buNone/>
+              <a:defRPr sz="2667" b="1"/>
+            </a:lvl2pPr>
+            <a:lvl3pPr marL="1219170" indent="0">
+              <a:buNone/>
+              <a:defRPr sz="2400" b="1"/>
+            </a:lvl3pPr>
+            <a:lvl4pPr marL="1828754" indent="0">
+              <a:buNone/>
+              <a:defRPr sz="2133" b="1"/>
+            </a:lvl4pPr>
+            <a:lvl5pPr marL="2438339" indent="0">
+              <a:buNone/>
+              <a:defRPr sz="2133" b="1"/>
+            </a:lvl5pPr>
+            <a:lvl6pPr marL="3047924" indent="0">
+              <a:buNone/>
+              <a:defRPr sz="2133" b="1"/>
+            </a:lvl6pPr>
+            <a:lvl7pPr marL="3657509" indent="0">
+              <a:buNone/>
+              <a:defRPr sz="2133" b="1"/>
+            </a:lvl7pPr>
+            <a:lvl8pPr marL="4267093" indent="0">
+              <a:buNone/>
+              <a:defRPr sz="2133" b="1"/>
+            </a:lvl8pPr>
+            <a:lvl9pPr marL="4876678" indent="0">
+              <a:buNone/>
+              <a:defRPr sz="2133" b="1"/>
+            </a:lvl9pPr>
+          </a:lstStyle>
+          <a:p>
+            <a:pPr lvl="0"/>
+            <a:r>
+              <a:rPr lang="en-US"/>
+              <a:t>Click to edit Master text styles</a:t>
+            </a:r>
+          </a:p>
+        </p:txBody>
+      </p:sp>
+      <p:sp>
+        <p:nvSpPr>
+          <p:cNvPr id="4" name="Content Placeholder 3"/>
+          <p:cNvSpPr>
+            <a:spLocks noGrp="1"/>
+          </p:cNvSpPr>
+          <p:nvPr>
+            <p:ph sz="half" idx="2"/>
+          </p:nvPr>
+        </p:nvSpPr>
+        <p:spPr>
+          <a:xfrm>
+            <a:off x="609600" y="2175934"/>
+            <a:ext cx="5386917" cy="3949700"/>
+          </a:xfrm>
+        </p:spPr>
+        <p:txBody>
+          <a:bodyPr/>
+          <a:lstStyle>
+            <a:lvl1pPr>
+              <a:defRPr sz="3200"/>
+            </a:lvl1pPr>
+            <a:lvl2pPr>
+              <a:defRPr sz="2667"/>
+            </a:lvl2pPr>
+            <a:lvl3pPr>
+              <a:defRPr sz="2400"/>
+            </a:lvl3pPr>
+            <a:lvl4pPr>
+              <a:defRPr sz="2133"/>
+            </a:lvl4pPr>
+            <a:lvl5pPr>
+              <a:defRPr sz="2133"/>
+            </a:lvl5pPr>
+            <a:lvl6pPr>
+              <a:defRPr sz="2133"/>
+            </a:lvl6pPr>
+            <a:lvl7pPr>
+              <a:defRPr sz="2133"/>
+            </a:lvl7pPr>
+            <a:lvl8pPr>
+              <a:defRPr sz="2133"/>
+            </a:lvl8pPr>
+            <a:lvl9pPr>
+              <a:defRPr sz="2133"/>
+            </a:lvl9pPr>
+          </a:lstStyle>
+          <a:p>
+            <a:pPr lvl="0"/>
+            <a:r>
+              <a:rPr lang="en-US"/>
+              <a:t>Click to edit Master text styles</a:t>
+            </a:r>
+          </a:p>
+          <a:p>
+            <a:pPr lvl="1"/>
+            <a:r>
+              <a:rPr lang="en-US"/>
+              <a:t>Second level</a:t>
+            </a:r>
+          </a:p>
+          <a:p>
+            <a:pPr lvl="2"/>
+            <a:r>
+              <a:rPr lang="en-US"/>
+              <a:t>Third level</a:t>
+            </a:r>
+          </a:p>
+          <a:p>
+            <a:pPr lvl="3"/>
+            <a:r>
+              <a:rPr lang="en-US"/>
+              <a:t>Fourth level</a:t>
+            </a:r>
+          </a:p>
+          <a:p>
+            <a:pPr lvl="4"/>
+            <a:r>
+              <a:rPr lang="en-US"/>
+              <a:t>Fifth level</a:t>
+            </a:r>
+          </a:p>
+        </p:txBody>
+      </p:sp>
+      <p:sp>
+        <p:nvSpPr>
+          <p:cNvPr id="5" name="Text Placeholder 4"/>
+          <p:cNvSpPr>
+            <a:spLocks noGrp="1"/>
+          </p:cNvSpPr>
+          <p:nvPr>
+            <p:ph type="body" sz="quarter" idx="3"/>
+          </p:nvPr>
+        </p:nvSpPr>
+        <p:spPr>
+          <a:xfrm>
+            <a:off x="6193368" y="1534584"/>
+            <a:ext cx="5389033" cy="641349"/>
+          </a:xfrm>
+        </p:spPr>
+        <p:txBody>
+          <a:bodyPr anchor="b"/>
+          <a:lstStyle>
+            <a:lvl1pPr marL="0" indent="0">
+              <a:buNone/>
+              <a:defRPr sz="3200" b="1"/>
+            </a:lvl1pPr>
+            <a:lvl2pPr marL="609585" indent="0">
+              <a:buNone/>
+              <a:defRPr sz="2667" b="1"/>
+            </a:lvl2pPr>
+            <a:lvl3pPr marL="1219170" indent="0">
+              <a:buNone/>
+              <a:defRPr sz="2400" b="1"/>
+            </a:lvl3pPr>
+            <a:lvl4pPr marL="1828754" indent="0">
+              <a:buNone/>
+              <a:defRPr sz="2133" b="1"/>
+            </a:lvl4pPr>
+            <a:lvl5pPr marL="2438339" indent="0">
+              <a:buNone/>
+              <a:defRPr sz="2133" b="1"/>
+            </a:lvl5pPr>
+            <a:lvl6pPr marL="3047924" indent="0">
+              <a:buNone/>
+              <a:defRPr sz="2133" b="1"/>
+            </a:lvl6pPr>
+            <a:lvl7pPr marL="3657509" indent="0">
+              <a:buNone/>
+              <a:defRPr sz="2133" b="1"/>
+            </a:lvl7pPr>
+            <a:lvl8pPr marL="4267093" indent="0">
+              <a:buNone/>
+              <a:defRPr sz="2133" b="1"/>
+            </a:lvl8pPr>
+            <a:lvl9pPr marL="4876678" indent="0">
+              <a:buNone/>
+              <a:defRPr sz="2133" b="1"/>
+            </a:lvl9pPr>
+          </a:lstStyle>
+          <a:p>
+            <a:pPr lvl="0"/>
+            <a:r>
+              <a:rPr lang="en-US"/>
+              <a:t>Click to edit Master text styles</a:t>
+            </a:r>
+          </a:p>
+        </p:txBody>
+      </p:sp>
+      <p:sp>
+        <p:nvSpPr>
+          <p:cNvPr id="6" name="Content Placeholder 5"/>
+          <p:cNvSpPr>
+            <a:spLocks noGrp="1"/>
+          </p:cNvSpPr>
+          <p:nvPr>
+            <p:ph sz="quarter" idx="4"/>
+          </p:nvPr>
+        </p:nvSpPr>
+        <p:spPr>
+          <a:xfrm>
+            <a:off x="6193368" y="2175934"/>
+            <a:ext cx="5389033" cy="3949700"/>
+          </a:xfrm>
+        </p:spPr>
+        <p:txBody>
+          <a:bodyPr/>
+          <a:lstStyle>
+            <a:lvl1pPr>
+              <a:defRPr sz="3200"/>
+            </a:lvl1pPr>
+            <a:lvl2pPr>
+              <a:defRPr sz="2667"/>
+            </a:lvl2pPr>
+            <a:lvl3pPr>
+              <a:defRPr sz="2400"/>
+            </a:lvl3pPr>
+            <a:lvl4pPr>
+              <a:defRPr sz="2133"/>
+            </a:lvl4pPr>
+            <a:lvl5pPr>
+              <a:defRPr sz="2133"/>
+            </a:lvl5pPr>
+            <a:lvl6pPr>
+              <a:defRPr sz="2133"/>
+            </a:lvl6pPr>
+            <a:lvl7pPr>
+              <a:defRPr sz="2133"/>
+            </a:lvl7pPr>
+            <a:lvl8pPr>
+              <a:defRPr sz="2133"/>
+            </a:lvl8pPr>
+            <a:lvl9pPr>
+              <a:defRPr sz="2133"/>
+            </a:lvl9pPr>
+          </a:lstStyle>
+          <a:p>
+            <a:pPr lvl="0"/>
+            <a:r>
+              <a:rPr lang="en-US"/>
+              <a:t>Click to edit Master text styles</a:t>
+            </a:r>
+          </a:p>
+          <a:p>
+            <a:pPr lvl="1"/>
+            <a:r>
+              <a:rPr lang="en-US"/>
+              <a:t>Second level</a:t>
+            </a:r>
+          </a:p>
+          <a:p>
+            <a:pPr lvl="2"/>
+            <a:r>
+              <a:rPr lang="en-US"/>
+              <a:t>Third level</a:t>
+            </a:r>
+          </a:p>
+          <a:p>
+            <a:pPr lvl="3"/>
+            <a:r>
+              <a:rPr lang="en-US"/>
+              <a:t>Fourth level</a:t>
+            </a:r>
+          </a:p>
+          <a:p>
+            <a:pPr lvl="4"/>
+            <a:r>
+              <a:rPr lang="en-US"/>
+              <a:t>Fifth level</a:t>
+            </a:r>
+          </a:p>
+        </p:txBody>
+      </p:sp>
+      <p:sp>
+        <p:nvSpPr>
+          <p:cNvPr id="7" name="Date Placeholder 6"/>
+          <p:cNvSpPr>
+            <a:spLocks noGrp="1"/>
+          </p:cNvSpPr>
+          <p:nvPr>
+            <p:ph type="dt" sz="half" idx="10"/>
+          </p:nvPr>
+        </p:nvSpPr>
+        <p:spPr/>
+        <p:txBody>
+          <a:bodyPr/>
+          <a:lstStyle/>
+          <a:p>
+            <a:fld id="{D088F999-7A4E-6B4F-9FED-EF75B73AD044}" type="datetimeFigureOut">
+              <a:rPr lang="en-US" smtClean="0"/>
+              <a:t>9/22/2021</a:t>
+            </a:fld>
+            <a:endParaRPr lang="en-US"/>
+          </a:p>
+        </p:txBody>
+      </p:sp>
+      <p:sp>
+        <p:nvSpPr>
+          <p:cNvPr id="8" name="Footer Placeholder 7"/>
+          <p:cNvSpPr>
+            <a:spLocks noGrp="1"/>
+          </p:cNvSpPr>
+          <p:nvPr>
+            <p:ph type="ftr" sz="quarter" idx="11"/>
+          </p:nvPr>
+        </p:nvSpPr>
+        <p:spPr/>
+        <p:txBody>
+          <a:bodyPr/>
+          <a:lstStyle/>
+          <a:p>
+            <a:endParaRPr lang="en-US"/>
+          </a:p>
+        </p:txBody>
+      </p:sp>
+      <p:sp>
+        <p:nvSpPr>
+          <p:cNvPr id="9" name="Slide Number Placeholder 8"/>
+          <p:cNvSpPr>
+            <a:spLocks noGrp="1"/>
+          </p:cNvSpPr>
+          <p:nvPr>
+            <p:ph type="sldNum" sz="quarter" idx="12"/>
+          </p:nvPr>
+        </p:nvSpPr>
+        <p:spPr/>
+        <p:txBody>
+          <a:bodyPr/>
+          <a:lstStyle/>
+          <a:p>
+            <a:fld id="{5D024AAD-DF78-DE44-A1F3-EEB19EDC9165}" type="slidenum">
+              <a:rPr lang="en-US" smtClean="0"/>
+              <a:t>‹#›</a:t>
+            </a:fld>
+            <a:endParaRPr lang="en-US"/>
+          </a:p>
+        </p:txBody>
+      </p:sp>
+    </p:spTree>
+    <p:extLst>
+      <p:ext uri="{BB962C8B-B14F-4D97-AF65-F5344CB8AC3E}">
+        <p14:creationId xmlns:p14="http://schemas.microsoft.com/office/powerpoint/2010/main" val="2131121149"/>
+      </p:ext>
+    </p:extLst>
+  </p:cSld>
+  <p:clrMapOvr>
+    <a:masterClrMapping/>
+  </p:clrMapOvr>
+</p:sldLayout>
+</file>
+
+<file path=ppt/slideLayouts/slideLayout17.xml><?xml version="1.0" encoding="utf-8"?>
+<p:sldLayout xmlns:a="http://schemas.openxmlformats.org/drawingml/2006/main" xmlns:r="http://schemas.openxmlformats.org/officeDocument/2006/relationships" xmlns:p="http://schemas.openxmlformats.org/presentationml/2006/main" type="titleOnly" preserve="1">
+  <p:cSld name="Title Only">
+    <p:spTree>
+      <p:nvGrpSpPr>
+        <p:cNvPr id="1" name=""/>
+        <p:cNvGrpSpPr/>
+        <p:nvPr/>
+      </p:nvGrpSpPr>
+      <p:grpSpPr>
+        <a:xfrm>
+          <a:off x="0" y="0"/>
+          <a:ext cx="0" cy="0"/>
+          <a:chOff x="0" y="0"/>
+          <a:chExt cx="0" cy="0"/>
+        </a:xfrm>
+      </p:grpSpPr>
+      <p:sp>
+        <p:nvSpPr>
+          <p:cNvPr id="2" name="Title 1"/>
+          <p:cNvSpPr>
+            <a:spLocks noGrp="1"/>
+          </p:cNvSpPr>
+          <p:nvPr>
+            <p:ph type="title"/>
+          </p:nvPr>
+        </p:nvSpPr>
+        <p:spPr/>
+        <p:txBody>
+          <a:bodyPr/>
+          <a:lstStyle/>
+          <a:p>
+            <a:r>
+              <a:rPr lang="en-US"/>
+              <a:t>Click to edit Master title style</a:t>
+            </a:r>
+          </a:p>
+        </p:txBody>
+      </p:sp>
+      <p:sp>
+        <p:nvSpPr>
+          <p:cNvPr id="3" name="Date Placeholder 2"/>
+          <p:cNvSpPr>
+            <a:spLocks noGrp="1"/>
+          </p:cNvSpPr>
+          <p:nvPr>
+            <p:ph type="dt" sz="half" idx="10"/>
+          </p:nvPr>
+        </p:nvSpPr>
+        <p:spPr/>
+        <p:txBody>
+          <a:bodyPr/>
+          <a:lstStyle/>
+          <a:p>
+            <a:fld id="{D088F999-7A4E-6B4F-9FED-EF75B73AD044}" type="datetimeFigureOut">
+              <a:rPr lang="en-US" smtClean="0"/>
+              <a:t>9/22/2021</a:t>
+            </a:fld>
+            <a:endParaRPr lang="en-US"/>
+          </a:p>
+        </p:txBody>
+      </p:sp>
+      <p:sp>
+        <p:nvSpPr>
+          <p:cNvPr id="4" name="Footer Placeholder 3"/>
+          <p:cNvSpPr>
+            <a:spLocks noGrp="1"/>
+          </p:cNvSpPr>
+          <p:nvPr>
+            <p:ph type="ftr" sz="quarter" idx="11"/>
+          </p:nvPr>
+        </p:nvSpPr>
+        <p:spPr/>
+        <p:txBody>
+          <a:bodyPr/>
+          <a:lstStyle/>
+          <a:p>
+            <a:endParaRPr lang="en-US"/>
+          </a:p>
+        </p:txBody>
+      </p:sp>
+      <p:sp>
+        <p:nvSpPr>
+          <p:cNvPr id="5" name="Slide Number Placeholder 4"/>
+          <p:cNvSpPr>
+            <a:spLocks noGrp="1"/>
+          </p:cNvSpPr>
+          <p:nvPr>
+            <p:ph type="sldNum" sz="quarter" idx="12"/>
+          </p:nvPr>
+        </p:nvSpPr>
+        <p:spPr/>
+        <p:txBody>
+          <a:bodyPr/>
+          <a:lstStyle/>
+          <a:p>
+            <a:fld id="{5D024AAD-DF78-DE44-A1F3-EEB19EDC9165}" type="slidenum">
+              <a:rPr lang="en-US" smtClean="0"/>
+              <a:t>‹#›</a:t>
+            </a:fld>
+            <a:endParaRPr lang="en-US"/>
+          </a:p>
+        </p:txBody>
+      </p:sp>
+    </p:spTree>
+    <p:extLst>
+      <p:ext uri="{BB962C8B-B14F-4D97-AF65-F5344CB8AC3E}">
+        <p14:creationId xmlns:p14="http://schemas.microsoft.com/office/powerpoint/2010/main" val="2897165514"/>
+      </p:ext>
+    </p:extLst>
+  </p:cSld>
+  <p:clrMapOvr>
+    <a:masterClrMapping/>
+  </p:clrMapOvr>
+</p:sldLayout>
+</file>
+
+<file path=ppt/slideLayouts/slideLayout18.xml><?xml version="1.0" encoding="utf-8"?>
+<p:sldLayout xmlns:a="http://schemas.openxmlformats.org/drawingml/2006/main" xmlns:r="http://schemas.openxmlformats.org/officeDocument/2006/relationships" xmlns:p="http://schemas.openxmlformats.org/presentationml/2006/main" type="blank" preserve="1">
+  <p:cSld name="Blank">
+    <p:spTree>
+      <p:nvGrpSpPr>
+        <p:cNvPr id="1" name=""/>
+        <p:cNvGrpSpPr/>
+        <p:nvPr/>
+      </p:nvGrpSpPr>
+      <p:grpSpPr>
+        <a:xfrm>
+          <a:off x="0" y="0"/>
+          <a:ext cx="0" cy="0"/>
+          <a:chOff x="0" y="0"/>
+          <a:chExt cx="0" cy="0"/>
+        </a:xfrm>
+      </p:grpSpPr>
+      <p:sp>
+        <p:nvSpPr>
+          <p:cNvPr id="2" name="Date Placeholder 1"/>
+          <p:cNvSpPr>
+            <a:spLocks noGrp="1"/>
+          </p:cNvSpPr>
+          <p:nvPr>
+            <p:ph type="dt" sz="half" idx="10"/>
+          </p:nvPr>
+        </p:nvSpPr>
+        <p:spPr/>
+        <p:txBody>
+          <a:bodyPr/>
+          <a:lstStyle/>
+          <a:p>
+            <a:fld id="{D088F999-7A4E-6B4F-9FED-EF75B73AD044}" type="datetimeFigureOut">
+              <a:rPr lang="en-US" smtClean="0"/>
+              <a:t>9/22/2021</a:t>
+            </a:fld>
+            <a:endParaRPr lang="en-US"/>
+          </a:p>
+        </p:txBody>
+      </p:sp>
+      <p:sp>
+        <p:nvSpPr>
+          <p:cNvPr id="3" name="Footer Placeholder 2"/>
+          <p:cNvSpPr>
+            <a:spLocks noGrp="1"/>
+          </p:cNvSpPr>
+          <p:nvPr>
+            <p:ph type="ftr" sz="quarter" idx="11"/>
+          </p:nvPr>
+        </p:nvSpPr>
+        <p:spPr/>
+        <p:txBody>
+          <a:bodyPr/>
+          <a:lstStyle/>
+          <a:p>
+            <a:endParaRPr lang="en-US"/>
+          </a:p>
+        </p:txBody>
+      </p:sp>
+      <p:sp>
+        <p:nvSpPr>
+          <p:cNvPr id="4" name="Slide Number Placeholder 3"/>
+          <p:cNvSpPr>
+            <a:spLocks noGrp="1"/>
+          </p:cNvSpPr>
+          <p:nvPr>
+            <p:ph type="sldNum" sz="quarter" idx="12"/>
+          </p:nvPr>
+        </p:nvSpPr>
+        <p:spPr/>
+        <p:txBody>
+          <a:bodyPr/>
+          <a:lstStyle/>
+          <a:p>
+            <a:fld id="{5D024AAD-DF78-DE44-A1F3-EEB19EDC9165}" type="slidenum">
+              <a:rPr lang="en-US" smtClean="0"/>
+              <a:t>‹#›</a:t>
+            </a:fld>
+            <a:endParaRPr lang="en-US"/>
+          </a:p>
+        </p:txBody>
+      </p:sp>
+    </p:spTree>
+    <p:extLst>
+      <p:ext uri="{BB962C8B-B14F-4D97-AF65-F5344CB8AC3E}">
+        <p14:creationId xmlns:p14="http://schemas.microsoft.com/office/powerpoint/2010/main" val="1268272485"/>
+      </p:ext>
+    </p:extLst>
+  </p:cSld>
+  <p:clrMapOvr>
+    <a:masterClrMapping/>
+  </p:clrMapOvr>
+</p:sldLayout>
+</file>
+
+<file path=ppt/slideLayouts/slideLayout19.xml><?xml version="1.0" encoding="utf-8"?>
+<p:sldLayout xmlns:a="http://schemas.openxmlformats.org/drawingml/2006/main" xmlns:r="http://schemas.openxmlformats.org/officeDocument/2006/relationships" xmlns:p="http://schemas.openxmlformats.org/presentationml/2006/main" type="objTx" preserve="1">
+  <p:cSld name="Content with Caption">
+    <p:spTree>
+      <p:nvGrpSpPr>
+        <p:cNvPr id="1" name=""/>
+        <p:cNvGrpSpPr/>
+        <p:nvPr/>
+      </p:nvGrpSpPr>
+      <p:grpSpPr>
+        <a:xfrm>
+          <a:off x="0" y="0"/>
+          <a:ext cx="0" cy="0"/>
+          <a:chOff x="0" y="0"/>
+          <a:chExt cx="0" cy="0"/>
+        </a:xfrm>
+      </p:grpSpPr>
+      <p:sp>
+        <p:nvSpPr>
+          <p:cNvPr id="2" name="Title 1"/>
+          <p:cNvSpPr>
+            <a:spLocks noGrp="1"/>
+          </p:cNvSpPr>
+          <p:nvPr>
+            <p:ph type="title"/>
+          </p:nvPr>
+        </p:nvSpPr>
+        <p:spPr>
+          <a:xfrm>
+            <a:off x="609601" y="273052"/>
+            <a:ext cx="4011084" cy="1162049"/>
+          </a:xfrm>
+        </p:spPr>
+        <p:txBody>
+          <a:bodyPr anchor="b"/>
+          <a:lstStyle>
+            <a:lvl1pPr algn="l">
+              <a:defRPr sz="2667" b="1"/>
+            </a:lvl1pPr>
+          </a:lstStyle>
+          <a:p>
+            <a:r>
+              <a:rPr lang="en-US"/>
+              <a:t>Click to edit Master title style</a:t>
+            </a:r>
+          </a:p>
+        </p:txBody>
+      </p:sp>
+      <p:sp>
+        <p:nvSpPr>
+          <p:cNvPr id="3" name="Content Placeholder 2"/>
+          <p:cNvSpPr>
+            <a:spLocks noGrp="1"/>
+          </p:cNvSpPr>
+          <p:nvPr>
+            <p:ph idx="1"/>
+          </p:nvPr>
+        </p:nvSpPr>
+        <p:spPr>
+          <a:xfrm>
+            <a:off x="4766733" y="273051"/>
+            <a:ext cx="6815667" cy="5852583"/>
+          </a:xfrm>
+        </p:spPr>
+        <p:txBody>
+          <a:bodyPr/>
+          <a:lstStyle>
+            <a:lvl1pPr>
+              <a:defRPr sz="4267"/>
+            </a:lvl1pPr>
+            <a:lvl2pPr>
+              <a:defRPr sz="3733"/>
+            </a:lvl2pPr>
+            <a:lvl3pPr>
+              <a:defRPr sz="3200"/>
+            </a:lvl3pPr>
+            <a:lvl4pPr>
+              <a:defRPr sz="2667"/>
+            </a:lvl4pPr>
+            <a:lvl5pPr>
+              <a:defRPr sz="2667"/>
+            </a:lvl5pPr>
+            <a:lvl6pPr>
+              <a:defRPr sz="2667"/>
+            </a:lvl6pPr>
+            <a:lvl7pPr>
+              <a:defRPr sz="2667"/>
+            </a:lvl7pPr>
+            <a:lvl8pPr>
+              <a:defRPr sz="2667"/>
+            </a:lvl8pPr>
+            <a:lvl9pPr>
+              <a:defRPr sz="2667"/>
+            </a:lvl9pPr>
+          </a:lstStyle>
+          <a:p>
+            <a:pPr lvl="0"/>
+            <a:r>
+              <a:rPr lang="en-US"/>
+              <a:t>Click to edit Master text styles</a:t>
+            </a:r>
+          </a:p>
+          <a:p>
+            <a:pPr lvl="1"/>
+            <a:r>
+              <a:rPr lang="en-US"/>
+              <a:t>Second level</a:t>
+            </a:r>
+          </a:p>
+          <a:p>
+            <a:pPr lvl="2"/>
+            <a:r>
+              <a:rPr lang="en-US"/>
+              <a:t>Third level</a:t>
+            </a:r>
+          </a:p>
+          <a:p>
+            <a:pPr lvl="3"/>
+            <a:r>
+              <a:rPr lang="en-US"/>
+              <a:t>Fourth level</a:t>
+            </a:r>
+          </a:p>
+          <a:p>
+            <a:pPr lvl="4"/>
+            <a:r>
+              <a:rPr lang="en-US"/>
+              <a:t>Fifth level</a:t>
+            </a:r>
+          </a:p>
+        </p:txBody>
+      </p:sp>
+      <p:sp>
+        <p:nvSpPr>
+          <p:cNvPr id="4" name="Text Placeholder 3"/>
+          <p:cNvSpPr>
+            <a:spLocks noGrp="1"/>
+          </p:cNvSpPr>
+          <p:nvPr>
+            <p:ph type="body" sz="half" idx="2"/>
+          </p:nvPr>
+        </p:nvSpPr>
+        <p:spPr>
+          <a:xfrm>
+            <a:off x="609601" y="1435100"/>
+            <a:ext cx="4011084" cy="4690533"/>
+          </a:xfrm>
+        </p:spPr>
+        <p:txBody>
+          <a:bodyPr/>
+          <a:lstStyle>
+            <a:lvl1pPr marL="0" indent="0">
+              <a:buNone/>
+              <a:defRPr sz="1867"/>
+            </a:lvl1pPr>
+            <a:lvl2pPr marL="609585" indent="0">
+              <a:buNone/>
+              <a:defRPr sz="1600"/>
+            </a:lvl2pPr>
+            <a:lvl3pPr marL="1219170" indent="0">
+              <a:buNone/>
+              <a:defRPr sz="1333"/>
+            </a:lvl3pPr>
+            <a:lvl4pPr marL="1828754" indent="0">
+              <a:buNone/>
+              <a:defRPr sz="1200"/>
+            </a:lvl4pPr>
+            <a:lvl5pPr marL="2438339" indent="0">
+              <a:buNone/>
+              <a:defRPr sz="1200"/>
+            </a:lvl5pPr>
+            <a:lvl6pPr marL="3047924" indent="0">
+              <a:buNone/>
+              <a:defRPr sz="1200"/>
+            </a:lvl6pPr>
+            <a:lvl7pPr marL="3657509" indent="0">
+              <a:buNone/>
+              <a:defRPr sz="1200"/>
+            </a:lvl7pPr>
+            <a:lvl8pPr marL="4267093" indent="0">
+              <a:buNone/>
+              <a:defRPr sz="1200"/>
+            </a:lvl8pPr>
+            <a:lvl9pPr marL="4876678" indent="0">
+              <a:buNone/>
+              <a:defRPr sz="1200"/>
+            </a:lvl9pPr>
+          </a:lstStyle>
+          <a:p>
+            <a:pPr lvl="0"/>
+            <a:r>
+              <a:rPr lang="en-US"/>
+              <a:t>Click to edit Master text styles</a:t>
+            </a:r>
+          </a:p>
+        </p:txBody>
+      </p:sp>
+      <p:sp>
+        <p:nvSpPr>
+          <p:cNvPr id="5" name="Date Placeholder 4"/>
+          <p:cNvSpPr>
+            <a:spLocks noGrp="1"/>
+          </p:cNvSpPr>
+          <p:nvPr>
+            <p:ph type="dt" sz="half" idx="10"/>
+          </p:nvPr>
+        </p:nvSpPr>
+        <p:spPr/>
+        <p:txBody>
+          <a:bodyPr/>
+          <a:lstStyle/>
+          <a:p>
+            <a:fld id="{D088F999-7A4E-6B4F-9FED-EF75B73AD044}" type="datetimeFigureOut">
+              <a:rPr lang="en-US" smtClean="0"/>
+              <a:t>9/22/2021</a:t>
+            </a:fld>
+            <a:endParaRPr lang="en-US"/>
+          </a:p>
+        </p:txBody>
+      </p:sp>
+      <p:sp>
+        <p:nvSpPr>
+          <p:cNvPr id="6" name="Footer Placeholder 5"/>
+          <p:cNvSpPr>
+            <a:spLocks noGrp="1"/>
+          </p:cNvSpPr>
+          <p:nvPr>
+            <p:ph type="ftr" sz="quarter" idx="11"/>
+          </p:nvPr>
+        </p:nvSpPr>
+        <p:spPr/>
+        <p:txBody>
+          <a:bodyPr/>
+          <a:lstStyle/>
+          <a:p>
+            <a:endParaRPr lang="en-US"/>
+          </a:p>
+        </p:txBody>
+      </p:sp>
+      <p:sp>
+        <p:nvSpPr>
+          <p:cNvPr id="7" name="Slide Number Placeholder 6"/>
+          <p:cNvSpPr>
+            <a:spLocks noGrp="1"/>
+          </p:cNvSpPr>
+          <p:nvPr>
+            <p:ph type="sldNum" sz="quarter" idx="12"/>
+          </p:nvPr>
+        </p:nvSpPr>
+        <p:spPr/>
+        <p:txBody>
+          <a:bodyPr/>
+          <a:lstStyle/>
+          <a:p>
+            <a:fld id="{5D024AAD-DF78-DE44-A1F3-EEB19EDC9165}" type="slidenum">
+              <a:rPr lang="en-US" smtClean="0"/>
+              <a:t>‹#›</a:t>
+            </a:fld>
+            <a:endParaRPr lang="en-US"/>
+          </a:p>
+        </p:txBody>
+      </p:sp>
+    </p:spTree>
+    <p:extLst>
+      <p:ext uri="{BB962C8B-B14F-4D97-AF65-F5344CB8AC3E}">
+        <p14:creationId xmlns:p14="http://schemas.microsoft.com/office/powerpoint/2010/main" val="732971389"/>
       </p:ext>
     </p:extLst>
   </p:cSld>
@@ -976,7 +3326,7 @@
           <a:p>
             <a:fld id="{D0D085E7-9E2C-420E-876E-E1FF698191B0}" type="datetimeFigureOut">
               <a:rPr lang="en-US" smtClean="0"/>
-              <a:t>9/14/2021</a:t>
+              <a:t>9/22/2021</a:t>
             </a:fld>
             <a:endParaRPr lang="en-US"/>
           </a:p>
@@ -1028,6 +3378,604 @@
     <p:extLst>
       <p:ext uri="{BB962C8B-B14F-4D97-AF65-F5344CB8AC3E}">
         <p14:creationId xmlns:p14="http://schemas.microsoft.com/office/powerpoint/2010/main" val="1448676476"/>
+      </p:ext>
+    </p:extLst>
+  </p:cSld>
+  <p:clrMapOvr>
+    <a:masterClrMapping/>
+  </p:clrMapOvr>
+</p:sldLayout>
+</file>
+
+<file path=ppt/slideLayouts/slideLayout20.xml><?xml version="1.0" encoding="utf-8"?>
+<p:sldLayout xmlns:a="http://schemas.openxmlformats.org/drawingml/2006/main" xmlns:r="http://schemas.openxmlformats.org/officeDocument/2006/relationships" xmlns:p="http://schemas.openxmlformats.org/presentationml/2006/main" type="picTx" preserve="1">
+  <p:cSld name="Picture with Caption">
+    <p:spTree>
+      <p:nvGrpSpPr>
+        <p:cNvPr id="1" name=""/>
+        <p:cNvGrpSpPr/>
+        <p:nvPr/>
+      </p:nvGrpSpPr>
+      <p:grpSpPr>
+        <a:xfrm>
+          <a:off x="0" y="0"/>
+          <a:ext cx="0" cy="0"/>
+          <a:chOff x="0" y="0"/>
+          <a:chExt cx="0" cy="0"/>
+        </a:xfrm>
+      </p:grpSpPr>
+      <p:sp>
+        <p:nvSpPr>
+          <p:cNvPr id="2" name="Title 1"/>
+          <p:cNvSpPr>
+            <a:spLocks noGrp="1"/>
+          </p:cNvSpPr>
+          <p:nvPr>
+            <p:ph type="title"/>
+          </p:nvPr>
+        </p:nvSpPr>
+        <p:spPr>
+          <a:xfrm>
+            <a:off x="2389717" y="4800600"/>
+            <a:ext cx="7315200" cy="567267"/>
+          </a:xfrm>
+        </p:spPr>
+        <p:txBody>
+          <a:bodyPr anchor="b"/>
+          <a:lstStyle>
+            <a:lvl1pPr algn="l">
+              <a:defRPr sz="2667" b="1"/>
+            </a:lvl1pPr>
+          </a:lstStyle>
+          <a:p>
+            <a:r>
+              <a:rPr lang="en-US"/>
+              <a:t>Click to edit Master title style</a:t>
+            </a:r>
+          </a:p>
+        </p:txBody>
+      </p:sp>
+      <p:sp>
+        <p:nvSpPr>
+          <p:cNvPr id="3" name="Picture Placeholder 2"/>
+          <p:cNvSpPr>
+            <a:spLocks noGrp="1"/>
+          </p:cNvSpPr>
+          <p:nvPr>
+            <p:ph type="pic" idx="1"/>
+          </p:nvPr>
+        </p:nvSpPr>
+        <p:spPr>
+          <a:xfrm>
+            <a:off x="2389717" y="613833"/>
+            <a:ext cx="7315200" cy="4114800"/>
+          </a:xfrm>
+        </p:spPr>
+        <p:txBody>
+          <a:bodyPr/>
+          <a:lstStyle>
+            <a:lvl1pPr marL="0" indent="0">
+              <a:buNone/>
+              <a:defRPr sz="4267"/>
+            </a:lvl1pPr>
+            <a:lvl2pPr marL="609585" indent="0">
+              <a:buNone/>
+              <a:defRPr sz="3733"/>
+            </a:lvl2pPr>
+            <a:lvl3pPr marL="1219170" indent="0">
+              <a:buNone/>
+              <a:defRPr sz="3200"/>
+            </a:lvl3pPr>
+            <a:lvl4pPr marL="1828754" indent="0">
+              <a:buNone/>
+              <a:defRPr sz="2667"/>
+            </a:lvl4pPr>
+            <a:lvl5pPr marL="2438339" indent="0">
+              <a:buNone/>
+              <a:defRPr sz="2667"/>
+            </a:lvl5pPr>
+            <a:lvl6pPr marL="3047924" indent="0">
+              <a:buNone/>
+              <a:defRPr sz="2667"/>
+            </a:lvl6pPr>
+            <a:lvl7pPr marL="3657509" indent="0">
+              <a:buNone/>
+              <a:defRPr sz="2667"/>
+            </a:lvl7pPr>
+            <a:lvl8pPr marL="4267093" indent="0">
+              <a:buNone/>
+              <a:defRPr sz="2667"/>
+            </a:lvl8pPr>
+            <a:lvl9pPr marL="4876678" indent="0">
+              <a:buNone/>
+              <a:defRPr sz="2667"/>
+            </a:lvl9pPr>
+          </a:lstStyle>
+          <a:p>
+            <a:endParaRPr lang="en-US"/>
+          </a:p>
+        </p:txBody>
+      </p:sp>
+      <p:sp>
+        <p:nvSpPr>
+          <p:cNvPr id="4" name="Text Placeholder 3"/>
+          <p:cNvSpPr>
+            <a:spLocks noGrp="1"/>
+          </p:cNvSpPr>
+          <p:nvPr>
+            <p:ph type="body" sz="half" idx="2"/>
+          </p:nvPr>
+        </p:nvSpPr>
+        <p:spPr>
+          <a:xfrm>
+            <a:off x="2389717" y="5367867"/>
+            <a:ext cx="7315200" cy="804333"/>
+          </a:xfrm>
+        </p:spPr>
+        <p:txBody>
+          <a:bodyPr/>
+          <a:lstStyle>
+            <a:lvl1pPr marL="0" indent="0">
+              <a:buNone/>
+              <a:defRPr sz="1867"/>
+            </a:lvl1pPr>
+            <a:lvl2pPr marL="609585" indent="0">
+              <a:buNone/>
+              <a:defRPr sz="1600"/>
+            </a:lvl2pPr>
+            <a:lvl3pPr marL="1219170" indent="0">
+              <a:buNone/>
+              <a:defRPr sz="1333"/>
+            </a:lvl3pPr>
+            <a:lvl4pPr marL="1828754" indent="0">
+              <a:buNone/>
+              <a:defRPr sz="1200"/>
+            </a:lvl4pPr>
+            <a:lvl5pPr marL="2438339" indent="0">
+              <a:buNone/>
+              <a:defRPr sz="1200"/>
+            </a:lvl5pPr>
+            <a:lvl6pPr marL="3047924" indent="0">
+              <a:buNone/>
+              <a:defRPr sz="1200"/>
+            </a:lvl6pPr>
+            <a:lvl7pPr marL="3657509" indent="0">
+              <a:buNone/>
+              <a:defRPr sz="1200"/>
+            </a:lvl7pPr>
+            <a:lvl8pPr marL="4267093" indent="0">
+              <a:buNone/>
+              <a:defRPr sz="1200"/>
+            </a:lvl8pPr>
+            <a:lvl9pPr marL="4876678" indent="0">
+              <a:buNone/>
+              <a:defRPr sz="1200"/>
+            </a:lvl9pPr>
+          </a:lstStyle>
+          <a:p>
+            <a:pPr lvl="0"/>
+            <a:r>
+              <a:rPr lang="en-US"/>
+              <a:t>Click to edit Master text styles</a:t>
+            </a:r>
+          </a:p>
+        </p:txBody>
+      </p:sp>
+      <p:sp>
+        <p:nvSpPr>
+          <p:cNvPr id="5" name="Date Placeholder 4"/>
+          <p:cNvSpPr>
+            <a:spLocks noGrp="1"/>
+          </p:cNvSpPr>
+          <p:nvPr>
+            <p:ph type="dt" sz="half" idx="10"/>
+          </p:nvPr>
+        </p:nvSpPr>
+        <p:spPr/>
+        <p:txBody>
+          <a:bodyPr/>
+          <a:lstStyle/>
+          <a:p>
+            <a:fld id="{D088F999-7A4E-6B4F-9FED-EF75B73AD044}" type="datetimeFigureOut">
+              <a:rPr lang="en-US" smtClean="0"/>
+              <a:t>9/22/2021</a:t>
+            </a:fld>
+            <a:endParaRPr lang="en-US"/>
+          </a:p>
+        </p:txBody>
+      </p:sp>
+      <p:sp>
+        <p:nvSpPr>
+          <p:cNvPr id="6" name="Footer Placeholder 5"/>
+          <p:cNvSpPr>
+            <a:spLocks noGrp="1"/>
+          </p:cNvSpPr>
+          <p:nvPr>
+            <p:ph type="ftr" sz="quarter" idx="11"/>
+          </p:nvPr>
+        </p:nvSpPr>
+        <p:spPr/>
+        <p:txBody>
+          <a:bodyPr/>
+          <a:lstStyle/>
+          <a:p>
+            <a:endParaRPr lang="en-US"/>
+          </a:p>
+        </p:txBody>
+      </p:sp>
+      <p:sp>
+        <p:nvSpPr>
+          <p:cNvPr id="7" name="Slide Number Placeholder 6"/>
+          <p:cNvSpPr>
+            <a:spLocks noGrp="1"/>
+          </p:cNvSpPr>
+          <p:nvPr>
+            <p:ph type="sldNum" sz="quarter" idx="12"/>
+          </p:nvPr>
+        </p:nvSpPr>
+        <p:spPr/>
+        <p:txBody>
+          <a:bodyPr/>
+          <a:lstStyle/>
+          <a:p>
+            <a:fld id="{5D024AAD-DF78-DE44-A1F3-EEB19EDC9165}" type="slidenum">
+              <a:rPr lang="en-US" smtClean="0"/>
+              <a:t>‹#›</a:t>
+            </a:fld>
+            <a:endParaRPr lang="en-US"/>
+          </a:p>
+        </p:txBody>
+      </p:sp>
+    </p:spTree>
+    <p:extLst>
+      <p:ext uri="{BB962C8B-B14F-4D97-AF65-F5344CB8AC3E}">
+        <p14:creationId xmlns:p14="http://schemas.microsoft.com/office/powerpoint/2010/main" val="2664275707"/>
+      </p:ext>
+    </p:extLst>
+  </p:cSld>
+  <p:clrMapOvr>
+    <a:masterClrMapping/>
+  </p:clrMapOvr>
+</p:sldLayout>
+</file>
+
+<file path=ppt/slideLayouts/slideLayout21.xml><?xml version="1.0" encoding="utf-8"?>
+<p:sldLayout xmlns:a="http://schemas.openxmlformats.org/drawingml/2006/main" xmlns:r="http://schemas.openxmlformats.org/officeDocument/2006/relationships" xmlns:p="http://schemas.openxmlformats.org/presentationml/2006/main" type="vertTx" preserve="1">
+  <p:cSld name="Title and Vertical Text">
+    <p:spTree>
+      <p:nvGrpSpPr>
+        <p:cNvPr id="1" name=""/>
+        <p:cNvGrpSpPr/>
+        <p:nvPr/>
+      </p:nvGrpSpPr>
+      <p:grpSpPr>
+        <a:xfrm>
+          <a:off x="0" y="0"/>
+          <a:ext cx="0" cy="0"/>
+          <a:chOff x="0" y="0"/>
+          <a:chExt cx="0" cy="0"/>
+        </a:xfrm>
+      </p:grpSpPr>
+      <p:sp>
+        <p:nvSpPr>
+          <p:cNvPr id="2" name="Title 1"/>
+          <p:cNvSpPr>
+            <a:spLocks noGrp="1"/>
+          </p:cNvSpPr>
+          <p:nvPr>
+            <p:ph type="title"/>
+          </p:nvPr>
+        </p:nvSpPr>
+        <p:spPr/>
+        <p:txBody>
+          <a:bodyPr/>
+          <a:lstStyle/>
+          <a:p>
+            <a:r>
+              <a:rPr lang="en-US"/>
+              <a:t>Click to edit Master title style</a:t>
+            </a:r>
+          </a:p>
+        </p:txBody>
+      </p:sp>
+      <p:sp>
+        <p:nvSpPr>
+          <p:cNvPr id="3" name="Vertical Text Placeholder 2"/>
+          <p:cNvSpPr>
+            <a:spLocks noGrp="1"/>
+          </p:cNvSpPr>
+          <p:nvPr>
+            <p:ph type="body" orient="vert" idx="1"/>
+          </p:nvPr>
+        </p:nvSpPr>
+        <p:spPr/>
+        <p:txBody>
+          <a:bodyPr vert="eaVert"/>
+          <a:lstStyle/>
+          <a:p>
+            <a:pPr lvl="0"/>
+            <a:r>
+              <a:rPr lang="en-US"/>
+              <a:t>Click to edit Master text styles</a:t>
+            </a:r>
+          </a:p>
+          <a:p>
+            <a:pPr lvl="1"/>
+            <a:r>
+              <a:rPr lang="en-US"/>
+              <a:t>Second level</a:t>
+            </a:r>
+          </a:p>
+          <a:p>
+            <a:pPr lvl="2"/>
+            <a:r>
+              <a:rPr lang="en-US"/>
+              <a:t>Third level</a:t>
+            </a:r>
+          </a:p>
+          <a:p>
+            <a:pPr lvl="3"/>
+            <a:r>
+              <a:rPr lang="en-US"/>
+              <a:t>Fourth level</a:t>
+            </a:r>
+          </a:p>
+          <a:p>
+            <a:pPr lvl="4"/>
+            <a:r>
+              <a:rPr lang="en-US"/>
+              <a:t>Fifth level</a:t>
+            </a:r>
+          </a:p>
+        </p:txBody>
+      </p:sp>
+      <p:sp>
+        <p:nvSpPr>
+          <p:cNvPr id="4" name="Date Placeholder 3"/>
+          <p:cNvSpPr>
+            <a:spLocks noGrp="1"/>
+          </p:cNvSpPr>
+          <p:nvPr>
+            <p:ph type="dt" sz="half" idx="10"/>
+          </p:nvPr>
+        </p:nvSpPr>
+        <p:spPr/>
+        <p:txBody>
+          <a:bodyPr/>
+          <a:lstStyle/>
+          <a:p>
+            <a:fld id="{D088F999-7A4E-6B4F-9FED-EF75B73AD044}" type="datetimeFigureOut">
+              <a:rPr lang="en-US" smtClean="0"/>
+              <a:t>9/22/2021</a:t>
+            </a:fld>
+            <a:endParaRPr lang="en-US"/>
+          </a:p>
+        </p:txBody>
+      </p:sp>
+      <p:sp>
+        <p:nvSpPr>
+          <p:cNvPr id="5" name="Footer Placeholder 4"/>
+          <p:cNvSpPr>
+            <a:spLocks noGrp="1"/>
+          </p:cNvSpPr>
+          <p:nvPr>
+            <p:ph type="ftr" sz="quarter" idx="11"/>
+          </p:nvPr>
+        </p:nvSpPr>
+        <p:spPr/>
+        <p:txBody>
+          <a:bodyPr/>
+          <a:lstStyle/>
+          <a:p>
+            <a:endParaRPr lang="en-US"/>
+          </a:p>
+        </p:txBody>
+      </p:sp>
+      <p:sp>
+        <p:nvSpPr>
+          <p:cNvPr id="6" name="Slide Number Placeholder 5"/>
+          <p:cNvSpPr>
+            <a:spLocks noGrp="1"/>
+          </p:cNvSpPr>
+          <p:nvPr>
+            <p:ph type="sldNum" sz="quarter" idx="12"/>
+          </p:nvPr>
+        </p:nvSpPr>
+        <p:spPr/>
+        <p:txBody>
+          <a:bodyPr/>
+          <a:lstStyle/>
+          <a:p>
+            <a:fld id="{5D024AAD-DF78-DE44-A1F3-EEB19EDC9165}" type="slidenum">
+              <a:rPr lang="en-US" smtClean="0"/>
+              <a:t>‹#›</a:t>
+            </a:fld>
+            <a:endParaRPr lang="en-US"/>
+          </a:p>
+        </p:txBody>
+      </p:sp>
+    </p:spTree>
+    <p:extLst>
+      <p:ext uri="{BB962C8B-B14F-4D97-AF65-F5344CB8AC3E}">
+        <p14:creationId xmlns:p14="http://schemas.microsoft.com/office/powerpoint/2010/main" val="1500854115"/>
+      </p:ext>
+    </p:extLst>
+  </p:cSld>
+  <p:clrMapOvr>
+    <a:masterClrMapping/>
+  </p:clrMapOvr>
+</p:sldLayout>
+</file>
+
+<file path=ppt/slideLayouts/slideLayout22.xml><?xml version="1.0" encoding="utf-8"?>
+<p:sldLayout xmlns:a="http://schemas.openxmlformats.org/drawingml/2006/main" xmlns:r="http://schemas.openxmlformats.org/officeDocument/2006/relationships" xmlns:p="http://schemas.openxmlformats.org/presentationml/2006/main" type="vertTitleAndTx" preserve="1">
+  <p:cSld name="Vertical Title and Text">
+    <p:spTree>
+      <p:nvGrpSpPr>
+        <p:cNvPr id="1" name=""/>
+        <p:cNvGrpSpPr/>
+        <p:nvPr/>
+      </p:nvGrpSpPr>
+      <p:grpSpPr>
+        <a:xfrm>
+          <a:off x="0" y="0"/>
+          <a:ext cx="0" cy="0"/>
+          <a:chOff x="0" y="0"/>
+          <a:chExt cx="0" cy="0"/>
+        </a:xfrm>
+      </p:grpSpPr>
+      <p:sp>
+        <p:nvSpPr>
+          <p:cNvPr id="2" name="Vertical Title 1"/>
+          <p:cNvSpPr>
+            <a:spLocks noGrp="1"/>
+          </p:cNvSpPr>
+          <p:nvPr>
+            <p:ph type="title" orient="vert"/>
+          </p:nvPr>
+        </p:nvSpPr>
+        <p:spPr>
+          <a:xfrm>
+            <a:off x="8839200" y="275167"/>
+            <a:ext cx="2743200" cy="5850467"/>
+          </a:xfrm>
+        </p:spPr>
+        <p:txBody>
+          <a:bodyPr vert="eaVert"/>
+          <a:lstStyle/>
+          <a:p>
+            <a:r>
+              <a:rPr lang="en-US"/>
+              <a:t>Click to edit Master title style</a:t>
+            </a:r>
+          </a:p>
+        </p:txBody>
+      </p:sp>
+      <p:sp>
+        <p:nvSpPr>
+          <p:cNvPr id="3" name="Vertical Text Placeholder 2"/>
+          <p:cNvSpPr>
+            <a:spLocks noGrp="1"/>
+          </p:cNvSpPr>
+          <p:nvPr>
+            <p:ph type="body" orient="vert" idx="1"/>
+          </p:nvPr>
+        </p:nvSpPr>
+        <p:spPr>
+          <a:xfrm>
+            <a:off x="609600" y="275167"/>
+            <a:ext cx="8026400" cy="5850467"/>
+          </a:xfrm>
+        </p:spPr>
+        <p:txBody>
+          <a:bodyPr vert="eaVert"/>
+          <a:lstStyle/>
+          <a:p>
+            <a:pPr lvl="0"/>
+            <a:r>
+              <a:rPr lang="en-US"/>
+              <a:t>Click to edit Master text styles</a:t>
+            </a:r>
+          </a:p>
+          <a:p>
+            <a:pPr lvl="1"/>
+            <a:r>
+              <a:rPr lang="en-US"/>
+              <a:t>Second level</a:t>
+            </a:r>
+          </a:p>
+          <a:p>
+            <a:pPr lvl="2"/>
+            <a:r>
+              <a:rPr lang="en-US"/>
+              <a:t>Third level</a:t>
+            </a:r>
+          </a:p>
+          <a:p>
+            <a:pPr lvl="3"/>
+            <a:r>
+              <a:rPr lang="en-US"/>
+              <a:t>Fourth level</a:t>
+            </a:r>
+          </a:p>
+          <a:p>
+            <a:pPr lvl="4"/>
+            <a:r>
+              <a:rPr lang="en-US"/>
+              <a:t>Fifth level</a:t>
+            </a:r>
+          </a:p>
+        </p:txBody>
+      </p:sp>
+      <p:sp>
+        <p:nvSpPr>
+          <p:cNvPr id="4" name="Date Placeholder 3"/>
+          <p:cNvSpPr>
+            <a:spLocks noGrp="1"/>
+          </p:cNvSpPr>
+          <p:nvPr>
+            <p:ph type="dt" sz="half" idx="10"/>
+          </p:nvPr>
+        </p:nvSpPr>
+        <p:spPr/>
+        <p:txBody>
+          <a:bodyPr/>
+          <a:lstStyle/>
+          <a:p>
+            <a:fld id="{D088F999-7A4E-6B4F-9FED-EF75B73AD044}" type="datetimeFigureOut">
+              <a:rPr lang="en-US" smtClean="0"/>
+              <a:t>9/22/2021</a:t>
+            </a:fld>
+            <a:endParaRPr lang="en-US"/>
+          </a:p>
+        </p:txBody>
+      </p:sp>
+      <p:sp>
+        <p:nvSpPr>
+          <p:cNvPr id="5" name="Footer Placeholder 4"/>
+          <p:cNvSpPr>
+            <a:spLocks noGrp="1"/>
+          </p:cNvSpPr>
+          <p:nvPr>
+            <p:ph type="ftr" sz="quarter" idx="11"/>
+          </p:nvPr>
+        </p:nvSpPr>
+        <p:spPr/>
+        <p:txBody>
+          <a:bodyPr/>
+          <a:lstStyle/>
+          <a:p>
+            <a:endParaRPr lang="en-US"/>
+          </a:p>
+        </p:txBody>
+      </p:sp>
+      <p:sp>
+        <p:nvSpPr>
+          <p:cNvPr id="6" name="Slide Number Placeholder 5"/>
+          <p:cNvSpPr>
+            <a:spLocks noGrp="1"/>
+          </p:cNvSpPr>
+          <p:nvPr>
+            <p:ph type="sldNum" sz="quarter" idx="12"/>
+          </p:nvPr>
+        </p:nvSpPr>
+        <p:spPr/>
+        <p:txBody>
+          <a:bodyPr/>
+          <a:lstStyle/>
+          <a:p>
+            <a:fld id="{5D024AAD-DF78-DE44-A1F3-EEB19EDC9165}" type="slidenum">
+              <a:rPr lang="en-US" smtClean="0"/>
+              <a:t>‹#›</a:t>
+            </a:fld>
+            <a:endParaRPr lang="en-US"/>
+          </a:p>
+        </p:txBody>
+      </p:sp>
+    </p:spTree>
+    <p:extLst>
+      <p:ext uri="{BB962C8B-B14F-4D97-AF65-F5344CB8AC3E}">
+        <p14:creationId xmlns:p14="http://schemas.microsoft.com/office/powerpoint/2010/main" val="1473306799"/>
       </p:ext>
     </p:extLst>
   </p:cSld>
@@ -1313,7 +4261,7 @@
           <a:p>
             <a:fld id="{D0D085E7-9E2C-420E-876E-E1FF698191B0}" type="datetimeFigureOut">
               <a:rPr lang="en-US" smtClean="0"/>
-              <a:t>9/14/2021</a:t>
+              <a:t>9/22/2021</a:t>
             </a:fld>
             <a:endParaRPr lang="en-US"/>
           </a:p>
@@ -1588,7 +4536,7 @@
           <a:p>
             <a:fld id="{D0D085E7-9E2C-420E-876E-E1FF698191B0}" type="datetimeFigureOut">
               <a:rPr lang="en-US" smtClean="0"/>
-              <a:t>9/14/2021</a:t>
+              <a:t>9/22/2021</a:t>
             </a:fld>
             <a:endParaRPr lang="en-US"/>
           </a:p>
@@ -1971,7 +4919,7 @@
           <a:p>
             <a:fld id="{D0D085E7-9E2C-420E-876E-E1FF698191B0}" type="datetimeFigureOut">
               <a:rPr lang="en-US" smtClean="0"/>
-              <a:t>9/14/2021</a:t>
+              <a:t>9/22/2021</a:t>
             </a:fld>
             <a:endParaRPr lang="en-US"/>
           </a:p>
@@ -2089,7 +5037,7 @@
           <a:p>
             <a:fld id="{D0D085E7-9E2C-420E-876E-E1FF698191B0}" type="datetimeFigureOut">
               <a:rPr lang="en-US" smtClean="0"/>
-              <a:t>9/14/2021</a:t>
+              <a:t>9/22/2021</a:t>
             </a:fld>
             <a:endParaRPr lang="en-US"/>
           </a:p>
@@ -2262,7 +5210,7 @@
           <a:p>
             <a:fld id="{D0D085E7-9E2C-420E-876E-E1FF698191B0}" type="datetimeFigureOut">
               <a:rPr lang="en-US" smtClean="0"/>
-              <a:t>9/14/2021</a:t>
+              <a:t>9/22/2021</a:t>
             </a:fld>
             <a:endParaRPr lang="en-US"/>
           </a:p>
@@ -2618,7 +5566,7 @@
           <a:p>
             <a:fld id="{D0D085E7-9E2C-420E-876E-E1FF698191B0}" type="datetimeFigureOut">
               <a:rPr lang="en-US" smtClean="0"/>
-              <a:t>9/14/2021</a:t>
+              <a:t>9/22/2021</a:t>
             </a:fld>
             <a:endParaRPr lang="en-US"/>
           </a:p>
@@ -2966,7 +5914,7 @@
           <a:p>
             <a:fld id="{D0D085E7-9E2C-420E-876E-E1FF698191B0}" type="datetimeFigureOut">
               <a:rPr lang="en-US" smtClean="0"/>
-              <a:t>9/14/2021</a:t>
+              <a:t>9/22/2021</a:t>
             </a:fld>
             <a:endParaRPr lang="en-US"/>
           </a:p>
@@ -3277,7 +6225,7 @@
           <a:p>
             <a:fld id="{D0D085E7-9E2C-420E-876E-E1FF698191B0}" type="datetimeFigureOut">
               <a:rPr lang="en-US" smtClean="0"/>
-              <a:t>9/14/2021</a:t>
+              <a:t>9/22/2021</a:t>
             </a:fld>
             <a:endParaRPr lang="en-US"/>
           </a:p>
@@ -3784,7 +6732,941 @@
 </p:sldMaster>
 </file>
 
+<file path=ppt/slideMasters/slideMaster2.xml><?xml version="1.0" encoding="utf-8"?>
+<p:sldMaster xmlns:a="http://schemas.openxmlformats.org/drawingml/2006/main" xmlns:r="http://schemas.openxmlformats.org/officeDocument/2006/relationships" xmlns:p="http://schemas.openxmlformats.org/presentationml/2006/main" preserve="1">
+  <p:cSld>
+    <p:bg>
+      <p:bgPr>
+        <a:blipFill dpi="0" rotWithShape="1">
+          <a:blip r:embed="rId13">
+            <a:lum/>
+          </a:blip>
+          <a:srcRect/>
+          <a:stretch>
+            <a:fillRect/>
+          </a:stretch>
+        </a:blipFill>
+        <a:effectLst/>
+      </p:bgPr>
+    </p:bg>
+    <p:spTree>
+      <p:nvGrpSpPr>
+        <p:cNvPr id="1" name=""/>
+        <p:cNvGrpSpPr/>
+        <p:nvPr/>
+      </p:nvGrpSpPr>
+      <p:grpSpPr>
+        <a:xfrm>
+          <a:off x="0" y="0"/>
+          <a:ext cx="0" cy="0"/>
+          <a:chOff x="0" y="0"/>
+          <a:chExt cx="0" cy="0"/>
+        </a:xfrm>
+      </p:grpSpPr>
+      <p:sp>
+        <p:nvSpPr>
+          <p:cNvPr id="2" name="Title Placeholder 1"/>
+          <p:cNvSpPr>
+            <a:spLocks noGrp="1"/>
+          </p:cNvSpPr>
+          <p:nvPr>
+            <p:ph type="title"/>
+          </p:nvPr>
+        </p:nvSpPr>
+        <p:spPr>
+          <a:xfrm>
+            <a:off x="609600" y="275167"/>
+            <a:ext cx="10972800" cy="1143000"/>
+          </a:xfrm>
+          <a:prstGeom prst="rect">
+            <a:avLst/>
+          </a:prstGeom>
+        </p:spPr>
+        <p:txBody>
+          <a:bodyPr vert="horz" lIns="91440" tIns="45720" rIns="91440" bIns="45720" rtlCol="0" anchor="ctr">
+            <a:normAutofit/>
+          </a:bodyPr>
+          <a:lstStyle/>
+          <a:p>
+            <a:r>
+              <a:rPr lang="en-US"/>
+              <a:t>Click to edit Master title style</a:t>
+            </a:r>
+          </a:p>
+        </p:txBody>
+      </p:sp>
+      <p:sp>
+        <p:nvSpPr>
+          <p:cNvPr id="3" name="Text Placeholder 2"/>
+          <p:cNvSpPr>
+            <a:spLocks noGrp="1"/>
+          </p:cNvSpPr>
+          <p:nvPr>
+            <p:ph type="body" idx="1"/>
+          </p:nvPr>
+        </p:nvSpPr>
+        <p:spPr>
+          <a:xfrm>
+            <a:off x="609600" y="1600201"/>
+            <a:ext cx="10972800" cy="4525433"/>
+          </a:xfrm>
+          <a:prstGeom prst="rect">
+            <a:avLst/>
+          </a:prstGeom>
+        </p:spPr>
+        <p:txBody>
+          <a:bodyPr vert="horz" lIns="91440" tIns="45720" rIns="91440" bIns="45720" rtlCol="0">
+            <a:normAutofit/>
+          </a:bodyPr>
+          <a:lstStyle/>
+          <a:p>
+            <a:pPr lvl="0"/>
+            <a:r>
+              <a:rPr lang="en-US"/>
+              <a:t>Click to edit Master text styles</a:t>
+            </a:r>
+          </a:p>
+          <a:p>
+            <a:pPr lvl="1"/>
+            <a:r>
+              <a:rPr lang="en-US"/>
+              <a:t>Second level</a:t>
+            </a:r>
+          </a:p>
+          <a:p>
+            <a:pPr lvl="2"/>
+            <a:r>
+              <a:rPr lang="en-US"/>
+              <a:t>Third level</a:t>
+            </a:r>
+          </a:p>
+          <a:p>
+            <a:pPr lvl="3"/>
+            <a:r>
+              <a:rPr lang="en-US"/>
+              <a:t>Fourth level</a:t>
+            </a:r>
+          </a:p>
+          <a:p>
+            <a:pPr lvl="4"/>
+            <a:r>
+              <a:rPr lang="en-US"/>
+              <a:t>Fifth level</a:t>
+            </a:r>
+          </a:p>
+        </p:txBody>
+      </p:sp>
+      <p:sp>
+        <p:nvSpPr>
+          <p:cNvPr id="4" name="Date Placeholder 3"/>
+          <p:cNvSpPr>
+            <a:spLocks noGrp="1"/>
+          </p:cNvSpPr>
+          <p:nvPr>
+            <p:ph type="dt" sz="half" idx="2"/>
+          </p:nvPr>
+        </p:nvSpPr>
+        <p:spPr>
+          <a:xfrm>
+            <a:off x="609600" y="6356351"/>
+            <a:ext cx="2844800" cy="366183"/>
+          </a:xfrm>
+          <a:prstGeom prst="rect">
+            <a:avLst/>
+          </a:prstGeom>
+        </p:spPr>
+        <p:txBody>
+          <a:bodyPr vert="horz" lIns="91440" tIns="45720" rIns="91440" bIns="45720" rtlCol="0" anchor="ctr"/>
+          <a:lstStyle>
+            <a:lvl1pPr algn="l">
+              <a:defRPr sz="1600">
+                <a:solidFill>
+                  <a:schemeClr val="tx1">
+                    <a:tint val="75000"/>
+                  </a:schemeClr>
+                </a:solidFill>
+              </a:defRPr>
+            </a:lvl1pPr>
+          </a:lstStyle>
+          <a:p>
+            <a:fld id="{D088F999-7A4E-6B4F-9FED-EF75B73AD044}" type="datetimeFigureOut">
+              <a:rPr lang="en-US" smtClean="0"/>
+              <a:t>9/22/2021</a:t>
+            </a:fld>
+            <a:endParaRPr lang="en-US"/>
+          </a:p>
+        </p:txBody>
+      </p:sp>
+      <p:sp>
+        <p:nvSpPr>
+          <p:cNvPr id="5" name="Footer Placeholder 4"/>
+          <p:cNvSpPr>
+            <a:spLocks noGrp="1"/>
+          </p:cNvSpPr>
+          <p:nvPr>
+            <p:ph type="ftr" sz="quarter" idx="3"/>
+          </p:nvPr>
+        </p:nvSpPr>
+        <p:spPr>
+          <a:xfrm>
+            <a:off x="4165600" y="6356351"/>
+            <a:ext cx="3860800" cy="366183"/>
+          </a:xfrm>
+          <a:prstGeom prst="rect">
+            <a:avLst/>
+          </a:prstGeom>
+        </p:spPr>
+        <p:txBody>
+          <a:bodyPr vert="horz" lIns="91440" tIns="45720" rIns="91440" bIns="45720" rtlCol="0" anchor="ctr"/>
+          <a:lstStyle>
+            <a:lvl1pPr algn="ctr">
+              <a:defRPr sz="1600">
+                <a:solidFill>
+                  <a:schemeClr val="tx1">
+                    <a:tint val="75000"/>
+                  </a:schemeClr>
+                </a:solidFill>
+              </a:defRPr>
+            </a:lvl1pPr>
+          </a:lstStyle>
+          <a:p>
+            <a:endParaRPr lang="en-US"/>
+          </a:p>
+        </p:txBody>
+      </p:sp>
+      <p:sp>
+        <p:nvSpPr>
+          <p:cNvPr id="6" name="Slide Number Placeholder 5"/>
+          <p:cNvSpPr>
+            <a:spLocks noGrp="1"/>
+          </p:cNvSpPr>
+          <p:nvPr>
+            <p:ph type="sldNum" sz="quarter" idx="4"/>
+          </p:nvPr>
+        </p:nvSpPr>
+        <p:spPr>
+          <a:xfrm>
+            <a:off x="8737600" y="6356351"/>
+            <a:ext cx="2844800" cy="366183"/>
+          </a:xfrm>
+          <a:prstGeom prst="rect">
+            <a:avLst/>
+          </a:prstGeom>
+        </p:spPr>
+        <p:txBody>
+          <a:bodyPr vert="horz" lIns="91440" tIns="45720" rIns="91440" bIns="45720" rtlCol="0" anchor="ctr"/>
+          <a:lstStyle>
+            <a:lvl1pPr algn="r">
+              <a:defRPr sz="1600">
+                <a:solidFill>
+                  <a:schemeClr val="tx1">
+                    <a:tint val="75000"/>
+                  </a:schemeClr>
+                </a:solidFill>
+              </a:defRPr>
+            </a:lvl1pPr>
+          </a:lstStyle>
+          <a:p>
+            <a:fld id="{5D024AAD-DF78-DE44-A1F3-EEB19EDC9165}" type="slidenum">
+              <a:rPr lang="en-US" smtClean="0"/>
+              <a:t>‹#›</a:t>
+            </a:fld>
+            <a:endParaRPr lang="en-US"/>
+          </a:p>
+        </p:txBody>
+      </p:sp>
+    </p:spTree>
+    <p:extLst>
+      <p:ext uri="{BB962C8B-B14F-4D97-AF65-F5344CB8AC3E}">
+        <p14:creationId xmlns:p14="http://schemas.microsoft.com/office/powerpoint/2010/main" val="1885325714"/>
+      </p:ext>
+    </p:extLst>
+  </p:cSld>
+  <p:clrMap bg1="lt1" tx1="dk1" bg2="lt2" tx2="dk2" accent1="accent1" accent2="accent2" accent3="accent3" accent4="accent4" accent5="accent5" accent6="accent6" hlink="hlink" folHlink="folHlink"/>
+  <p:sldLayoutIdLst>
+    <p:sldLayoutId id="2147483697" r:id="rId1"/>
+    <p:sldLayoutId id="2147483698" r:id="rId2"/>
+    <p:sldLayoutId id="2147483699" r:id="rId3"/>
+    <p:sldLayoutId id="2147483700" r:id="rId4"/>
+    <p:sldLayoutId id="2147483701" r:id="rId5"/>
+    <p:sldLayoutId id="2147483702" r:id="rId6"/>
+    <p:sldLayoutId id="2147483703" r:id="rId7"/>
+    <p:sldLayoutId id="2147483704" r:id="rId8"/>
+    <p:sldLayoutId id="2147483705" r:id="rId9"/>
+    <p:sldLayoutId id="2147483706" r:id="rId10"/>
+    <p:sldLayoutId id="2147483707" r:id="rId11"/>
+  </p:sldLayoutIdLst>
+  <p:txStyles>
+    <p:titleStyle>
+      <a:lvl1pPr algn="ctr" defTabSz="609585" rtl="0" eaLnBrk="1" latinLnBrk="0" hangingPunct="1">
+        <a:spcBef>
+          <a:spcPct val="0"/>
+        </a:spcBef>
+        <a:buNone/>
+        <a:defRPr sz="5867" kern="1200">
+          <a:solidFill>
+            <a:schemeClr val="tx1"/>
+          </a:solidFill>
+          <a:latin typeface="+mj-lt"/>
+          <a:ea typeface="+mj-ea"/>
+          <a:cs typeface="+mj-cs"/>
+        </a:defRPr>
+      </a:lvl1pPr>
+    </p:titleStyle>
+    <p:bodyStyle>
+      <a:lvl1pPr marL="457189" indent="-457189" algn="l" defTabSz="609585" rtl="0" eaLnBrk="1" latinLnBrk="0" hangingPunct="1">
+        <a:spcBef>
+          <a:spcPct val="20000"/>
+        </a:spcBef>
+        <a:buFont typeface="Arial"/>
+        <a:buChar char="•"/>
+        <a:defRPr sz="4267" kern="1200">
+          <a:solidFill>
+            <a:schemeClr val="tx1"/>
+          </a:solidFill>
+          <a:latin typeface="+mn-lt"/>
+          <a:ea typeface="+mn-ea"/>
+          <a:cs typeface="+mn-cs"/>
+        </a:defRPr>
+      </a:lvl1pPr>
+      <a:lvl2pPr marL="990575" indent="-380990" algn="l" defTabSz="609585" rtl="0" eaLnBrk="1" latinLnBrk="0" hangingPunct="1">
+        <a:spcBef>
+          <a:spcPct val="20000"/>
+        </a:spcBef>
+        <a:buFont typeface="Arial"/>
+        <a:buChar char="–"/>
+        <a:defRPr sz="3733" kern="1200">
+          <a:solidFill>
+            <a:schemeClr val="tx1"/>
+          </a:solidFill>
+          <a:latin typeface="+mn-lt"/>
+          <a:ea typeface="+mn-ea"/>
+          <a:cs typeface="+mn-cs"/>
+        </a:defRPr>
+      </a:lvl2pPr>
+      <a:lvl3pPr marL="1523962" indent="-304792" algn="l" defTabSz="609585" rtl="0" eaLnBrk="1" latinLnBrk="0" hangingPunct="1">
+        <a:spcBef>
+          <a:spcPct val="20000"/>
+        </a:spcBef>
+        <a:buFont typeface="Arial"/>
+        <a:buChar char="•"/>
+        <a:defRPr sz="3200" kern="1200">
+          <a:solidFill>
+            <a:schemeClr val="tx1"/>
+          </a:solidFill>
+          <a:latin typeface="+mn-lt"/>
+          <a:ea typeface="+mn-ea"/>
+          <a:cs typeface="+mn-cs"/>
+        </a:defRPr>
+      </a:lvl3pPr>
+      <a:lvl4pPr marL="2133547" indent="-304792" algn="l" defTabSz="609585" rtl="0" eaLnBrk="1" latinLnBrk="0" hangingPunct="1">
+        <a:spcBef>
+          <a:spcPct val="20000"/>
+        </a:spcBef>
+        <a:buFont typeface="Arial"/>
+        <a:buChar char="–"/>
+        <a:defRPr sz="2667" kern="1200">
+          <a:solidFill>
+            <a:schemeClr val="tx1"/>
+          </a:solidFill>
+          <a:latin typeface="+mn-lt"/>
+          <a:ea typeface="+mn-ea"/>
+          <a:cs typeface="+mn-cs"/>
+        </a:defRPr>
+      </a:lvl4pPr>
+      <a:lvl5pPr marL="2743131" indent="-304792" algn="l" defTabSz="609585" rtl="0" eaLnBrk="1" latinLnBrk="0" hangingPunct="1">
+        <a:spcBef>
+          <a:spcPct val="20000"/>
+        </a:spcBef>
+        <a:buFont typeface="Arial"/>
+        <a:buChar char="»"/>
+        <a:defRPr sz="2667" kern="1200">
+          <a:solidFill>
+            <a:schemeClr val="tx1"/>
+          </a:solidFill>
+          <a:latin typeface="+mn-lt"/>
+          <a:ea typeface="+mn-ea"/>
+          <a:cs typeface="+mn-cs"/>
+        </a:defRPr>
+      </a:lvl5pPr>
+      <a:lvl6pPr marL="3352716" indent="-304792" algn="l" defTabSz="609585" rtl="0" eaLnBrk="1" latinLnBrk="0" hangingPunct="1">
+        <a:spcBef>
+          <a:spcPct val="20000"/>
+        </a:spcBef>
+        <a:buFont typeface="Arial"/>
+        <a:buChar char="•"/>
+        <a:defRPr sz="2667" kern="1200">
+          <a:solidFill>
+            <a:schemeClr val="tx1"/>
+          </a:solidFill>
+          <a:latin typeface="+mn-lt"/>
+          <a:ea typeface="+mn-ea"/>
+          <a:cs typeface="+mn-cs"/>
+        </a:defRPr>
+      </a:lvl6pPr>
+      <a:lvl7pPr marL="3962301" indent="-304792" algn="l" defTabSz="609585" rtl="0" eaLnBrk="1" latinLnBrk="0" hangingPunct="1">
+        <a:spcBef>
+          <a:spcPct val="20000"/>
+        </a:spcBef>
+        <a:buFont typeface="Arial"/>
+        <a:buChar char="•"/>
+        <a:defRPr sz="2667" kern="1200">
+          <a:solidFill>
+            <a:schemeClr val="tx1"/>
+          </a:solidFill>
+          <a:latin typeface="+mn-lt"/>
+          <a:ea typeface="+mn-ea"/>
+          <a:cs typeface="+mn-cs"/>
+        </a:defRPr>
+      </a:lvl7pPr>
+      <a:lvl8pPr marL="4571886" indent="-304792" algn="l" defTabSz="609585" rtl="0" eaLnBrk="1" latinLnBrk="0" hangingPunct="1">
+        <a:spcBef>
+          <a:spcPct val="20000"/>
+        </a:spcBef>
+        <a:buFont typeface="Arial"/>
+        <a:buChar char="•"/>
+        <a:defRPr sz="2667" kern="1200">
+          <a:solidFill>
+            <a:schemeClr val="tx1"/>
+          </a:solidFill>
+          <a:latin typeface="+mn-lt"/>
+          <a:ea typeface="+mn-ea"/>
+          <a:cs typeface="+mn-cs"/>
+        </a:defRPr>
+      </a:lvl8pPr>
+      <a:lvl9pPr marL="5181470" indent="-304792" algn="l" defTabSz="609585" rtl="0" eaLnBrk="1" latinLnBrk="0" hangingPunct="1">
+        <a:spcBef>
+          <a:spcPct val="20000"/>
+        </a:spcBef>
+        <a:buFont typeface="Arial"/>
+        <a:buChar char="•"/>
+        <a:defRPr sz="2667" kern="1200">
+          <a:solidFill>
+            <a:schemeClr val="tx1"/>
+          </a:solidFill>
+          <a:latin typeface="+mn-lt"/>
+          <a:ea typeface="+mn-ea"/>
+          <a:cs typeface="+mn-cs"/>
+        </a:defRPr>
+      </a:lvl9pPr>
+    </p:bodyStyle>
+    <p:otherStyle>
+      <a:defPPr>
+        <a:defRPr lang="en-US"/>
+      </a:defPPr>
+      <a:lvl1pPr marL="0" algn="l" defTabSz="609585" rtl="0" eaLnBrk="1" latinLnBrk="0" hangingPunct="1">
+        <a:defRPr sz="2400" kern="1200">
+          <a:solidFill>
+            <a:schemeClr val="tx1"/>
+          </a:solidFill>
+          <a:latin typeface="+mn-lt"/>
+          <a:ea typeface="+mn-ea"/>
+          <a:cs typeface="+mn-cs"/>
+        </a:defRPr>
+      </a:lvl1pPr>
+      <a:lvl2pPr marL="609585" algn="l" defTabSz="609585" rtl="0" eaLnBrk="1" latinLnBrk="0" hangingPunct="1">
+        <a:defRPr sz="2400" kern="1200">
+          <a:solidFill>
+            <a:schemeClr val="tx1"/>
+          </a:solidFill>
+          <a:latin typeface="+mn-lt"/>
+          <a:ea typeface="+mn-ea"/>
+          <a:cs typeface="+mn-cs"/>
+        </a:defRPr>
+      </a:lvl2pPr>
+      <a:lvl3pPr marL="1219170" algn="l" defTabSz="609585" rtl="0" eaLnBrk="1" latinLnBrk="0" hangingPunct="1">
+        <a:defRPr sz="2400" kern="1200">
+          <a:solidFill>
+            <a:schemeClr val="tx1"/>
+          </a:solidFill>
+          <a:latin typeface="+mn-lt"/>
+          <a:ea typeface="+mn-ea"/>
+          <a:cs typeface="+mn-cs"/>
+        </a:defRPr>
+      </a:lvl3pPr>
+      <a:lvl4pPr marL="1828754" algn="l" defTabSz="609585" rtl="0" eaLnBrk="1" latinLnBrk="0" hangingPunct="1">
+        <a:defRPr sz="2400" kern="1200">
+          <a:solidFill>
+            <a:schemeClr val="tx1"/>
+          </a:solidFill>
+          <a:latin typeface="+mn-lt"/>
+          <a:ea typeface="+mn-ea"/>
+          <a:cs typeface="+mn-cs"/>
+        </a:defRPr>
+      </a:lvl4pPr>
+      <a:lvl5pPr marL="2438339" algn="l" defTabSz="609585" rtl="0" eaLnBrk="1" latinLnBrk="0" hangingPunct="1">
+        <a:defRPr sz="2400" kern="1200">
+          <a:solidFill>
+            <a:schemeClr val="tx1"/>
+          </a:solidFill>
+          <a:latin typeface="+mn-lt"/>
+          <a:ea typeface="+mn-ea"/>
+          <a:cs typeface="+mn-cs"/>
+        </a:defRPr>
+      </a:lvl5pPr>
+      <a:lvl6pPr marL="3047924" algn="l" defTabSz="609585" rtl="0" eaLnBrk="1" latinLnBrk="0" hangingPunct="1">
+        <a:defRPr sz="2400" kern="1200">
+          <a:solidFill>
+            <a:schemeClr val="tx1"/>
+          </a:solidFill>
+          <a:latin typeface="+mn-lt"/>
+          <a:ea typeface="+mn-ea"/>
+          <a:cs typeface="+mn-cs"/>
+        </a:defRPr>
+      </a:lvl6pPr>
+      <a:lvl7pPr marL="3657509" algn="l" defTabSz="609585" rtl="0" eaLnBrk="1" latinLnBrk="0" hangingPunct="1">
+        <a:defRPr sz="2400" kern="1200">
+          <a:solidFill>
+            <a:schemeClr val="tx1"/>
+          </a:solidFill>
+          <a:latin typeface="+mn-lt"/>
+          <a:ea typeface="+mn-ea"/>
+          <a:cs typeface="+mn-cs"/>
+        </a:defRPr>
+      </a:lvl7pPr>
+      <a:lvl8pPr marL="4267093" algn="l" defTabSz="609585" rtl="0" eaLnBrk="1" latinLnBrk="0" hangingPunct="1">
+        <a:defRPr sz="2400" kern="1200">
+          <a:solidFill>
+            <a:schemeClr val="tx1"/>
+          </a:solidFill>
+          <a:latin typeface="+mn-lt"/>
+          <a:ea typeface="+mn-ea"/>
+          <a:cs typeface="+mn-cs"/>
+        </a:defRPr>
+      </a:lvl8pPr>
+      <a:lvl9pPr marL="4876678" algn="l" defTabSz="609585" rtl="0" eaLnBrk="1" latinLnBrk="0" hangingPunct="1">
+        <a:defRPr sz="2400" kern="1200">
+          <a:solidFill>
+            <a:schemeClr val="tx1"/>
+          </a:solidFill>
+          <a:latin typeface="+mn-lt"/>
+          <a:ea typeface="+mn-ea"/>
+          <a:cs typeface="+mn-cs"/>
+        </a:defRPr>
+      </a:lvl9pPr>
+    </p:otherStyle>
+  </p:txStyles>
+</p:sldMaster>
+</file>
+
 <file path=ppt/slides/slide1.xml><?xml version="1.0" encoding="utf-8"?>
+<p:sld xmlns:a="http://schemas.openxmlformats.org/drawingml/2006/main" xmlns:r="http://schemas.openxmlformats.org/officeDocument/2006/relationships" xmlns:p="http://schemas.openxmlformats.org/presentationml/2006/main">
+  <p:cSld>
+    <p:spTree>
+      <p:nvGrpSpPr>
+        <p:cNvPr id="1" name=""/>
+        <p:cNvGrpSpPr/>
+        <p:nvPr/>
+      </p:nvGrpSpPr>
+      <p:grpSpPr>
+        <a:xfrm>
+          <a:off x="0" y="0"/>
+          <a:ext cx="0" cy="0"/>
+          <a:chOff x="0" y="0"/>
+          <a:chExt cx="0" cy="0"/>
+        </a:xfrm>
+      </p:grpSpPr>
+      <p:sp>
+        <p:nvSpPr>
+          <p:cNvPr id="4" name="Rectangle 3">
+            <a:extLst>
+              <a:ext uri="{FF2B5EF4-FFF2-40B4-BE49-F238E27FC236}">
+                <a16:creationId xmlns:a16="http://schemas.microsoft.com/office/drawing/2014/main" id="{2DB7453A-5DFD-6B43-9EF9-B4DB30288921}"/>
+              </a:ext>
+            </a:extLst>
+          </p:cNvPr>
+          <p:cNvSpPr/>
+          <p:nvPr/>
+        </p:nvSpPr>
+        <p:spPr>
+          <a:xfrm>
+            <a:off x="0" y="4343400"/>
+            <a:ext cx="12192000" cy="2514600"/>
+          </a:xfrm>
+          <a:prstGeom prst="rect">
+            <a:avLst/>
+          </a:prstGeom>
+          <a:solidFill>
+            <a:srgbClr val="403938"/>
+          </a:solidFill>
+          <a:ln>
+            <a:noFill/>
+          </a:ln>
+        </p:spPr>
+        <p:style>
+          <a:lnRef idx="1">
+            <a:schemeClr val="accent1"/>
+          </a:lnRef>
+          <a:fillRef idx="3">
+            <a:schemeClr val="accent1"/>
+          </a:fillRef>
+          <a:effectRef idx="2">
+            <a:schemeClr val="accent1"/>
+          </a:effectRef>
+          <a:fontRef idx="minor">
+            <a:schemeClr val="lt1"/>
+          </a:fontRef>
+        </p:style>
+        <p:txBody>
+          <a:bodyPr rtlCol="0" anchor="ctr"/>
+          <a:lstStyle/>
+          <a:p>
+            <a:pPr algn="ctr" defTabSz="1219170"/>
+            <a:endParaRPr lang="en-US" sz="2400" dirty="0">
+              <a:solidFill>
+                <a:prstClr val="white"/>
+              </a:solidFill>
+              <a:latin typeface="Calibri"/>
+            </a:endParaRPr>
+          </a:p>
+        </p:txBody>
+      </p:sp>
+      <p:sp>
+        <p:nvSpPr>
+          <p:cNvPr id="6" name="Rectangle 5"/>
+          <p:cNvSpPr>
+            <a:spLocks noChangeArrowheads="1"/>
+          </p:cNvSpPr>
+          <p:nvPr/>
+        </p:nvSpPr>
+        <p:spPr bwMode="auto">
+          <a:xfrm>
+            <a:off x="304800" y="4826683"/>
+            <a:ext cx="5317067" cy="1727200"/>
+          </a:xfrm>
+          <a:prstGeom prst="rect">
+            <a:avLst/>
+          </a:prstGeom>
+          <a:noFill/>
+          <a:ln>
+            <a:noFill/>
+          </a:ln>
+          <a:effectLst/>
+          <a:extLst>
+            <a:ext uri="{909E8E84-426E-40DD-AFC4-6F175D3DCCD1}">
+              <a14:hiddenFill xmlns:a14="http://schemas.microsoft.com/office/drawing/2010/main">
+                <a:solidFill>
+                  <a:schemeClr val="accent1"/>
+                </a:solidFill>
+              </a14:hiddenFill>
+            </a:ext>
+            <a:ext uri="{91240B29-F687-4F45-9708-019B960494DF}">
+              <a14:hiddenLine xmlns:a14="http://schemas.microsoft.com/office/drawing/2010/main" w="9525">
+                <a:solidFill>
+                  <a:schemeClr val="tx1"/>
+                </a:solidFill>
+                <a:miter lim="800000"/>
+                <a:headEnd/>
+                <a:tailEnd/>
+              </a14:hiddenLine>
+            </a:ext>
+            <a:ext uri="{AF507438-7753-43E0-B8FC-AC1667EBCBE1}">
+              <a14:hiddenEffects xmlns:a14="http://schemas.microsoft.com/office/drawing/2010/main">
+                <a:effectLst>
+                  <a:outerShdw dist="35921" dir="2700000" algn="ctr" rotWithShape="0">
+                    <a:schemeClr val="bg2"/>
+                  </a:outerShdw>
+                </a:effectLst>
+              </a14:hiddenEffects>
+            </a:ext>
+          </a:extLst>
+        </p:spPr>
+        <p:txBody>
+          <a:bodyPr lIns="114564" tIns="57283" rIns="114564" bIns="57283"/>
+          <a:lstStyle/>
+          <a:p>
+            <a:pPr defTabSz="1219170">
+              <a:defRPr/>
+            </a:pPr>
+            <a:r>
+              <a:rPr lang="en-US" sz="4267" b="1" dirty="0">
+                <a:solidFill>
+                  <a:prstClr val="white"/>
+                </a:solidFill>
+                <a:latin typeface="Arial" charset="0"/>
+              </a:rPr>
+              <a:t>Chris Woodruff</a:t>
+            </a:r>
+            <a:endParaRPr lang="en-US" sz="3733" b="1" dirty="0">
+              <a:solidFill>
+                <a:prstClr val="white"/>
+              </a:solidFill>
+              <a:latin typeface="Arial" charset="0"/>
+            </a:endParaRPr>
+          </a:p>
+          <a:p>
+            <a:pPr defTabSz="1219170">
+              <a:defRPr/>
+            </a:pPr>
+            <a:r>
+              <a:rPr lang="en-US" sz="3200" b="1" dirty="0" err="1">
+                <a:solidFill>
+                  <a:prstClr val="white"/>
+                </a:solidFill>
+                <a:latin typeface="Arial" charset="0"/>
+              </a:rPr>
+              <a:t>LearningAbout.Dev</a:t>
+            </a:r>
+            <a:endParaRPr lang="en-US" sz="3200" b="1" dirty="0">
+              <a:solidFill>
+                <a:prstClr val="white"/>
+              </a:solidFill>
+              <a:latin typeface="Arial" charset="0"/>
+            </a:endParaRPr>
+          </a:p>
+          <a:p>
+            <a:pPr defTabSz="1219170">
+              <a:defRPr/>
+            </a:pPr>
+            <a:endParaRPr lang="en-US" sz="2400" b="1" dirty="0">
+              <a:solidFill>
+                <a:prstClr val="white"/>
+              </a:solidFill>
+              <a:latin typeface="Arial" charset="0"/>
+            </a:endParaRPr>
+          </a:p>
+          <a:p>
+            <a:pPr defTabSz="1219170">
+              <a:defRPr/>
+            </a:pPr>
+            <a:endParaRPr lang="en-US" sz="1867" dirty="0">
+              <a:solidFill>
+                <a:prstClr val="white"/>
+              </a:solidFill>
+              <a:latin typeface="Times New Roman" pitchFamily="28" charset="0"/>
+            </a:endParaRPr>
+          </a:p>
+        </p:txBody>
+      </p:sp>
+      <p:sp>
+        <p:nvSpPr>
+          <p:cNvPr id="7" name="Text Box 7"/>
+          <p:cNvSpPr txBox="1">
+            <a:spLocks noChangeArrowheads="1"/>
+          </p:cNvSpPr>
+          <p:nvPr/>
+        </p:nvSpPr>
+        <p:spPr bwMode="auto">
+          <a:xfrm>
+            <a:off x="7924801" y="4824276"/>
+            <a:ext cx="4889497" cy="830997"/>
+          </a:xfrm>
+          <a:prstGeom prst="rect">
+            <a:avLst/>
+          </a:prstGeom>
+          <a:noFill/>
+          <a:ln>
+            <a:noFill/>
+          </a:ln>
+          <a:effectLst/>
+          <a:extLst>
+            <a:ext uri="{909E8E84-426E-40DD-AFC4-6F175D3DCCD1}">
+              <a14:hiddenFill xmlns:a14="http://schemas.microsoft.com/office/drawing/2010/main">
+                <a:solidFill>
+                  <a:schemeClr val="accent1"/>
+                </a:solidFill>
+              </a14:hiddenFill>
+            </a:ext>
+            <a:ext uri="{91240B29-F687-4F45-9708-019B960494DF}">
+              <a14:hiddenLine xmlns:a14="http://schemas.microsoft.com/office/drawing/2010/main" w="9525" algn="ctr">
+                <a:solidFill>
+                  <a:schemeClr val="tx1"/>
+                </a:solidFill>
+                <a:miter lim="800000"/>
+                <a:headEnd/>
+                <a:tailEnd/>
+              </a14:hiddenLine>
+            </a:ext>
+            <a:ext uri="{AF507438-7753-43E0-B8FC-AC1667EBCBE1}">
+              <a14:hiddenEffects xmlns:a14="http://schemas.microsoft.com/office/drawing/2010/main">
+                <a:effectLst>
+                  <a:outerShdw dist="35921" dir="2700000" algn="ctr" rotWithShape="0">
+                    <a:schemeClr val="bg2"/>
+                  </a:outerShdw>
+                </a:effectLst>
+              </a14:hiddenEffects>
+            </a:ext>
+          </a:extLst>
+        </p:spPr>
+        <p:txBody>
+          <a:bodyPr wrap="square">
+            <a:spAutoFit/>
+          </a:bodyPr>
+          <a:lstStyle>
+            <a:lvl1pPr>
+              <a:defRPr sz="1600">
+                <a:solidFill>
+                  <a:schemeClr val="tx1"/>
+                </a:solidFill>
+                <a:latin typeface="Lucida Console" pitchFamily="49" charset="0"/>
+                <a:cs typeface="Arial" charset="0"/>
+              </a:defRPr>
+            </a:lvl1pPr>
+            <a:lvl2pPr marL="742950" indent="-285750">
+              <a:defRPr sz="1600">
+                <a:solidFill>
+                  <a:schemeClr val="tx1"/>
+                </a:solidFill>
+                <a:latin typeface="Lucida Console" pitchFamily="49" charset="0"/>
+                <a:cs typeface="Arial" charset="0"/>
+              </a:defRPr>
+            </a:lvl2pPr>
+            <a:lvl3pPr marL="1143000" indent="-228600">
+              <a:defRPr sz="1600">
+                <a:solidFill>
+                  <a:schemeClr val="tx1"/>
+                </a:solidFill>
+                <a:latin typeface="Lucida Console" pitchFamily="49" charset="0"/>
+                <a:cs typeface="Arial" charset="0"/>
+              </a:defRPr>
+            </a:lvl3pPr>
+            <a:lvl4pPr marL="1600200" indent="-228600">
+              <a:defRPr sz="1600">
+                <a:solidFill>
+                  <a:schemeClr val="tx1"/>
+                </a:solidFill>
+                <a:latin typeface="Lucida Console" pitchFamily="49" charset="0"/>
+                <a:cs typeface="Arial" charset="0"/>
+              </a:defRPr>
+            </a:lvl4pPr>
+            <a:lvl5pPr marL="2057400" indent="-228600">
+              <a:defRPr sz="1600">
+                <a:solidFill>
+                  <a:schemeClr val="tx1"/>
+                </a:solidFill>
+                <a:latin typeface="Lucida Console" pitchFamily="49" charset="0"/>
+                <a:cs typeface="Arial" charset="0"/>
+              </a:defRPr>
+            </a:lvl5pPr>
+            <a:lvl6pPr marL="2514600" indent="-228600" eaLnBrk="0" fontAlgn="base" hangingPunct="0">
+              <a:spcBef>
+                <a:spcPct val="0"/>
+              </a:spcBef>
+              <a:spcAft>
+                <a:spcPct val="0"/>
+              </a:spcAft>
+              <a:defRPr sz="1600">
+                <a:solidFill>
+                  <a:schemeClr val="tx1"/>
+                </a:solidFill>
+                <a:latin typeface="Lucida Console" pitchFamily="49" charset="0"/>
+                <a:cs typeface="Arial" charset="0"/>
+              </a:defRPr>
+            </a:lvl6pPr>
+            <a:lvl7pPr marL="2971800" indent="-228600" eaLnBrk="0" fontAlgn="base" hangingPunct="0">
+              <a:spcBef>
+                <a:spcPct val="0"/>
+              </a:spcBef>
+              <a:spcAft>
+                <a:spcPct val="0"/>
+              </a:spcAft>
+              <a:defRPr sz="1600">
+                <a:solidFill>
+                  <a:schemeClr val="tx1"/>
+                </a:solidFill>
+                <a:latin typeface="Lucida Console" pitchFamily="49" charset="0"/>
+                <a:cs typeface="Arial" charset="0"/>
+              </a:defRPr>
+            </a:lvl7pPr>
+            <a:lvl8pPr marL="3429000" indent="-228600" eaLnBrk="0" fontAlgn="base" hangingPunct="0">
+              <a:spcBef>
+                <a:spcPct val="0"/>
+              </a:spcBef>
+              <a:spcAft>
+                <a:spcPct val="0"/>
+              </a:spcAft>
+              <a:defRPr sz="1600">
+                <a:solidFill>
+                  <a:schemeClr val="tx1"/>
+                </a:solidFill>
+                <a:latin typeface="Lucida Console" pitchFamily="49" charset="0"/>
+                <a:cs typeface="Arial" charset="0"/>
+              </a:defRPr>
+            </a:lvl8pPr>
+            <a:lvl9pPr marL="3886200" indent="-228600" eaLnBrk="0" fontAlgn="base" hangingPunct="0">
+              <a:spcBef>
+                <a:spcPct val="0"/>
+              </a:spcBef>
+              <a:spcAft>
+                <a:spcPct val="0"/>
+              </a:spcAft>
+              <a:defRPr sz="1600">
+                <a:solidFill>
+                  <a:schemeClr val="tx1"/>
+                </a:solidFill>
+                <a:latin typeface="Lucida Console" pitchFamily="49" charset="0"/>
+                <a:cs typeface="Arial" charset="0"/>
+              </a:defRPr>
+            </a:lvl9pPr>
+          </a:lstStyle>
+          <a:p>
+            <a:pPr defTabSz="1219170"/>
+            <a:r>
+              <a:rPr lang="en-US" sz="2667" dirty="0">
+                <a:solidFill>
+                  <a:prstClr val="white"/>
+                </a:solidFill>
+                <a:latin typeface="Arial" charset="0"/>
+              </a:rPr>
+              <a:t>Level: Intermediate, etc.</a:t>
+            </a:r>
+          </a:p>
+          <a:p>
+            <a:pPr defTabSz="1219170"/>
+            <a:endParaRPr lang="en-US" sz="2133" b="1" dirty="0">
+              <a:solidFill>
+                <a:prstClr val="white"/>
+              </a:solidFill>
+              <a:latin typeface="Arial" charset="0"/>
+            </a:endParaRPr>
+          </a:p>
+        </p:txBody>
+      </p:sp>
+      <p:pic>
+        <p:nvPicPr>
+          <p:cNvPr id="2" name="Picture 1"/>
+          <p:cNvPicPr>
+            <a:picLocks noChangeAspect="1"/>
+          </p:cNvPicPr>
+          <p:nvPr/>
+        </p:nvPicPr>
+        <p:blipFill>
+          <a:blip r:embed="rId3">
+            <a:extLst>
+              <a:ext uri="{28A0092B-C50C-407E-A947-70E740481C1C}">
+                <a14:useLocalDpi xmlns:a14="http://schemas.microsoft.com/office/drawing/2010/main" val="0"/>
+              </a:ext>
+            </a:extLst>
+          </a:blip>
+          <a:stretch>
+            <a:fillRect/>
+          </a:stretch>
+        </p:blipFill>
+        <p:spPr>
+          <a:xfrm>
+            <a:off x="0" y="-17379"/>
+            <a:ext cx="12192000" cy="4665579"/>
+          </a:xfrm>
+          <a:prstGeom prst="rect">
+            <a:avLst/>
+          </a:prstGeom>
+        </p:spPr>
+      </p:pic>
+    </p:spTree>
+    <p:extLst>
+      <p:ext uri="{BB962C8B-B14F-4D97-AF65-F5344CB8AC3E}">
+        <p14:creationId xmlns:p14="http://schemas.microsoft.com/office/powerpoint/2010/main" val="3320517752"/>
+      </p:ext>
+    </p:extLst>
+  </p:cSld>
+  <p:clrMapOvr>
+    <a:masterClrMapping/>
+  </p:clrMapOvr>
+  <p:transition spd="slow"/>
+</p:sld>
+</file>
+
+<file path=ppt/slides/slide2.xml><?xml version="1.0" encoding="utf-8"?>
 <p:sld xmlns:a="http://schemas.openxmlformats.org/drawingml/2006/main" xmlns:r="http://schemas.openxmlformats.org/officeDocument/2006/relationships" xmlns:p="http://schemas.openxmlformats.org/presentationml/2006/main">
   <p:cSld>
     <p:spTree>
@@ -4224,4 +8106,619 @@
     </a:ext>
   </a:extLst>
 </a:theme>
+</file>
+
+<file path=ppt/theme/theme2.xml><?xml version="1.0" encoding="utf-8"?>
+<a:theme xmlns:a="http://schemas.openxmlformats.org/drawingml/2006/main" name="Custom Design">
+  <a:themeElements>
+    <a:clrScheme name="Office">
+      <a:dk1>
+        <a:sysClr val="windowText" lastClr="000000"/>
+      </a:dk1>
+      <a:lt1>
+        <a:sysClr val="window" lastClr="FFFFFF"/>
+      </a:lt1>
+      <a:dk2>
+        <a:srgbClr val="1F497D"/>
+      </a:dk2>
+      <a:lt2>
+        <a:srgbClr val="EEECE1"/>
+      </a:lt2>
+      <a:accent1>
+        <a:srgbClr val="4F81BD"/>
+      </a:accent1>
+      <a:accent2>
+        <a:srgbClr val="C0504D"/>
+      </a:accent2>
+      <a:accent3>
+        <a:srgbClr val="9BBB59"/>
+      </a:accent3>
+      <a:accent4>
+        <a:srgbClr val="8064A2"/>
+      </a:accent4>
+      <a:accent5>
+        <a:srgbClr val="4BACC6"/>
+      </a:accent5>
+      <a:accent6>
+        <a:srgbClr val="F79646"/>
+      </a:accent6>
+      <a:hlink>
+        <a:srgbClr val="0000FF"/>
+      </a:hlink>
+      <a:folHlink>
+        <a:srgbClr val="800080"/>
+      </a:folHlink>
+    </a:clrScheme>
+    <a:fontScheme name="Office">
+      <a:majorFont>
+        <a:latin typeface="Calibri"/>
+        <a:ea typeface=""/>
+        <a:cs typeface=""/>
+        <a:font script="Jpan" typeface="ＭＳ Ｐゴシック"/>
+        <a:font script="Hang" typeface="맑은 고딕"/>
+        <a:font script="Hans" typeface="宋体"/>
+        <a:font script="Hant" typeface="新細明體"/>
+        <a:font script="Arab" typeface="Times New Roman"/>
+        <a:font script="Hebr" typeface="Times New Roman"/>
+        <a:font script="Thai" typeface="Angsana New"/>
+        <a:font script="Ethi" typeface="Nyala"/>
+        <a:font script="Beng" typeface="Vrinda"/>
+        <a:font script="Gujr" typeface="Shruti"/>
+        <a:font script="Khmr" typeface="MoolBoran"/>
+        <a:font script="Knda" typeface="Tunga"/>
+        <a:font script="Guru" typeface="Raavi"/>
+        <a:font script="Cans" typeface="Euphemia"/>
+        <a:font script="Cher" typeface="Plantagenet Cherokee"/>
+        <a:font script="Yiii" typeface="Microsoft Yi Baiti"/>
+        <a:font script="Tibt" typeface="Microsoft Himalaya"/>
+        <a:font script="Thaa" typeface="MV Boli"/>
+        <a:font script="Deva" typeface="Mangal"/>
+        <a:font script="Telu" typeface="Gautami"/>
+        <a:font script="Taml" typeface="Latha"/>
+        <a:font script="Syrc" typeface="Estrangelo Edessa"/>
+        <a:font script="Orya" typeface="Kalinga"/>
+        <a:font script="Mlym" typeface="Kartika"/>
+        <a:font script="Laoo" typeface="DokChampa"/>
+        <a:font script="Sinh" typeface="Iskoola Pota"/>
+        <a:font script="Mong" typeface="Mongolian Baiti"/>
+        <a:font script="Viet" typeface="Times New Roman"/>
+        <a:font script="Uigh" typeface="Microsoft Uighur"/>
+        <a:font script="Geor" typeface="Sylfaen"/>
+      </a:majorFont>
+      <a:minorFont>
+        <a:latin typeface="Calibri"/>
+        <a:ea typeface=""/>
+        <a:cs typeface=""/>
+        <a:font script="Jpan" typeface="ＭＳ Ｐゴシック"/>
+        <a:font script="Hang" typeface="맑은 고딕"/>
+        <a:font script="Hans" typeface="宋体"/>
+        <a:font script="Hant" typeface="新細明體"/>
+        <a:font script="Arab" typeface="Arial"/>
+        <a:font script="Hebr" typeface="Arial"/>
+        <a:font script="Thai" typeface="Cordia New"/>
+        <a:font script="Ethi" typeface="Nyala"/>
+        <a:font script="Beng" typeface="Vrinda"/>
+        <a:font script="Gujr" typeface="Shruti"/>
+        <a:font script="Khmr" typeface="DaunPenh"/>
+        <a:font script="Knda" typeface="Tunga"/>
+        <a:font script="Guru" typeface="Raavi"/>
+        <a:font script="Cans" typeface="Euphemia"/>
+        <a:font script="Cher" typeface="Plantagenet Cherokee"/>
+        <a:font script="Yiii" typeface="Microsoft Yi Baiti"/>
+        <a:font script="Tibt" typeface="Microsoft Himalaya"/>
+        <a:font script="Thaa" typeface="MV Boli"/>
+        <a:font script="Deva" typeface="Mangal"/>
+        <a:font script="Telu" typeface="Gautami"/>
+        <a:font script="Taml" typeface="Latha"/>
+        <a:font script="Syrc" typeface="Estrangelo Edessa"/>
+        <a:font script="Orya" typeface="Kalinga"/>
+        <a:font script="Mlym" typeface="Kartika"/>
+        <a:font script="Laoo" typeface="DokChampa"/>
+        <a:font script="Sinh" typeface="Iskoola Pota"/>
+        <a:font script="Mong" typeface="Mongolian Baiti"/>
+        <a:font script="Viet" typeface="Arial"/>
+        <a:font script="Uigh" typeface="Microsoft Uighur"/>
+        <a:font script="Geor" typeface="Sylfaen"/>
+      </a:minorFont>
+    </a:fontScheme>
+    <a:fmtScheme name="Office">
+      <a:fillStyleLst>
+        <a:solidFill>
+          <a:schemeClr val="phClr"/>
+        </a:solidFill>
+        <a:gradFill rotWithShape="1">
+          <a:gsLst>
+            <a:gs pos="0">
+              <a:schemeClr val="phClr">
+                <a:tint val="50000"/>
+                <a:satMod val="300000"/>
+              </a:schemeClr>
+            </a:gs>
+            <a:gs pos="35000">
+              <a:schemeClr val="phClr">
+                <a:tint val="37000"/>
+                <a:satMod val="300000"/>
+              </a:schemeClr>
+            </a:gs>
+            <a:gs pos="100000">
+              <a:schemeClr val="phClr">
+                <a:tint val="15000"/>
+                <a:satMod val="350000"/>
+              </a:schemeClr>
+            </a:gs>
+          </a:gsLst>
+          <a:lin ang="16200000" scaled="1"/>
+        </a:gradFill>
+        <a:gradFill rotWithShape="1">
+          <a:gsLst>
+            <a:gs pos="0">
+              <a:schemeClr val="phClr">
+                <a:tint val="100000"/>
+                <a:shade val="100000"/>
+                <a:satMod val="130000"/>
+              </a:schemeClr>
+            </a:gs>
+            <a:gs pos="100000">
+              <a:schemeClr val="phClr">
+                <a:tint val="50000"/>
+                <a:shade val="100000"/>
+                <a:satMod val="350000"/>
+              </a:schemeClr>
+            </a:gs>
+          </a:gsLst>
+          <a:lin ang="16200000" scaled="0"/>
+        </a:gradFill>
+      </a:fillStyleLst>
+      <a:lnStyleLst>
+        <a:ln w="9525" cap="flat" cmpd="sng" algn="ctr">
+          <a:solidFill>
+            <a:schemeClr val="phClr">
+              <a:shade val="95000"/>
+              <a:satMod val="105000"/>
+            </a:schemeClr>
+          </a:solidFill>
+          <a:prstDash val="solid"/>
+        </a:ln>
+        <a:ln w="25400" cap="flat" cmpd="sng" algn="ctr">
+          <a:solidFill>
+            <a:schemeClr val="phClr"/>
+          </a:solidFill>
+          <a:prstDash val="solid"/>
+        </a:ln>
+        <a:ln w="38100" cap="flat" cmpd="sng" algn="ctr">
+          <a:solidFill>
+            <a:schemeClr val="phClr"/>
+          </a:solidFill>
+          <a:prstDash val="solid"/>
+        </a:ln>
+      </a:lnStyleLst>
+      <a:effectStyleLst>
+        <a:effectStyle>
+          <a:effectLst>
+            <a:outerShdw blurRad="40000" dist="20000" dir="5400000" rotWithShape="0">
+              <a:srgbClr val="000000">
+                <a:alpha val="38000"/>
+              </a:srgbClr>
+            </a:outerShdw>
+          </a:effectLst>
+        </a:effectStyle>
+        <a:effectStyle>
+          <a:effectLst>
+            <a:outerShdw blurRad="40000" dist="23000" dir="5400000" rotWithShape="0">
+              <a:srgbClr val="000000">
+                <a:alpha val="35000"/>
+              </a:srgbClr>
+            </a:outerShdw>
+          </a:effectLst>
+        </a:effectStyle>
+        <a:effectStyle>
+          <a:effectLst>
+            <a:outerShdw blurRad="40000" dist="23000" dir="5400000" rotWithShape="0">
+              <a:srgbClr val="000000">
+                <a:alpha val="35000"/>
+              </a:srgbClr>
+            </a:outerShdw>
+          </a:effectLst>
+          <a:scene3d>
+            <a:camera prst="orthographicFront">
+              <a:rot lat="0" lon="0" rev="0"/>
+            </a:camera>
+            <a:lightRig rig="threePt" dir="t">
+              <a:rot lat="0" lon="0" rev="1200000"/>
+            </a:lightRig>
+          </a:scene3d>
+          <a:sp3d>
+            <a:bevelT w="63500" h="25400"/>
+          </a:sp3d>
+        </a:effectStyle>
+      </a:effectStyleLst>
+      <a:bgFillStyleLst>
+        <a:solidFill>
+          <a:schemeClr val="phClr"/>
+        </a:solidFill>
+        <a:gradFill rotWithShape="1">
+          <a:gsLst>
+            <a:gs pos="0">
+              <a:schemeClr val="phClr">
+                <a:tint val="40000"/>
+                <a:satMod val="350000"/>
+              </a:schemeClr>
+            </a:gs>
+            <a:gs pos="40000">
+              <a:schemeClr val="phClr">
+                <a:tint val="45000"/>
+                <a:shade val="99000"/>
+                <a:satMod val="350000"/>
+              </a:schemeClr>
+            </a:gs>
+            <a:gs pos="100000">
+              <a:schemeClr val="phClr">
+                <a:shade val="20000"/>
+                <a:satMod val="255000"/>
+              </a:schemeClr>
+            </a:gs>
+          </a:gsLst>
+          <a:path path="circle">
+            <a:fillToRect l="50000" t="-80000" r="50000" b="180000"/>
+          </a:path>
+        </a:gradFill>
+        <a:gradFill rotWithShape="1">
+          <a:gsLst>
+            <a:gs pos="0">
+              <a:schemeClr val="phClr">
+                <a:tint val="80000"/>
+                <a:satMod val="300000"/>
+              </a:schemeClr>
+            </a:gs>
+            <a:gs pos="100000">
+              <a:schemeClr val="phClr">
+                <a:shade val="30000"/>
+                <a:satMod val="200000"/>
+              </a:schemeClr>
+            </a:gs>
+          </a:gsLst>
+          <a:path path="circle">
+            <a:fillToRect l="50000" t="50000" r="50000" b="50000"/>
+          </a:path>
+        </a:gradFill>
+      </a:bgFillStyleLst>
+    </a:fmtScheme>
+  </a:themeElements>
+  <a:objectDefaults>
+    <a:spDef>
+      <a:spPr/>
+      <a:bodyPr/>
+      <a:lstStyle/>
+      <a:style>
+        <a:lnRef idx="1">
+          <a:schemeClr val="accent1"/>
+        </a:lnRef>
+        <a:fillRef idx="3">
+          <a:schemeClr val="accent1"/>
+        </a:fillRef>
+        <a:effectRef idx="2">
+          <a:schemeClr val="accent1"/>
+        </a:effectRef>
+        <a:fontRef idx="minor">
+          <a:schemeClr val="lt1"/>
+        </a:fontRef>
+      </a:style>
+    </a:spDef>
+    <a:lnDef>
+      <a:spPr/>
+      <a:bodyPr/>
+      <a:lstStyle/>
+      <a:style>
+        <a:lnRef idx="2">
+          <a:schemeClr val="accent1"/>
+        </a:lnRef>
+        <a:fillRef idx="0">
+          <a:schemeClr val="accent1"/>
+        </a:fillRef>
+        <a:effectRef idx="1">
+          <a:schemeClr val="accent1"/>
+        </a:effectRef>
+        <a:fontRef idx="minor">
+          <a:schemeClr val="tx1"/>
+        </a:fontRef>
+      </a:style>
+    </a:lnDef>
+  </a:objectDefaults>
+  <a:extraClrSchemeLst/>
+</a:theme>
+</file>
+
+<file path=ppt/theme/theme3.xml><?xml version="1.0" encoding="utf-8"?>
+<a:theme xmlns:a="http://schemas.openxmlformats.org/drawingml/2006/main" name="Office Theme">
+  <a:themeElements>
+    <a:clrScheme name="Office">
+      <a:dk1>
+        <a:sysClr val="windowText" lastClr="000000"/>
+      </a:dk1>
+      <a:lt1>
+        <a:sysClr val="window" lastClr="FFFFFF"/>
+      </a:lt1>
+      <a:dk2>
+        <a:srgbClr val="44546A"/>
+      </a:dk2>
+      <a:lt2>
+        <a:srgbClr val="E7E6E6"/>
+      </a:lt2>
+      <a:accent1>
+        <a:srgbClr val="4472C4"/>
+      </a:accent1>
+      <a:accent2>
+        <a:srgbClr val="ED7D31"/>
+      </a:accent2>
+      <a:accent3>
+        <a:srgbClr val="A5A5A5"/>
+      </a:accent3>
+      <a:accent4>
+        <a:srgbClr val="FFC000"/>
+      </a:accent4>
+      <a:accent5>
+        <a:srgbClr val="5B9BD5"/>
+      </a:accent5>
+      <a:accent6>
+        <a:srgbClr val="70AD47"/>
+      </a:accent6>
+      <a:hlink>
+        <a:srgbClr val="0563C1"/>
+      </a:hlink>
+      <a:folHlink>
+        <a:srgbClr val="954F72"/>
+      </a:folHlink>
+    </a:clrScheme>
+    <a:fontScheme name="Office">
+      <a:majorFont>
+        <a:latin typeface="Calibri Light" panose="020F0302020204030204"/>
+        <a:ea typeface=""/>
+        <a:cs typeface=""/>
+        <a:font script="Jpan" typeface="游ゴシック Light"/>
+        <a:font script="Hang" typeface="맑은 고딕"/>
+        <a:font script="Hans" typeface="等线 Light"/>
+        <a:font script="Hant" typeface="新細明體"/>
+        <a:font script="Arab" typeface="Times New Roman"/>
+        <a:font script="Hebr" typeface="Times New Roman"/>
+        <a:font script="Thai" typeface="Angsana New"/>
+        <a:font script="Ethi" typeface="Nyala"/>
+        <a:font script="Beng" typeface="Vrinda"/>
+        <a:font script="Gujr" typeface="Shruti"/>
+        <a:font script="Khmr" typeface="MoolBoran"/>
+        <a:font script="Knda" typeface="Tunga"/>
+        <a:font script="Guru" typeface="Raavi"/>
+        <a:font script="Cans" typeface="Euphemia"/>
+        <a:font script="Cher" typeface="Plantagenet Cherokee"/>
+        <a:font script="Yiii" typeface="Microsoft Yi Baiti"/>
+        <a:font script="Tibt" typeface="Microsoft Himalaya"/>
+        <a:font script="Thaa" typeface="MV Boli"/>
+        <a:font script="Deva" typeface="Mangal"/>
+        <a:font script="Telu" typeface="Gautami"/>
+        <a:font script="Taml" typeface="Latha"/>
+        <a:font script="Syrc" typeface="Estrangelo Edessa"/>
+        <a:font script="Orya" typeface="Kalinga"/>
+        <a:font script="Mlym" typeface="Kartika"/>
+        <a:font script="Laoo" typeface="DokChampa"/>
+        <a:font script="Sinh" typeface="Iskoola Pota"/>
+        <a:font script="Mong" typeface="Mongolian Baiti"/>
+        <a:font script="Viet" typeface="Times New Roman"/>
+        <a:font script="Uigh" typeface="Microsoft Uighur"/>
+        <a:font script="Geor" typeface="Sylfaen"/>
+        <a:font script="Armn" typeface="Arial"/>
+        <a:font script="Bugi" typeface="Leelawadee UI"/>
+        <a:font script="Bopo" typeface="Microsoft JhengHei"/>
+        <a:font script="Java" typeface="Javanese Text"/>
+        <a:font script="Lisu" typeface="Segoe UI"/>
+        <a:font script="Mymr" typeface="Myanmar Text"/>
+        <a:font script="Nkoo" typeface="Ebrima"/>
+        <a:font script="Olck" typeface="Nirmala UI"/>
+        <a:font script="Osma" typeface="Ebrima"/>
+        <a:font script="Phag" typeface="Phagspa"/>
+        <a:font script="Syrn" typeface="Estrangelo Edessa"/>
+        <a:font script="Syrj" typeface="Estrangelo Edessa"/>
+        <a:font script="Syre" typeface="Estrangelo Edessa"/>
+        <a:font script="Sora" typeface="Nirmala UI"/>
+        <a:font script="Tale" typeface="Microsoft Tai Le"/>
+        <a:font script="Talu" typeface="Microsoft New Tai Lue"/>
+        <a:font script="Tfng" typeface="Ebrima"/>
+      </a:majorFont>
+      <a:minorFont>
+        <a:latin typeface="Calibri" panose="020F0502020204030204"/>
+        <a:ea typeface=""/>
+        <a:cs typeface=""/>
+        <a:font script="Jpan" typeface="游ゴシック"/>
+        <a:font script="Hang" typeface="맑은 고딕"/>
+        <a:font script="Hans" typeface="等线"/>
+        <a:font script="Hant" typeface="新細明體"/>
+        <a:font script="Arab" typeface="Arial"/>
+        <a:font script="Hebr" typeface="Arial"/>
+        <a:font script="Thai" typeface="Cordia New"/>
+        <a:font script="Ethi" typeface="Nyala"/>
+        <a:font script="Beng" typeface="Vrinda"/>
+        <a:font script="Gujr" typeface="Shruti"/>
+        <a:font script="Khmr" typeface="DaunPenh"/>
+        <a:font script="Knda" typeface="Tunga"/>
+        <a:font script="Guru" typeface="Raavi"/>
+        <a:font script="Cans" typeface="Euphemia"/>
+        <a:font script="Cher" typeface="Plantagenet Cherokee"/>
+        <a:font script="Yiii" typeface="Microsoft Yi Baiti"/>
+        <a:font script="Tibt" typeface="Microsoft Himalaya"/>
+        <a:font script="Thaa" typeface="MV Boli"/>
+        <a:font script="Deva" typeface="Mangal"/>
+        <a:font script="Telu" typeface="Gautami"/>
+        <a:font script="Taml" typeface="Latha"/>
+        <a:font script="Syrc" typeface="Estrangelo Edessa"/>
+        <a:font script="Orya" typeface="Kalinga"/>
+        <a:font script="Mlym" typeface="Kartika"/>
+        <a:font script="Laoo" typeface="DokChampa"/>
+        <a:font script="Sinh" typeface="Iskoola Pota"/>
+        <a:font script="Mong" typeface="Mongolian Baiti"/>
+        <a:font script="Viet" typeface="Arial"/>
+        <a:font script="Uigh" typeface="Microsoft Uighur"/>
+        <a:font script="Geor" typeface="Sylfaen"/>
+        <a:font script="Armn" typeface="Arial"/>
+        <a:font script="Bugi" typeface="Leelawadee UI"/>
+        <a:font script="Bopo" typeface="Microsoft JhengHei"/>
+        <a:font script="Java" typeface="Javanese Text"/>
+        <a:font script="Lisu" typeface="Segoe UI"/>
+        <a:font script="Mymr" typeface="Myanmar Text"/>
+        <a:font script="Nkoo" typeface="Ebrima"/>
+        <a:font script="Olck" typeface="Nirmala UI"/>
+        <a:font script="Osma" typeface="Ebrima"/>
+        <a:font script="Phag" typeface="Phagspa"/>
+        <a:font script="Syrn" typeface="Estrangelo Edessa"/>
+        <a:font script="Syrj" typeface="Estrangelo Edessa"/>
+        <a:font script="Syre" typeface="Estrangelo Edessa"/>
+        <a:font script="Sora" typeface="Nirmala UI"/>
+        <a:font script="Tale" typeface="Microsoft Tai Le"/>
+        <a:font script="Talu" typeface="Microsoft New Tai Lue"/>
+        <a:font script="Tfng" typeface="Ebrima"/>
+      </a:minorFont>
+    </a:fontScheme>
+    <a:fmtScheme name="Office">
+      <a:fillStyleLst>
+        <a:solidFill>
+          <a:schemeClr val="phClr"/>
+        </a:solidFill>
+        <a:gradFill rotWithShape="1">
+          <a:gsLst>
+            <a:gs pos="0">
+              <a:schemeClr val="phClr">
+                <a:lumMod val="110000"/>
+                <a:satMod val="105000"/>
+                <a:tint val="67000"/>
+              </a:schemeClr>
+            </a:gs>
+            <a:gs pos="50000">
+              <a:schemeClr val="phClr">
+                <a:lumMod val="105000"/>
+                <a:satMod val="103000"/>
+                <a:tint val="73000"/>
+              </a:schemeClr>
+            </a:gs>
+            <a:gs pos="100000">
+              <a:schemeClr val="phClr">
+                <a:lumMod val="105000"/>
+                <a:satMod val="109000"/>
+                <a:tint val="81000"/>
+              </a:schemeClr>
+            </a:gs>
+          </a:gsLst>
+          <a:lin ang="5400000" scaled="0"/>
+        </a:gradFill>
+        <a:gradFill rotWithShape="1">
+          <a:gsLst>
+            <a:gs pos="0">
+              <a:schemeClr val="phClr">
+                <a:satMod val="103000"/>
+                <a:lumMod val="102000"/>
+                <a:tint val="94000"/>
+              </a:schemeClr>
+            </a:gs>
+            <a:gs pos="50000">
+              <a:schemeClr val="phClr">
+                <a:satMod val="110000"/>
+                <a:lumMod val="100000"/>
+                <a:shade val="100000"/>
+              </a:schemeClr>
+            </a:gs>
+            <a:gs pos="100000">
+              <a:schemeClr val="phClr">
+                <a:lumMod val="99000"/>
+                <a:satMod val="120000"/>
+                <a:shade val="78000"/>
+              </a:schemeClr>
+            </a:gs>
+          </a:gsLst>
+          <a:lin ang="5400000" scaled="0"/>
+        </a:gradFill>
+      </a:fillStyleLst>
+      <a:lnStyleLst>
+        <a:ln w="6350" cap="flat" cmpd="sng" algn="ctr">
+          <a:solidFill>
+            <a:schemeClr val="phClr"/>
+          </a:solidFill>
+          <a:prstDash val="solid"/>
+          <a:miter lim="800000"/>
+        </a:ln>
+        <a:ln w="12700" cap="flat" cmpd="sng" algn="ctr">
+          <a:solidFill>
+            <a:schemeClr val="phClr"/>
+          </a:solidFill>
+          <a:prstDash val="solid"/>
+          <a:miter lim="800000"/>
+        </a:ln>
+        <a:ln w="19050" cap="flat" cmpd="sng" algn="ctr">
+          <a:solidFill>
+            <a:schemeClr val="phClr"/>
+          </a:solidFill>
+          <a:prstDash val="solid"/>
+          <a:miter lim="800000"/>
+        </a:ln>
+      </a:lnStyleLst>
+      <a:effectStyleLst>
+        <a:effectStyle>
+          <a:effectLst/>
+        </a:effectStyle>
+        <a:effectStyle>
+          <a:effectLst/>
+        </a:effectStyle>
+        <a:effectStyle>
+          <a:effectLst>
+            <a:outerShdw blurRad="57150" dist="19050" dir="5400000" algn="ctr" rotWithShape="0">
+              <a:srgbClr val="000000">
+                <a:alpha val="63000"/>
+              </a:srgbClr>
+            </a:outerShdw>
+          </a:effectLst>
+        </a:effectStyle>
+      </a:effectStyleLst>
+      <a:bgFillStyleLst>
+        <a:solidFill>
+          <a:schemeClr val="phClr"/>
+        </a:solidFill>
+        <a:solidFill>
+          <a:schemeClr val="phClr">
+            <a:tint val="95000"/>
+            <a:satMod val="170000"/>
+          </a:schemeClr>
+        </a:solidFill>
+        <a:gradFill rotWithShape="1">
+          <a:gsLst>
+            <a:gs pos="0">
+              <a:schemeClr val="phClr">
+                <a:tint val="93000"/>
+                <a:satMod val="150000"/>
+                <a:shade val="98000"/>
+                <a:lumMod val="102000"/>
+              </a:schemeClr>
+            </a:gs>
+            <a:gs pos="50000">
+              <a:schemeClr val="phClr">
+                <a:tint val="98000"/>
+                <a:satMod val="130000"/>
+                <a:shade val="90000"/>
+                <a:lumMod val="103000"/>
+              </a:schemeClr>
+            </a:gs>
+            <a:gs pos="100000">
+              <a:schemeClr val="phClr">
+                <a:shade val="63000"/>
+                <a:satMod val="120000"/>
+              </a:schemeClr>
+            </a:gs>
+          </a:gsLst>
+          <a:lin ang="5400000" scaled="0"/>
+        </a:gradFill>
+      </a:bgFillStyleLst>
+    </a:fmtScheme>
+  </a:themeElements>
+  <a:objectDefaults/>
+  <a:extraClrSchemeLst/>
+  <a:extLst>
+    <a:ext uri="{05A4C25C-085E-4340-85A3-A5531E510DB2}">
+      <thm15:themeFamily xmlns:thm15="http://schemas.microsoft.com/office/thememl/2012/main" name="Office Theme" id="{62F939B6-93AF-4DB8-9C6B-D6C7DFDC589F}" vid="{4A3C46E8-61CC-4603-A589-7422A47A8E4A}"/>
+    </a:ext>
+  </a:extLst>
+</a:theme>
 </file>
--- a/module-1/01-11 Documenting your Web API with OpenAPI/01-11 Documenting your Web API with OpenAPI.pptx
+++ b/module-1/01-11 Documenting your Web API with OpenAPI/01-11 Documenting your Web API with OpenAPI.pptx
@@ -6,11 +6,17 @@
     <p:sldMasterId id="2147483696" r:id="rId2"/>
   </p:sldMasterIdLst>
   <p:notesMasterIdLst>
-    <p:notesMasterId r:id="rId5"/>
+    <p:notesMasterId r:id="rId11"/>
   </p:notesMasterIdLst>
   <p:sldIdLst>
     <p:sldId id="261" r:id="rId3"/>
     <p:sldId id="256" r:id="rId4"/>
+    <p:sldId id="262" r:id="rId5"/>
+    <p:sldId id="263" r:id="rId6"/>
+    <p:sldId id="264" r:id="rId7"/>
+    <p:sldId id="265" r:id="rId8"/>
+    <p:sldId id="266" r:id="rId9"/>
+    <p:sldId id="267" r:id="rId10"/>
   </p:sldIdLst>
   <p:sldSz cx="12192000" cy="6858000"/>
   <p:notesSz cx="6858000" cy="9144000"/>
@@ -117,6 +123,2403 @@
 </p:presentation>
 </file>
 
+<file path=ppt/diagrams/colors1.xml><?xml version="1.0" encoding="utf-8"?>
+<dgm:colorsDef xmlns:dgm="http://schemas.openxmlformats.org/drawingml/2006/diagram" xmlns:a="http://schemas.openxmlformats.org/drawingml/2006/main" uniqueId="urn:microsoft.com/office/officeart/2005/8/colors/colorful2">
+  <dgm:title val=""/>
+  <dgm:desc val=""/>
+  <dgm:catLst>
+    <dgm:cat type="colorful" pri="10200"/>
+  </dgm:catLst>
+  <dgm:styleLbl name="node0">
+    <dgm:fillClrLst meth="repeat">
+      <a:schemeClr val="accent1"/>
+    </dgm:fillClrLst>
+    <dgm:linClrLst meth="repeat">
+      <a:schemeClr val="lt1"/>
+    </dgm:linClrLst>
+    <dgm:effectClrLst/>
+    <dgm:txLinClrLst/>
+    <dgm:txFillClrLst/>
+    <dgm:txEffectClrLst/>
+  </dgm:styleLbl>
+  <dgm:styleLbl name="node1">
+    <dgm:fillClrLst>
+      <a:schemeClr val="accent2"/>
+      <a:schemeClr val="accent3"/>
+    </dgm:fillClrLst>
+    <dgm:linClrLst meth="repeat">
+      <a:schemeClr val="lt1"/>
+    </dgm:linClrLst>
+    <dgm:effectClrLst/>
+    <dgm:txLinClrLst/>
+    <dgm:txFillClrLst/>
+    <dgm:txEffectClrLst/>
+  </dgm:styleLbl>
+  <dgm:styleLbl name="alignNode1">
+    <dgm:fillClrLst>
+      <a:schemeClr val="accent2"/>
+      <a:schemeClr val="accent3"/>
+    </dgm:fillClrLst>
+    <dgm:linClrLst>
+      <a:schemeClr val="accent2"/>
+      <a:schemeClr val="accent3"/>
+    </dgm:linClrLst>
+    <dgm:effectClrLst/>
+    <dgm:txLinClrLst/>
+    <dgm:txFillClrLst/>
+    <dgm:txEffectClrLst/>
+  </dgm:styleLbl>
+  <dgm:styleLbl name="lnNode1">
+    <dgm:fillClrLst>
+      <a:schemeClr val="accent2"/>
+      <a:schemeClr val="accent3"/>
+    </dgm:fillClrLst>
+    <dgm:linClrLst meth="repeat">
+      <a:schemeClr val="lt1"/>
+    </dgm:linClrLst>
+    <dgm:effectClrLst/>
+    <dgm:txLinClrLst/>
+    <dgm:txFillClrLst/>
+    <dgm:txEffectClrLst/>
+  </dgm:styleLbl>
+  <dgm:styleLbl name="vennNode1">
+    <dgm:fillClrLst>
+      <a:schemeClr val="accent2">
+        <a:alpha val="50000"/>
+      </a:schemeClr>
+      <a:schemeClr val="accent3">
+        <a:alpha val="50000"/>
+      </a:schemeClr>
+    </dgm:fillClrLst>
+    <dgm:linClrLst meth="repeat">
+      <a:schemeClr val="lt1"/>
+    </dgm:linClrLst>
+    <dgm:effectClrLst/>
+    <dgm:txLinClrLst/>
+    <dgm:txFillClrLst/>
+    <dgm:txEffectClrLst/>
+  </dgm:styleLbl>
+  <dgm:styleLbl name="node2">
+    <dgm:fillClrLst>
+      <a:schemeClr val="accent3"/>
+    </dgm:fillClrLst>
+    <dgm:linClrLst meth="repeat">
+      <a:schemeClr val="lt1"/>
+    </dgm:linClrLst>
+    <dgm:effectClrLst/>
+    <dgm:txLinClrLst/>
+    <dgm:txFillClrLst/>
+    <dgm:txEffectClrLst/>
+  </dgm:styleLbl>
+  <dgm:styleLbl name="node3">
+    <dgm:fillClrLst>
+      <a:schemeClr val="accent4"/>
+    </dgm:fillClrLst>
+    <dgm:linClrLst meth="repeat">
+      <a:schemeClr val="lt1"/>
+    </dgm:linClrLst>
+    <dgm:effectClrLst/>
+    <dgm:txLinClrLst/>
+    <dgm:txFillClrLst/>
+    <dgm:txEffectClrLst/>
+  </dgm:styleLbl>
+  <dgm:styleLbl name="node4">
+    <dgm:fillClrLst>
+      <a:schemeClr val="accent5"/>
+    </dgm:fillClrLst>
+    <dgm:linClrLst meth="repeat">
+      <a:schemeClr val="lt1"/>
+    </dgm:linClrLst>
+    <dgm:effectClrLst/>
+    <dgm:txLinClrLst/>
+    <dgm:txFillClrLst/>
+    <dgm:txEffectClrLst/>
+  </dgm:styleLbl>
+  <dgm:styleLbl name="fgImgPlace1">
+    <dgm:fillClrLst>
+      <a:schemeClr val="accent2">
+        <a:tint val="50000"/>
+      </a:schemeClr>
+      <a:schemeClr val="accent3">
+        <a:tint val="50000"/>
+      </a:schemeClr>
+    </dgm:fillClrLst>
+    <dgm:linClrLst meth="repeat">
+      <a:schemeClr val="lt1"/>
+    </dgm:linClrLst>
+    <dgm:effectClrLst/>
+    <dgm:txLinClrLst/>
+    <dgm:txFillClrLst meth="repeat">
+      <a:schemeClr val="lt1"/>
+    </dgm:txFillClrLst>
+    <dgm:txEffectClrLst/>
+  </dgm:styleLbl>
+  <dgm:styleLbl name="alignImgPlace1">
+    <dgm:fillClrLst>
+      <a:schemeClr val="accent2">
+        <a:tint val="50000"/>
+      </a:schemeClr>
+      <a:schemeClr val="accent3">
+        <a:tint val="20000"/>
+      </a:schemeClr>
+    </dgm:fillClrLst>
+    <dgm:linClrLst meth="repeat">
+      <a:schemeClr val="lt1"/>
+    </dgm:linClrLst>
+    <dgm:effectClrLst/>
+    <dgm:txLinClrLst/>
+    <dgm:txFillClrLst meth="repeat">
+      <a:schemeClr val="lt1"/>
+    </dgm:txFillClrLst>
+    <dgm:txEffectClrLst/>
+  </dgm:styleLbl>
+  <dgm:styleLbl name="bgImgPlace1">
+    <dgm:fillClrLst>
+      <a:schemeClr val="accent2">
+        <a:tint val="50000"/>
+      </a:schemeClr>
+      <a:schemeClr val="accent3">
+        <a:tint val="20000"/>
+      </a:schemeClr>
+    </dgm:fillClrLst>
+    <dgm:linClrLst meth="repeat">
+      <a:schemeClr val="lt1"/>
+    </dgm:linClrLst>
+    <dgm:effectClrLst/>
+    <dgm:txLinClrLst/>
+    <dgm:txFillClrLst meth="repeat">
+      <a:schemeClr val="lt1"/>
+    </dgm:txFillClrLst>
+    <dgm:txEffectClrLst/>
+  </dgm:styleLbl>
+  <dgm:styleLbl name="sibTrans2D1">
+    <dgm:fillClrLst>
+      <a:schemeClr val="accent2"/>
+      <a:schemeClr val="accent3"/>
+    </dgm:fillClrLst>
+    <dgm:linClrLst meth="repeat">
+      <a:schemeClr val="lt1"/>
+    </dgm:linClrLst>
+    <dgm:effectClrLst/>
+    <dgm:txLinClrLst/>
+    <dgm:txFillClrLst/>
+    <dgm:txEffectClrLst/>
+  </dgm:styleLbl>
+  <dgm:styleLbl name="fgSibTrans2D1">
+    <dgm:fillClrLst>
+      <a:schemeClr val="accent2"/>
+      <a:schemeClr val="accent3"/>
+    </dgm:fillClrLst>
+    <dgm:linClrLst meth="repeat">
+      <a:schemeClr val="lt1"/>
+    </dgm:linClrLst>
+    <dgm:effectClrLst/>
+    <dgm:txLinClrLst/>
+    <dgm:txFillClrLst meth="repeat">
+      <a:schemeClr val="lt1"/>
+    </dgm:txFillClrLst>
+    <dgm:txEffectClrLst/>
+  </dgm:styleLbl>
+  <dgm:styleLbl name="bgSibTrans2D1">
+    <dgm:fillClrLst>
+      <a:schemeClr val="accent2"/>
+      <a:schemeClr val="accent3"/>
+    </dgm:fillClrLst>
+    <dgm:linClrLst meth="repeat">
+      <a:schemeClr val="lt1"/>
+    </dgm:linClrLst>
+    <dgm:effectClrLst/>
+    <dgm:txLinClrLst/>
+    <dgm:txFillClrLst meth="repeat">
+      <a:schemeClr val="lt1"/>
+    </dgm:txFillClrLst>
+    <dgm:txEffectClrLst/>
+  </dgm:styleLbl>
+  <dgm:styleLbl name="sibTrans1D1">
+    <dgm:fillClrLst/>
+    <dgm:linClrLst>
+      <a:schemeClr val="accent2"/>
+      <a:schemeClr val="accent3"/>
+    </dgm:linClrLst>
+    <dgm:effectClrLst/>
+    <dgm:txLinClrLst/>
+    <dgm:txFillClrLst meth="repeat">
+      <a:schemeClr val="tx1"/>
+    </dgm:txFillClrLst>
+    <dgm:txEffectClrLst/>
+  </dgm:styleLbl>
+  <dgm:styleLbl name="callout">
+    <dgm:fillClrLst meth="repeat">
+      <a:schemeClr val="accent2"/>
+    </dgm:fillClrLst>
+    <dgm:linClrLst meth="repeat">
+      <a:schemeClr val="accent2">
+        <a:tint val="50000"/>
+      </a:schemeClr>
+    </dgm:linClrLst>
+    <dgm:effectClrLst/>
+    <dgm:txLinClrLst/>
+    <dgm:txFillClrLst meth="repeat">
+      <a:schemeClr val="tx1"/>
+    </dgm:txFillClrLst>
+    <dgm:txEffectClrLst/>
+  </dgm:styleLbl>
+  <dgm:styleLbl name="asst0">
+    <dgm:fillClrLst meth="repeat">
+      <a:schemeClr val="accent2"/>
+    </dgm:fillClrLst>
+    <dgm:linClrLst meth="repeat">
+      <a:schemeClr val="lt1">
+        <a:shade val="80000"/>
+      </a:schemeClr>
+    </dgm:linClrLst>
+    <dgm:effectClrLst/>
+    <dgm:txLinClrLst/>
+    <dgm:txFillClrLst/>
+    <dgm:txEffectClrLst/>
+  </dgm:styleLbl>
+  <dgm:styleLbl name="asst1">
+    <dgm:fillClrLst meth="repeat">
+      <a:schemeClr val="accent3"/>
+    </dgm:fillClrLst>
+    <dgm:linClrLst meth="repeat">
+      <a:schemeClr val="lt1">
+        <a:shade val="80000"/>
+      </a:schemeClr>
+    </dgm:linClrLst>
+    <dgm:effectClrLst/>
+    <dgm:txLinClrLst/>
+    <dgm:txFillClrLst/>
+    <dgm:txEffectClrLst/>
+  </dgm:styleLbl>
+  <dgm:styleLbl name="asst2">
+    <dgm:fillClrLst>
+      <a:schemeClr val="accent4"/>
+    </dgm:fillClrLst>
+    <dgm:linClrLst meth="repeat">
+      <a:schemeClr val="lt1"/>
+    </dgm:linClrLst>
+    <dgm:effectClrLst/>
+    <dgm:txLinClrLst/>
+    <dgm:txFillClrLst/>
+    <dgm:txEffectClrLst/>
+  </dgm:styleLbl>
+  <dgm:styleLbl name="asst3">
+    <dgm:fillClrLst>
+      <a:schemeClr val="accent5"/>
+    </dgm:fillClrLst>
+    <dgm:linClrLst meth="repeat">
+      <a:schemeClr val="lt1"/>
+    </dgm:linClrLst>
+    <dgm:effectClrLst/>
+    <dgm:txLinClrLst/>
+    <dgm:txFillClrLst/>
+    <dgm:txEffectClrLst/>
+  </dgm:styleLbl>
+  <dgm:styleLbl name="asst4">
+    <dgm:fillClrLst>
+      <a:schemeClr val="accent6"/>
+    </dgm:fillClrLst>
+    <dgm:linClrLst meth="repeat">
+      <a:schemeClr val="lt1"/>
+    </dgm:linClrLst>
+    <dgm:effectClrLst/>
+    <dgm:txLinClrLst/>
+    <dgm:txFillClrLst/>
+    <dgm:txEffectClrLst/>
+  </dgm:styleLbl>
+  <dgm:styleLbl name="parChTrans2D1">
+    <dgm:fillClrLst meth="repeat">
+      <a:schemeClr val="accent2"/>
+    </dgm:fillClrLst>
+    <dgm:linClrLst meth="repeat">
+      <a:schemeClr val="lt1"/>
+    </dgm:linClrLst>
+    <dgm:effectClrLst/>
+    <dgm:txLinClrLst/>
+    <dgm:txFillClrLst meth="repeat">
+      <a:schemeClr val="lt1"/>
+    </dgm:txFillClrLst>
+    <dgm:txEffectClrLst/>
+  </dgm:styleLbl>
+  <dgm:styleLbl name="parChTrans2D2">
+    <dgm:fillClrLst meth="repeat">
+      <a:schemeClr val="accent3"/>
+    </dgm:fillClrLst>
+    <dgm:linClrLst meth="repeat">
+      <a:schemeClr val="lt1"/>
+    </dgm:linClrLst>
+    <dgm:effectClrLst/>
+    <dgm:txLinClrLst/>
+    <dgm:txFillClrLst/>
+    <dgm:txEffectClrLst/>
+  </dgm:styleLbl>
+  <dgm:styleLbl name="parChTrans2D3">
+    <dgm:fillClrLst meth="repeat">
+      <a:schemeClr val="accent4"/>
+    </dgm:fillClrLst>
+    <dgm:linClrLst meth="repeat">
+      <a:schemeClr val="lt1"/>
+    </dgm:linClrLst>
+    <dgm:effectClrLst/>
+    <dgm:txLinClrLst/>
+    <dgm:txFillClrLst/>
+    <dgm:txEffectClrLst/>
+  </dgm:styleLbl>
+  <dgm:styleLbl name="parChTrans2D4">
+    <dgm:fillClrLst meth="repeat">
+      <a:schemeClr val="accent5"/>
+    </dgm:fillClrLst>
+    <dgm:linClrLst meth="repeat">
+      <a:schemeClr val="lt1"/>
+    </dgm:linClrLst>
+    <dgm:effectClrLst/>
+    <dgm:txLinClrLst/>
+    <dgm:txFillClrLst meth="repeat">
+      <a:schemeClr val="lt1"/>
+    </dgm:txFillClrLst>
+    <dgm:txEffectClrLst/>
+  </dgm:styleLbl>
+  <dgm:styleLbl name="parChTrans1D1">
+    <dgm:fillClrLst meth="repeat">
+      <a:schemeClr val="accent2"/>
+    </dgm:fillClrLst>
+    <dgm:linClrLst meth="repeat">
+      <a:schemeClr val="accent2"/>
+    </dgm:linClrLst>
+    <dgm:effectClrLst/>
+    <dgm:txLinClrLst/>
+    <dgm:txFillClrLst meth="repeat">
+      <a:schemeClr val="tx1"/>
+    </dgm:txFillClrLst>
+    <dgm:txEffectClrLst/>
+  </dgm:styleLbl>
+  <dgm:styleLbl name="parChTrans1D2">
+    <dgm:fillClrLst meth="repeat">
+      <a:schemeClr val="accent2">
+        <a:tint val="90000"/>
+      </a:schemeClr>
+    </dgm:fillClrLst>
+    <dgm:linClrLst meth="repeat">
+      <a:schemeClr val="accent3"/>
+    </dgm:linClrLst>
+    <dgm:effectClrLst/>
+    <dgm:txLinClrLst/>
+    <dgm:txFillClrLst meth="repeat">
+      <a:schemeClr val="tx1"/>
+    </dgm:txFillClrLst>
+    <dgm:txEffectClrLst/>
+  </dgm:styleLbl>
+  <dgm:styleLbl name="parChTrans1D3">
+    <dgm:fillClrLst meth="repeat">
+      <a:schemeClr val="accent2">
+        <a:tint val="70000"/>
+      </a:schemeClr>
+    </dgm:fillClrLst>
+    <dgm:linClrLst meth="repeat">
+      <a:schemeClr val="accent4"/>
+    </dgm:linClrLst>
+    <dgm:effectClrLst/>
+    <dgm:txLinClrLst/>
+    <dgm:txFillClrLst meth="repeat">
+      <a:schemeClr val="tx1"/>
+    </dgm:txFillClrLst>
+    <dgm:txEffectClrLst/>
+  </dgm:styleLbl>
+  <dgm:styleLbl name="parChTrans1D4">
+    <dgm:fillClrLst meth="repeat">
+      <a:schemeClr val="accent2">
+        <a:tint val="50000"/>
+      </a:schemeClr>
+    </dgm:fillClrLst>
+    <dgm:linClrLst meth="repeat">
+      <a:schemeClr val="accent5"/>
+    </dgm:linClrLst>
+    <dgm:effectClrLst/>
+    <dgm:txLinClrLst/>
+    <dgm:txFillClrLst meth="repeat">
+      <a:schemeClr val="tx1"/>
+    </dgm:txFillClrLst>
+    <dgm:txEffectClrLst/>
+  </dgm:styleLbl>
+  <dgm:styleLbl name="fgAcc1">
+    <dgm:fillClrLst meth="repeat">
+      <a:schemeClr val="lt1">
+        <a:alpha val="90000"/>
+      </a:schemeClr>
+    </dgm:fillClrLst>
+    <dgm:linClrLst>
+      <a:schemeClr val="accent2"/>
+      <a:schemeClr val="accent3"/>
+    </dgm:linClrLst>
+    <dgm:effectClrLst/>
+    <dgm:txLinClrLst/>
+    <dgm:txFillClrLst meth="repeat">
+      <a:schemeClr val="dk1"/>
+    </dgm:txFillClrLst>
+    <dgm:txEffectClrLst/>
+  </dgm:styleLbl>
+  <dgm:styleLbl name="conFgAcc1">
+    <dgm:fillClrLst meth="repeat">
+      <a:schemeClr val="lt1">
+        <a:alpha val="90000"/>
+      </a:schemeClr>
+    </dgm:fillClrLst>
+    <dgm:linClrLst>
+      <a:schemeClr val="accent2"/>
+      <a:schemeClr val="accent3"/>
+    </dgm:linClrLst>
+    <dgm:effectClrLst/>
+    <dgm:txLinClrLst/>
+    <dgm:txFillClrLst meth="repeat">
+      <a:schemeClr val="dk1"/>
+    </dgm:txFillClrLst>
+    <dgm:txEffectClrLst/>
+  </dgm:styleLbl>
+  <dgm:styleLbl name="alignAcc1">
+    <dgm:fillClrLst meth="repeat">
+      <a:schemeClr val="lt1">
+        <a:alpha val="90000"/>
+      </a:schemeClr>
+    </dgm:fillClrLst>
+    <dgm:linClrLst>
+      <a:schemeClr val="accent2"/>
+      <a:schemeClr val="accent3"/>
+    </dgm:linClrLst>
+    <dgm:effectClrLst/>
+    <dgm:txLinClrLst/>
+    <dgm:txFillClrLst meth="repeat">
+      <a:schemeClr val="dk1"/>
+    </dgm:txFillClrLst>
+    <dgm:txEffectClrLst/>
+  </dgm:styleLbl>
+  <dgm:styleLbl name="trAlignAcc1">
+    <dgm:fillClrLst meth="repeat">
+      <a:schemeClr val="lt1">
+        <a:alpha val="40000"/>
+      </a:schemeClr>
+    </dgm:fillClrLst>
+    <dgm:linClrLst meth="repeat">
+      <a:schemeClr val="accent2"/>
+    </dgm:linClrLst>
+    <dgm:effectClrLst/>
+    <dgm:txLinClrLst/>
+    <dgm:txFillClrLst meth="repeat">
+      <a:schemeClr val="dk1"/>
+    </dgm:txFillClrLst>
+    <dgm:txEffectClrLst/>
+  </dgm:styleLbl>
+  <dgm:styleLbl name="bgAcc1">
+    <dgm:fillClrLst meth="repeat">
+      <a:schemeClr val="lt1">
+        <a:alpha val="90000"/>
+      </a:schemeClr>
+    </dgm:fillClrLst>
+    <dgm:linClrLst>
+      <a:schemeClr val="accent2"/>
+      <a:schemeClr val="accent3"/>
+    </dgm:linClrLst>
+    <dgm:effectClrLst/>
+    <dgm:txLinClrLst/>
+    <dgm:txFillClrLst meth="repeat">
+      <a:schemeClr val="dk1"/>
+    </dgm:txFillClrLst>
+    <dgm:txEffectClrLst/>
+  </dgm:styleLbl>
+  <dgm:styleLbl name="solidFgAcc1">
+    <dgm:fillClrLst meth="repeat">
+      <a:schemeClr val="lt1"/>
+    </dgm:fillClrLst>
+    <dgm:linClrLst>
+      <a:schemeClr val="accent2"/>
+      <a:schemeClr val="accent3"/>
+    </dgm:linClrLst>
+    <dgm:effectClrLst/>
+    <dgm:txLinClrLst/>
+    <dgm:txFillClrLst meth="repeat">
+      <a:schemeClr val="dk1"/>
+    </dgm:txFillClrLst>
+    <dgm:txEffectClrLst/>
+  </dgm:styleLbl>
+  <dgm:styleLbl name="solidAlignAcc1">
+    <dgm:fillClrLst meth="repeat">
+      <a:schemeClr val="lt1"/>
+    </dgm:fillClrLst>
+    <dgm:linClrLst>
+      <a:schemeClr val="accent2"/>
+      <a:schemeClr val="accent3"/>
+    </dgm:linClrLst>
+    <dgm:effectClrLst/>
+    <dgm:txLinClrLst/>
+    <dgm:txFillClrLst meth="repeat">
+      <a:schemeClr val="dk1"/>
+    </dgm:txFillClrLst>
+    <dgm:txEffectClrLst/>
+  </dgm:styleLbl>
+  <dgm:styleLbl name="solidBgAcc1">
+    <dgm:fillClrLst meth="repeat">
+      <a:schemeClr val="lt1"/>
+    </dgm:fillClrLst>
+    <dgm:linClrLst>
+      <a:schemeClr val="accent2"/>
+      <a:schemeClr val="accent3"/>
+    </dgm:linClrLst>
+    <dgm:effectClrLst/>
+    <dgm:txLinClrLst/>
+    <dgm:txFillClrLst meth="repeat">
+      <a:schemeClr val="dk1"/>
+    </dgm:txFillClrLst>
+    <dgm:txEffectClrLst/>
+  </dgm:styleLbl>
+  <dgm:styleLbl name="fgAccFollowNode1">
+    <dgm:fillClrLst>
+      <a:schemeClr val="accent2">
+        <a:tint val="40000"/>
+        <a:alpha val="90000"/>
+      </a:schemeClr>
+      <a:schemeClr val="accent3">
+        <a:tint val="40000"/>
+        <a:alpha val="90000"/>
+      </a:schemeClr>
+    </dgm:fillClrLst>
+    <dgm:linClrLst>
+      <a:schemeClr val="accent2">
+        <a:tint val="40000"/>
+        <a:alpha val="90000"/>
+      </a:schemeClr>
+      <a:schemeClr val="accent3">
+        <a:tint val="40000"/>
+        <a:alpha val="90000"/>
+      </a:schemeClr>
+    </dgm:linClrLst>
+    <dgm:effectClrLst/>
+    <dgm:txLinClrLst/>
+    <dgm:txFillClrLst meth="repeat">
+      <a:schemeClr val="dk1"/>
+    </dgm:txFillClrLst>
+    <dgm:txEffectClrLst/>
+  </dgm:styleLbl>
+  <dgm:styleLbl name="alignAccFollowNode1">
+    <dgm:fillClrLst>
+      <a:schemeClr val="accent2">
+        <a:tint val="40000"/>
+        <a:alpha val="90000"/>
+      </a:schemeClr>
+      <a:schemeClr val="accent3">
+        <a:tint val="40000"/>
+        <a:alpha val="90000"/>
+      </a:schemeClr>
+    </dgm:fillClrLst>
+    <dgm:linClrLst>
+      <a:schemeClr val="accent2">
+        <a:tint val="40000"/>
+        <a:alpha val="90000"/>
+      </a:schemeClr>
+      <a:schemeClr val="accent3">
+        <a:tint val="40000"/>
+        <a:alpha val="90000"/>
+      </a:schemeClr>
+    </dgm:linClrLst>
+    <dgm:effectClrLst/>
+    <dgm:txLinClrLst/>
+    <dgm:txFillClrLst meth="repeat">
+      <a:schemeClr val="dk1"/>
+    </dgm:txFillClrLst>
+    <dgm:txEffectClrLst/>
+  </dgm:styleLbl>
+  <dgm:styleLbl name="bgAccFollowNode1">
+    <dgm:fillClrLst>
+      <a:schemeClr val="accent2">
+        <a:tint val="40000"/>
+        <a:alpha val="90000"/>
+      </a:schemeClr>
+      <a:schemeClr val="accent3">
+        <a:tint val="40000"/>
+        <a:alpha val="90000"/>
+      </a:schemeClr>
+    </dgm:fillClrLst>
+    <dgm:linClrLst>
+      <a:schemeClr val="accent2">
+        <a:tint val="40000"/>
+        <a:alpha val="90000"/>
+      </a:schemeClr>
+      <a:schemeClr val="accent3">
+        <a:tint val="40000"/>
+        <a:alpha val="90000"/>
+      </a:schemeClr>
+    </dgm:linClrLst>
+    <dgm:effectClrLst/>
+    <dgm:txLinClrLst/>
+    <dgm:txFillClrLst meth="repeat">
+      <a:schemeClr val="dk1"/>
+    </dgm:txFillClrLst>
+    <dgm:txEffectClrLst/>
+  </dgm:styleLbl>
+  <dgm:styleLbl name="fgAcc0">
+    <dgm:fillClrLst meth="repeat">
+      <a:schemeClr val="lt1">
+        <a:alpha val="90000"/>
+      </a:schemeClr>
+    </dgm:fillClrLst>
+    <dgm:linClrLst>
+      <a:schemeClr val="accent1"/>
+    </dgm:linClrLst>
+    <dgm:effectClrLst/>
+    <dgm:txLinClrLst/>
+    <dgm:txFillClrLst meth="repeat">
+      <a:schemeClr val="dk1"/>
+    </dgm:txFillClrLst>
+    <dgm:txEffectClrLst/>
+  </dgm:styleLbl>
+  <dgm:styleLbl name="fgAcc2">
+    <dgm:fillClrLst meth="repeat">
+      <a:schemeClr val="lt1">
+        <a:alpha val="90000"/>
+      </a:schemeClr>
+    </dgm:fillClrLst>
+    <dgm:linClrLst>
+      <a:schemeClr val="accent3"/>
+    </dgm:linClrLst>
+    <dgm:effectClrLst/>
+    <dgm:txLinClrLst/>
+    <dgm:txFillClrLst meth="repeat">
+      <a:schemeClr val="dk1"/>
+    </dgm:txFillClrLst>
+    <dgm:txEffectClrLst/>
+  </dgm:styleLbl>
+  <dgm:styleLbl name="fgAcc3">
+    <dgm:fillClrLst meth="repeat">
+      <a:schemeClr val="lt1">
+        <a:alpha val="90000"/>
+      </a:schemeClr>
+    </dgm:fillClrLst>
+    <dgm:linClrLst>
+      <a:schemeClr val="accent4"/>
+    </dgm:linClrLst>
+    <dgm:effectClrLst/>
+    <dgm:txLinClrLst/>
+    <dgm:txFillClrLst meth="repeat">
+      <a:schemeClr val="dk1"/>
+    </dgm:txFillClrLst>
+    <dgm:txEffectClrLst/>
+  </dgm:styleLbl>
+  <dgm:styleLbl name="fgAcc4">
+    <dgm:fillClrLst meth="repeat">
+      <a:schemeClr val="lt1">
+        <a:alpha val="90000"/>
+      </a:schemeClr>
+    </dgm:fillClrLst>
+    <dgm:linClrLst>
+      <a:schemeClr val="accent5"/>
+    </dgm:linClrLst>
+    <dgm:effectClrLst/>
+    <dgm:txLinClrLst/>
+    <dgm:txFillClrLst meth="repeat">
+      <a:schemeClr val="dk1"/>
+    </dgm:txFillClrLst>
+    <dgm:txEffectClrLst/>
+  </dgm:styleLbl>
+  <dgm:styleLbl name="bgShp">
+    <dgm:fillClrLst meth="repeat">
+      <a:schemeClr val="accent2">
+        <a:tint val="40000"/>
+      </a:schemeClr>
+    </dgm:fillClrLst>
+    <dgm:linClrLst meth="repeat">
+      <a:schemeClr val="dk1"/>
+    </dgm:linClrLst>
+    <dgm:effectClrLst/>
+    <dgm:txLinClrLst/>
+    <dgm:txFillClrLst meth="repeat">
+      <a:schemeClr val="dk1"/>
+    </dgm:txFillClrLst>
+    <dgm:txEffectClrLst/>
+  </dgm:styleLbl>
+  <dgm:styleLbl name="dkBgShp">
+    <dgm:fillClrLst meth="repeat">
+      <a:schemeClr val="accent2">
+        <a:shade val="90000"/>
+      </a:schemeClr>
+    </dgm:fillClrLst>
+    <dgm:linClrLst meth="repeat">
+      <a:schemeClr val="dk1"/>
+    </dgm:linClrLst>
+    <dgm:effectClrLst/>
+    <dgm:txLinClrLst/>
+    <dgm:txFillClrLst meth="repeat">
+      <a:schemeClr val="lt1"/>
+    </dgm:txFillClrLst>
+    <dgm:txEffectClrLst/>
+  </dgm:styleLbl>
+  <dgm:styleLbl name="trBgShp">
+    <dgm:fillClrLst meth="repeat">
+      <a:schemeClr val="accent2">
+        <a:tint val="50000"/>
+        <a:alpha val="40000"/>
+      </a:schemeClr>
+    </dgm:fillClrLst>
+    <dgm:linClrLst meth="repeat">
+      <a:schemeClr val="accent2"/>
+    </dgm:linClrLst>
+    <dgm:effectClrLst/>
+    <dgm:txLinClrLst/>
+    <dgm:txFillClrLst meth="repeat">
+      <a:schemeClr val="lt1"/>
+    </dgm:txFillClrLst>
+    <dgm:txEffectClrLst/>
+  </dgm:styleLbl>
+  <dgm:styleLbl name="fgShp">
+    <dgm:fillClrLst meth="repeat">
+      <a:schemeClr val="accent2">
+        <a:tint val="40000"/>
+      </a:schemeClr>
+    </dgm:fillClrLst>
+    <dgm:linClrLst meth="repeat">
+      <a:schemeClr val="lt1"/>
+    </dgm:linClrLst>
+    <dgm:effectClrLst/>
+    <dgm:txLinClrLst/>
+    <dgm:txFillClrLst meth="repeat">
+      <a:schemeClr val="dk1"/>
+    </dgm:txFillClrLst>
+    <dgm:txEffectClrLst/>
+  </dgm:styleLbl>
+  <dgm:styleLbl name="revTx">
+    <dgm:fillClrLst meth="repeat">
+      <a:schemeClr val="lt1">
+        <a:alpha val="0"/>
+      </a:schemeClr>
+    </dgm:fillClrLst>
+    <dgm:linClrLst meth="repeat">
+      <a:schemeClr val="dk1">
+        <a:alpha val="0"/>
+      </a:schemeClr>
+    </dgm:linClrLst>
+    <dgm:effectClrLst/>
+    <dgm:txLinClrLst/>
+    <dgm:txFillClrLst meth="repeat">
+      <a:schemeClr val="tx1"/>
+    </dgm:txFillClrLst>
+    <dgm:txEffectClrLst/>
+  </dgm:styleLbl>
+</dgm:colorsDef>
+</file>
+
+<file path=ppt/diagrams/data1.xml><?xml version="1.0" encoding="utf-8"?>
+<dgm:dataModel xmlns:dgm="http://schemas.openxmlformats.org/drawingml/2006/diagram" xmlns:a="http://schemas.openxmlformats.org/drawingml/2006/main">
+  <dgm:ptLst>
+    <dgm:pt modelId="{E0C2B907-632B-4864-B69B-68E943FE12C5}" type="doc">
+      <dgm:prSet loTypeId="urn:microsoft.com/office/officeart/2005/8/layout/arrow5" loCatId="relationship" qsTypeId="urn:microsoft.com/office/officeart/2005/8/quickstyle/simple3" qsCatId="simple" csTypeId="urn:microsoft.com/office/officeart/2005/8/colors/colorful2" csCatId="colorful" phldr="1"/>
+      <dgm:spPr/>
+      <dgm:t>
+        <a:bodyPr/>
+        <a:lstStyle/>
+        <a:p>
+          <a:endParaRPr lang="en-US"/>
+        </a:p>
+      </dgm:t>
+    </dgm:pt>
+    <dgm:pt modelId="{2EBF0CEE-2A2E-42B3-B9DC-3668D5B9718E}">
+      <dgm:prSet phldrT="[Text]"/>
+      <dgm:spPr/>
+      <dgm:t>
+        <a:bodyPr/>
+        <a:lstStyle/>
+        <a:p>
+          <a:r>
+            <a:rPr lang="en-US" dirty="0"/>
+            <a:t>OpenAPI is a specification</a:t>
+          </a:r>
+        </a:p>
+      </dgm:t>
+    </dgm:pt>
+    <dgm:pt modelId="{1610AE4E-48F0-4EFA-A0A9-44898984E004}" type="parTrans" cxnId="{06FD82B6-E776-4B42-BEFE-7F5DE7EC4716}">
+      <dgm:prSet/>
+      <dgm:spPr/>
+      <dgm:t>
+        <a:bodyPr/>
+        <a:lstStyle/>
+        <a:p>
+          <a:endParaRPr lang="en-US"/>
+        </a:p>
+      </dgm:t>
+    </dgm:pt>
+    <dgm:pt modelId="{4EEC8AB5-05FB-4DC5-A16C-DF26BBB34AE2}" type="sibTrans" cxnId="{06FD82B6-E776-4B42-BEFE-7F5DE7EC4716}">
+      <dgm:prSet/>
+      <dgm:spPr/>
+      <dgm:t>
+        <a:bodyPr/>
+        <a:lstStyle/>
+        <a:p>
+          <a:endParaRPr lang="en-US"/>
+        </a:p>
+      </dgm:t>
+    </dgm:pt>
+    <dgm:pt modelId="{3AA36340-3B1F-4A4F-9AFE-62EEFEB617D3}">
+      <dgm:prSet phldrT="[Text]"/>
+      <dgm:spPr/>
+      <dgm:t>
+        <a:bodyPr/>
+        <a:lstStyle/>
+        <a:p>
+          <a:r>
+            <a:rPr lang="en-US" dirty="0"/>
+            <a:t>Swagger is the tooling for OpenAPI</a:t>
+          </a:r>
+        </a:p>
+      </dgm:t>
+    </dgm:pt>
+    <dgm:pt modelId="{29C18C67-1057-417A-8524-3CC7FFF68F84}" type="parTrans" cxnId="{B45B6DCB-3678-4A97-93F3-F0874A515089}">
+      <dgm:prSet/>
+      <dgm:spPr/>
+      <dgm:t>
+        <a:bodyPr/>
+        <a:lstStyle/>
+        <a:p>
+          <a:endParaRPr lang="en-US"/>
+        </a:p>
+      </dgm:t>
+    </dgm:pt>
+    <dgm:pt modelId="{4AA3172E-4509-4AF6-AC74-01E061AB0CD8}" type="sibTrans" cxnId="{B45B6DCB-3678-4A97-93F3-F0874A515089}">
+      <dgm:prSet/>
+      <dgm:spPr/>
+      <dgm:t>
+        <a:bodyPr/>
+        <a:lstStyle/>
+        <a:p>
+          <a:endParaRPr lang="en-US"/>
+        </a:p>
+      </dgm:t>
+    </dgm:pt>
+    <dgm:pt modelId="{0F61060E-0999-40D2-BBC0-3D9317DD18EC}" type="pres">
+      <dgm:prSet presAssocID="{E0C2B907-632B-4864-B69B-68E943FE12C5}" presName="diagram" presStyleCnt="0">
+        <dgm:presLayoutVars>
+          <dgm:dir/>
+          <dgm:resizeHandles val="exact"/>
+        </dgm:presLayoutVars>
+      </dgm:prSet>
+      <dgm:spPr/>
+    </dgm:pt>
+    <dgm:pt modelId="{F18740E2-EB24-4823-B3B7-7C2242E6F61C}" type="pres">
+      <dgm:prSet presAssocID="{2EBF0CEE-2A2E-42B3-B9DC-3668D5B9718E}" presName="arrow" presStyleLbl="node1" presStyleIdx="0" presStyleCnt="2">
+        <dgm:presLayoutVars>
+          <dgm:bulletEnabled val="1"/>
+        </dgm:presLayoutVars>
+      </dgm:prSet>
+      <dgm:spPr/>
+    </dgm:pt>
+    <dgm:pt modelId="{7D31FBE2-9CB8-4D4F-B032-1E2467032167}" type="pres">
+      <dgm:prSet presAssocID="{3AA36340-3B1F-4A4F-9AFE-62EEFEB617D3}" presName="arrow" presStyleLbl="node1" presStyleIdx="1" presStyleCnt="2">
+        <dgm:presLayoutVars>
+          <dgm:bulletEnabled val="1"/>
+        </dgm:presLayoutVars>
+      </dgm:prSet>
+      <dgm:spPr/>
+    </dgm:pt>
+  </dgm:ptLst>
+  <dgm:cxnLst>
+    <dgm:cxn modelId="{36E4AB15-08DA-47F1-A29D-42826C58255C}" type="presOf" srcId="{2EBF0CEE-2A2E-42B3-B9DC-3668D5B9718E}" destId="{F18740E2-EB24-4823-B3B7-7C2242E6F61C}" srcOrd="0" destOrd="0" presId="urn:microsoft.com/office/officeart/2005/8/layout/arrow5"/>
+    <dgm:cxn modelId="{4111422E-3D4E-49BF-A20F-9F24CDA173DA}" type="presOf" srcId="{3AA36340-3B1F-4A4F-9AFE-62EEFEB617D3}" destId="{7D31FBE2-9CB8-4D4F-B032-1E2467032167}" srcOrd="0" destOrd="0" presId="urn:microsoft.com/office/officeart/2005/8/layout/arrow5"/>
+    <dgm:cxn modelId="{B07CC5AC-472F-4B0F-AD72-F7237466D892}" type="presOf" srcId="{E0C2B907-632B-4864-B69B-68E943FE12C5}" destId="{0F61060E-0999-40D2-BBC0-3D9317DD18EC}" srcOrd="0" destOrd="0" presId="urn:microsoft.com/office/officeart/2005/8/layout/arrow5"/>
+    <dgm:cxn modelId="{06FD82B6-E776-4B42-BEFE-7F5DE7EC4716}" srcId="{E0C2B907-632B-4864-B69B-68E943FE12C5}" destId="{2EBF0CEE-2A2E-42B3-B9DC-3668D5B9718E}" srcOrd="0" destOrd="0" parTransId="{1610AE4E-48F0-4EFA-A0A9-44898984E004}" sibTransId="{4EEC8AB5-05FB-4DC5-A16C-DF26BBB34AE2}"/>
+    <dgm:cxn modelId="{B45B6DCB-3678-4A97-93F3-F0874A515089}" srcId="{E0C2B907-632B-4864-B69B-68E943FE12C5}" destId="{3AA36340-3B1F-4A4F-9AFE-62EEFEB617D3}" srcOrd="1" destOrd="0" parTransId="{29C18C67-1057-417A-8524-3CC7FFF68F84}" sibTransId="{4AA3172E-4509-4AF6-AC74-01E061AB0CD8}"/>
+    <dgm:cxn modelId="{A7F51B3E-90E3-4658-8506-547CD9347D97}" type="presParOf" srcId="{0F61060E-0999-40D2-BBC0-3D9317DD18EC}" destId="{F18740E2-EB24-4823-B3B7-7C2242E6F61C}" srcOrd="0" destOrd="0" presId="urn:microsoft.com/office/officeart/2005/8/layout/arrow5"/>
+    <dgm:cxn modelId="{ACB9C956-E700-4A8C-8849-3FBD12546D76}" type="presParOf" srcId="{0F61060E-0999-40D2-BBC0-3D9317DD18EC}" destId="{7D31FBE2-9CB8-4D4F-B032-1E2467032167}" srcOrd="1" destOrd="0" presId="urn:microsoft.com/office/officeart/2005/8/layout/arrow5"/>
+  </dgm:cxnLst>
+  <dgm:bg/>
+  <dgm:whole/>
+  <dgm:extLst>
+    <a:ext uri="http://schemas.microsoft.com/office/drawing/2008/diagram">
+      <dsp:dataModelExt xmlns:dsp="http://schemas.microsoft.com/office/drawing/2008/diagram" relId="rId6" minVer="http://schemas.openxmlformats.org/drawingml/2006/diagram"/>
+    </a:ext>
+  </dgm:extLst>
+</dgm:dataModel>
+</file>
+
+<file path=ppt/diagrams/drawing1.xml><?xml version="1.0" encoding="utf-8"?>
+<dsp:drawing xmlns:dgm="http://schemas.openxmlformats.org/drawingml/2006/diagram" xmlns:dsp="http://schemas.microsoft.com/office/drawing/2008/diagram" xmlns:a="http://schemas.openxmlformats.org/drawingml/2006/main">
+  <dsp:spTree>
+    <dsp:nvGrpSpPr>
+      <dsp:cNvPr id="0" name=""/>
+      <dsp:cNvGrpSpPr/>
+    </dsp:nvGrpSpPr>
+    <dsp:grpSpPr/>
+    <dsp:sp modelId="{F18740E2-EB24-4823-B3B7-7C2242E6F61C}">
+      <dsp:nvSpPr>
+        <dsp:cNvPr id="0" name=""/>
+        <dsp:cNvSpPr/>
+      </dsp:nvSpPr>
+      <dsp:spPr>
+        <a:xfrm rot="16200000">
+          <a:off x="1295" y="173"/>
+          <a:ext cx="4022377" cy="4022377"/>
+        </a:xfrm>
+        <a:prstGeom prst="downArrow">
+          <a:avLst>
+            <a:gd name="adj1" fmla="val 50000"/>
+            <a:gd name="adj2" fmla="val 35000"/>
+          </a:avLst>
+        </a:prstGeom>
+        <a:gradFill rotWithShape="0">
+          <a:gsLst>
+            <a:gs pos="0">
+              <a:schemeClr val="accent2">
+                <a:hueOff val="0"/>
+                <a:satOff val="0"/>
+                <a:lumOff val="0"/>
+                <a:alphaOff val="0"/>
+                <a:tint val="65000"/>
+                <a:shade val="92000"/>
+                <a:satMod val="130000"/>
+              </a:schemeClr>
+            </a:gs>
+            <a:gs pos="45000">
+              <a:schemeClr val="accent2">
+                <a:hueOff val="0"/>
+                <a:satOff val="0"/>
+                <a:lumOff val="0"/>
+                <a:alphaOff val="0"/>
+                <a:tint val="60000"/>
+                <a:shade val="99000"/>
+                <a:satMod val="120000"/>
+              </a:schemeClr>
+            </a:gs>
+            <a:gs pos="100000">
+              <a:schemeClr val="accent2">
+                <a:hueOff val="0"/>
+                <a:satOff val="0"/>
+                <a:lumOff val="0"/>
+                <a:alphaOff val="0"/>
+                <a:tint val="55000"/>
+                <a:satMod val="140000"/>
+              </a:schemeClr>
+            </a:gs>
+          </a:gsLst>
+          <a:path path="circle">
+            <a:fillToRect l="100000" t="100000" r="100000" b="100000"/>
+          </a:path>
+        </a:gradFill>
+        <a:ln>
+          <a:noFill/>
+        </a:ln>
+        <a:effectLst/>
+        <a:scene3d>
+          <a:camera prst="orthographicFront"/>
+          <a:lightRig rig="flat" dir="t"/>
+        </a:scene3d>
+        <a:sp3d prstMaterial="dkEdge">
+          <a:bevelT w="8200" h="38100"/>
+        </a:sp3d>
+      </dsp:spPr>
+      <dsp:style>
+        <a:lnRef idx="0">
+          <a:scrgbClr r="0" g="0" b="0"/>
+        </a:lnRef>
+        <a:fillRef idx="2">
+          <a:scrgbClr r="0" g="0" b="0"/>
+        </a:fillRef>
+        <a:effectRef idx="1">
+          <a:scrgbClr r="0" g="0" b="0"/>
+        </a:effectRef>
+        <a:fontRef idx="minor">
+          <a:schemeClr val="dk1"/>
+        </a:fontRef>
+      </dsp:style>
+      <dsp:txBody>
+        <a:bodyPr spcFirstLastPara="0" vert="horz" wrap="square" lIns="248920" tIns="248920" rIns="248920" bIns="248920" numCol="1" spcCol="1270" anchor="ctr" anchorCtr="0">
+          <a:noAutofit/>
+        </a:bodyPr>
+        <a:lstStyle/>
+        <a:p>
+          <a:pPr marL="0" lvl="0" indent="0" algn="ctr" defTabSz="1555750">
+            <a:lnSpc>
+              <a:spcPct val="90000"/>
+            </a:lnSpc>
+            <a:spcBef>
+              <a:spcPct val="0"/>
+            </a:spcBef>
+            <a:spcAft>
+              <a:spcPct val="35000"/>
+            </a:spcAft>
+            <a:buNone/>
+          </a:pPr>
+          <a:r>
+            <a:rPr lang="en-US" sz="3500" kern="1200" dirty="0"/>
+            <a:t>OpenAPI is a specification</a:t>
+          </a:r>
+        </a:p>
+      </dsp:txBody>
+      <dsp:txXfrm rot="5400000">
+        <a:off x="1295" y="1005767"/>
+        <a:ext cx="3318461" cy="2011189"/>
+      </dsp:txXfrm>
+    </dsp:sp>
+    <dsp:sp modelId="{7D31FBE2-9CB8-4D4F-B032-1E2467032167}">
+      <dsp:nvSpPr>
+        <dsp:cNvPr id="0" name=""/>
+        <dsp:cNvSpPr/>
+      </dsp:nvSpPr>
+      <dsp:spPr>
+        <a:xfrm rot="5400000">
+          <a:off x="6034727" y="173"/>
+          <a:ext cx="4022377" cy="4022377"/>
+        </a:xfrm>
+        <a:prstGeom prst="downArrow">
+          <a:avLst>
+            <a:gd name="adj1" fmla="val 50000"/>
+            <a:gd name="adj2" fmla="val 35000"/>
+          </a:avLst>
+        </a:prstGeom>
+        <a:gradFill rotWithShape="0">
+          <a:gsLst>
+            <a:gs pos="0">
+              <a:schemeClr val="accent2">
+                <a:hueOff val="2817853"/>
+                <a:satOff val="-20162"/>
+                <a:lumOff val="-1177"/>
+                <a:alphaOff val="0"/>
+                <a:tint val="65000"/>
+                <a:shade val="92000"/>
+                <a:satMod val="130000"/>
+              </a:schemeClr>
+            </a:gs>
+            <a:gs pos="45000">
+              <a:schemeClr val="accent2">
+                <a:hueOff val="2817853"/>
+                <a:satOff val="-20162"/>
+                <a:lumOff val="-1177"/>
+                <a:alphaOff val="0"/>
+                <a:tint val="60000"/>
+                <a:shade val="99000"/>
+                <a:satMod val="120000"/>
+              </a:schemeClr>
+            </a:gs>
+            <a:gs pos="100000">
+              <a:schemeClr val="accent2">
+                <a:hueOff val="2817853"/>
+                <a:satOff val="-20162"/>
+                <a:lumOff val="-1177"/>
+                <a:alphaOff val="0"/>
+                <a:tint val="55000"/>
+                <a:satMod val="140000"/>
+              </a:schemeClr>
+            </a:gs>
+          </a:gsLst>
+          <a:path path="circle">
+            <a:fillToRect l="100000" t="100000" r="100000" b="100000"/>
+          </a:path>
+        </a:gradFill>
+        <a:ln>
+          <a:noFill/>
+        </a:ln>
+        <a:effectLst/>
+        <a:scene3d>
+          <a:camera prst="orthographicFront"/>
+          <a:lightRig rig="flat" dir="t"/>
+        </a:scene3d>
+        <a:sp3d prstMaterial="dkEdge">
+          <a:bevelT w="8200" h="38100"/>
+        </a:sp3d>
+      </dsp:spPr>
+      <dsp:style>
+        <a:lnRef idx="0">
+          <a:scrgbClr r="0" g="0" b="0"/>
+        </a:lnRef>
+        <a:fillRef idx="2">
+          <a:scrgbClr r="0" g="0" b="0"/>
+        </a:fillRef>
+        <a:effectRef idx="1">
+          <a:scrgbClr r="0" g="0" b="0"/>
+        </a:effectRef>
+        <a:fontRef idx="minor">
+          <a:schemeClr val="dk1"/>
+        </a:fontRef>
+      </dsp:style>
+      <dsp:txBody>
+        <a:bodyPr spcFirstLastPara="0" vert="horz" wrap="square" lIns="248920" tIns="248920" rIns="248920" bIns="248920" numCol="1" spcCol="1270" anchor="ctr" anchorCtr="0">
+          <a:noAutofit/>
+        </a:bodyPr>
+        <a:lstStyle/>
+        <a:p>
+          <a:pPr marL="0" lvl="0" indent="0" algn="ctr" defTabSz="1555750">
+            <a:lnSpc>
+              <a:spcPct val="90000"/>
+            </a:lnSpc>
+            <a:spcBef>
+              <a:spcPct val="0"/>
+            </a:spcBef>
+            <a:spcAft>
+              <a:spcPct val="35000"/>
+            </a:spcAft>
+            <a:buNone/>
+          </a:pPr>
+          <a:r>
+            <a:rPr lang="en-US" sz="3500" kern="1200" dirty="0"/>
+            <a:t>Swagger is the tooling for OpenAPI</a:t>
+          </a:r>
+        </a:p>
+      </dsp:txBody>
+      <dsp:txXfrm rot="-5400000">
+        <a:off x="6738643" y="1005767"/>
+        <a:ext cx="3318461" cy="2011189"/>
+      </dsp:txXfrm>
+    </dsp:sp>
+  </dsp:spTree>
+</dsp:drawing>
+</file>
+
+<file path=ppt/diagrams/layout1.xml><?xml version="1.0" encoding="utf-8"?>
+<dgm:layoutDef xmlns:dgm="http://schemas.openxmlformats.org/drawingml/2006/diagram" xmlns:a="http://schemas.openxmlformats.org/drawingml/2006/main" uniqueId="urn:microsoft.com/office/officeart/2005/8/layout/arrow5">
+  <dgm:title val=""/>
+  <dgm:desc val=""/>
+  <dgm:catLst>
+    <dgm:cat type="relationship" pri="6000"/>
+    <dgm:cat type="process" pri="31000"/>
+  </dgm:catLst>
+  <dgm:sampData>
+    <dgm:dataModel>
+      <dgm:ptLst>
+        <dgm:pt modelId="0" type="doc"/>
+        <dgm:pt modelId="1">
+          <dgm:prSet phldr="1"/>
+        </dgm:pt>
+        <dgm:pt modelId="2">
+          <dgm:prSet phldr="1"/>
+        </dgm:pt>
+      </dgm:ptLst>
+      <dgm:cxnLst>
+        <dgm:cxn modelId="4" srcId="0" destId="1" srcOrd="0" destOrd="0"/>
+        <dgm:cxn modelId="5" srcId="0" destId="2" srcOrd="1" destOrd="0"/>
+      </dgm:cxnLst>
+      <dgm:bg/>
+      <dgm:whole/>
+    </dgm:dataModel>
+  </dgm:sampData>
+  <dgm:styleData>
+    <dgm:dataModel>
+      <dgm:ptLst>
+        <dgm:pt modelId="0" type="doc"/>
+        <dgm:pt modelId="1"/>
+        <dgm:pt modelId="2"/>
+      </dgm:ptLst>
+      <dgm:cxnLst>
+        <dgm:cxn modelId="3" srcId="0" destId="1" srcOrd="0" destOrd="0"/>
+        <dgm:cxn modelId="4" srcId="0" destId="2" srcOrd="1" destOrd="0"/>
+      </dgm:cxnLst>
+      <dgm:bg/>
+      <dgm:whole/>
+    </dgm:dataModel>
+  </dgm:styleData>
+  <dgm:clrData>
+    <dgm:dataModel>
+      <dgm:ptLst>
+        <dgm:pt modelId="0" type="doc"/>
+        <dgm:pt modelId="1"/>
+        <dgm:pt modelId="2"/>
+        <dgm:pt modelId="3"/>
+        <dgm:pt modelId="4"/>
+      </dgm:ptLst>
+      <dgm:cxnLst>
+        <dgm:cxn modelId="5" srcId="0" destId="1" srcOrd="0" destOrd="0"/>
+        <dgm:cxn modelId="6" srcId="0" destId="2" srcOrd="1" destOrd="0"/>
+        <dgm:cxn modelId="7" srcId="0" destId="3" srcOrd="2" destOrd="0"/>
+        <dgm:cxn modelId="8" srcId="0" destId="4" srcOrd="3" destOrd="0"/>
+      </dgm:cxnLst>
+      <dgm:bg/>
+      <dgm:whole/>
+    </dgm:dataModel>
+  </dgm:clrData>
+  <dgm:layoutNode name="diagram">
+    <dgm:varLst>
+      <dgm:dir/>
+      <dgm:resizeHandles val="exact"/>
+    </dgm:varLst>
+    <dgm:choose name="Name0">
+      <dgm:if name="Name1" axis="ch" ptType="node" func="cnt" op="equ" val="2">
+        <dgm:choose name="Name2">
+          <dgm:if name="Name3" func="var" arg="dir" op="equ" val="norm">
+            <dgm:alg type="cycle">
+              <dgm:param type="rotPath" val="alongPath"/>
+              <dgm:param type="stAng" val="270"/>
+            </dgm:alg>
+          </dgm:if>
+          <dgm:else name="Name4">
+            <dgm:alg type="cycle">
+              <dgm:param type="rotPath" val="alongPath"/>
+              <dgm:param type="stAng" val="90"/>
+              <dgm:param type="spanAng" val="-360"/>
+            </dgm:alg>
+          </dgm:else>
+        </dgm:choose>
+      </dgm:if>
+      <dgm:else name="Name5">
+        <dgm:choose name="Name6">
+          <dgm:if name="Name7" func="var" arg="dir" op="equ" val="norm">
+            <dgm:alg type="cycle">
+              <dgm:param type="rotPath" val="alongPath"/>
+            </dgm:alg>
+          </dgm:if>
+          <dgm:else name="Name8">
+            <dgm:alg type="cycle">
+              <dgm:param type="rotPath" val="alongPath"/>
+              <dgm:param type="spanAng" val="-360"/>
+            </dgm:alg>
+          </dgm:else>
+        </dgm:choose>
+      </dgm:else>
+    </dgm:choose>
+    <dgm:shape xmlns:r="http://schemas.openxmlformats.org/officeDocument/2006/relationships" r:blip="">
+      <dgm:adjLst/>
+    </dgm:shape>
+    <dgm:presOf/>
+    <dgm:choose name="Name9">
+      <dgm:if name="Name10" axis="ch" ptType="node" func="cnt" op="lte" val="2">
+        <dgm:constrLst>
+          <dgm:constr type="primFontSz" for="ch" ptType="node" op="equ" val="65"/>
+          <dgm:constr type="w" for="ch" ptType="node" refType="w"/>
+          <dgm:constr type="h" for="ch" ptType="node" refType="w" refFor="ch" refPtType="node" op="equ"/>
+          <dgm:constr type="sibSp" refType="w" refFor="ch" refPtType="node" fact="0.1"/>
+          <dgm:constr type="sibSp" refType="h" op="lte" fact="0.1"/>
+          <dgm:constr type="diam" refType="w" refFor="ch" refPtType="node" op="equ" fact="1.1"/>
+        </dgm:constrLst>
+      </dgm:if>
+      <dgm:if name="Name11" axis="ch" ptType="node" func="cnt" op="equ" val="5">
+        <dgm:constrLst>
+          <dgm:constr type="primFontSz" for="ch" ptType="node" op="equ" val="65"/>
+          <dgm:constr type="w" for="ch" ptType="node" refType="w"/>
+          <dgm:constr type="h" for="ch" ptType="node" refType="w" refFor="ch" refPtType="node" op="equ"/>
+          <dgm:constr type="sibSp" refType="w" refFor="ch" refPtType="node" fact="-0.2"/>
+          <dgm:constr type="sibSp" refType="h" op="lte" fact="0.1"/>
+        </dgm:constrLst>
+      </dgm:if>
+      <dgm:if name="Name12" axis="ch" ptType="node" func="cnt" op="equ" val="6">
+        <dgm:constrLst>
+          <dgm:constr type="primFontSz" for="ch" ptType="node" op="equ" val="65"/>
+          <dgm:constr type="w" for="ch" ptType="node" refType="w"/>
+          <dgm:constr type="h" for="ch" ptType="node" refType="w" refFor="ch" refPtType="node" op="equ"/>
+          <dgm:constr type="sibSp" refType="w" refFor="ch" refPtType="node" fact="-0.1"/>
+          <dgm:constr type="sibSp" refType="h" op="lte" fact="0.1"/>
+        </dgm:constrLst>
+      </dgm:if>
+      <dgm:if name="Name13" axis="ch" ptType="node" func="cnt" op="equ" val="7">
+        <dgm:constrLst>
+          <dgm:constr type="primFontSz" for="ch" ptType="node" op="equ" val="65"/>
+          <dgm:constr type="w" for="ch" ptType="node" refType="w"/>
+          <dgm:constr type="h" for="ch" ptType="node" refType="w" refFor="ch" refPtType="node" op="equ"/>
+          <dgm:constr type="sibSp" refType="w" refFor="ch" refPtType="node" fact="-0.1"/>
+          <dgm:constr type="sibSp" refType="h" op="lte" fact="0.1"/>
+        </dgm:constrLst>
+      </dgm:if>
+      <dgm:if name="Name14" axis="ch" ptType="node" func="cnt" op="equ" val="8">
+        <dgm:constrLst>
+          <dgm:constr type="primFontSz" for="ch" ptType="node" op="equ" val="65"/>
+          <dgm:constr type="w" for="ch" ptType="node" refType="w"/>
+          <dgm:constr type="h" for="ch" ptType="node" refType="w" refFor="ch" refPtType="node" op="equ"/>
+          <dgm:constr type="sibSp"/>
+          <dgm:constr type="sibSp" refType="h" op="lte" fact="0.1"/>
+        </dgm:constrLst>
+      </dgm:if>
+      <dgm:if name="Name15" axis="ch" ptType="node" func="cnt" op="gte" val="9">
+        <dgm:constrLst>
+          <dgm:constr type="primFontSz" for="ch" ptType="node" op="equ" val="65"/>
+          <dgm:constr type="w" for="ch" ptType="node" refType="w"/>
+          <dgm:constr type="h" for="ch" ptType="node" refType="w" refFor="ch" refPtType="node" op="equ"/>
+          <dgm:constr type="sibSp" refType="w" refFor="ch" refPtType="node" fact="-0.1"/>
+          <dgm:constr type="sibSp" refType="h" op="lte" fact="0.1"/>
+        </dgm:constrLst>
+      </dgm:if>
+      <dgm:else name="Name16">
+        <dgm:constrLst>
+          <dgm:constr type="primFontSz" for="ch" ptType="node" op="equ" val="65"/>
+          <dgm:constr type="w" for="ch" ptType="node" refType="w"/>
+          <dgm:constr type="h" for="ch" ptType="node" refType="w" refFor="ch" refPtType="node" op="equ"/>
+          <dgm:constr type="sibSp" refType="w" refFor="ch" refPtType="node" fact="-0.35"/>
+        </dgm:constrLst>
+      </dgm:else>
+    </dgm:choose>
+    <dgm:ruleLst/>
+    <dgm:forEach name="Name17" axis="ch" ptType="node">
+      <dgm:layoutNode name="arrow">
+        <dgm:varLst>
+          <dgm:bulletEnabled val="1"/>
+        </dgm:varLst>
+        <dgm:alg type="tx"/>
+        <dgm:shape xmlns:r="http://schemas.openxmlformats.org/officeDocument/2006/relationships" type="downArrow" r:blip="">
+          <dgm:adjLst>
+            <dgm:adj idx="2" val="0.35"/>
+          </dgm:adjLst>
+        </dgm:shape>
+        <dgm:presOf axis="desOrSelf" ptType="node"/>
+        <dgm:constrLst/>
+        <dgm:ruleLst>
+          <dgm:rule type="primFontSz" val="5" fact="NaN" max="NaN"/>
+        </dgm:ruleLst>
+      </dgm:layoutNode>
+    </dgm:forEach>
+  </dgm:layoutNode>
+</dgm:layoutDef>
+</file>
+
+<file path=ppt/diagrams/quickStyle1.xml><?xml version="1.0" encoding="utf-8"?>
+<dgm:styleDef xmlns:dgm="http://schemas.openxmlformats.org/drawingml/2006/diagram" xmlns:a="http://schemas.openxmlformats.org/drawingml/2006/main" uniqueId="urn:microsoft.com/office/officeart/2005/8/quickstyle/simple3">
+  <dgm:title val=""/>
+  <dgm:desc val=""/>
+  <dgm:catLst>
+    <dgm:cat type="simple" pri="10300"/>
+  </dgm:catLst>
+  <dgm:scene3d>
+    <a:camera prst="orthographicFront"/>
+    <a:lightRig rig="threePt" dir="t"/>
+  </dgm:scene3d>
+  <dgm:styleLbl name="node0">
+    <dgm:scene3d>
+      <a:camera prst="orthographicFront"/>
+      <a:lightRig rig="flat" dir="t"/>
+    </dgm:scene3d>
+    <dgm:sp3d prstMaterial="dkEdge">
+      <a:bevelT w="8200" h="38100"/>
+    </dgm:sp3d>
+    <dgm:txPr/>
+    <dgm:style>
+      <a:lnRef idx="0">
+        <a:scrgbClr r="0" g="0" b="0"/>
+      </a:lnRef>
+      <a:fillRef idx="2">
+        <a:scrgbClr r="0" g="0" b="0"/>
+      </a:fillRef>
+      <a:effectRef idx="1">
+        <a:scrgbClr r="0" g="0" b="0"/>
+      </a:effectRef>
+      <a:fontRef idx="minor">
+        <a:schemeClr val="dk1"/>
+      </a:fontRef>
+    </dgm:style>
+  </dgm:styleLbl>
+  <dgm:styleLbl name="lnNode1">
+    <dgm:scene3d>
+      <a:camera prst="orthographicFront"/>
+      <a:lightRig rig="flat" dir="t"/>
+    </dgm:scene3d>
+    <dgm:sp3d prstMaterial="dkEdge">
+      <a:bevelT w="8200" h="38100"/>
+    </dgm:sp3d>
+    <dgm:txPr/>
+    <dgm:style>
+      <a:lnRef idx="1">
+        <a:scrgbClr r="0" g="0" b="0"/>
+      </a:lnRef>
+      <a:fillRef idx="2">
+        <a:scrgbClr r="0" g="0" b="0"/>
+      </a:fillRef>
+      <a:effectRef idx="0">
+        <a:scrgbClr r="0" g="0" b="0"/>
+      </a:effectRef>
+      <a:fontRef idx="minor">
+        <a:schemeClr val="dk1"/>
+      </a:fontRef>
+    </dgm:style>
+  </dgm:styleLbl>
+  <dgm:styleLbl name="vennNode1">
+    <dgm:scene3d>
+      <a:camera prst="orthographicFront"/>
+      <a:lightRig rig="flat" dir="t"/>
+    </dgm:scene3d>
+    <dgm:sp3d prstMaterial="dkEdge">
+      <a:bevelT w="8200" h="38100"/>
+    </dgm:sp3d>
+    <dgm:txPr/>
+    <dgm:style>
+      <a:lnRef idx="0">
+        <a:scrgbClr r="0" g="0" b="0"/>
+      </a:lnRef>
+      <a:fillRef idx="2">
+        <a:scrgbClr r="0" g="0" b="0"/>
+      </a:fillRef>
+      <a:effectRef idx="0">
+        <a:scrgbClr r="0" g="0" b="0"/>
+      </a:effectRef>
+      <a:fontRef idx="minor">
+        <a:schemeClr val="tx1"/>
+      </a:fontRef>
+    </dgm:style>
+  </dgm:styleLbl>
+  <dgm:styleLbl name="alignNode1">
+    <dgm:scene3d>
+      <a:camera prst="orthographicFront"/>
+      <a:lightRig rig="threePt" dir="t"/>
+    </dgm:scene3d>
+    <dgm:sp3d/>
+    <dgm:txPr/>
+    <dgm:style>
+      <a:lnRef idx="1">
+        <a:scrgbClr r="0" g="0" b="0"/>
+      </a:lnRef>
+      <a:fillRef idx="2">
+        <a:scrgbClr r="0" g="0" b="0"/>
+      </a:fillRef>
+      <a:effectRef idx="1">
+        <a:scrgbClr r="0" g="0" b="0"/>
+      </a:effectRef>
+      <a:fontRef idx="minor">
+        <a:schemeClr val="dk1"/>
+      </a:fontRef>
+    </dgm:style>
+  </dgm:styleLbl>
+  <dgm:styleLbl name="node1">
+    <dgm:scene3d>
+      <a:camera prst="orthographicFront"/>
+      <a:lightRig rig="flat" dir="t"/>
+    </dgm:scene3d>
+    <dgm:sp3d prstMaterial="dkEdge">
+      <a:bevelT w="8200" h="38100"/>
+    </dgm:sp3d>
+    <dgm:txPr/>
+    <dgm:style>
+      <a:lnRef idx="0">
+        <a:scrgbClr r="0" g="0" b="0"/>
+      </a:lnRef>
+      <a:fillRef idx="2">
+        <a:scrgbClr r="0" g="0" b="0"/>
+      </a:fillRef>
+      <a:effectRef idx="1">
+        <a:scrgbClr r="0" g="0" b="0"/>
+      </a:effectRef>
+      <a:fontRef idx="minor">
+        <a:schemeClr val="dk1"/>
+      </a:fontRef>
+    </dgm:style>
+  </dgm:styleLbl>
+  <dgm:styleLbl name="node2">
+    <dgm:scene3d>
+      <a:camera prst="orthographicFront"/>
+      <a:lightRig rig="flat" dir="t"/>
+    </dgm:scene3d>
+    <dgm:sp3d prstMaterial="dkEdge">
+      <a:bevelT w="8200" h="38100"/>
+    </dgm:sp3d>
+    <dgm:txPr/>
+    <dgm:style>
+      <a:lnRef idx="0">
+        <a:scrgbClr r="0" g="0" b="0"/>
+      </a:lnRef>
+      <a:fillRef idx="2">
+        <a:scrgbClr r="0" g="0" b="0"/>
+      </a:fillRef>
+      <a:effectRef idx="1">
+        <a:scrgbClr r="0" g="0" b="0"/>
+      </a:effectRef>
+      <a:fontRef idx="minor">
+        <a:schemeClr val="dk1"/>
+      </a:fontRef>
+    </dgm:style>
+  </dgm:styleLbl>
+  <dgm:styleLbl name="node3">
+    <dgm:scene3d>
+      <a:camera prst="orthographicFront"/>
+      <a:lightRig rig="flat" dir="t"/>
+    </dgm:scene3d>
+    <dgm:sp3d prstMaterial="dkEdge">
+      <a:bevelT w="8200" h="38100"/>
+    </dgm:sp3d>
+    <dgm:txPr/>
+    <dgm:style>
+      <a:lnRef idx="0">
+        <a:scrgbClr r="0" g="0" b="0"/>
+      </a:lnRef>
+      <a:fillRef idx="2">
+        <a:scrgbClr r="0" g="0" b="0"/>
+      </a:fillRef>
+      <a:effectRef idx="1">
+        <a:scrgbClr r="0" g="0" b="0"/>
+      </a:effectRef>
+      <a:fontRef idx="minor">
+        <a:schemeClr val="dk1"/>
+      </a:fontRef>
+    </dgm:style>
+  </dgm:styleLbl>
+  <dgm:styleLbl name="node4">
+    <dgm:scene3d>
+      <a:camera prst="orthographicFront"/>
+      <a:lightRig rig="flat" dir="t"/>
+    </dgm:scene3d>
+    <dgm:sp3d prstMaterial="dkEdge">
+      <a:bevelT w="8200" h="38100"/>
+    </dgm:sp3d>
+    <dgm:txPr/>
+    <dgm:style>
+      <a:lnRef idx="0">
+        <a:scrgbClr r="0" g="0" b="0"/>
+      </a:lnRef>
+      <a:fillRef idx="2">
+        <a:scrgbClr r="0" g="0" b="0"/>
+      </a:fillRef>
+      <a:effectRef idx="1">
+        <a:scrgbClr r="0" g="0" b="0"/>
+      </a:effectRef>
+      <a:fontRef idx="minor">
+        <a:schemeClr val="dk1"/>
+      </a:fontRef>
+    </dgm:style>
+  </dgm:styleLbl>
+  <dgm:styleLbl name="fgImgPlace1">
+    <dgm:scene3d>
+      <a:camera prst="orthographicFront"/>
+      <a:lightRig rig="threePt" dir="t"/>
+    </dgm:scene3d>
+    <dgm:sp3d/>
+    <dgm:txPr/>
+    <dgm:style>
+      <a:lnRef idx="1">
+        <a:scrgbClr r="0" g="0" b="0"/>
+      </a:lnRef>
+      <a:fillRef idx="1">
+        <a:scrgbClr r="0" g="0" b="0"/>
+      </a:fillRef>
+      <a:effectRef idx="1">
+        <a:scrgbClr r="0" g="0" b="0"/>
+      </a:effectRef>
+      <a:fontRef idx="minor"/>
+    </dgm:style>
+  </dgm:styleLbl>
+  <dgm:styleLbl name="alignImgPlace1">
+    <dgm:scene3d>
+      <a:camera prst="orthographicFront"/>
+      <a:lightRig rig="threePt" dir="t"/>
+    </dgm:scene3d>
+    <dgm:sp3d/>
+    <dgm:txPr/>
+    <dgm:style>
+      <a:lnRef idx="1">
+        <a:scrgbClr r="0" g="0" b="0"/>
+      </a:lnRef>
+      <a:fillRef idx="1">
+        <a:scrgbClr r="0" g="0" b="0"/>
+      </a:fillRef>
+      <a:effectRef idx="1">
+        <a:scrgbClr r="0" g="0" b="0"/>
+      </a:effectRef>
+      <a:fontRef idx="minor"/>
+    </dgm:style>
+  </dgm:styleLbl>
+  <dgm:styleLbl name="bgImgPlace1">
+    <dgm:scene3d>
+      <a:camera prst="orthographicFront"/>
+      <a:lightRig rig="threePt" dir="t"/>
+    </dgm:scene3d>
+    <dgm:sp3d/>
+    <dgm:txPr/>
+    <dgm:style>
+      <a:lnRef idx="1">
+        <a:scrgbClr r="0" g="0" b="0"/>
+      </a:lnRef>
+      <a:fillRef idx="1">
+        <a:scrgbClr r="0" g="0" b="0"/>
+      </a:fillRef>
+      <a:effectRef idx="1">
+        <a:scrgbClr r="0" g="0" b="0"/>
+      </a:effectRef>
+      <a:fontRef idx="minor"/>
+    </dgm:style>
+  </dgm:styleLbl>
+  <dgm:styleLbl name="sibTrans2D1">
+    <dgm:scene3d>
+      <a:camera prst="orthographicFront"/>
+      <a:lightRig rig="threePt" dir="t"/>
+    </dgm:scene3d>
+    <dgm:sp3d/>
+    <dgm:txPr/>
+    <dgm:style>
+      <a:lnRef idx="0">
+        <a:scrgbClr r="0" g="0" b="0"/>
+      </a:lnRef>
+      <a:fillRef idx="2">
+        <a:scrgbClr r="0" g="0" b="0"/>
+      </a:fillRef>
+      <a:effectRef idx="1">
+        <a:scrgbClr r="0" g="0" b="0"/>
+      </a:effectRef>
+      <a:fontRef idx="minor">
+        <a:schemeClr val="dk1"/>
+      </a:fontRef>
+    </dgm:style>
+  </dgm:styleLbl>
+  <dgm:styleLbl name="fgSibTrans2D1">
+    <dgm:scene3d>
+      <a:camera prst="orthographicFront"/>
+      <a:lightRig rig="threePt" dir="t"/>
+    </dgm:scene3d>
+    <dgm:sp3d/>
+    <dgm:txPr/>
+    <dgm:style>
+      <a:lnRef idx="0">
+        <a:scrgbClr r="0" g="0" b="0"/>
+      </a:lnRef>
+      <a:fillRef idx="2">
+        <a:scrgbClr r="0" g="0" b="0"/>
+      </a:fillRef>
+      <a:effectRef idx="1">
+        <a:scrgbClr r="0" g="0" b="0"/>
+      </a:effectRef>
+      <a:fontRef idx="minor">
+        <a:schemeClr val="dk1"/>
+      </a:fontRef>
+    </dgm:style>
+  </dgm:styleLbl>
+  <dgm:styleLbl name="bgSibTrans2D1">
+    <dgm:scene3d>
+      <a:camera prst="orthographicFront"/>
+      <a:lightRig rig="threePt" dir="t"/>
+    </dgm:scene3d>
+    <dgm:sp3d/>
+    <dgm:txPr/>
+    <dgm:style>
+      <a:lnRef idx="0">
+        <a:scrgbClr r="0" g="0" b="0"/>
+      </a:lnRef>
+      <a:fillRef idx="2">
+        <a:scrgbClr r="0" g="0" b="0"/>
+      </a:fillRef>
+      <a:effectRef idx="1">
+        <a:scrgbClr r="0" g="0" b="0"/>
+      </a:effectRef>
+      <a:fontRef idx="minor">
+        <a:schemeClr val="dk1"/>
+      </a:fontRef>
+    </dgm:style>
+  </dgm:styleLbl>
+  <dgm:styleLbl name="sibTrans1D1">
+    <dgm:scene3d>
+      <a:camera prst="orthographicFront"/>
+      <a:lightRig rig="threePt" dir="t"/>
+    </dgm:scene3d>
+    <dgm:sp3d/>
+    <dgm:txPr/>
+    <dgm:style>
+      <a:lnRef idx="1">
+        <a:scrgbClr r="0" g="0" b="0"/>
+      </a:lnRef>
+      <a:fillRef idx="0">
+        <a:scrgbClr r="0" g="0" b="0"/>
+      </a:fillRef>
+      <a:effectRef idx="0">
+        <a:scrgbClr r="0" g="0" b="0"/>
+      </a:effectRef>
+      <a:fontRef idx="minor"/>
+    </dgm:style>
+  </dgm:styleLbl>
+  <dgm:styleLbl name="callout">
+    <dgm:scene3d>
+      <a:camera prst="orthographicFront"/>
+      <a:lightRig rig="threePt" dir="t"/>
+    </dgm:scene3d>
+    <dgm:sp3d/>
+    <dgm:txPr/>
+    <dgm:style>
+      <a:lnRef idx="1">
+        <a:scrgbClr r="0" g="0" b="0"/>
+      </a:lnRef>
+      <a:fillRef idx="2">
+        <a:scrgbClr r="0" g="0" b="0"/>
+      </a:fillRef>
+      <a:effectRef idx="1">
+        <a:scrgbClr r="0" g="0" b="0"/>
+      </a:effectRef>
+      <a:fontRef idx="minor"/>
+    </dgm:style>
+  </dgm:styleLbl>
+  <dgm:styleLbl name="asst0">
+    <dgm:scene3d>
+      <a:camera prst="orthographicFront"/>
+      <a:lightRig rig="flat" dir="t"/>
+    </dgm:scene3d>
+    <dgm:sp3d prstMaterial="dkEdge">
+      <a:bevelT w="8200" h="38100"/>
+    </dgm:sp3d>
+    <dgm:txPr/>
+    <dgm:style>
+      <a:lnRef idx="0">
+        <a:scrgbClr r="0" g="0" b="0"/>
+      </a:lnRef>
+      <a:fillRef idx="2">
+        <a:scrgbClr r="0" g="0" b="0"/>
+      </a:fillRef>
+      <a:effectRef idx="1">
+        <a:scrgbClr r="0" g="0" b="0"/>
+      </a:effectRef>
+      <a:fontRef idx="minor">
+        <a:schemeClr val="dk1"/>
+      </a:fontRef>
+    </dgm:style>
+  </dgm:styleLbl>
+  <dgm:styleLbl name="asst1">
+    <dgm:scene3d>
+      <a:camera prst="orthographicFront"/>
+      <a:lightRig rig="flat" dir="t"/>
+    </dgm:scene3d>
+    <dgm:sp3d prstMaterial="dkEdge">
+      <a:bevelT w="8200" h="38100"/>
+    </dgm:sp3d>
+    <dgm:txPr/>
+    <dgm:style>
+      <a:lnRef idx="0">
+        <a:scrgbClr r="0" g="0" b="0"/>
+      </a:lnRef>
+      <a:fillRef idx="2">
+        <a:scrgbClr r="0" g="0" b="0"/>
+      </a:fillRef>
+      <a:effectRef idx="1">
+        <a:scrgbClr r="0" g="0" b="0"/>
+      </a:effectRef>
+      <a:fontRef idx="minor">
+        <a:schemeClr val="dk1"/>
+      </a:fontRef>
+    </dgm:style>
+  </dgm:styleLbl>
+  <dgm:styleLbl name="asst2">
+    <dgm:scene3d>
+      <a:camera prst="orthographicFront"/>
+      <a:lightRig rig="flat" dir="t"/>
+    </dgm:scene3d>
+    <dgm:sp3d prstMaterial="dkEdge">
+      <a:bevelT w="8200" h="38100"/>
+    </dgm:sp3d>
+    <dgm:txPr/>
+    <dgm:style>
+      <a:lnRef idx="0">
+        <a:scrgbClr r="0" g="0" b="0"/>
+      </a:lnRef>
+      <a:fillRef idx="2">
+        <a:scrgbClr r="0" g="0" b="0"/>
+      </a:fillRef>
+      <a:effectRef idx="1">
+        <a:scrgbClr r="0" g="0" b="0"/>
+      </a:effectRef>
+      <a:fontRef idx="minor">
+        <a:schemeClr val="dk1"/>
+      </a:fontRef>
+    </dgm:style>
+  </dgm:styleLbl>
+  <dgm:styleLbl name="asst3">
+    <dgm:scene3d>
+      <a:camera prst="orthographicFront"/>
+      <a:lightRig rig="flat" dir="t"/>
+    </dgm:scene3d>
+    <dgm:sp3d prstMaterial="dkEdge">
+      <a:bevelT w="8200" h="38100"/>
+    </dgm:sp3d>
+    <dgm:txPr/>
+    <dgm:style>
+      <a:lnRef idx="0">
+        <a:scrgbClr r="0" g="0" b="0"/>
+      </a:lnRef>
+      <a:fillRef idx="2">
+        <a:scrgbClr r="0" g="0" b="0"/>
+      </a:fillRef>
+      <a:effectRef idx="1">
+        <a:scrgbClr r="0" g="0" b="0"/>
+      </a:effectRef>
+      <a:fontRef idx="minor">
+        <a:schemeClr val="dk1"/>
+      </a:fontRef>
+    </dgm:style>
+  </dgm:styleLbl>
+  <dgm:styleLbl name="asst4">
+    <dgm:scene3d>
+      <a:camera prst="orthographicFront"/>
+      <a:lightRig rig="flat" dir="t"/>
+    </dgm:scene3d>
+    <dgm:sp3d prstMaterial="dkEdge">
+      <a:bevelT w="8200" h="38100"/>
+    </dgm:sp3d>
+    <dgm:txPr/>
+    <dgm:style>
+      <a:lnRef idx="0">
+        <a:scrgbClr r="0" g="0" b="0"/>
+      </a:lnRef>
+      <a:fillRef idx="2">
+        <a:scrgbClr r="0" g="0" b="0"/>
+      </a:fillRef>
+      <a:effectRef idx="1">
+        <a:scrgbClr r="0" g="0" b="0"/>
+      </a:effectRef>
+      <a:fontRef idx="minor">
+        <a:schemeClr val="dk1"/>
+      </a:fontRef>
+    </dgm:style>
+  </dgm:styleLbl>
+  <dgm:styleLbl name="parChTrans2D1">
+    <dgm:scene3d>
+      <a:camera prst="orthographicFront"/>
+      <a:lightRig rig="threePt" dir="t"/>
+    </dgm:scene3d>
+    <dgm:sp3d/>
+    <dgm:txPr/>
+    <dgm:style>
+      <a:lnRef idx="1">
+        <a:scrgbClr r="0" g="0" b="0"/>
+      </a:lnRef>
+      <a:fillRef idx="2">
+        <a:scrgbClr r="0" g="0" b="0"/>
+      </a:fillRef>
+      <a:effectRef idx="1">
+        <a:scrgbClr r="0" g="0" b="0"/>
+      </a:effectRef>
+      <a:fontRef idx="minor">
+        <a:schemeClr val="dk1"/>
+      </a:fontRef>
+    </dgm:style>
+  </dgm:styleLbl>
+  <dgm:styleLbl name="parChTrans2D2">
+    <dgm:scene3d>
+      <a:camera prst="orthographicFront"/>
+      <a:lightRig rig="threePt" dir="t"/>
+    </dgm:scene3d>
+    <dgm:sp3d/>
+    <dgm:txPr/>
+    <dgm:style>
+      <a:lnRef idx="1">
+        <a:scrgbClr r="0" g="0" b="0"/>
+      </a:lnRef>
+      <a:fillRef idx="2">
+        <a:scrgbClr r="0" g="0" b="0"/>
+      </a:fillRef>
+      <a:effectRef idx="1">
+        <a:scrgbClr r="0" g="0" b="0"/>
+      </a:effectRef>
+      <a:fontRef idx="minor">
+        <a:schemeClr val="dk1"/>
+      </a:fontRef>
+    </dgm:style>
+  </dgm:styleLbl>
+  <dgm:styleLbl name="parChTrans2D3">
+    <dgm:scene3d>
+      <a:camera prst="orthographicFront"/>
+      <a:lightRig rig="threePt" dir="t"/>
+    </dgm:scene3d>
+    <dgm:sp3d/>
+    <dgm:txPr/>
+    <dgm:style>
+      <a:lnRef idx="1">
+        <a:scrgbClr r="0" g="0" b="0"/>
+      </a:lnRef>
+      <a:fillRef idx="2">
+        <a:scrgbClr r="0" g="0" b="0"/>
+      </a:fillRef>
+      <a:effectRef idx="1">
+        <a:scrgbClr r="0" g="0" b="0"/>
+      </a:effectRef>
+      <a:fontRef idx="minor">
+        <a:schemeClr val="dk1"/>
+      </a:fontRef>
+    </dgm:style>
+  </dgm:styleLbl>
+  <dgm:styleLbl name="parChTrans2D4">
+    <dgm:scene3d>
+      <a:camera prst="orthographicFront"/>
+      <a:lightRig rig="threePt" dir="t"/>
+    </dgm:scene3d>
+    <dgm:sp3d/>
+    <dgm:txPr/>
+    <dgm:style>
+      <a:lnRef idx="1">
+        <a:scrgbClr r="0" g="0" b="0"/>
+      </a:lnRef>
+      <a:fillRef idx="2">
+        <a:scrgbClr r="0" g="0" b="0"/>
+      </a:fillRef>
+      <a:effectRef idx="1">
+        <a:scrgbClr r="0" g="0" b="0"/>
+      </a:effectRef>
+      <a:fontRef idx="minor">
+        <a:schemeClr val="dk1"/>
+      </a:fontRef>
+    </dgm:style>
+  </dgm:styleLbl>
+  <dgm:styleLbl name="parChTrans1D1">
+    <dgm:scene3d>
+      <a:camera prst="orthographicFront"/>
+      <a:lightRig rig="threePt" dir="t"/>
+    </dgm:scene3d>
+    <dgm:sp3d/>
+    <dgm:txPr/>
+    <dgm:style>
+      <a:lnRef idx="2">
+        <a:scrgbClr r="0" g="0" b="0"/>
+      </a:lnRef>
+      <a:fillRef idx="0">
+        <a:scrgbClr r="0" g="0" b="0"/>
+      </a:fillRef>
+      <a:effectRef idx="0">
+        <a:scrgbClr r="0" g="0" b="0"/>
+      </a:effectRef>
+      <a:fontRef idx="minor"/>
+    </dgm:style>
+  </dgm:styleLbl>
+  <dgm:styleLbl name="parChTrans1D2">
+    <dgm:scene3d>
+      <a:camera prst="orthographicFront"/>
+      <a:lightRig rig="threePt" dir="t"/>
+    </dgm:scene3d>
+    <dgm:sp3d/>
+    <dgm:txPr/>
+    <dgm:style>
+      <a:lnRef idx="2">
+        <a:scrgbClr r="0" g="0" b="0"/>
+      </a:lnRef>
+      <a:fillRef idx="0">
+        <a:scrgbClr r="0" g="0" b="0"/>
+      </a:fillRef>
+      <a:effectRef idx="0">
+        <a:scrgbClr r="0" g="0" b="0"/>
+      </a:effectRef>
+      <a:fontRef idx="minor"/>
+    </dgm:style>
+  </dgm:styleLbl>
+  <dgm:styleLbl name="parChTrans1D3">
+    <dgm:scene3d>
+      <a:camera prst="orthographicFront"/>
+      <a:lightRig rig="threePt" dir="t"/>
+    </dgm:scene3d>
+    <dgm:sp3d/>
+    <dgm:txPr/>
+    <dgm:style>
+      <a:lnRef idx="2">
+        <a:scrgbClr r="0" g="0" b="0"/>
+      </a:lnRef>
+      <a:fillRef idx="0">
+        <a:scrgbClr r="0" g="0" b="0"/>
+      </a:fillRef>
+      <a:effectRef idx="0">
+        <a:scrgbClr r="0" g="0" b="0"/>
+      </a:effectRef>
+      <a:fontRef idx="minor"/>
+    </dgm:style>
+  </dgm:styleLbl>
+  <dgm:styleLbl name="parChTrans1D4">
+    <dgm:scene3d>
+      <a:camera prst="orthographicFront"/>
+      <a:lightRig rig="threePt" dir="t"/>
+    </dgm:scene3d>
+    <dgm:sp3d/>
+    <dgm:txPr/>
+    <dgm:style>
+      <a:lnRef idx="2">
+        <a:scrgbClr r="0" g="0" b="0"/>
+      </a:lnRef>
+      <a:fillRef idx="0">
+        <a:scrgbClr r="0" g="0" b="0"/>
+      </a:fillRef>
+      <a:effectRef idx="0">
+        <a:scrgbClr r="0" g="0" b="0"/>
+      </a:effectRef>
+      <a:fontRef idx="minor"/>
+    </dgm:style>
+  </dgm:styleLbl>
+  <dgm:styleLbl name="fgAcc1">
+    <dgm:scene3d>
+      <a:camera prst="orthographicFront"/>
+      <a:lightRig rig="threePt" dir="t"/>
+    </dgm:scene3d>
+    <dgm:sp3d/>
+    <dgm:txPr/>
+    <dgm:style>
+      <a:lnRef idx="1">
+        <a:scrgbClr r="0" g="0" b="0"/>
+      </a:lnRef>
+      <a:fillRef idx="1">
+        <a:scrgbClr r="0" g="0" b="0"/>
+      </a:fillRef>
+      <a:effectRef idx="0">
+        <a:scrgbClr r="0" g="0" b="0"/>
+      </a:effectRef>
+      <a:fontRef idx="minor"/>
+    </dgm:style>
+  </dgm:styleLbl>
+  <dgm:styleLbl name="conFgAcc1">
+    <dgm:scene3d>
+      <a:camera prst="orthographicFront"/>
+      <a:lightRig rig="threePt" dir="t"/>
+    </dgm:scene3d>
+    <dgm:sp3d/>
+    <dgm:txPr/>
+    <dgm:style>
+      <a:lnRef idx="1">
+        <a:scrgbClr r="0" g="0" b="0"/>
+      </a:lnRef>
+      <a:fillRef idx="1">
+        <a:scrgbClr r="0" g="0" b="0"/>
+      </a:fillRef>
+      <a:effectRef idx="0">
+        <a:scrgbClr r="0" g="0" b="0"/>
+      </a:effectRef>
+      <a:fontRef idx="minor"/>
+    </dgm:style>
+  </dgm:styleLbl>
+  <dgm:styleLbl name="alignAcc1">
+    <dgm:scene3d>
+      <a:camera prst="orthographicFront"/>
+      <a:lightRig rig="threePt" dir="t"/>
+    </dgm:scene3d>
+    <dgm:sp3d/>
+    <dgm:txPr/>
+    <dgm:style>
+      <a:lnRef idx="1">
+        <a:scrgbClr r="0" g="0" b="0"/>
+      </a:lnRef>
+      <a:fillRef idx="1">
+        <a:scrgbClr r="0" g="0" b="0"/>
+      </a:fillRef>
+      <a:effectRef idx="0">
+        <a:scrgbClr r="0" g="0" b="0"/>
+      </a:effectRef>
+      <a:fontRef idx="minor"/>
+    </dgm:style>
+  </dgm:styleLbl>
+  <dgm:styleLbl name="trAlignAcc1">
+    <dgm:scene3d>
+      <a:camera prst="orthographicFront"/>
+      <a:lightRig rig="threePt" dir="t"/>
+    </dgm:scene3d>
+    <dgm:sp3d/>
+    <dgm:txPr/>
+    <dgm:style>
+      <a:lnRef idx="1">
+        <a:scrgbClr r="0" g="0" b="0"/>
+      </a:lnRef>
+      <a:fillRef idx="1">
+        <a:scrgbClr r="0" g="0" b="0"/>
+      </a:fillRef>
+      <a:effectRef idx="0">
+        <a:scrgbClr r="0" g="0" b="0"/>
+      </a:effectRef>
+      <a:fontRef idx="minor"/>
+    </dgm:style>
+  </dgm:styleLbl>
+  <dgm:styleLbl name="bgAcc1">
+    <dgm:scene3d>
+      <a:camera prst="orthographicFront"/>
+      <a:lightRig rig="threePt" dir="t"/>
+    </dgm:scene3d>
+    <dgm:sp3d/>
+    <dgm:txPr/>
+    <dgm:style>
+      <a:lnRef idx="1">
+        <a:scrgbClr r="0" g="0" b="0"/>
+      </a:lnRef>
+      <a:fillRef idx="1">
+        <a:scrgbClr r="0" g="0" b="0"/>
+      </a:fillRef>
+      <a:effectRef idx="0">
+        <a:scrgbClr r="0" g="0" b="0"/>
+      </a:effectRef>
+      <a:fontRef idx="minor"/>
+    </dgm:style>
+  </dgm:styleLbl>
+  <dgm:styleLbl name="solidFgAcc1">
+    <dgm:scene3d>
+      <a:camera prst="orthographicFront"/>
+      <a:lightRig rig="threePt" dir="t"/>
+    </dgm:scene3d>
+    <dgm:sp3d/>
+    <dgm:txPr/>
+    <dgm:style>
+      <a:lnRef idx="1">
+        <a:scrgbClr r="0" g="0" b="0"/>
+      </a:lnRef>
+      <a:fillRef idx="2">
+        <a:scrgbClr r="0" g="0" b="0"/>
+      </a:fillRef>
+      <a:effectRef idx="0">
+        <a:scrgbClr r="0" g="0" b="0"/>
+      </a:effectRef>
+      <a:fontRef idx="minor"/>
+    </dgm:style>
+  </dgm:styleLbl>
+  <dgm:styleLbl name="solidAlignAcc1">
+    <dgm:scene3d>
+      <a:camera prst="orthographicFront"/>
+      <a:lightRig rig="threePt" dir="t"/>
+    </dgm:scene3d>
+    <dgm:sp3d/>
+    <dgm:txPr/>
+    <dgm:style>
+      <a:lnRef idx="1">
+        <a:scrgbClr r="0" g="0" b="0"/>
+      </a:lnRef>
+      <a:fillRef idx="1">
+        <a:scrgbClr r="0" g="0" b="0"/>
+      </a:fillRef>
+      <a:effectRef idx="0">
+        <a:scrgbClr r="0" g="0" b="0"/>
+      </a:effectRef>
+      <a:fontRef idx="minor"/>
+    </dgm:style>
+  </dgm:styleLbl>
+  <dgm:styleLbl name="solidBgAcc1">
+    <dgm:scene3d>
+      <a:camera prst="orthographicFront"/>
+      <a:lightRig rig="threePt" dir="t"/>
+    </dgm:scene3d>
+    <dgm:sp3d/>
+    <dgm:txPr/>
+    <dgm:style>
+      <a:lnRef idx="1">
+        <a:scrgbClr r="0" g="0" b="0"/>
+      </a:lnRef>
+      <a:fillRef idx="1">
+        <a:scrgbClr r="0" g="0" b="0"/>
+      </a:fillRef>
+      <a:effectRef idx="0">
+        <a:scrgbClr r="0" g="0" b="0"/>
+      </a:effectRef>
+      <a:fontRef idx="minor"/>
+    </dgm:style>
+  </dgm:styleLbl>
+  <dgm:styleLbl name="fgAccFollowNode1">
+    <dgm:scene3d>
+      <a:camera prst="orthographicFront"/>
+      <a:lightRig rig="threePt" dir="t"/>
+    </dgm:scene3d>
+    <dgm:sp3d/>
+    <dgm:txPr/>
+    <dgm:style>
+      <a:lnRef idx="1">
+        <a:scrgbClr r="0" g="0" b="0"/>
+      </a:lnRef>
+      <a:fillRef idx="1">
+        <a:scrgbClr r="0" g="0" b="0"/>
+      </a:fillRef>
+      <a:effectRef idx="0">
+        <a:scrgbClr r="0" g="0" b="0"/>
+      </a:effectRef>
+      <a:fontRef idx="minor"/>
+    </dgm:style>
+  </dgm:styleLbl>
+  <dgm:styleLbl name="alignAccFollowNode1">
+    <dgm:scene3d>
+      <a:camera prst="orthographicFront"/>
+      <a:lightRig rig="threePt" dir="t"/>
+    </dgm:scene3d>
+    <dgm:sp3d/>
+    <dgm:txPr/>
+    <dgm:style>
+      <a:lnRef idx="1">
+        <a:scrgbClr r="0" g="0" b="0"/>
+      </a:lnRef>
+      <a:fillRef idx="1">
+        <a:scrgbClr r="0" g="0" b="0"/>
+      </a:fillRef>
+      <a:effectRef idx="0">
+        <a:scrgbClr r="0" g="0" b="0"/>
+      </a:effectRef>
+      <a:fontRef idx="minor"/>
+    </dgm:style>
+  </dgm:styleLbl>
+  <dgm:styleLbl name="bgAccFollowNode1">
+    <dgm:scene3d>
+      <a:camera prst="orthographicFront"/>
+      <a:lightRig rig="threePt" dir="t"/>
+    </dgm:scene3d>
+    <dgm:sp3d/>
+    <dgm:txPr/>
+    <dgm:style>
+      <a:lnRef idx="1">
+        <a:scrgbClr r="0" g="0" b="0"/>
+      </a:lnRef>
+      <a:fillRef idx="1">
+        <a:scrgbClr r="0" g="0" b="0"/>
+      </a:fillRef>
+      <a:effectRef idx="0">
+        <a:scrgbClr r="0" g="0" b="0"/>
+      </a:effectRef>
+      <a:fontRef idx="minor"/>
+    </dgm:style>
+  </dgm:styleLbl>
+  <dgm:styleLbl name="fgAcc0">
+    <dgm:scene3d>
+      <a:camera prst="orthographicFront"/>
+      <a:lightRig rig="threePt" dir="t"/>
+    </dgm:scene3d>
+    <dgm:sp3d/>
+    <dgm:txPr/>
+    <dgm:style>
+      <a:lnRef idx="1">
+        <a:scrgbClr r="0" g="0" b="0"/>
+      </a:lnRef>
+      <a:fillRef idx="1">
+        <a:scrgbClr r="0" g="0" b="0"/>
+      </a:fillRef>
+      <a:effectRef idx="0">
+        <a:scrgbClr r="0" g="0" b="0"/>
+      </a:effectRef>
+      <a:fontRef idx="minor"/>
+    </dgm:style>
+  </dgm:styleLbl>
+  <dgm:styleLbl name="fgAcc2">
+    <dgm:scene3d>
+      <a:camera prst="orthographicFront"/>
+      <a:lightRig rig="threePt" dir="t"/>
+    </dgm:scene3d>
+    <dgm:sp3d/>
+    <dgm:txPr/>
+    <dgm:style>
+      <a:lnRef idx="1">
+        <a:scrgbClr r="0" g="0" b="0"/>
+      </a:lnRef>
+      <a:fillRef idx="1">
+        <a:scrgbClr r="0" g="0" b="0"/>
+      </a:fillRef>
+      <a:effectRef idx="0">
+        <a:scrgbClr r="0" g="0" b="0"/>
+      </a:effectRef>
+      <a:fontRef idx="minor"/>
+    </dgm:style>
+  </dgm:styleLbl>
+  <dgm:styleLbl name="fgAcc3">
+    <dgm:scene3d>
+      <a:camera prst="orthographicFront"/>
+      <a:lightRig rig="threePt" dir="t"/>
+    </dgm:scene3d>
+    <dgm:sp3d/>
+    <dgm:txPr/>
+    <dgm:style>
+      <a:lnRef idx="1">
+        <a:scrgbClr r="0" g="0" b="0"/>
+      </a:lnRef>
+      <a:fillRef idx="1">
+        <a:scrgbClr r="0" g="0" b="0"/>
+      </a:fillRef>
+      <a:effectRef idx="0">
+        <a:scrgbClr r="0" g="0" b="0"/>
+      </a:effectRef>
+      <a:fontRef idx="minor"/>
+    </dgm:style>
+  </dgm:styleLbl>
+  <dgm:styleLbl name="fgAcc4">
+    <dgm:scene3d>
+      <a:camera prst="orthographicFront"/>
+      <a:lightRig rig="threePt" dir="t"/>
+    </dgm:scene3d>
+    <dgm:sp3d/>
+    <dgm:txPr/>
+    <dgm:style>
+      <a:lnRef idx="1">
+        <a:scrgbClr r="0" g="0" b="0"/>
+      </a:lnRef>
+      <a:fillRef idx="1">
+        <a:scrgbClr r="0" g="0" b="0"/>
+      </a:fillRef>
+      <a:effectRef idx="0">
+        <a:scrgbClr r="0" g="0" b="0"/>
+      </a:effectRef>
+      <a:fontRef idx="minor"/>
+    </dgm:style>
+  </dgm:styleLbl>
+  <dgm:styleLbl name="bgShp">
+    <dgm:scene3d>
+      <a:camera prst="orthographicFront"/>
+      <a:lightRig rig="threePt" dir="t"/>
+    </dgm:scene3d>
+    <dgm:sp3d/>
+    <dgm:txPr/>
+    <dgm:style>
+      <a:lnRef idx="0">
+        <a:scrgbClr r="0" g="0" b="0"/>
+      </a:lnRef>
+      <a:fillRef idx="1">
+        <a:scrgbClr r="0" g="0" b="0"/>
+      </a:fillRef>
+      <a:effectRef idx="1">
+        <a:scrgbClr r="0" g="0" b="0"/>
+      </a:effectRef>
+      <a:fontRef idx="minor"/>
+    </dgm:style>
+  </dgm:styleLbl>
+  <dgm:styleLbl name="dkBgShp">
+    <dgm:scene3d>
+      <a:camera prst="orthographicFront"/>
+      <a:lightRig rig="threePt" dir="t"/>
+    </dgm:scene3d>
+    <dgm:sp3d/>
+    <dgm:txPr/>
+    <dgm:style>
+      <a:lnRef idx="0">
+        <a:scrgbClr r="0" g="0" b="0"/>
+      </a:lnRef>
+      <a:fillRef idx="1">
+        <a:scrgbClr r="0" g="0" b="0"/>
+      </a:fillRef>
+      <a:effectRef idx="1">
+        <a:scrgbClr r="0" g="0" b="0"/>
+      </a:effectRef>
+      <a:fontRef idx="minor"/>
+    </dgm:style>
+  </dgm:styleLbl>
+  <dgm:styleLbl name="trBgShp">
+    <dgm:scene3d>
+      <a:camera prst="orthographicFront"/>
+      <a:lightRig rig="threePt" dir="t"/>
+    </dgm:scene3d>
+    <dgm:sp3d/>
+    <dgm:txPr/>
+    <dgm:style>
+      <a:lnRef idx="0">
+        <a:scrgbClr r="0" g="0" b="0"/>
+      </a:lnRef>
+      <a:fillRef idx="1">
+        <a:scrgbClr r="0" g="0" b="0"/>
+      </a:fillRef>
+      <a:effectRef idx="0">
+        <a:scrgbClr r="0" g="0" b="0"/>
+      </a:effectRef>
+      <a:fontRef idx="minor"/>
+    </dgm:style>
+  </dgm:styleLbl>
+  <dgm:styleLbl name="fgShp">
+    <dgm:scene3d>
+      <a:camera prst="orthographicFront"/>
+      <a:lightRig rig="flat" dir="t"/>
+    </dgm:scene3d>
+    <dgm:sp3d prstMaterial="dkEdge">
+      <a:bevelT w="8200" h="38100"/>
+    </dgm:sp3d>
+    <dgm:txPr/>
+    <dgm:style>
+      <a:lnRef idx="1">
+        <a:scrgbClr r="0" g="0" b="0"/>
+      </a:lnRef>
+      <a:fillRef idx="2">
+        <a:scrgbClr r="0" g="0" b="0"/>
+      </a:fillRef>
+      <a:effectRef idx="1">
+        <a:scrgbClr r="0" g="0" b="0"/>
+      </a:effectRef>
+      <a:fontRef idx="minor"/>
+    </dgm:style>
+  </dgm:styleLbl>
+  <dgm:styleLbl name="revTx">
+    <dgm:scene3d>
+      <a:camera prst="orthographicFront"/>
+      <a:lightRig rig="threePt" dir="t"/>
+    </dgm:scene3d>
+    <dgm:sp3d/>
+    <dgm:txPr/>
+    <dgm:style>
+      <a:lnRef idx="0">
+        <a:scrgbClr r="0" g="0" b="0"/>
+      </a:lnRef>
+      <a:fillRef idx="0">
+        <a:scrgbClr r="0" g="0" b="0"/>
+      </a:fillRef>
+      <a:effectRef idx="0">
+        <a:scrgbClr r="0" g="0" b="0"/>
+      </a:effectRef>
+      <a:fontRef idx="minor"/>
+    </dgm:style>
+  </dgm:styleLbl>
+</dgm:styleDef>
+</file>
+
 <file path=ppt/notesMasters/notesMaster1.xml><?xml version="1.0" encoding="utf-8"?>
 <p:notesMaster xmlns:a="http://schemas.openxmlformats.org/drawingml/2006/main" xmlns:r="http://schemas.openxmlformats.org/officeDocument/2006/relationships" xmlns:p="http://schemas.openxmlformats.org/presentationml/2006/main">
   <p:cSld>
@@ -199,7 +2602,7 @@
           <a:p>
             <a:fld id="{F6240EBC-9008-44D7-97AB-6B6A4638BB75}" type="datetimeFigureOut">
               <a:rPr lang="en-US" smtClean="0"/>
-              <a:t>9/22/2021</a:t>
+              <a:t>9/27/2021</a:t>
             </a:fld>
             <a:endParaRPr lang="en-US"/>
           </a:p>
@@ -846,7 +3249,7 @@
           <a:p>
             <a:fld id="{D0D085E7-9E2C-420E-876E-E1FF698191B0}" type="datetimeFigureOut">
               <a:rPr lang="en-US" smtClean="0"/>
-              <a:t>9/22/2021</a:t>
+              <a:t>9/27/2021</a:t>
             </a:fld>
             <a:endParaRPr lang="en-US"/>
           </a:p>
@@ -1054,7 +3457,7 @@
           <a:p>
             <a:fld id="{D0D085E7-9E2C-420E-876E-E1FF698191B0}" type="datetimeFigureOut">
               <a:rPr lang="en-US" smtClean="0"/>
-              <a:t>9/22/2021</a:t>
+              <a:t>9/27/2021</a:t>
             </a:fld>
             <a:endParaRPr lang="en-US"/>
           </a:p>
@@ -1312,7 +3715,7 @@
           <a:p>
             <a:fld id="{D0D085E7-9E2C-420E-876E-E1FF698191B0}" type="datetimeFigureOut">
               <a:rPr lang="en-US" smtClean="0"/>
-              <a:t>9/22/2021</a:t>
+              <a:t>9/27/2021</a:t>
             </a:fld>
             <a:endParaRPr lang="en-US"/>
           </a:p>
@@ -1552,7 +3955,7 @@
           <a:p>
             <a:fld id="{D088F999-7A4E-6B4F-9FED-EF75B73AD044}" type="datetimeFigureOut">
               <a:rPr lang="en-US" smtClean="0"/>
-              <a:t>9/22/2021</a:t>
+              <a:t>9/27/2021</a:t>
             </a:fld>
             <a:endParaRPr lang="en-US"/>
           </a:p>
@@ -1720,7 +4123,7 @@
           <a:p>
             <a:fld id="{D088F999-7A4E-6B4F-9FED-EF75B73AD044}" type="datetimeFigureOut">
               <a:rPr lang="en-US" smtClean="0"/>
-              <a:t>9/22/2021</a:t>
+              <a:t>9/27/2021</a:t>
             </a:fld>
             <a:endParaRPr lang="en-US"/>
           </a:p>
@@ -1965,7 +4368,7 @@
           <a:p>
             <a:fld id="{D088F999-7A4E-6B4F-9FED-EF75B73AD044}" type="datetimeFigureOut">
               <a:rPr lang="en-US" smtClean="0"/>
-              <a:t>9/22/2021</a:t>
+              <a:t>9/27/2021</a:t>
             </a:fld>
             <a:endParaRPr lang="en-US"/>
           </a:p>
@@ -2250,7 +4653,7 @@
           <a:p>
             <a:fld id="{D088F999-7A4E-6B4F-9FED-EF75B73AD044}" type="datetimeFigureOut">
               <a:rPr lang="en-US" smtClean="0"/>
-              <a:t>9/22/2021</a:t>
+              <a:t>9/27/2021</a:t>
             </a:fld>
             <a:endParaRPr lang="en-US"/>
           </a:p>
@@ -2669,7 +5072,7 @@
           <a:p>
             <a:fld id="{D088F999-7A4E-6B4F-9FED-EF75B73AD044}" type="datetimeFigureOut">
               <a:rPr lang="en-US" smtClean="0"/>
-              <a:t>9/22/2021</a:t>
+              <a:t>9/27/2021</a:t>
             </a:fld>
             <a:endParaRPr lang="en-US"/>
           </a:p>
@@ -2786,7 +5189,7 @@
           <a:p>
             <a:fld id="{D088F999-7A4E-6B4F-9FED-EF75B73AD044}" type="datetimeFigureOut">
               <a:rPr lang="en-US" smtClean="0"/>
-              <a:t>9/22/2021</a:t>
+              <a:t>9/27/2021</a:t>
             </a:fld>
             <a:endParaRPr lang="en-US"/>
           </a:p>
@@ -2881,7 +5284,7 @@
           <a:p>
             <a:fld id="{D088F999-7A4E-6B4F-9FED-EF75B73AD044}" type="datetimeFigureOut">
               <a:rPr lang="en-US" smtClean="0"/>
-              <a:t>9/22/2021</a:t>
+              <a:t>9/27/2021</a:t>
             </a:fld>
             <a:endParaRPr lang="en-US"/>
           </a:p>
@@ -3156,7 +5559,7 @@
           <a:p>
             <a:fld id="{D088F999-7A4E-6B4F-9FED-EF75B73AD044}" type="datetimeFigureOut">
               <a:rPr lang="en-US" smtClean="0"/>
-              <a:t>9/22/2021</a:t>
+              <a:t>9/27/2021</a:t>
             </a:fld>
             <a:endParaRPr lang="en-US"/>
           </a:p>
@@ -3326,7 +5729,7 @@
           <a:p>
             <a:fld id="{D0D085E7-9E2C-420E-876E-E1FF698191B0}" type="datetimeFigureOut">
               <a:rPr lang="en-US" smtClean="0"/>
-              <a:t>9/22/2021</a:t>
+              <a:t>9/27/2021</a:t>
             </a:fld>
             <a:endParaRPr lang="en-US"/>
           </a:p>
@@ -3578,7 +5981,7 @@
           <a:p>
             <a:fld id="{D088F999-7A4E-6B4F-9FED-EF75B73AD044}" type="datetimeFigureOut">
               <a:rPr lang="en-US" smtClean="0"/>
-              <a:t>9/22/2021</a:t>
+              <a:t>9/27/2021</a:t>
             </a:fld>
             <a:endParaRPr lang="en-US"/>
           </a:p>
@@ -3746,7 +6149,7 @@
           <a:p>
             <a:fld id="{D088F999-7A4E-6B4F-9FED-EF75B73AD044}" type="datetimeFigureOut">
               <a:rPr lang="en-US" smtClean="0"/>
-              <a:t>9/22/2021</a:t>
+              <a:t>9/27/2021</a:t>
             </a:fld>
             <a:endParaRPr lang="en-US"/>
           </a:p>
@@ -3924,7 +6327,7 @@
           <a:p>
             <a:fld id="{D088F999-7A4E-6B4F-9FED-EF75B73AD044}" type="datetimeFigureOut">
               <a:rPr lang="en-US" smtClean="0"/>
-              <a:t>9/22/2021</a:t>
+              <a:t>9/27/2021</a:t>
             </a:fld>
             <a:endParaRPr lang="en-US"/>
           </a:p>
@@ -4261,7 +6664,7 @@
           <a:p>
             <a:fld id="{D0D085E7-9E2C-420E-876E-E1FF698191B0}" type="datetimeFigureOut">
               <a:rPr lang="en-US" smtClean="0"/>
-              <a:t>9/22/2021</a:t>
+              <a:t>9/27/2021</a:t>
             </a:fld>
             <a:endParaRPr lang="en-US"/>
           </a:p>
@@ -4536,7 +6939,7 @@
           <a:p>
             <a:fld id="{D0D085E7-9E2C-420E-876E-E1FF698191B0}" type="datetimeFigureOut">
               <a:rPr lang="en-US" smtClean="0"/>
-              <a:t>9/22/2021</a:t>
+              <a:t>9/27/2021</a:t>
             </a:fld>
             <a:endParaRPr lang="en-US"/>
           </a:p>
@@ -4919,7 +7322,7 @@
           <a:p>
             <a:fld id="{D0D085E7-9E2C-420E-876E-E1FF698191B0}" type="datetimeFigureOut">
               <a:rPr lang="en-US" smtClean="0"/>
-              <a:t>9/22/2021</a:t>
+              <a:t>9/27/2021</a:t>
             </a:fld>
             <a:endParaRPr lang="en-US"/>
           </a:p>
@@ -5037,7 +7440,7 @@
           <a:p>
             <a:fld id="{D0D085E7-9E2C-420E-876E-E1FF698191B0}" type="datetimeFigureOut">
               <a:rPr lang="en-US" smtClean="0"/>
-              <a:t>9/22/2021</a:t>
+              <a:t>9/27/2021</a:t>
             </a:fld>
             <a:endParaRPr lang="en-US"/>
           </a:p>
@@ -5210,7 +7613,7 @@
           <a:p>
             <a:fld id="{D0D085E7-9E2C-420E-876E-E1FF698191B0}" type="datetimeFigureOut">
               <a:rPr lang="en-US" smtClean="0"/>
-              <a:t>9/22/2021</a:t>
+              <a:t>9/27/2021</a:t>
             </a:fld>
             <a:endParaRPr lang="en-US"/>
           </a:p>
@@ -5566,7 +7969,7 @@
           <a:p>
             <a:fld id="{D0D085E7-9E2C-420E-876E-E1FF698191B0}" type="datetimeFigureOut">
               <a:rPr lang="en-US" smtClean="0"/>
-              <a:t>9/22/2021</a:t>
+              <a:t>9/27/2021</a:t>
             </a:fld>
             <a:endParaRPr lang="en-US"/>
           </a:p>
@@ -5914,7 +8317,7 @@
           <a:p>
             <a:fld id="{D0D085E7-9E2C-420E-876E-E1FF698191B0}" type="datetimeFigureOut">
               <a:rPr lang="en-US" smtClean="0"/>
-              <a:t>9/22/2021</a:t>
+              <a:t>9/27/2021</a:t>
             </a:fld>
             <a:endParaRPr lang="en-US"/>
           </a:p>
@@ -6225,7 +8628,7 @@
           <a:p>
             <a:fld id="{D0D085E7-9E2C-420E-876E-E1FF698191B0}" type="datetimeFigureOut">
               <a:rPr lang="en-US" smtClean="0"/>
-              <a:t>9/22/2021</a:t>
+              <a:t>9/27/2021</a:t>
             </a:fld>
             <a:endParaRPr lang="en-US"/>
           </a:p>
@@ -6891,7 +9294,7 @@
           <a:p>
             <a:fld id="{D088F999-7A4E-6B4F-9FED-EF75B73AD044}" type="datetimeFigureOut">
               <a:rPr lang="en-US" smtClean="0"/>
-              <a:t>9/22/2021</a:t>
+              <a:t>9/27/2021</a:t>
             </a:fld>
             <a:endParaRPr lang="en-US"/>
           </a:p>
@@ -7816,6 +10219,1975 @@
     <p:extLst>
       <p:ext uri="{BB962C8B-B14F-4D97-AF65-F5344CB8AC3E}">
         <p14:creationId xmlns:p14="http://schemas.microsoft.com/office/powerpoint/2010/main" val="690398364"/>
+      </p:ext>
+    </p:extLst>
+  </p:cSld>
+  <p:clrMapOvr>
+    <a:masterClrMapping/>
+  </p:clrMapOvr>
+</p:sld>
+</file>
+
+<file path=ppt/slides/slide3.xml><?xml version="1.0" encoding="utf-8"?>
+<p:sld xmlns:a="http://schemas.openxmlformats.org/drawingml/2006/main" xmlns:r="http://schemas.openxmlformats.org/officeDocument/2006/relationships" xmlns:p="http://schemas.openxmlformats.org/presentationml/2006/main">
+  <p:cSld>
+    <p:bg>
+      <p:bgPr>
+        <a:solidFill>
+          <a:schemeClr val="bg1">
+            <a:lumMod val="75000"/>
+            <a:lumOff val="25000"/>
+          </a:schemeClr>
+        </a:solidFill>
+        <a:effectLst/>
+      </p:bgPr>
+    </p:bg>
+    <p:spTree>
+      <p:nvGrpSpPr>
+        <p:cNvPr id="1" name=""/>
+        <p:cNvGrpSpPr/>
+        <p:nvPr/>
+      </p:nvGrpSpPr>
+      <p:grpSpPr>
+        <a:xfrm>
+          <a:off x="0" y="0"/>
+          <a:ext cx="0" cy="0"/>
+          <a:chOff x="0" y="0"/>
+          <a:chExt cx="0" cy="0"/>
+        </a:xfrm>
+      </p:grpSpPr>
+      <p:sp useBgFill="1">
+        <p:nvSpPr>
+          <p:cNvPr id="12" name="Rectangle 11">
+            <a:extLst>
+              <a:ext uri="{FF2B5EF4-FFF2-40B4-BE49-F238E27FC236}">
+                <a16:creationId xmlns:a16="http://schemas.microsoft.com/office/drawing/2014/main" id="{990D0034-F768-41E7-85D4-F38C4DE85770}"/>
+              </a:ext>
+              <a:ext uri="{C183D7F6-B498-43B3-948B-1728B52AA6E4}">
+                <adec:decorative xmlns:adec="http://schemas.microsoft.com/office/drawing/2017/decorative" val="1"/>
+              </a:ext>
+            </a:extLst>
+          </p:cNvPr>
+          <p:cNvSpPr>
+            <a:spLocks noGrp="1" noRot="1" noChangeAspect="1" noMove="1" noResize="1" noEditPoints="1" noAdjustHandles="1" noChangeArrowheads="1" noChangeShapeType="1" noTextEdit="1"/>
+          </p:cNvSpPr>
+          <p:nvPr>
+            <p:extLst>
+              <p:ext uri="{386F3935-93C4-4BCD-93E2-E3B085C9AB24}">
+                <p16:designElem xmlns:p16="http://schemas.microsoft.com/office/powerpoint/2015/main" val="1"/>
+              </p:ext>
+            </p:extLst>
+          </p:nvPr>
+        </p:nvSpPr>
+        <p:spPr>
+          <a:xfrm>
+            <a:off x="0" y="0"/>
+            <a:ext cx="12186315" cy="6858000"/>
+          </a:xfrm>
+          <a:prstGeom prst="rect">
+            <a:avLst/>
+          </a:prstGeom>
+          <a:ln>
+            <a:noFill/>
+          </a:ln>
+        </p:spPr>
+        <p:style>
+          <a:lnRef idx="2">
+            <a:schemeClr val="accent6">
+              <a:shade val="50000"/>
+            </a:schemeClr>
+          </a:lnRef>
+          <a:fillRef idx="1001">
+            <a:schemeClr val="lt1"/>
+          </a:fillRef>
+          <a:effectRef idx="0">
+            <a:schemeClr val="accent6"/>
+          </a:effectRef>
+          <a:fontRef idx="minor">
+            <a:schemeClr val="lt1"/>
+          </a:fontRef>
+        </p:style>
+        <p:txBody>
+          <a:bodyPr rtlCol="0" anchor="ctr"/>
+          <a:lstStyle/>
+          <a:p>
+            <a:pPr algn="ctr"/>
+            <a:endParaRPr lang="en-US"/>
+          </a:p>
+        </p:txBody>
+      </p:sp>
+      <p:sp>
+        <p:nvSpPr>
+          <p:cNvPr id="14" name="Rectangle 13">
+            <a:extLst>
+              <a:ext uri="{FF2B5EF4-FFF2-40B4-BE49-F238E27FC236}">
+                <a16:creationId xmlns:a16="http://schemas.microsoft.com/office/drawing/2014/main" id="{C4F7E42D-8B5A-4FC8-81CD-9E60171F7FA8}"/>
+              </a:ext>
+              <a:ext uri="{C183D7F6-B498-43B3-948B-1728B52AA6E4}">
+                <adec:decorative xmlns:adec="http://schemas.microsoft.com/office/drawing/2017/decorative" val="1"/>
+              </a:ext>
+            </a:extLst>
+          </p:cNvPr>
+          <p:cNvSpPr>
+            <a:spLocks noGrp="1" noRot="1" noChangeAspect="1" noMove="1" noResize="1" noEditPoints="1" noAdjustHandles="1" noChangeArrowheads="1" noChangeShapeType="1" noTextEdit="1"/>
+          </p:cNvSpPr>
+          <p:nvPr>
+            <p:extLst>
+              <p:ext uri="{386F3935-93C4-4BCD-93E2-E3B085C9AB24}">
+                <p16:designElem xmlns:p16="http://schemas.microsoft.com/office/powerpoint/2015/main" val="1"/>
+              </p:ext>
+            </p:extLst>
+          </p:nvPr>
+        </p:nvSpPr>
+        <p:spPr>
+          <a:xfrm>
+            <a:off x="16" y="0"/>
+            <a:ext cx="4050791" cy="6858000"/>
+          </a:xfrm>
+          <a:prstGeom prst="rect">
+            <a:avLst/>
+          </a:prstGeom>
+          <a:solidFill>
+            <a:schemeClr val="accent1">
+              <a:lumMod val="75000"/>
+            </a:schemeClr>
+          </a:solidFill>
+          <a:ln>
+            <a:noFill/>
+          </a:ln>
+        </p:spPr>
+        <p:style>
+          <a:lnRef idx="2">
+            <a:schemeClr val="accent1">
+              <a:shade val="50000"/>
+            </a:schemeClr>
+          </a:lnRef>
+          <a:fillRef idx="1">
+            <a:schemeClr val="accent1"/>
+          </a:fillRef>
+          <a:effectRef idx="0">
+            <a:schemeClr val="accent1"/>
+          </a:effectRef>
+          <a:fontRef idx="minor">
+            <a:schemeClr val="lt1"/>
+          </a:fontRef>
+        </p:style>
+      </p:sp>
+      <p:sp>
+        <p:nvSpPr>
+          <p:cNvPr id="2" name="Title 1">
+            <a:extLst>
+              <a:ext uri="{FF2B5EF4-FFF2-40B4-BE49-F238E27FC236}">
+                <a16:creationId xmlns:a16="http://schemas.microsoft.com/office/drawing/2014/main" id="{F033C5F6-02E6-4E78-8191-B44FFB36B46F}"/>
+              </a:ext>
+            </a:extLst>
+          </p:cNvPr>
+          <p:cNvSpPr>
+            <a:spLocks noGrp="1"/>
+          </p:cNvSpPr>
+          <p:nvPr>
+            <p:ph type="title"/>
+          </p:nvPr>
+        </p:nvSpPr>
+        <p:spPr>
+          <a:xfrm>
+            <a:off x="492370" y="516835"/>
+            <a:ext cx="3084844" cy="2103875"/>
+          </a:xfrm>
+        </p:spPr>
+        <p:txBody>
+          <a:bodyPr>
+            <a:normAutofit/>
+          </a:bodyPr>
+          <a:lstStyle/>
+          <a:p>
+            <a:r>
+              <a:rPr lang="en-US" sz="3600" dirty="0">
+                <a:solidFill>
+                  <a:srgbClr val="FFFFFF"/>
+                </a:solidFill>
+              </a:rPr>
+              <a:t>Example of an OpenAPI Document </a:t>
+            </a:r>
+          </a:p>
+        </p:txBody>
+      </p:sp>
+      <p:sp>
+        <p:nvSpPr>
+          <p:cNvPr id="9" name="Content Placeholder 8">
+            <a:extLst>
+              <a:ext uri="{FF2B5EF4-FFF2-40B4-BE49-F238E27FC236}">
+                <a16:creationId xmlns:a16="http://schemas.microsoft.com/office/drawing/2014/main" id="{2AECB70D-5B96-40C1-BA87-C4AC2CBA40C6}"/>
+              </a:ext>
+            </a:extLst>
+          </p:cNvPr>
+          <p:cNvSpPr>
+            <a:spLocks noGrp="1"/>
+          </p:cNvSpPr>
+          <p:nvPr>
+            <p:ph idx="1"/>
+          </p:nvPr>
+        </p:nvSpPr>
+        <p:spPr>
+          <a:xfrm>
+            <a:off x="492371" y="2653800"/>
+            <a:ext cx="3084844" cy="3335519"/>
+          </a:xfrm>
+        </p:spPr>
+        <p:txBody>
+          <a:bodyPr>
+            <a:normAutofit/>
+          </a:bodyPr>
+          <a:lstStyle/>
+          <a:p>
+            <a:endParaRPr lang="en-US" sz="1500">
+              <a:solidFill>
+                <a:srgbClr val="FFFFFF"/>
+              </a:solidFill>
+            </a:endParaRPr>
+          </a:p>
+        </p:txBody>
+      </p:sp>
+      <p:pic>
+        <p:nvPicPr>
+          <p:cNvPr id="5" name="Content Placeholder 4">
+            <a:extLst>
+              <a:ext uri="{FF2B5EF4-FFF2-40B4-BE49-F238E27FC236}">
+                <a16:creationId xmlns:a16="http://schemas.microsoft.com/office/drawing/2014/main" id="{1BA90F80-B023-448D-8B2F-DB372390CEFE}"/>
+              </a:ext>
+            </a:extLst>
+          </p:cNvPr>
+          <p:cNvPicPr>
+            <a:picLocks noChangeAspect="1"/>
+          </p:cNvPicPr>
+          <p:nvPr/>
+        </p:nvPicPr>
+        <p:blipFill rotWithShape="1">
+          <a:blip r:embed="rId2"/>
+          <a:srcRect t="4081" r="-2" b="12848"/>
+          <a:stretch/>
+        </p:blipFill>
+        <p:spPr>
+          <a:xfrm>
+            <a:off x="4075043" y="10"/>
+            <a:ext cx="8111272" cy="6857990"/>
+          </a:xfrm>
+          <a:prstGeom prst="rect">
+            <a:avLst/>
+          </a:prstGeom>
+        </p:spPr>
+      </p:pic>
+      <p:sp>
+        <p:nvSpPr>
+          <p:cNvPr id="16" name="Rectangle 15">
+            <a:extLst>
+              <a:ext uri="{FF2B5EF4-FFF2-40B4-BE49-F238E27FC236}">
+                <a16:creationId xmlns:a16="http://schemas.microsoft.com/office/drawing/2014/main" id="{8C04651D-B9F4-4935-A02D-364153FBDF54}"/>
+              </a:ext>
+              <a:ext uri="{C183D7F6-B498-43B3-948B-1728B52AA6E4}">
+                <adec:decorative xmlns:adec="http://schemas.microsoft.com/office/drawing/2017/decorative" val="1"/>
+              </a:ext>
+            </a:extLst>
+          </p:cNvPr>
+          <p:cNvSpPr>
+            <a:spLocks noGrp="1" noRot="1" noChangeAspect="1" noMove="1" noResize="1" noEditPoints="1" noAdjustHandles="1" noChangeArrowheads="1" noChangeShapeType="1" noTextEdit="1"/>
+          </p:cNvSpPr>
+          <p:nvPr>
+            <p:extLst>
+              <p:ext uri="{386F3935-93C4-4BCD-93E2-E3B085C9AB24}">
+                <p16:designElem xmlns:p16="http://schemas.microsoft.com/office/powerpoint/2015/main" val="1"/>
+              </p:ext>
+            </p:extLst>
+          </p:nvPr>
+        </p:nvSpPr>
+        <p:spPr>
+          <a:xfrm>
+            <a:off x="4040071" y="0"/>
+            <a:ext cx="64008" cy="6858000"/>
+          </a:xfrm>
+          <a:prstGeom prst="rect">
+            <a:avLst/>
+          </a:prstGeom>
+          <a:solidFill>
+            <a:schemeClr val="accent1"/>
+          </a:solidFill>
+          <a:ln>
+            <a:noFill/>
+          </a:ln>
+        </p:spPr>
+        <p:style>
+          <a:lnRef idx="2">
+            <a:schemeClr val="accent1">
+              <a:shade val="50000"/>
+            </a:schemeClr>
+          </a:lnRef>
+          <a:fillRef idx="1">
+            <a:schemeClr val="accent1"/>
+          </a:fillRef>
+          <a:effectRef idx="0">
+            <a:schemeClr val="accent1"/>
+          </a:effectRef>
+          <a:fontRef idx="minor">
+            <a:schemeClr val="lt1"/>
+          </a:fontRef>
+        </p:style>
+      </p:sp>
+    </p:spTree>
+    <p:extLst>
+      <p:ext uri="{BB962C8B-B14F-4D97-AF65-F5344CB8AC3E}">
+        <p14:creationId xmlns:p14="http://schemas.microsoft.com/office/powerpoint/2010/main" val="4240554565"/>
+      </p:ext>
+    </p:extLst>
+  </p:cSld>
+  <p:clrMapOvr>
+    <a:masterClrMapping/>
+  </p:clrMapOvr>
+</p:sld>
+</file>
+
+<file path=ppt/slides/slide4.xml><?xml version="1.0" encoding="utf-8"?>
+<p:sld xmlns:a="http://schemas.openxmlformats.org/drawingml/2006/main" xmlns:r="http://schemas.openxmlformats.org/officeDocument/2006/relationships" xmlns:p="http://schemas.openxmlformats.org/presentationml/2006/main">
+  <p:cSld>
+    <p:spTree>
+      <p:nvGrpSpPr>
+        <p:cNvPr id="1" name=""/>
+        <p:cNvGrpSpPr/>
+        <p:nvPr/>
+      </p:nvGrpSpPr>
+      <p:grpSpPr>
+        <a:xfrm>
+          <a:off x="0" y="0"/>
+          <a:ext cx="0" cy="0"/>
+          <a:chOff x="0" y="0"/>
+          <a:chExt cx="0" cy="0"/>
+        </a:xfrm>
+      </p:grpSpPr>
+      <p:sp>
+        <p:nvSpPr>
+          <p:cNvPr id="2" name="Title 1">
+            <a:extLst>
+              <a:ext uri="{FF2B5EF4-FFF2-40B4-BE49-F238E27FC236}">
+                <a16:creationId xmlns:a16="http://schemas.microsoft.com/office/drawing/2014/main" id="{D695457C-DFD2-4E7D-9776-FC7C93506222}"/>
+              </a:ext>
+            </a:extLst>
+          </p:cNvPr>
+          <p:cNvSpPr>
+            <a:spLocks noGrp="1"/>
+          </p:cNvSpPr>
+          <p:nvPr>
+            <p:ph type="title"/>
+          </p:nvPr>
+        </p:nvSpPr>
+        <p:spPr/>
+        <p:txBody>
+          <a:bodyPr/>
+          <a:lstStyle/>
+          <a:p>
+            <a:r>
+              <a:rPr lang="en-US" dirty="0"/>
+              <a:t>OpenAPI vs Swagger</a:t>
+            </a:r>
+          </a:p>
+        </p:txBody>
+      </p:sp>
+      <p:graphicFrame>
+        <p:nvGraphicFramePr>
+          <p:cNvPr id="4" name="Content Placeholder 3">
+            <a:extLst>
+              <a:ext uri="{FF2B5EF4-FFF2-40B4-BE49-F238E27FC236}">
+                <a16:creationId xmlns:a16="http://schemas.microsoft.com/office/drawing/2014/main" id="{518DCAC6-A114-46C3-9686-4B28351D5F3D}"/>
+              </a:ext>
+            </a:extLst>
+          </p:cNvPr>
+          <p:cNvGraphicFramePr>
+            <a:graphicFrameLocks noGrp="1"/>
+          </p:cNvGraphicFramePr>
+          <p:nvPr>
+            <p:ph idx="1"/>
+            <p:extLst>
+              <p:ext uri="{D42A27DB-BD31-4B8C-83A1-F6EECF244321}">
+                <p14:modId xmlns:p14="http://schemas.microsoft.com/office/powerpoint/2010/main" val="3036184805"/>
+              </p:ext>
+            </p:extLst>
+          </p:nvPr>
+        </p:nvGraphicFramePr>
+        <p:xfrm>
+          <a:off x="1096963" y="1846263"/>
+          <a:ext cx="10058400" cy="4022725"/>
+        </p:xfrm>
+        <a:graphic>
+          <a:graphicData uri="http://schemas.openxmlformats.org/drawingml/2006/diagram">
+            <dgm:relIds xmlns:dgm="http://schemas.openxmlformats.org/drawingml/2006/diagram" xmlns:r="http://schemas.openxmlformats.org/officeDocument/2006/relationships" r:dm="rId2" r:lo="rId3" r:qs="rId4" r:cs="rId5"/>
+          </a:graphicData>
+        </a:graphic>
+      </p:graphicFrame>
+    </p:spTree>
+    <p:extLst>
+      <p:ext uri="{BB962C8B-B14F-4D97-AF65-F5344CB8AC3E}">
+        <p14:creationId xmlns:p14="http://schemas.microsoft.com/office/powerpoint/2010/main" val="4036447964"/>
+      </p:ext>
+    </p:extLst>
+  </p:cSld>
+  <p:clrMapOvr>
+    <a:masterClrMapping/>
+  </p:clrMapOvr>
+</p:sld>
+</file>
+
+<file path=ppt/slides/slide5.xml><?xml version="1.0" encoding="utf-8"?>
+<p:sld xmlns:a="http://schemas.openxmlformats.org/drawingml/2006/main" xmlns:r="http://schemas.openxmlformats.org/officeDocument/2006/relationships" xmlns:p="http://schemas.openxmlformats.org/presentationml/2006/main">
+  <p:cSld>
+    <p:bg>
+      <p:bgPr>
+        <a:solidFill>
+          <a:schemeClr val="bg1">
+            <a:lumMod val="75000"/>
+            <a:lumOff val="25000"/>
+          </a:schemeClr>
+        </a:solidFill>
+        <a:effectLst/>
+      </p:bgPr>
+    </p:bg>
+    <p:spTree>
+      <p:nvGrpSpPr>
+        <p:cNvPr id="1" name=""/>
+        <p:cNvGrpSpPr/>
+        <p:nvPr/>
+      </p:nvGrpSpPr>
+      <p:grpSpPr>
+        <a:xfrm>
+          <a:off x="0" y="0"/>
+          <a:ext cx="0" cy="0"/>
+          <a:chOff x="0" y="0"/>
+          <a:chExt cx="0" cy="0"/>
+        </a:xfrm>
+      </p:grpSpPr>
+      <p:sp>
+        <p:nvSpPr>
+          <p:cNvPr id="10" name="Rectangle 9">
+            <a:extLst>
+              <a:ext uri="{FF2B5EF4-FFF2-40B4-BE49-F238E27FC236}">
+                <a16:creationId xmlns:a16="http://schemas.microsoft.com/office/drawing/2014/main" id="{36E6FEC8-170C-492C-84E0-54394629D120}"/>
+              </a:ext>
+              <a:ext uri="{C183D7F6-B498-43B3-948B-1728B52AA6E4}">
+                <adec:decorative xmlns:adec="http://schemas.microsoft.com/office/drawing/2017/decorative" val="1"/>
+              </a:ext>
+            </a:extLst>
+          </p:cNvPr>
+          <p:cNvSpPr>
+            <a:spLocks noGrp="1" noRot="1" noChangeAspect="1" noMove="1" noResize="1" noEditPoints="1" noAdjustHandles="1" noChangeArrowheads="1" noChangeShapeType="1" noTextEdit="1"/>
+          </p:cNvSpPr>
+          <p:nvPr>
+            <p:extLst>
+              <p:ext uri="{386F3935-93C4-4BCD-93E2-E3B085C9AB24}">
+                <p16:designElem xmlns:p16="http://schemas.microsoft.com/office/powerpoint/2015/main" val="1"/>
+              </p:ext>
+            </p:extLst>
+          </p:nvPr>
+        </p:nvSpPr>
+        <p:spPr>
+          <a:xfrm>
+            <a:off x="3175" y="6400800"/>
+            <a:ext cx="12188825" cy="457200"/>
+          </a:xfrm>
+          <a:prstGeom prst="rect">
+            <a:avLst/>
+          </a:prstGeom>
+          <a:solidFill>
+            <a:schemeClr val="accent1">
+              <a:lumMod val="75000"/>
+            </a:schemeClr>
+          </a:solidFill>
+          <a:ln>
+            <a:noFill/>
+          </a:ln>
+        </p:spPr>
+        <p:style>
+          <a:lnRef idx="2">
+            <a:schemeClr val="accent1">
+              <a:shade val="50000"/>
+            </a:schemeClr>
+          </a:lnRef>
+          <a:fillRef idx="1">
+            <a:schemeClr val="accent1"/>
+          </a:fillRef>
+          <a:effectRef idx="0">
+            <a:schemeClr val="accent1"/>
+          </a:effectRef>
+          <a:fontRef idx="minor">
+            <a:schemeClr val="lt1"/>
+          </a:fontRef>
+        </p:style>
+      </p:sp>
+      <p:sp>
+        <p:nvSpPr>
+          <p:cNvPr id="12" name="Rectangle 11">
+            <a:extLst>
+              <a:ext uri="{FF2B5EF4-FFF2-40B4-BE49-F238E27FC236}">
+                <a16:creationId xmlns:a16="http://schemas.microsoft.com/office/drawing/2014/main" id="{DEE940A1-B9E0-4C5D-A55E-B19742379C83}"/>
+              </a:ext>
+              <a:ext uri="{C183D7F6-B498-43B3-948B-1728B52AA6E4}">
+                <adec:decorative xmlns:adec="http://schemas.microsoft.com/office/drawing/2017/decorative" val="1"/>
+              </a:ext>
+            </a:extLst>
+          </p:cNvPr>
+          <p:cNvSpPr>
+            <a:spLocks noGrp="1" noRot="1" noChangeAspect="1" noMove="1" noResize="1" noEditPoints="1" noAdjustHandles="1" noChangeArrowheads="1" noChangeShapeType="1" noTextEdit="1"/>
+          </p:cNvSpPr>
+          <p:nvPr>
+            <p:extLst>
+              <p:ext uri="{386F3935-93C4-4BCD-93E2-E3B085C9AB24}">
+                <p16:designElem xmlns:p16="http://schemas.microsoft.com/office/powerpoint/2015/main" val="1"/>
+              </p:ext>
+            </p:extLst>
+          </p:nvPr>
+        </p:nvSpPr>
+        <p:spPr>
+          <a:xfrm>
+            <a:off x="15" y="6334316"/>
+            <a:ext cx="12188825" cy="64008"/>
+          </a:xfrm>
+          <a:prstGeom prst="rect">
+            <a:avLst/>
+          </a:prstGeom>
+          <a:solidFill>
+            <a:schemeClr val="accent1"/>
+          </a:solidFill>
+          <a:ln>
+            <a:noFill/>
+          </a:ln>
+        </p:spPr>
+        <p:style>
+          <a:lnRef idx="2">
+            <a:schemeClr val="accent1">
+              <a:shade val="50000"/>
+            </a:schemeClr>
+          </a:lnRef>
+          <a:fillRef idx="1">
+            <a:schemeClr val="accent1"/>
+          </a:fillRef>
+          <a:effectRef idx="0">
+            <a:schemeClr val="accent1"/>
+          </a:effectRef>
+          <a:fontRef idx="minor">
+            <a:schemeClr val="lt1"/>
+          </a:fontRef>
+        </p:style>
+      </p:sp>
+      <p:cxnSp>
+        <p:nvCxnSpPr>
+          <p:cNvPr id="14" name="Straight Connector 13">
+            <a:extLst>
+              <a:ext uri="{FF2B5EF4-FFF2-40B4-BE49-F238E27FC236}">
+                <a16:creationId xmlns:a16="http://schemas.microsoft.com/office/drawing/2014/main" id="{81C8E47B-A563-4B44-A9B0-9316605C2E4E}"/>
+              </a:ext>
+              <a:ext uri="{C183D7F6-B498-43B3-948B-1728B52AA6E4}">
+                <adec:decorative xmlns:adec="http://schemas.microsoft.com/office/drawing/2017/decorative" val="1"/>
+              </a:ext>
+            </a:extLst>
+          </p:cNvPr>
+          <p:cNvCxnSpPr>
+            <a:cxnSpLocks noGrp="1" noRot="1" noChangeAspect="1" noMove="1" noResize="1" noEditPoints="1" noAdjustHandles="1" noChangeArrowheads="1" noChangeShapeType="1"/>
+          </p:cNvCxnSpPr>
+          <p:nvPr>
+            <p:extLst>
+              <p:ext uri="{386F3935-93C4-4BCD-93E2-E3B085C9AB24}">
+                <p16:designElem xmlns:p16="http://schemas.microsoft.com/office/powerpoint/2015/main" val="1"/>
+              </p:ext>
+            </p:extLst>
+          </p:nvPr>
+        </p:nvCxnSpPr>
+        <p:spPr>
+          <a:xfrm>
+            <a:off x="1207658" y="4343400"/>
+            <a:ext cx="9875520" cy="0"/>
+          </a:xfrm>
+          <a:prstGeom prst="line">
+            <a:avLst/>
+          </a:prstGeom>
+          <a:ln w="6350">
+            <a:solidFill>
+              <a:schemeClr val="tx1">
+                <a:lumMod val="50000"/>
+                <a:lumOff val="50000"/>
+              </a:schemeClr>
+            </a:solidFill>
+          </a:ln>
+        </p:spPr>
+        <p:style>
+          <a:lnRef idx="1">
+            <a:schemeClr val="accent1"/>
+          </a:lnRef>
+          <a:fillRef idx="0">
+            <a:schemeClr val="accent1"/>
+          </a:fillRef>
+          <a:effectRef idx="0">
+            <a:schemeClr val="accent1"/>
+          </a:effectRef>
+          <a:fontRef idx="minor">
+            <a:schemeClr val="tx1"/>
+          </a:fontRef>
+        </p:style>
+      </p:cxnSp>
+      <p:sp>
+        <p:nvSpPr>
+          <p:cNvPr id="16" name="Rectangle 15">
+            <a:extLst>
+              <a:ext uri="{FF2B5EF4-FFF2-40B4-BE49-F238E27FC236}">
+                <a16:creationId xmlns:a16="http://schemas.microsoft.com/office/drawing/2014/main" id="{89CEF278-62C5-49CA-8BD9-BCDBE9977FF3}"/>
+              </a:ext>
+              <a:ext uri="{C183D7F6-B498-43B3-948B-1728B52AA6E4}">
+                <adec:decorative xmlns:adec="http://schemas.microsoft.com/office/drawing/2017/decorative" val="1"/>
+              </a:ext>
+            </a:extLst>
+          </p:cNvPr>
+          <p:cNvSpPr>
+            <a:spLocks noGrp="1" noRot="1" noChangeAspect="1" noMove="1" noResize="1" noEditPoints="1" noAdjustHandles="1" noChangeArrowheads="1" noChangeShapeType="1" noTextEdit="1"/>
+          </p:cNvSpPr>
+          <p:nvPr>
+            <p:extLst>
+              <p:ext uri="{386F3935-93C4-4BCD-93E2-E3B085C9AB24}">
+                <p16:designElem xmlns:p16="http://schemas.microsoft.com/office/powerpoint/2015/main" val="1"/>
+              </p:ext>
+            </p:extLst>
+          </p:nvPr>
+        </p:nvSpPr>
+        <p:spPr bwMode="white">
+          <a:xfrm>
+            <a:off x="16" y="0"/>
+            <a:ext cx="4584734" cy="6858000"/>
+          </a:xfrm>
+          <a:prstGeom prst="rect">
+            <a:avLst/>
+          </a:prstGeom>
+          <a:solidFill>
+            <a:schemeClr val="accent1">
+              <a:lumMod val="75000"/>
+            </a:schemeClr>
+          </a:solidFill>
+          <a:ln>
+            <a:noFill/>
+          </a:ln>
+        </p:spPr>
+        <p:style>
+          <a:lnRef idx="2">
+            <a:schemeClr val="accent1">
+              <a:shade val="50000"/>
+            </a:schemeClr>
+          </a:lnRef>
+          <a:fillRef idx="1">
+            <a:schemeClr val="accent1"/>
+          </a:fillRef>
+          <a:effectRef idx="0">
+            <a:schemeClr val="accent1"/>
+          </a:effectRef>
+          <a:fontRef idx="minor">
+            <a:schemeClr val="lt1"/>
+          </a:fontRef>
+        </p:style>
+      </p:sp>
+      <p:sp>
+        <p:nvSpPr>
+          <p:cNvPr id="2" name="Title 1">
+            <a:extLst>
+              <a:ext uri="{FF2B5EF4-FFF2-40B4-BE49-F238E27FC236}">
+                <a16:creationId xmlns:a16="http://schemas.microsoft.com/office/drawing/2014/main" id="{1BF674BA-30C4-4576-9080-3EA801F919F6}"/>
+              </a:ext>
+            </a:extLst>
+          </p:cNvPr>
+          <p:cNvSpPr>
+            <a:spLocks noGrp="1"/>
+          </p:cNvSpPr>
+          <p:nvPr>
+            <p:ph type="title"/>
+          </p:nvPr>
+        </p:nvSpPr>
+        <p:spPr>
+          <a:xfrm>
+            <a:off x="457200" y="640080"/>
+            <a:ext cx="3659246" cy="2926080"/>
+          </a:xfrm>
+        </p:spPr>
+        <p:txBody>
+          <a:bodyPr vert="horz" lIns="91440" tIns="45720" rIns="91440" bIns="45720" rtlCol="0" anchor="b">
+            <a:normAutofit/>
+          </a:bodyPr>
+          <a:lstStyle/>
+          <a:p>
+            <a:r>
+              <a:rPr lang="en-US" sz="4400" dirty="0">
+                <a:solidFill>
+                  <a:srgbClr val="FFFFFF"/>
+                </a:solidFill>
+              </a:rPr>
+              <a:t>Swagger UI</a:t>
+            </a:r>
+          </a:p>
+        </p:txBody>
+      </p:sp>
+      <p:pic>
+        <p:nvPicPr>
+          <p:cNvPr id="5" name="Content Placeholder 4">
+            <a:extLst>
+              <a:ext uri="{FF2B5EF4-FFF2-40B4-BE49-F238E27FC236}">
+                <a16:creationId xmlns:a16="http://schemas.microsoft.com/office/drawing/2014/main" id="{53CAF39A-CADD-4D87-A292-EE4E35D147BB}"/>
+              </a:ext>
+            </a:extLst>
+          </p:cNvPr>
+          <p:cNvPicPr>
+            <a:picLocks noGrp="1" noChangeAspect="1"/>
+          </p:cNvPicPr>
+          <p:nvPr>
+            <p:ph idx="1"/>
+          </p:nvPr>
+        </p:nvPicPr>
+        <p:blipFill rotWithShape="1">
+          <a:blip r:embed="rId2"/>
+          <a:srcRect r="2" b="8738"/>
+          <a:stretch/>
+        </p:blipFill>
+        <p:spPr>
+          <a:xfrm>
+            <a:off x="4639733" y="10"/>
+            <a:ext cx="7552266" cy="6857990"/>
+          </a:xfrm>
+          <a:prstGeom prst="rect">
+            <a:avLst/>
+          </a:prstGeom>
+        </p:spPr>
+      </p:pic>
+      <p:sp>
+        <p:nvSpPr>
+          <p:cNvPr id="18" name="Rectangle 17">
+            <a:extLst>
+              <a:ext uri="{FF2B5EF4-FFF2-40B4-BE49-F238E27FC236}">
+                <a16:creationId xmlns:a16="http://schemas.microsoft.com/office/drawing/2014/main" id="{02E2466B-276C-423A-9377-78508D6A0764}"/>
+              </a:ext>
+              <a:ext uri="{C183D7F6-B498-43B3-948B-1728B52AA6E4}">
+                <adec:decorative xmlns:adec="http://schemas.microsoft.com/office/drawing/2017/decorative" val="1"/>
+              </a:ext>
+            </a:extLst>
+          </p:cNvPr>
+          <p:cNvSpPr>
+            <a:spLocks noGrp="1" noRot="1" noChangeAspect="1" noMove="1" noResize="1" noEditPoints="1" noAdjustHandles="1" noChangeArrowheads="1" noChangeShapeType="1" noTextEdit="1"/>
+          </p:cNvSpPr>
+          <p:nvPr>
+            <p:extLst>
+              <p:ext uri="{386F3935-93C4-4BCD-93E2-E3B085C9AB24}">
+                <p16:designElem xmlns:p16="http://schemas.microsoft.com/office/powerpoint/2015/main" val="1"/>
+              </p:ext>
+            </p:extLst>
+          </p:nvPr>
+        </p:nvSpPr>
+        <p:spPr>
+          <a:xfrm>
+            <a:off x="4584751" y="0"/>
+            <a:ext cx="64008" cy="6858000"/>
+          </a:xfrm>
+          <a:prstGeom prst="rect">
+            <a:avLst/>
+          </a:prstGeom>
+          <a:solidFill>
+            <a:schemeClr val="accent1"/>
+          </a:solidFill>
+          <a:ln>
+            <a:noFill/>
+          </a:ln>
+        </p:spPr>
+        <p:style>
+          <a:lnRef idx="2">
+            <a:schemeClr val="accent1">
+              <a:shade val="50000"/>
+            </a:schemeClr>
+          </a:lnRef>
+          <a:fillRef idx="1">
+            <a:schemeClr val="accent1"/>
+          </a:fillRef>
+          <a:effectRef idx="0">
+            <a:schemeClr val="accent1"/>
+          </a:effectRef>
+          <a:fontRef idx="minor">
+            <a:schemeClr val="lt1"/>
+          </a:fontRef>
+        </p:style>
+      </p:sp>
+    </p:spTree>
+    <p:extLst>
+      <p:ext uri="{BB962C8B-B14F-4D97-AF65-F5344CB8AC3E}">
+        <p14:creationId xmlns:p14="http://schemas.microsoft.com/office/powerpoint/2010/main" val="3618406743"/>
+      </p:ext>
+    </p:extLst>
+  </p:cSld>
+  <p:clrMapOvr>
+    <a:masterClrMapping/>
+  </p:clrMapOvr>
+</p:sld>
+</file>
+
+<file path=ppt/slides/slide6.xml><?xml version="1.0" encoding="utf-8"?>
+<p:sld xmlns:a="http://schemas.openxmlformats.org/drawingml/2006/main" xmlns:r="http://schemas.openxmlformats.org/officeDocument/2006/relationships" xmlns:p="http://schemas.openxmlformats.org/presentationml/2006/main">
+  <p:cSld>
+    <p:bg>
+      <p:bgPr>
+        <a:solidFill>
+          <a:schemeClr val="bg1">
+            <a:lumMod val="75000"/>
+            <a:lumOff val="25000"/>
+          </a:schemeClr>
+        </a:solidFill>
+        <a:effectLst/>
+      </p:bgPr>
+    </p:bg>
+    <p:spTree>
+      <p:nvGrpSpPr>
+        <p:cNvPr id="1" name=""/>
+        <p:cNvGrpSpPr/>
+        <p:nvPr/>
+      </p:nvGrpSpPr>
+      <p:grpSpPr>
+        <a:xfrm>
+          <a:off x="0" y="0"/>
+          <a:ext cx="0" cy="0"/>
+          <a:chOff x="0" y="0"/>
+          <a:chExt cx="0" cy="0"/>
+        </a:xfrm>
+      </p:grpSpPr>
+      <p:sp>
+        <p:nvSpPr>
+          <p:cNvPr id="10" name="Rectangle 9">
+            <a:extLst>
+              <a:ext uri="{FF2B5EF4-FFF2-40B4-BE49-F238E27FC236}">
+                <a16:creationId xmlns:a16="http://schemas.microsoft.com/office/drawing/2014/main" id="{8BE48C64-5364-4060-8928-FC052E77CD60}"/>
+              </a:ext>
+              <a:ext uri="{C183D7F6-B498-43B3-948B-1728B52AA6E4}">
+                <adec:decorative xmlns:adec="http://schemas.microsoft.com/office/drawing/2017/decorative" val="1"/>
+              </a:ext>
+            </a:extLst>
+          </p:cNvPr>
+          <p:cNvSpPr>
+            <a:spLocks noGrp="1" noRot="1" noChangeAspect="1" noMove="1" noResize="1" noEditPoints="1" noAdjustHandles="1" noChangeArrowheads="1" noChangeShapeType="1" noTextEdit="1"/>
+          </p:cNvSpPr>
+          <p:nvPr>
+            <p:extLst>
+              <p:ext uri="{386F3935-93C4-4BCD-93E2-E3B085C9AB24}">
+                <p16:designElem xmlns:p16="http://schemas.microsoft.com/office/powerpoint/2015/main" val="1"/>
+              </p:ext>
+            </p:extLst>
+          </p:nvPr>
+        </p:nvSpPr>
+        <p:spPr>
+          <a:xfrm>
+            <a:off x="3175" y="6400800"/>
+            <a:ext cx="12188825" cy="457200"/>
+          </a:xfrm>
+          <a:prstGeom prst="rect">
+            <a:avLst/>
+          </a:prstGeom>
+          <a:solidFill>
+            <a:schemeClr val="accent1">
+              <a:lumMod val="75000"/>
+            </a:schemeClr>
+          </a:solidFill>
+          <a:ln>
+            <a:noFill/>
+          </a:ln>
+        </p:spPr>
+        <p:style>
+          <a:lnRef idx="2">
+            <a:schemeClr val="accent1">
+              <a:shade val="50000"/>
+            </a:schemeClr>
+          </a:lnRef>
+          <a:fillRef idx="1">
+            <a:schemeClr val="accent1"/>
+          </a:fillRef>
+          <a:effectRef idx="0">
+            <a:schemeClr val="accent1"/>
+          </a:effectRef>
+          <a:fontRef idx="minor">
+            <a:schemeClr val="lt1"/>
+          </a:fontRef>
+        </p:style>
+      </p:sp>
+      <p:sp>
+        <p:nvSpPr>
+          <p:cNvPr id="12" name="Rectangle 11">
+            <a:extLst>
+              <a:ext uri="{FF2B5EF4-FFF2-40B4-BE49-F238E27FC236}">
+                <a16:creationId xmlns:a16="http://schemas.microsoft.com/office/drawing/2014/main" id="{139F791B-8515-4F50-9D32-45DD7676C003}"/>
+              </a:ext>
+              <a:ext uri="{C183D7F6-B498-43B3-948B-1728B52AA6E4}">
+                <adec:decorative xmlns:adec="http://schemas.microsoft.com/office/drawing/2017/decorative" val="1"/>
+              </a:ext>
+            </a:extLst>
+          </p:cNvPr>
+          <p:cNvSpPr>
+            <a:spLocks noGrp="1" noRot="1" noChangeAspect="1" noMove="1" noResize="1" noEditPoints="1" noAdjustHandles="1" noChangeArrowheads="1" noChangeShapeType="1" noTextEdit="1"/>
+          </p:cNvSpPr>
+          <p:nvPr>
+            <p:extLst>
+              <p:ext uri="{386F3935-93C4-4BCD-93E2-E3B085C9AB24}">
+                <p16:designElem xmlns:p16="http://schemas.microsoft.com/office/powerpoint/2015/main" val="1"/>
+              </p:ext>
+            </p:extLst>
+          </p:nvPr>
+        </p:nvSpPr>
+        <p:spPr>
+          <a:xfrm>
+            <a:off x="15" y="6334316"/>
+            <a:ext cx="12188825" cy="64008"/>
+          </a:xfrm>
+          <a:prstGeom prst="rect">
+            <a:avLst/>
+          </a:prstGeom>
+          <a:solidFill>
+            <a:schemeClr val="accent1"/>
+          </a:solidFill>
+          <a:ln>
+            <a:noFill/>
+          </a:ln>
+        </p:spPr>
+        <p:style>
+          <a:lnRef idx="2">
+            <a:schemeClr val="accent1">
+              <a:shade val="50000"/>
+            </a:schemeClr>
+          </a:lnRef>
+          <a:fillRef idx="1">
+            <a:schemeClr val="accent1"/>
+          </a:fillRef>
+          <a:effectRef idx="0">
+            <a:schemeClr val="accent1"/>
+          </a:effectRef>
+          <a:fontRef idx="minor">
+            <a:schemeClr val="lt1"/>
+          </a:fontRef>
+        </p:style>
+      </p:sp>
+      <p:cxnSp>
+        <p:nvCxnSpPr>
+          <p:cNvPr id="14" name="Straight Connector 13">
+            <a:extLst>
+              <a:ext uri="{FF2B5EF4-FFF2-40B4-BE49-F238E27FC236}">
+                <a16:creationId xmlns:a16="http://schemas.microsoft.com/office/drawing/2014/main" id="{966A6F95-73C3-44EC-9D80-3131D2D868F1}"/>
+              </a:ext>
+              <a:ext uri="{C183D7F6-B498-43B3-948B-1728B52AA6E4}">
+                <adec:decorative xmlns:adec="http://schemas.microsoft.com/office/drawing/2017/decorative" val="1"/>
+              </a:ext>
+            </a:extLst>
+          </p:cNvPr>
+          <p:cNvCxnSpPr>
+            <a:cxnSpLocks noGrp="1" noRot="1" noChangeAspect="1" noMove="1" noResize="1" noEditPoints="1" noAdjustHandles="1" noChangeArrowheads="1" noChangeShapeType="1"/>
+          </p:cNvCxnSpPr>
+          <p:nvPr>
+            <p:extLst>
+              <p:ext uri="{386F3935-93C4-4BCD-93E2-E3B085C9AB24}">
+                <p16:designElem xmlns:p16="http://schemas.microsoft.com/office/powerpoint/2015/main" val="1"/>
+              </p:ext>
+            </p:extLst>
+          </p:nvPr>
+        </p:nvCxnSpPr>
+        <p:spPr>
+          <a:xfrm>
+            <a:off x="1207658" y="4343400"/>
+            <a:ext cx="9875520" cy="0"/>
+          </a:xfrm>
+          <a:prstGeom prst="line">
+            <a:avLst/>
+          </a:prstGeom>
+          <a:ln w="6350">
+            <a:solidFill>
+              <a:schemeClr val="tx1">
+                <a:lumMod val="50000"/>
+                <a:lumOff val="50000"/>
+              </a:schemeClr>
+            </a:solidFill>
+          </a:ln>
+        </p:spPr>
+        <p:style>
+          <a:lnRef idx="1">
+            <a:schemeClr val="accent1"/>
+          </a:lnRef>
+          <a:fillRef idx="0">
+            <a:schemeClr val="accent1"/>
+          </a:fillRef>
+          <a:effectRef idx="0">
+            <a:schemeClr val="accent1"/>
+          </a:effectRef>
+          <a:fontRef idx="minor">
+            <a:schemeClr val="tx1"/>
+          </a:fontRef>
+        </p:style>
+      </p:cxnSp>
+      <p:sp useBgFill="1">
+        <p:nvSpPr>
+          <p:cNvPr id="16" name="Rectangle 15">
+            <a:extLst>
+              <a:ext uri="{FF2B5EF4-FFF2-40B4-BE49-F238E27FC236}">
+                <a16:creationId xmlns:a16="http://schemas.microsoft.com/office/drawing/2014/main" id="{9A04B113-9C71-4645-B2B0-6C6E7B17C732}"/>
+              </a:ext>
+              <a:ext uri="{C183D7F6-B498-43B3-948B-1728B52AA6E4}">
+                <adec:decorative xmlns:adec="http://schemas.microsoft.com/office/drawing/2017/decorative" val="1"/>
+              </a:ext>
+            </a:extLst>
+          </p:cNvPr>
+          <p:cNvSpPr>
+            <a:spLocks noGrp="1" noRot="1" noChangeAspect="1" noMove="1" noResize="1" noEditPoints="1" noAdjustHandles="1" noChangeArrowheads="1" noChangeShapeType="1" noTextEdit="1"/>
+          </p:cNvSpPr>
+          <p:nvPr>
+            <p:extLst>
+              <p:ext uri="{386F3935-93C4-4BCD-93E2-E3B085C9AB24}">
+                <p16:designElem xmlns:p16="http://schemas.microsoft.com/office/powerpoint/2015/main" val="1"/>
+              </p:ext>
+            </p:extLst>
+          </p:nvPr>
+        </p:nvSpPr>
+        <p:spPr>
+          <a:xfrm>
+            <a:off x="0" y="0"/>
+            <a:ext cx="12192000" cy="6858000"/>
+          </a:xfrm>
+          <a:prstGeom prst="rect">
+            <a:avLst/>
+          </a:prstGeom>
+          <a:ln>
+            <a:noFill/>
+          </a:ln>
+        </p:spPr>
+        <p:style>
+          <a:lnRef idx="2">
+            <a:schemeClr val="accent1">
+              <a:shade val="50000"/>
+            </a:schemeClr>
+          </a:lnRef>
+          <a:fillRef idx="1001">
+            <a:schemeClr val="lt1"/>
+          </a:fillRef>
+          <a:effectRef idx="0">
+            <a:schemeClr val="accent1"/>
+          </a:effectRef>
+          <a:fontRef idx="minor">
+            <a:schemeClr val="lt1"/>
+          </a:fontRef>
+        </p:style>
+        <p:txBody>
+          <a:bodyPr rtlCol="0" anchor="ctr"/>
+          <a:lstStyle/>
+          <a:p>
+            <a:pPr algn="ctr"/>
+            <a:endParaRPr lang="en-US"/>
+          </a:p>
+        </p:txBody>
+      </p:sp>
+      <p:pic>
+        <p:nvPicPr>
+          <p:cNvPr id="5" name="Content Placeholder 4">
+            <a:extLst>
+              <a:ext uri="{FF2B5EF4-FFF2-40B4-BE49-F238E27FC236}">
+                <a16:creationId xmlns:a16="http://schemas.microsoft.com/office/drawing/2014/main" id="{0A22F7C7-D8B4-4503-98C0-5717E3BFCDA9}"/>
+              </a:ext>
+            </a:extLst>
+          </p:cNvPr>
+          <p:cNvPicPr>
+            <a:picLocks noGrp="1" noChangeAspect="1"/>
+          </p:cNvPicPr>
+          <p:nvPr>
+            <p:ph idx="1"/>
+          </p:nvPr>
+        </p:nvPicPr>
+        <p:blipFill>
+          <a:blip r:embed="rId2"/>
+          <a:stretch>
+            <a:fillRect/>
+          </a:stretch>
+        </p:blipFill>
+        <p:spPr>
+          <a:xfrm>
+            <a:off x="719507" y="115756"/>
+            <a:ext cx="6361428" cy="6626488"/>
+          </a:xfrm>
+          <a:prstGeom prst="rect">
+            <a:avLst/>
+          </a:prstGeom>
+        </p:spPr>
+      </p:pic>
+      <p:sp>
+        <p:nvSpPr>
+          <p:cNvPr id="18" name="Rectangle 17">
+            <a:extLst>
+              <a:ext uri="{FF2B5EF4-FFF2-40B4-BE49-F238E27FC236}">
+                <a16:creationId xmlns:a16="http://schemas.microsoft.com/office/drawing/2014/main" id="{D115AD00-405D-4A85-8201-260CF683D536}"/>
+              </a:ext>
+              <a:ext uri="{C183D7F6-B498-43B3-948B-1728B52AA6E4}">
+                <adec:decorative xmlns:adec="http://schemas.microsoft.com/office/drawing/2017/decorative" val="1"/>
+              </a:ext>
+            </a:extLst>
+          </p:cNvPr>
+          <p:cNvSpPr>
+            <a:spLocks noGrp="1" noRot="1" noChangeAspect="1" noMove="1" noResize="1" noEditPoints="1" noAdjustHandles="1" noChangeArrowheads="1" noChangeShapeType="1" noTextEdit="1"/>
+          </p:cNvSpPr>
+          <p:nvPr>
+            <p:extLst>
+              <p:ext uri="{386F3935-93C4-4BCD-93E2-E3B085C9AB24}">
+                <p16:designElem xmlns:p16="http://schemas.microsoft.com/office/powerpoint/2015/main" val="1"/>
+              </p:ext>
+            </p:extLst>
+          </p:nvPr>
+        </p:nvSpPr>
+        <p:spPr bwMode="white">
+          <a:xfrm>
+            <a:off x="7613486" y="0"/>
+            <a:ext cx="4584734" cy="6858000"/>
+          </a:xfrm>
+          <a:prstGeom prst="rect">
+            <a:avLst/>
+          </a:prstGeom>
+          <a:solidFill>
+            <a:schemeClr val="accent1">
+              <a:lumMod val="75000"/>
+            </a:schemeClr>
+          </a:solidFill>
+          <a:ln>
+            <a:noFill/>
+          </a:ln>
+        </p:spPr>
+        <p:style>
+          <a:lnRef idx="2">
+            <a:schemeClr val="accent1">
+              <a:shade val="50000"/>
+            </a:schemeClr>
+          </a:lnRef>
+          <a:fillRef idx="1">
+            <a:schemeClr val="accent1"/>
+          </a:fillRef>
+          <a:effectRef idx="0">
+            <a:schemeClr val="accent1"/>
+          </a:effectRef>
+          <a:fontRef idx="minor">
+            <a:schemeClr val="lt1"/>
+          </a:fontRef>
+        </p:style>
+      </p:sp>
+      <p:sp>
+        <p:nvSpPr>
+          <p:cNvPr id="2" name="Title 1">
+            <a:extLst>
+              <a:ext uri="{FF2B5EF4-FFF2-40B4-BE49-F238E27FC236}">
+                <a16:creationId xmlns:a16="http://schemas.microsoft.com/office/drawing/2014/main" id="{20CF34E7-7D41-4BD6-8653-6AC2E7427FA6}"/>
+              </a:ext>
+            </a:extLst>
+          </p:cNvPr>
+          <p:cNvSpPr>
+            <a:spLocks noGrp="1"/>
+          </p:cNvSpPr>
+          <p:nvPr>
+            <p:ph type="title"/>
+          </p:nvPr>
+        </p:nvSpPr>
+        <p:spPr>
+          <a:xfrm>
+            <a:off x="8096885" y="640080"/>
+            <a:ext cx="3659246" cy="2926080"/>
+          </a:xfrm>
+        </p:spPr>
+        <p:txBody>
+          <a:bodyPr vert="horz" lIns="91440" tIns="45720" rIns="91440" bIns="45720" rtlCol="0" anchor="b">
+            <a:normAutofit/>
+          </a:bodyPr>
+          <a:lstStyle/>
+          <a:p>
+            <a:r>
+              <a:rPr lang="en-US" sz="4400" dirty="0">
+                <a:solidFill>
+                  <a:srgbClr val="FFFFFF"/>
+                </a:solidFill>
+              </a:rPr>
+              <a:t>Swagger UI</a:t>
+            </a:r>
+          </a:p>
+        </p:txBody>
+      </p:sp>
+      <p:sp>
+        <p:nvSpPr>
+          <p:cNvPr id="20" name="Rectangle 19">
+            <a:extLst>
+              <a:ext uri="{FF2B5EF4-FFF2-40B4-BE49-F238E27FC236}">
+                <a16:creationId xmlns:a16="http://schemas.microsoft.com/office/drawing/2014/main" id="{2929C476-8F84-427E-8917-CE08130A085A}"/>
+              </a:ext>
+              <a:ext uri="{C183D7F6-B498-43B3-948B-1728B52AA6E4}">
+                <adec:decorative xmlns:adec="http://schemas.microsoft.com/office/drawing/2017/decorative" val="1"/>
+              </a:ext>
+            </a:extLst>
+          </p:cNvPr>
+          <p:cNvSpPr>
+            <a:spLocks noGrp="1" noRot="1" noChangeAspect="1" noMove="1" noResize="1" noEditPoints="1" noAdjustHandles="1" noChangeArrowheads="1" noChangeShapeType="1" noTextEdit="1"/>
+          </p:cNvSpPr>
+          <p:nvPr>
+            <p:extLst>
+              <p:ext uri="{386F3935-93C4-4BCD-93E2-E3B085C9AB24}">
+                <p16:designElem xmlns:p16="http://schemas.microsoft.com/office/powerpoint/2015/main" val="1"/>
+              </p:ext>
+            </p:extLst>
+          </p:nvPr>
+        </p:nvSpPr>
+        <p:spPr>
+          <a:xfrm>
+            <a:off x="7556906" y="0"/>
+            <a:ext cx="64008" cy="6858000"/>
+          </a:xfrm>
+          <a:prstGeom prst="rect">
+            <a:avLst/>
+          </a:prstGeom>
+          <a:solidFill>
+            <a:schemeClr val="accent1"/>
+          </a:solidFill>
+          <a:ln>
+            <a:noFill/>
+          </a:ln>
+        </p:spPr>
+        <p:style>
+          <a:lnRef idx="2">
+            <a:schemeClr val="accent1">
+              <a:shade val="50000"/>
+            </a:schemeClr>
+          </a:lnRef>
+          <a:fillRef idx="1">
+            <a:schemeClr val="accent1"/>
+          </a:fillRef>
+          <a:effectRef idx="0">
+            <a:schemeClr val="accent1"/>
+          </a:effectRef>
+          <a:fontRef idx="minor">
+            <a:schemeClr val="lt1"/>
+          </a:fontRef>
+        </p:style>
+      </p:sp>
+    </p:spTree>
+    <p:extLst>
+      <p:ext uri="{BB962C8B-B14F-4D97-AF65-F5344CB8AC3E}">
+        <p14:creationId xmlns:p14="http://schemas.microsoft.com/office/powerpoint/2010/main" val="1716352066"/>
+      </p:ext>
+    </p:extLst>
+  </p:cSld>
+  <p:clrMapOvr>
+    <a:masterClrMapping/>
+  </p:clrMapOvr>
+</p:sld>
+</file>
+
+<file path=ppt/slides/slide7.xml><?xml version="1.0" encoding="utf-8"?>
+<p:sld xmlns:a="http://schemas.openxmlformats.org/drawingml/2006/main" xmlns:r="http://schemas.openxmlformats.org/officeDocument/2006/relationships" xmlns:p="http://schemas.openxmlformats.org/presentationml/2006/main">
+  <p:cSld>
+    <p:spTree>
+      <p:nvGrpSpPr>
+        <p:cNvPr id="1" name=""/>
+        <p:cNvGrpSpPr/>
+        <p:nvPr/>
+      </p:nvGrpSpPr>
+      <p:grpSpPr>
+        <a:xfrm>
+          <a:off x="0" y="0"/>
+          <a:ext cx="0" cy="0"/>
+          <a:chOff x="0" y="0"/>
+          <a:chExt cx="0" cy="0"/>
+        </a:xfrm>
+      </p:grpSpPr>
+      <p:sp>
+        <p:nvSpPr>
+          <p:cNvPr id="2" name="Title 1">
+            <a:extLst>
+              <a:ext uri="{FF2B5EF4-FFF2-40B4-BE49-F238E27FC236}">
+                <a16:creationId xmlns:a16="http://schemas.microsoft.com/office/drawing/2014/main" id="{998EA87B-0353-4F3A-BD81-5BBBE5FCC1CC}"/>
+              </a:ext>
+            </a:extLst>
+          </p:cNvPr>
+          <p:cNvSpPr>
+            <a:spLocks noGrp="1"/>
+          </p:cNvSpPr>
+          <p:nvPr>
+            <p:ph type="title"/>
+          </p:nvPr>
+        </p:nvSpPr>
+        <p:spPr/>
+        <p:txBody>
+          <a:bodyPr/>
+          <a:lstStyle/>
+          <a:p>
+            <a:r>
+              <a:rPr lang="en-US" dirty="0"/>
+              <a:t>Parts </a:t>
+            </a:r>
+            <a:r>
+              <a:rPr lang="en-US"/>
+              <a:t>of Swagger</a:t>
+            </a:r>
+          </a:p>
+        </p:txBody>
+      </p:sp>
+      <p:graphicFrame>
+        <p:nvGraphicFramePr>
+          <p:cNvPr id="4" name="Table 4">
+            <a:extLst>
+              <a:ext uri="{FF2B5EF4-FFF2-40B4-BE49-F238E27FC236}">
+                <a16:creationId xmlns:a16="http://schemas.microsoft.com/office/drawing/2014/main" id="{4BD6AD68-8F93-4696-A40C-A348968C4456}"/>
+              </a:ext>
+            </a:extLst>
+          </p:cNvPr>
+          <p:cNvGraphicFramePr>
+            <a:graphicFrameLocks noGrp="1"/>
+          </p:cNvGraphicFramePr>
+          <p:nvPr>
+            <p:ph idx="1"/>
+            <p:extLst>
+              <p:ext uri="{D42A27DB-BD31-4B8C-83A1-F6EECF244321}">
+                <p14:modId xmlns:p14="http://schemas.microsoft.com/office/powerpoint/2010/main" val="296339867"/>
+              </p:ext>
+            </p:extLst>
+          </p:nvPr>
+        </p:nvGraphicFramePr>
+        <p:xfrm>
+          <a:off x="431800" y="1846263"/>
+          <a:ext cx="11455399" cy="4023360"/>
+        </p:xfrm>
+        <a:graphic>
+          <a:graphicData uri="http://schemas.openxmlformats.org/drawingml/2006/table">
+            <a:tbl>
+              <a:tblPr firstRow="1" bandRow="1">
+                <a:tableStyleId>{5C22544A-7EE6-4342-B048-85BDC9FD1C3A}</a:tableStyleId>
+              </a:tblPr>
+              <a:tblGrid>
+                <a:gridCol w="5067300">
+                  <a:extLst>
+                    <a:ext uri="{9D8B030D-6E8A-4147-A177-3AD203B41FA5}">
+                      <a16:colId xmlns:a16="http://schemas.microsoft.com/office/drawing/2014/main" val="4151249169"/>
+                    </a:ext>
+                  </a:extLst>
+                </a:gridCol>
+                <a:gridCol w="6388099">
+                  <a:extLst>
+                    <a:ext uri="{9D8B030D-6E8A-4147-A177-3AD203B41FA5}">
+                      <a16:colId xmlns:a16="http://schemas.microsoft.com/office/drawing/2014/main" val="311396003"/>
+                    </a:ext>
+                  </a:extLst>
+                </a:gridCol>
+              </a:tblGrid>
+              <a:tr h="370840">
+                <a:tc>
+                  <a:txBody>
+                    <a:bodyPr/>
+                    <a:lstStyle/>
+                    <a:p>
+                      <a:r>
+                        <a:rPr lang="en-US" sz="2400" dirty="0"/>
+                        <a:t>Swagger Component</a:t>
+                      </a:r>
+                    </a:p>
+                  </a:txBody>
+                  <a:tcPr/>
+                </a:tc>
+                <a:tc>
+                  <a:txBody>
+                    <a:bodyPr/>
+                    <a:lstStyle/>
+                    <a:p>
+                      <a:r>
+                        <a:rPr lang="en-US" sz="2400" dirty="0"/>
+                        <a:t>Details</a:t>
+                      </a:r>
+                    </a:p>
+                  </a:txBody>
+                  <a:tcPr/>
+                </a:tc>
+                <a:extLst>
+                  <a:ext uri="{0D108BD9-81ED-4DB2-BD59-A6C34878D82A}">
+                    <a16:rowId xmlns:a16="http://schemas.microsoft.com/office/drawing/2014/main" val="450538715"/>
+                  </a:ext>
+                </a:extLst>
+              </a:tr>
+              <a:tr h="370840">
+                <a:tc>
+                  <a:txBody>
+                    <a:bodyPr/>
+                    <a:lstStyle/>
+                    <a:p>
+                      <a:r>
+                        <a:rPr lang="en-US" sz="2400" dirty="0" err="1"/>
+                        <a:t>Swashbuckle.AspNetCore.Swagger</a:t>
+                      </a:r>
+                      <a:endParaRPr lang="en-US" sz="2400" dirty="0"/>
+                    </a:p>
+                  </a:txBody>
+                  <a:tcPr/>
+                </a:tc>
+                <a:tc>
+                  <a:txBody>
+                    <a:bodyPr/>
+                    <a:lstStyle/>
+                    <a:p>
+                      <a:r>
+                        <a:rPr lang="en-US" sz="2400" dirty="0"/>
+                        <a:t>Object model and middleware to expose </a:t>
+                      </a:r>
+                      <a:r>
+                        <a:rPr lang="en-US" sz="2400" dirty="0" err="1"/>
+                        <a:t>SwaggerDocument</a:t>
+                      </a:r>
+                      <a:r>
+                        <a:rPr lang="en-US" sz="2400" dirty="0"/>
+                        <a:t> objects as JSON endpoints</a:t>
+                      </a:r>
+                    </a:p>
+                  </a:txBody>
+                  <a:tcPr/>
+                </a:tc>
+                <a:extLst>
+                  <a:ext uri="{0D108BD9-81ED-4DB2-BD59-A6C34878D82A}">
+                    <a16:rowId xmlns:a16="http://schemas.microsoft.com/office/drawing/2014/main" val="2572424985"/>
+                  </a:ext>
+                </a:extLst>
+              </a:tr>
+              <a:tr h="370840">
+                <a:tc>
+                  <a:txBody>
+                    <a:bodyPr/>
+                    <a:lstStyle/>
+                    <a:p>
+                      <a:r>
+                        <a:rPr lang="en-US" sz="2400" dirty="0" err="1"/>
+                        <a:t>Swashbuckle.AspNetCore.SwaggerGen</a:t>
+                      </a:r>
+                      <a:endParaRPr lang="en-US" sz="2400" dirty="0"/>
+                    </a:p>
+                  </a:txBody>
+                  <a:tcPr/>
+                </a:tc>
+                <a:tc>
+                  <a:txBody>
+                    <a:bodyPr/>
+                    <a:lstStyle/>
+                    <a:p>
+                      <a:r>
+                        <a:rPr lang="en-US" sz="2400" dirty="0"/>
+                        <a:t>Generator that builds </a:t>
+                      </a:r>
+                      <a:r>
+                        <a:rPr lang="en-US" sz="2400" dirty="0" err="1"/>
+                        <a:t>SwaggerDocument</a:t>
+                      </a:r>
+                      <a:r>
+                        <a:rPr lang="en-US" sz="2400" dirty="0"/>
+                        <a:t> objects directly from your routes, controllers, and models.</a:t>
+                      </a:r>
+                    </a:p>
+                  </a:txBody>
+                  <a:tcPr/>
+                </a:tc>
+                <a:extLst>
+                  <a:ext uri="{0D108BD9-81ED-4DB2-BD59-A6C34878D82A}">
+                    <a16:rowId xmlns:a16="http://schemas.microsoft.com/office/drawing/2014/main" val="1567047217"/>
+                  </a:ext>
+                </a:extLst>
+              </a:tr>
+              <a:tr h="370840">
+                <a:tc>
+                  <a:txBody>
+                    <a:bodyPr/>
+                    <a:lstStyle/>
+                    <a:p>
+                      <a:r>
+                        <a:rPr lang="en-US" sz="2400" dirty="0" err="1"/>
+                        <a:t>Swashbuckle.AspNetCore.SwaggerUI</a:t>
+                      </a:r>
+                      <a:endParaRPr lang="en-US" sz="2400" dirty="0"/>
+                    </a:p>
+                  </a:txBody>
+                  <a:tcPr/>
+                </a:tc>
+                <a:tc>
+                  <a:txBody>
+                    <a:bodyPr/>
+                    <a:lstStyle/>
+                    <a:p>
+                      <a:r>
+                        <a:rPr lang="en-US" sz="2400" dirty="0"/>
+                        <a:t>Embedded version of the Swagger UI tool. It interprets Swagger JSON to build a rich, customizable experience for describing the web API functionality.</a:t>
+                      </a:r>
+                    </a:p>
+                  </a:txBody>
+                  <a:tcPr/>
+                </a:tc>
+                <a:extLst>
+                  <a:ext uri="{0D108BD9-81ED-4DB2-BD59-A6C34878D82A}">
+                    <a16:rowId xmlns:a16="http://schemas.microsoft.com/office/drawing/2014/main" val="3901275953"/>
+                  </a:ext>
+                </a:extLst>
+              </a:tr>
+            </a:tbl>
+          </a:graphicData>
+        </a:graphic>
+      </p:graphicFrame>
+    </p:spTree>
+    <p:extLst>
+      <p:ext uri="{BB962C8B-B14F-4D97-AF65-F5344CB8AC3E}">
+        <p14:creationId xmlns:p14="http://schemas.microsoft.com/office/powerpoint/2010/main" val="3771503711"/>
+      </p:ext>
+    </p:extLst>
+  </p:cSld>
+  <p:clrMapOvr>
+    <a:masterClrMapping/>
+  </p:clrMapOvr>
+</p:sld>
+</file>
+
+<file path=ppt/slides/slide8.xml><?xml version="1.0" encoding="utf-8"?>
+<p:sld xmlns:a="http://schemas.openxmlformats.org/drawingml/2006/main" xmlns:r="http://schemas.openxmlformats.org/officeDocument/2006/relationships" xmlns:p="http://schemas.openxmlformats.org/presentationml/2006/main">
+  <p:cSld>
+    <p:bg>
+      <p:bgPr>
+        <a:solidFill>
+          <a:schemeClr val="bg1">
+            <a:lumMod val="75000"/>
+            <a:lumOff val="25000"/>
+          </a:schemeClr>
+        </a:solidFill>
+        <a:effectLst/>
+      </p:bgPr>
+    </p:bg>
+    <p:spTree>
+      <p:nvGrpSpPr>
+        <p:cNvPr id="1" name=""/>
+        <p:cNvGrpSpPr/>
+        <p:nvPr/>
+      </p:nvGrpSpPr>
+      <p:grpSpPr>
+        <a:xfrm>
+          <a:off x="0" y="0"/>
+          <a:ext cx="0" cy="0"/>
+          <a:chOff x="0" y="0"/>
+          <a:chExt cx="0" cy="0"/>
+        </a:xfrm>
+      </p:grpSpPr>
+      <p:sp>
+        <p:nvSpPr>
+          <p:cNvPr id="10" name="Rectangle 9">
+            <a:extLst>
+              <a:ext uri="{FF2B5EF4-FFF2-40B4-BE49-F238E27FC236}">
+                <a16:creationId xmlns:a16="http://schemas.microsoft.com/office/drawing/2014/main" id="{8BE48C64-5364-4060-8928-FC052E77CD60}"/>
+              </a:ext>
+              <a:ext uri="{C183D7F6-B498-43B3-948B-1728B52AA6E4}">
+                <adec:decorative xmlns:adec="http://schemas.microsoft.com/office/drawing/2017/decorative" val="1"/>
+              </a:ext>
+            </a:extLst>
+          </p:cNvPr>
+          <p:cNvSpPr>
+            <a:spLocks noGrp="1" noRot="1" noChangeAspect="1" noMove="1" noResize="1" noEditPoints="1" noAdjustHandles="1" noChangeArrowheads="1" noChangeShapeType="1" noTextEdit="1"/>
+          </p:cNvSpPr>
+          <p:nvPr>
+            <p:extLst>
+              <p:ext uri="{386F3935-93C4-4BCD-93E2-E3B085C9AB24}">
+                <p16:designElem xmlns:p16="http://schemas.microsoft.com/office/powerpoint/2015/main" val="1"/>
+              </p:ext>
+            </p:extLst>
+          </p:nvPr>
+        </p:nvSpPr>
+        <p:spPr>
+          <a:xfrm>
+            <a:off x="3175" y="6400800"/>
+            <a:ext cx="12188825" cy="457200"/>
+          </a:xfrm>
+          <a:prstGeom prst="rect">
+            <a:avLst/>
+          </a:prstGeom>
+          <a:solidFill>
+            <a:schemeClr val="accent1">
+              <a:lumMod val="75000"/>
+            </a:schemeClr>
+          </a:solidFill>
+          <a:ln>
+            <a:noFill/>
+          </a:ln>
+        </p:spPr>
+        <p:style>
+          <a:lnRef idx="2">
+            <a:schemeClr val="accent1">
+              <a:shade val="50000"/>
+            </a:schemeClr>
+          </a:lnRef>
+          <a:fillRef idx="1">
+            <a:schemeClr val="accent1"/>
+          </a:fillRef>
+          <a:effectRef idx="0">
+            <a:schemeClr val="accent1"/>
+          </a:effectRef>
+          <a:fontRef idx="minor">
+            <a:schemeClr val="lt1"/>
+          </a:fontRef>
+        </p:style>
+      </p:sp>
+      <p:sp>
+        <p:nvSpPr>
+          <p:cNvPr id="12" name="Rectangle 11">
+            <a:extLst>
+              <a:ext uri="{FF2B5EF4-FFF2-40B4-BE49-F238E27FC236}">
+                <a16:creationId xmlns:a16="http://schemas.microsoft.com/office/drawing/2014/main" id="{139F791B-8515-4F50-9D32-45DD7676C003}"/>
+              </a:ext>
+              <a:ext uri="{C183D7F6-B498-43B3-948B-1728B52AA6E4}">
+                <adec:decorative xmlns:adec="http://schemas.microsoft.com/office/drawing/2017/decorative" val="1"/>
+              </a:ext>
+            </a:extLst>
+          </p:cNvPr>
+          <p:cNvSpPr>
+            <a:spLocks noGrp="1" noRot="1" noChangeAspect="1" noMove="1" noResize="1" noEditPoints="1" noAdjustHandles="1" noChangeArrowheads="1" noChangeShapeType="1" noTextEdit="1"/>
+          </p:cNvSpPr>
+          <p:nvPr>
+            <p:extLst>
+              <p:ext uri="{386F3935-93C4-4BCD-93E2-E3B085C9AB24}">
+                <p16:designElem xmlns:p16="http://schemas.microsoft.com/office/powerpoint/2015/main" val="1"/>
+              </p:ext>
+            </p:extLst>
+          </p:nvPr>
+        </p:nvSpPr>
+        <p:spPr>
+          <a:xfrm>
+            <a:off x="15" y="6334316"/>
+            <a:ext cx="12188825" cy="64008"/>
+          </a:xfrm>
+          <a:prstGeom prst="rect">
+            <a:avLst/>
+          </a:prstGeom>
+          <a:solidFill>
+            <a:schemeClr val="accent1"/>
+          </a:solidFill>
+          <a:ln>
+            <a:noFill/>
+          </a:ln>
+        </p:spPr>
+        <p:style>
+          <a:lnRef idx="2">
+            <a:schemeClr val="accent1">
+              <a:shade val="50000"/>
+            </a:schemeClr>
+          </a:lnRef>
+          <a:fillRef idx="1">
+            <a:schemeClr val="accent1"/>
+          </a:fillRef>
+          <a:effectRef idx="0">
+            <a:schemeClr val="accent1"/>
+          </a:effectRef>
+          <a:fontRef idx="minor">
+            <a:schemeClr val="lt1"/>
+          </a:fontRef>
+        </p:style>
+      </p:sp>
+      <p:cxnSp>
+        <p:nvCxnSpPr>
+          <p:cNvPr id="14" name="Straight Connector 13">
+            <a:extLst>
+              <a:ext uri="{FF2B5EF4-FFF2-40B4-BE49-F238E27FC236}">
+                <a16:creationId xmlns:a16="http://schemas.microsoft.com/office/drawing/2014/main" id="{966A6F95-73C3-44EC-9D80-3131D2D868F1}"/>
+              </a:ext>
+              <a:ext uri="{C183D7F6-B498-43B3-948B-1728B52AA6E4}">
+                <adec:decorative xmlns:adec="http://schemas.microsoft.com/office/drawing/2017/decorative" val="1"/>
+              </a:ext>
+            </a:extLst>
+          </p:cNvPr>
+          <p:cNvCxnSpPr>
+            <a:cxnSpLocks noGrp="1" noRot="1" noChangeAspect="1" noMove="1" noResize="1" noEditPoints="1" noAdjustHandles="1" noChangeArrowheads="1" noChangeShapeType="1"/>
+          </p:cNvCxnSpPr>
+          <p:nvPr>
+            <p:extLst>
+              <p:ext uri="{386F3935-93C4-4BCD-93E2-E3B085C9AB24}">
+                <p16:designElem xmlns:p16="http://schemas.microsoft.com/office/powerpoint/2015/main" val="1"/>
+              </p:ext>
+            </p:extLst>
+          </p:nvPr>
+        </p:nvCxnSpPr>
+        <p:spPr>
+          <a:xfrm>
+            <a:off x="1207658" y="4343400"/>
+            <a:ext cx="9875520" cy="0"/>
+          </a:xfrm>
+          <a:prstGeom prst="line">
+            <a:avLst/>
+          </a:prstGeom>
+          <a:ln w="6350">
+            <a:solidFill>
+              <a:schemeClr val="tx1">
+                <a:lumMod val="50000"/>
+                <a:lumOff val="50000"/>
+              </a:schemeClr>
+            </a:solidFill>
+          </a:ln>
+        </p:spPr>
+        <p:style>
+          <a:lnRef idx="1">
+            <a:schemeClr val="accent1"/>
+          </a:lnRef>
+          <a:fillRef idx="0">
+            <a:schemeClr val="accent1"/>
+          </a:fillRef>
+          <a:effectRef idx="0">
+            <a:schemeClr val="accent1"/>
+          </a:effectRef>
+          <a:fontRef idx="minor">
+            <a:schemeClr val="tx1"/>
+          </a:fontRef>
+        </p:style>
+      </p:cxnSp>
+      <p:sp useBgFill="1">
+        <p:nvSpPr>
+          <p:cNvPr id="16" name="Rectangle 15">
+            <a:extLst>
+              <a:ext uri="{FF2B5EF4-FFF2-40B4-BE49-F238E27FC236}">
+                <a16:creationId xmlns:a16="http://schemas.microsoft.com/office/drawing/2014/main" id="{9A04B113-9C71-4645-B2B0-6C6E7B17C732}"/>
+              </a:ext>
+              <a:ext uri="{C183D7F6-B498-43B3-948B-1728B52AA6E4}">
+                <adec:decorative xmlns:adec="http://schemas.microsoft.com/office/drawing/2017/decorative" val="1"/>
+              </a:ext>
+            </a:extLst>
+          </p:cNvPr>
+          <p:cNvSpPr>
+            <a:spLocks noGrp="1" noRot="1" noChangeAspect="1" noMove="1" noResize="1" noEditPoints="1" noAdjustHandles="1" noChangeArrowheads="1" noChangeShapeType="1" noTextEdit="1"/>
+          </p:cNvSpPr>
+          <p:nvPr>
+            <p:extLst>
+              <p:ext uri="{386F3935-93C4-4BCD-93E2-E3B085C9AB24}">
+                <p16:designElem xmlns:p16="http://schemas.microsoft.com/office/powerpoint/2015/main" val="1"/>
+              </p:ext>
+            </p:extLst>
+          </p:nvPr>
+        </p:nvSpPr>
+        <p:spPr>
+          <a:xfrm>
+            <a:off x="0" y="0"/>
+            <a:ext cx="12192000" cy="6858000"/>
+          </a:xfrm>
+          <a:prstGeom prst="rect">
+            <a:avLst/>
+          </a:prstGeom>
+          <a:ln>
+            <a:noFill/>
+          </a:ln>
+        </p:spPr>
+        <p:style>
+          <a:lnRef idx="2">
+            <a:schemeClr val="accent1">
+              <a:shade val="50000"/>
+            </a:schemeClr>
+          </a:lnRef>
+          <a:fillRef idx="1001">
+            <a:schemeClr val="lt1"/>
+          </a:fillRef>
+          <a:effectRef idx="0">
+            <a:schemeClr val="accent1"/>
+          </a:effectRef>
+          <a:fontRef idx="minor">
+            <a:schemeClr val="lt1"/>
+          </a:fontRef>
+        </p:style>
+        <p:txBody>
+          <a:bodyPr rtlCol="0" anchor="ctr"/>
+          <a:lstStyle/>
+          <a:p>
+            <a:pPr algn="ctr"/>
+            <a:endParaRPr lang="en-US"/>
+          </a:p>
+        </p:txBody>
+      </p:sp>
+      <p:pic>
+        <p:nvPicPr>
+          <p:cNvPr id="7" name="Graphic 6" descr="Wrench">
+            <a:extLst>
+              <a:ext uri="{FF2B5EF4-FFF2-40B4-BE49-F238E27FC236}">
+                <a16:creationId xmlns:a16="http://schemas.microsoft.com/office/drawing/2014/main" id="{CA0CE017-33ED-48D3-98B7-07D536D8EDCC}"/>
+              </a:ext>
+            </a:extLst>
+          </p:cNvPr>
+          <p:cNvPicPr>
+            <a:picLocks noChangeAspect="1"/>
+          </p:cNvPicPr>
+          <p:nvPr/>
+        </p:nvPicPr>
+        <p:blipFill>
+          <a:blip r:embed="rId2">
+            <a:extLst>
+              <a:ext uri="{28A0092B-C50C-407E-A947-70E740481C1C}">
+                <a14:useLocalDpi xmlns:a14="http://schemas.microsoft.com/office/drawing/2010/main" val="0"/>
+              </a:ext>
+              <a:ext uri="{96DAC541-7B7A-43D3-8B79-37D633B846F1}">
+                <asvg:svgBlip xmlns:asvg="http://schemas.microsoft.com/office/drawing/2016/SVG/main" r:embed="rId3"/>
+              </a:ext>
+            </a:extLst>
+          </a:blip>
+          <a:stretch>
+            <a:fillRect/>
+          </a:stretch>
+        </p:blipFill>
+        <p:spPr>
+          <a:xfrm>
+            <a:off x="982912" y="640080"/>
+            <a:ext cx="5577840" cy="5577840"/>
+          </a:xfrm>
+          <a:prstGeom prst="rect">
+            <a:avLst/>
+          </a:prstGeom>
+        </p:spPr>
+      </p:pic>
+      <p:sp>
+        <p:nvSpPr>
+          <p:cNvPr id="18" name="Rectangle 17">
+            <a:extLst>
+              <a:ext uri="{FF2B5EF4-FFF2-40B4-BE49-F238E27FC236}">
+                <a16:creationId xmlns:a16="http://schemas.microsoft.com/office/drawing/2014/main" id="{D115AD00-405D-4A85-8201-260CF683D536}"/>
+              </a:ext>
+              <a:ext uri="{C183D7F6-B498-43B3-948B-1728B52AA6E4}">
+                <adec:decorative xmlns:adec="http://schemas.microsoft.com/office/drawing/2017/decorative" val="1"/>
+              </a:ext>
+            </a:extLst>
+          </p:cNvPr>
+          <p:cNvSpPr>
+            <a:spLocks noGrp="1" noRot="1" noChangeAspect="1" noMove="1" noResize="1" noEditPoints="1" noAdjustHandles="1" noChangeArrowheads="1" noChangeShapeType="1" noTextEdit="1"/>
+          </p:cNvSpPr>
+          <p:nvPr>
+            <p:extLst>
+              <p:ext uri="{386F3935-93C4-4BCD-93E2-E3B085C9AB24}">
+                <p16:designElem xmlns:p16="http://schemas.microsoft.com/office/powerpoint/2015/main" val="1"/>
+              </p:ext>
+            </p:extLst>
+          </p:nvPr>
+        </p:nvSpPr>
+        <p:spPr bwMode="white">
+          <a:xfrm>
+            <a:off x="7613486" y="0"/>
+            <a:ext cx="4584734" cy="6858000"/>
+          </a:xfrm>
+          <a:prstGeom prst="rect">
+            <a:avLst/>
+          </a:prstGeom>
+          <a:solidFill>
+            <a:schemeClr val="accent1">
+              <a:lumMod val="75000"/>
+            </a:schemeClr>
+          </a:solidFill>
+          <a:ln>
+            <a:noFill/>
+          </a:ln>
+        </p:spPr>
+        <p:style>
+          <a:lnRef idx="2">
+            <a:schemeClr val="accent1">
+              <a:shade val="50000"/>
+            </a:schemeClr>
+          </a:lnRef>
+          <a:fillRef idx="1">
+            <a:schemeClr val="accent1"/>
+          </a:fillRef>
+          <a:effectRef idx="0">
+            <a:schemeClr val="accent1"/>
+          </a:effectRef>
+          <a:fontRef idx="minor">
+            <a:schemeClr val="lt1"/>
+          </a:fontRef>
+        </p:style>
+      </p:sp>
+      <p:sp>
+        <p:nvSpPr>
+          <p:cNvPr id="2" name="Title 1">
+            <a:extLst>
+              <a:ext uri="{FF2B5EF4-FFF2-40B4-BE49-F238E27FC236}">
+                <a16:creationId xmlns:a16="http://schemas.microsoft.com/office/drawing/2014/main" id="{CCFA69AD-BB01-4B6C-8826-FEDA3D69DDE0}"/>
+              </a:ext>
+            </a:extLst>
+          </p:cNvPr>
+          <p:cNvSpPr>
+            <a:spLocks noGrp="1"/>
+          </p:cNvSpPr>
+          <p:nvPr>
+            <p:ph type="title"/>
+          </p:nvPr>
+        </p:nvSpPr>
+        <p:spPr>
+          <a:xfrm>
+            <a:off x="8096885" y="640080"/>
+            <a:ext cx="3659246" cy="2926080"/>
+          </a:xfrm>
+        </p:spPr>
+        <p:txBody>
+          <a:bodyPr vert="horz" lIns="91440" tIns="45720" rIns="91440" bIns="45720" rtlCol="0" anchor="b">
+            <a:normAutofit/>
+          </a:bodyPr>
+          <a:lstStyle/>
+          <a:p>
+            <a:r>
+              <a:rPr lang="en-US" sz="4400">
+                <a:solidFill>
+                  <a:srgbClr val="FFFFFF"/>
+                </a:solidFill>
+              </a:rPr>
+              <a:t>We will learn to fix Swagger with Versioning!!</a:t>
+            </a:r>
+          </a:p>
+        </p:txBody>
+      </p:sp>
+      <p:sp>
+        <p:nvSpPr>
+          <p:cNvPr id="20" name="Rectangle 19">
+            <a:extLst>
+              <a:ext uri="{FF2B5EF4-FFF2-40B4-BE49-F238E27FC236}">
+                <a16:creationId xmlns:a16="http://schemas.microsoft.com/office/drawing/2014/main" id="{2929C476-8F84-427E-8917-CE08130A085A}"/>
+              </a:ext>
+              <a:ext uri="{C183D7F6-B498-43B3-948B-1728B52AA6E4}">
+                <adec:decorative xmlns:adec="http://schemas.microsoft.com/office/drawing/2017/decorative" val="1"/>
+              </a:ext>
+            </a:extLst>
+          </p:cNvPr>
+          <p:cNvSpPr>
+            <a:spLocks noGrp="1" noRot="1" noChangeAspect="1" noMove="1" noResize="1" noEditPoints="1" noAdjustHandles="1" noChangeArrowheads="1" noChangeShapeType="1" noTextEdit="1"/>
+          </p:cNvSpPr>
+          <p:nvPr>
+            <p:extLst>
+              <p:ext uri="{386F3935-93C4-4BCD-93E2-E3B085C9AB24}">
+                <p16:designElem xmlns:p16="http://schemas.microsoft.com/office/powerpoint/2015/main" val="1"/>
+              </p:ext>
+            </p:extLst>
+          </p:nvPr>
+        </p:nvSpPr>
+        <p:spPr>
+          <a:xfrm>
+            <a:off x="7556906" y="0"/>
+            <a:ext cx="64008" cy="6858000"/>
+          </a:xfrm>
+          <a:prstGeom prst="rect">
+            <a:avLst/>
+          </a:prstGeom>
+          <a:solidFill>
+            <a:schemeClr val="accent1"/>
+          </a:solidFill>
+          <a:ln>
+            <a:noFill/>
+          </a:ln>
+        </p:spPr>
+        <p:style>
+          <a:lnRef idx="2">
+            <a:schemeClr val="accent1">
+              <a:shade val="50000"/>
+            </a:schemeClr>
+          </a:lnRef>
+          <a:fillRef idx="1">
+            <a:schemeClr val="accent1"/>
+          </a:fillRef>
+          <a:effectRef idx="0">
+            <a:schemeClr val="accent1"/>
+          </a:effectRef>
+          <a:fontRef idx="minor">
+            <a:schemeClr val="lt1"/>
+          </a:fontRef>
+        </p:style>
+      </p:sp>
+    </p:spTree>
+    <p:extLst>
+      <p:ext uri="{BB962C8B-B14F-4D97-AF65-F5344CB8AC3E}">
+        <p14:creationId xmlns:p14="http://schemas.microsoft.com/office/powerpoint/2010/main" val="3982570963"/>
       </p:ext>
     </p:extLst>
   </p:cSld>
